--- a/clase1/teorica_1.pptx
+++ b/clase1/teorica_1.pptx
@@ -11102,10 +11102,34 @@
               <a:buNone/>
             </a:pPr>
             <a:r>
-              <a:rPr lang="en-GB"/>
-              <a:t>Módulo 3: Introducción al modelado de datos</a:t>
-            </a:r>
-            <a:endParaRPr/>
+              <a:rPr lang="en-GB" dirty="0" err="1"/>
+              <a:t>Módulo</a:t>
+            </a:r>
+            <a:r>
+              <a:rPr lang="en-GB" dirty="0"/>
+              <a:t> 3: </a:t>
+            </a:r>
+            <a:r>
+              <a:rPr lang="en-GB" dirty="0" err="1"/>
+              <a:t>Introducción</a:t>
+            </a:r>
+            <a:r>
+              <a:rPr lang="en-GB" dirty="0"/>
+              <a:t> al </a:t>
+            </a:r>
+            <a:r>
+              <a:rPr lang="en-GB" dirty="0" err="1"/>
+              <a:t>modelado</a:t>
+            </a:r>
+            <a:r>
+              <a:rPr lang="en-GB" dirty="0"/>
+              <a:t> de </a:t>
+            </a:r>
+            <a:r>
+              <a:rPr lang="en-GB" dirty="0" err="1"/>
+              <a:t>datos</a:t>
+            </a:r>
+            <a:endParaRPr dirty="0"/>
           </a:p>
         </p:txBody>
       </p:sp>
@@ -11197,15 +11221,15 @@
             </a:r>
             <a:r>
               <a:rPr lang="en-GB" dirty="0"/>
-              <a:t> (IDAES-UNSAM) – </a:t>
+              <a:t> (IDAES-UNSAM) – Agosto/</a:t>
             </a:r>
             <a:r>
               <a:rPr lang="en-GB" dirty="0" err="1"/>
-              <a:t>Marzo</a:t>
-            </a:r>
-            <a:r>
-              <a:rPr lang="en-GB" dirty="0"/>
-              <a:t>/Abril 2023</a:t>
+              <a:t>Septiembre</a:t>
+            </a:r>
+            <a:r>
+              <a:rPr lang="en-GB"/>
+              <a:t> 2023</a:t>
             </a:r>
             <a:endParaRPr dirty="0"/>
           </a:p>
@@ -13188,7 +13212,7 @@
                   <a:schemeClr val="bg2"/>
                 </a:solidFill>
               </a:rPr>
-              <a:t>Carolina </a:t>
+              <a:t>Karina </a:t>
             </a:r>
           </a:p>
           <a:p>
@@ -13210,7 +13234,7 @@
                   <a:schemeClr val="bg2"/>
                 </a:solidFill>
               </a:rPr>
-              <a:t>Pradier</a:t>
+              <a:t>Bartolomé</a:t>
             </a:r>
           </a:p>
           <a:p>
@@ -13227,7 +13251,7 @@
               <a:buSzPts val="1800"/>
               <a:buNone/>
             </a:pPr>
-            <a:endParaRPr dirty="0"/>
+            <a:endParaRPr sz="2400" dirty="0"/>
           </a:p>
           <a:p>
             <a:pPr lvl="0" algn="l" rtl="0">
@@ -13250,15 +13274,7 @@
             </a:r>
             <a:r>
               <a:rPr lang="en-GB" dirty="0"/>
-              <a:t> </a:t>
-            </a:r>
-            <a:r>
-              <a:rPr lang="en-GB" dirty="0" err="1"/>
-              <a:t>Economía</a:t>
-            </a:r>
-            <a:r>
-              <a:rPr lang="en-GB" dirty="0"/>
-              <a:t> UBA</a:t>
+              <a:t>. Economía UNLP</a:t>
             </a:r>
           </a:p>
           <a:p>
@@ -13278,37 +13294,8 @@
             </a:pPr>
             <a:r>
               <a:rPr lang="es-AR" dirty="0"/>
-              <a:t>Becaria </a:t>
-            </a:r>
-            <a:r>
-              <a:rPr lang="es-AR" dirty="0" err="1"/>
-              <a:t>UBACyT</a:t>
-            </a:r>
-            <a:r>
-              <a:rPr lang="es-AR" dirty="0"/>
-              <a:t> Maestría – CEPED</a:t>
-            </a:r>
-          </a:p>
-          <a:p>
-            <a:pPr lvl="0" algn="l" rtl="0">
-              <a:lnSpc>
-                <a:spcPct val="115000"/>
-              </a:lnSpc>
-              <a:spcBef>
-                <a:spcPts val="0"/>
-              </a:spcBef>
-              <a:spcAft>
-                <a:spcPts val="0"/>
-              </a:spcAft>
-              <a:buSzPts val="1800"/>
-              <a:buFont typeface="Wingdings" panose="05000000000000000000" pitchFamily="2" charset="2"/>
-              <a:buChar char="§"/>
-            </a:pPr>
-            <a:r>
-              <a:rPr lang="es-AR" dirty="0" err="1"/>
-              <a:t>ecofemidata</a:t>
-            </a:r>
-            <a:endParaRPr dirty="0"/>
+              <a:t>Especialista en métodos cuantitativos - UBA</a:t>
+            </a:r>
           </a:p>
           <a:p>
             <a:pPr marL="0" lvl="0" indent="0" algn="l" rtl="0">
@@ -13396,7 +13383,7 @@
               <a:buNone/>
             </a:pPr>
             <a:r>
-              <a:rPr lang="es-AR" sz="2400" b="1" dirty="0" err="1">
+              <a:rPr lang="es-AR" sz="2400" b="1" dirty="0">
                 <a:solidFill>
                   <a:schemeClr val="bg2"/>
                 </a:solidFill>
@@ -13445,15 +13432,7 @@
             </a:r>
             <a:r>
               <a:rPr lang="en-GB" dirty="0"/>
-              <a:t> </a:t>
-            </a:r>
-            <a:r>
-              <a:rPr lang="en-GB" dirty="0" err="1"/>
-              <a:t>Economía</a:t>
-            </a:r>
-            <a:r>
-              <a:rPr lang="en-GB" dirty="0"/>
-              <a:t> UBA</a:t>
+              <a:t>. Economía  - UBA</a:t>
             </a:r>
             <a:endParaRPr dirty="0"/>
           </a:p>
@@ -13478,11 +13457,11 @@
             </a:r>
             <a:r>
               <a:rPr lang="en-GB" dirty="0"/>
-              <a:t> Doctoral CONICET</a:t>
+              <a:t> Doctoral – CONICET</a:t>
             </a:r>
             <a:r>
               <a:rPr lang="es-AR" dirty="0"/>
-              <a:t> - CEPED</a:t>
+              <a:t>/CEPED</a:t>
             </a:r>
             <a:endParaRPr dirty="0"/>
           </a:p>
@@ -20715,19 +20694,19 @@
             </a:pPr>
             <a:r>
               <a:rPr lang="en-GB" dirty="0"/>
-              <a:t>El martes que </a:t>
+              <a:t>La </a:t>
+            </a:r>
+            <a:r>
+              <a:rPr lang="en-GB" dirty="0" err="1"/>
+              <a:t>clase</a:t>
+            </a:r>
+            <a:r>
+              <a:rPr lang="en-GB" dirty="0"/>
+              <a:t> que </a:t>
             </a:r>
             <a:r>
               <a:rPr lang="en-GB" dirty="0" err="1"/>
               <a:t>viene</a:t>
-            </a:r>
-            <a:r>
-              <a:rPr lang="en-GB" dirty="0"/>
-              <a:t>, 14 de </a:t>
-            </a:r>
-            <a:r>
-              <a:rPr lang="en-GB" dirty="0" err="1"/>
-              <a:t>marzo</a:t>
             </a:r>
             <a:endParaRPr dirty="0"/>
           </a:p>
@@ -20998,7 +20977,7 @@
           <p:nvPr>
             <p:extLst>
               <p:ext uri="{D42A27DB-BD31-4B8C-83A1-F6EECF244321}">
-                <p14:modId xmlns:p14="http://schemas.microsoft.com/office/powerpoint/2010/main" val="652143559"/>
+                <p14:modId xmlns:p14="http://schemas.microsoft.com/office/powerpoint/2010/main" val="3433493774"/>
               </p:ext>
             </p:extLst>
           </p:nvPr>
@@ -21499,7 +21478,7 @@
                           <a:cs typeface="Proxima Nova"/>
                           <a:sym typeface="Proxima Nova"/>
                         </a:rPr>
-                        <a:t>7/3</a:t>
+                        <a:t>10/8</a:t>
                       </a:r>
                       <a:endParaRPr dirty="0">
                         <a:latin typeface="Proxima Nova"/>
@@ -21854,7 +21833,7 @@
                           <a:cs typeface="Proxima Nova"/>
                           <a:sym typeface="Proxima Nova"/>
                         </a:rPr>
-                        <a:t>14/3</a:t>
+                        <a:t>17/8</a:t>
                       </a:r>
                     </a:p>
                   </a:txBody>
@@ -22253,7 +22232,7 @@
                           <a:cs typeface="Proxima Nova"/>
                           <a:sym typeface="Proxima Nova"/>
                         </a:rPr>
-                        <a:t>21/3</a:t>
+                        <a:t>24/8</a:t>
                       </a:r>
                     </a:p>
                   </a:txBody>
@@ -22623,7 +22602,7 @@
                           <a:cs typeface="Proxima Nova"/>
                           <a:sym typeface="Proxima Nova"/>
                         </a:rPr>
-                        <a:t>28/3</a:t>
+                        <a:t>31/8</a:t>
                       </a:r>
                     </a:p>
                   </a:txBody>
@@ -23011,7 +22990,7 @@
                           <a:cs typeface="Proxima Nova"/>
                           <a:sym typeface="Proxima Nova"/>
                         </a:rPr>
-                        <a:t>4/4</a:t>
+                        <a:t>7/9</a:t>
                       </a:r>
                     </a:p>
                   </a:txBody>
@@ -23092,7 +23071,7 @@
                           <a:cs typeface="Proxima Nova"/>
                           <a:sym typeface="Proxima Nova"/>
                         </a:rPr>
-                        <a:t> 2 - LDA, KNN</a:t>
+                        <a:t> 2 - KNN</a:t>
                       </a:r>
                       <a:endParaRPr dirty="0">
                         <a:latin typeface="Proxima Nova"/>
@@ -23351,7 +23330,7 @@
                           <a:cs typeface="Proxima Nova"/>
                           <a:sym typeface="Proxima Nova"/>
                         </a:rPr>
-                        <a:t>11/4</a:t>
+                        <a:t>14/9</a:t>
                       </a:r>
                     </a:p>
                   </a:txBody>

--- a/clase1/teorica_1.pptx
+++ b/clase1/teorica_1.pptx
@@ -12251,7 +12251,15 @@
             </a:r>
             <a:r>
               <a:rPr lang="es-AR" dirty="0"/>
-              <a:t> de nuestros resultados dependen de una serie de </a:t>
+              <a:t> de nuestros </a:t>
+            </a:r>
+            <a:r>
+              <a:rPr lang="es-AR"/>
+              <a:t>resultados depende </a:t>
+            </a:r>
+            <a:r>
+              <a:rPr lang="es-AR" dirty="0"/>
+              <a:t>de una serie de </a:t>
             </a:r>
             <a:r>
               <a:rPr lang="es-AR" b="1" dirty="0"/>

--- a/clase1/teorica_1.pptx
+++ b/clase1/teorica_1.pptx
@@ -5,7 +5,7 @@
     <p:sldMasterId id="2147483659" r:id="rId1"/>
   </p:sldMasterIdLst>
   <p:notesMasterIdLst>
-    <p:notesMasterId r:id="rId48"/>
+    <p:notesMasterId r:id="rId51"/>
   </p:notesMasterIdLst>
   <p:sldIdLst>
     <p:sldId id="256" r:id="rId2"/>
@@ -42,32 +42,35 @@
     <p:sldId id="289" r:id="rId33"/>
     <p:sldId id="290" r:id="rId34"/>
     <p:sldId id="291" r:id="rId35"/>
-    <p:sldId id="305" r:id="rId36"/>
+    <p:sldId id="329" r:id="rId36"/>
     <p:sldId id="307" r:id="rId37"/>
-    <p:sldId id="292" r:id="rId38"/>
-    <p:sldId id="310" r:id="rId39"/>
-    <p:sldId id="311" r:id="rId40"/>
-    <p:sldId id="297" r:id="rId41"/>
-    <p:sldId id="308" r:id="rId42"/>
-    <p:sldId id="298" r:id="rId43"/>
-    <p:sldId id="309" r:id="rId44"/>
-    <p:sldId id="295" r:id="rId45"/>
-    <p:sldId id="296" r:id="rId46"/>
-    <p:sldId id="312" r:id="rId47"/>
+    <p:sldId id="331" r:id="rId38"/>
+    <p:sldId id="332" r:id="rId39"/>
+    <p:sldId id="305" r:id="rId40"/>
+    <p:sldId id="292" r:id="rId41"/>
+    <p:sldId id="310" r:id="rId42"/>
+    <p:sldId id="311" r:id="rId43"/>
+    <p:sldId id="297" r:id="rId44"/>
+    <p:sldId id="308" r:id="rId45"/>
+    <p:sldId id="298" r:id="rId46"/>
+    <p:sldId id="309" r:id="rId47"/>
+    <p:sldId id="295" r:id="rId48"/>
+    <p:sldId id="296" r:id="rId49"/>
+    <p:sldId id="312" r:id="rId50"/>
   </p:sldIdLst>
   <p:sldSz cx="9144000" cy="5143500" type="screen16x9"/>
   <p:notesSz cx="6858000" cy="9144000"/>
   <p:embeddedFontLst>
     <p:embeddedFont>
       <p:font typeface="Cambria Math" panose="02040503050406030204" pitchFamily="18" charset="0"/>
-      <p:regular r:id="rId49"/>
+      <p:regular r:id="rId52"/>
     </p:embeddedFont>
     <p:embeddedFont>
       <p:font typeface="Proxima Nova" panose="020B0604020202020204" charset="0"/>
-      <p:regular r:id="rId50"/>
-      <p:bold r:id="rId51"/>
-      <p:italic r:id="rId52"/>
-      <p:boldItalic r:id="rId53"/>
+      <p:regular r:id="rId53"/>
+      <p:bold r:id="rId54"/>
+      <p:italic r:id="rId55"/>
+      <p:boldItalic r:id="rId56"/>
     </p:embeddedFont>
   </p:embeddedFontLst>
   <p:defaultTextStyle>
@@ -3721,7 +3724,7 @@
   <p:cSld>
     <p:spTree>
       <p:nvGrpSpPr>
-        <p:cNvPr id="1" name="Shape 280"/>
+        <p:cNvPr id="1" name="Shape 149"/>
         <p:cNvGrpSpPr/>
         <p:nvPr/>
       </p:nvGrpSpPr>
@@ -3735,7 +3738,7 @@
       </p:grpSpPr>
       <p:sp>
         <p:nvSpPr>
-          <p:cNvPr id="281" name="Google Shape;281;ge626d24df6_0_192:notes"/>
+          <p:cNvPr id="150" name="Google Shape;150;ge626d24df6_0_216:notes"/>
           <p:cNvSpPr>
             <a:spLocks noGrp="1" noRot="1" noChangeAspect="1"/>
           </p:cNvSpPr>
@@ -3776,7 +3779,7 @@
       </p:sp>
       <p:sp>
         <p:nvSpPr>
-          <p:cNvPr id="282" name="Google Shape;282;ge626d24df6_0_192:notes"/>
+          <p:cNvPr id="151" name="Google Shape;151;ge626d24df6_0_216:notes"/>
           <p:cNvSpPr txBox="1">
             <a:spLocks noGrp="1"/>
           </p:cNvSpPr>
@@ -3808,14 +3811,14 @@
               </a:spcAft>
               <a:buNone/>
             </a:pPr>
-            <a:endParaRPr/>
+            <a:endParaRPr dirty="0"/>
           </a:p>
         </p:txBody>
       </p:sp>
     </p:spTree>
     <p:extLst>
       <p:ext uri="{BB962C8B-B14F-4D97-AF65-F5344CB8AC3E}">
-        <p14:creationId xmlns:p14="http://schemas.microsoft.com/office/powerpoint/2010/main" val="806997991"/>
+        <p14:creationId xmlns:p14="http://schemas.microsoft.com/office/powerpoint/2010/main" val="2966448290"/>
       </p:ext>
     </p:extLst>
   </p:cSld>
@@ -3939,7 +3942,7 @@
   <p:cSld>
     <p:spTree>
       <p:nvGrpSpPr>
-        <p:cNvPr id="1" name="Shape 280"/>
+        <p:cNvPr id="1" name="Shape 149"/>
         <p:cNvGrpSpPr/>
         <p:nvPr/>
       </p:nvGrpSpPr>
@@ -3953,7 +3956,7 @@
       </p:grpSpPr>
       <p:sp>
         <p:nvSpPr>
-          <p:cNvPr id="281" name="Google Shape;281;ge626d24df6_0_192:notes"/>
+          <p:cNvPr id="150" name="Google Shape;150;ge626d24df6_0_216:notes"/>
           <p:cNvSpPr>
             <a:spLocks noGrp="1" noRot="1" noChangeAspect="1"/>
           </p:cNvSpPr>
@@ -3994,7 +3997,7 @@
       </p:sp>
       <p:sp>
         <p:nvSpPr>
-          <p:cNvPr id="282" name="Google Shape;282;ge626d24df6_0_192:notes"/>
+          <p:cNvPr id="151" name="Google Shape;151;ge626d24df6_0_216:notes"/>
           <p:cNvSpPr txBox="1">
             <a:spLocks noGrp="1"/>
           </p:cNvSpPr>
@@ -4026,11 +4029,16 @@
               </a:spcAft>
               <a:buNone/>
             </a:pPr>
-            <a:endParaRPr/>
+            <a:endParaRPr dirty="0"/>
           </a:p>
         </p:txBody>
       </p:sp>
     </p:spTree>
+    <p:extLst>
+      <p:ext uri="{BB962C8B-B14F-4D97-AF65-F5344CB8AC3E}">
+        <p14:creationId xmlns:p14="http://schemas.microsoft.com/office/powerpoint/2010/main" val="2120067776"/>
+      </p:ext>
+    </p:extLst>
   </p:cSld>
   <p:clrMapOvr>
     <a:masterClrMapping/>
@@ -4137,7 +4145,7 @@
     </p:spTree>
     <p:extLst>
       <p:ext uri="{BB962C8B-B14F-4D97-AF65-F5344CB8AC3E}">
-        <p14:creationId xmlns:p14="http://schemas.microsoft.com/office/powerpoint/2010/main" val="2513331678"/>
+        <p14:creationId xmlns:p14="http://schemas.microsoft.com/office/powerpoint/2010/main" val="2232112900"/>
       </p:ext>
     </p:extLst>
   </p:cSld>
@@ -4246,7 +4254,7 @@
     </p:spTree>
     <p:extLst>
       <p:ext uri="{BB962C8B-B14F-4D97-AF65-F5344CB8AC3E}">
-        <p14:creationId xmlns:p14="http://schemas.microsoft.com/office/powerpoint/2010/main" val="30217492"/>
+        <p14:creationId xmlns:p14="http://schemas.microsoft.com/office/powerpoint/2010/main" val="806997991"/>
       </p:ext>
     </p:extLst>
   </p:cSld>
@@ -4365,6 +4373,328 @@
   <p:cSld>
     <p:spTree>
       <p:nvGrpSpPr>
+        <p:cNvPr id="1" name="Shape 280"/>
+        <p:cNvGrpSpPr/>
+        <p:nvPr/>
+      </p:nvGrpSpPr>
+      <p:grpSpPr>
+        <a:xfrm>
+          <a:off x="0" y="0"/>
+          <a:ext cx="0" cy="0"/>
+          <a:chOff x="0" y="0"/>
+          <a:chExt cx="0" cy="0"/>
+        </a:xfrm>
+      </p:grpSpPr>
+      <p:sp>
+        <p:nvSpPr>
+          <p:cNvPr id="281" name="Google Shape;281;ge626d24df6_0_192:notes"/>
+          <p:cNvSpPr>
+            <a:spLocks noGrp="1" noRot="1" noChangeAspect="1"/>
+          </p:cNvSpPr>
+          <p:nvPr>
+            <p:ph type="sldImg" idx="2"/>
+          </p:nvPr>
+        </p:nvSpPr>
+        <p:spPr>
+          <a:xfrm>
+            <a:off x="381000" y="685800"/>
+            <a:ext cx="6096000" cy="3429000"/>
+          </a:xfrm>
+          <a:custGeom>
+            <a:avLst/>
+            <a:gdLst/>
+            <a:ahLst/>
+            <a:cxnLst/>
+            <a:rect l="l" t="t" r="r" b="b"/>
+            <a:pathLst>
+              <a:path w="120000" h="120000" extrusionOk="0">
+                <a:moveTo>
+                  <a:pt x="0" y="0"/>
+                </a:moveTo>
+                <a:lnTo>
+                  <a:pt x="120000" y="0"/>
+                </a:lnTo>
+                <a:lnTo>
+                  <a:pt x="120000" y="120000"/>
+                </a:lnTo>
+                <a:lnTo>
+                  <a:pt x="0" y="120000"/>
+                </a:lnTo>
+                <a:close/>
+              </a:path>
+            </a:pathLst>
+          </a:custGeom>
+        </p:spPr>
+      </p:sp>
+      <p:sp>
+        <p:nvSpPr>
+          <p:cNvPr id="282" name="Google Shape;282;ge626d24df6_0_192:notes"/>
+          <p:cNvSpPr txBox="1">
+            <a:spLocks noGrp="1"/>
+          </p:cNvSpPr>
+          <p:nvPr>
+            <p:ph type="body" idx="1"/>
+          </p:nvPr>
+        </p:nvSpPr>
+        <p:spPr>
+          <a:xfrm>
+            <a:off x="685800" y="4343400"/>
+            <a:ext cx="5486400" cy="4114800"/>
+          </a:xfrm>
+          <a:prstGeom prst="rect">
+            <a:avLst/>
+          </a:prstGeom>
+        </p:spPr>
+        <p:txBody>
+          <a:bodyPr spcFirstLastPara="1" wrap="square" lIns="91425" tIns="91425" rIns="91425" bIns="91425" anchor="t" anchorCtr="0">
+            <a:noAutofit/>
+          </a:bodyPr>
+          <a:lstStyle/>
+          <a:p>
+            <a:pPr marL="0" lvl="0" indent="0" algn="l" rtl="0">
+              <a:spcBef>
+                <a:spcPts val="0"/>
+              </a:spcBef>
+              <a:spcAft>
+                <a:spcPts val="0"/>
+              </a:spcAft>
+              <a:buNone/>
+            </a:pPr>
+            <a:endParaRPr/>
+          </a:p>
+        </p:txBody>
+      </p:sp>
+    </p:spTree>
+  </p:cSld>
+  <p:clrMapOvr>
+    <a:masterClrMapping/>
+  </p:clrMapOvr>
+</p:notes>
+</file>
+
+<file path=ppt/notesSlides/notesSlide41.xml><?xml version="1.0" encoding="utf-8"?>
+<p:notes xmlns:a="http://schemas.openxmlformats.org/drawingml/2006/main" xmlns:r="http://schemas.openxmlformats.org/officeDocument/2006/relationships" xmlns:p="http://schemas.openxmlformats.org/presentationml/2006/main" showMasterSp="0" showMasterPhAnim="0">
+  <p:cSld>
+    <p:spTree>
+      <p:nvGrpSpPr>
+        <p:cNvPr id="1" name="Shape 270"/>
+        <p:cNvGrpSpPr/>
+        <p:nvPr/>
+      </p:nvGrpSpPr>
+      <p:grpSpPr>
+        <a:xfrm>
+          <a:off x="0" y="0"/>
+          <a:ext cx="0" cy="0"/>
+          <a:chOff x="0" y="0"/>
+          <a:chExt cx="0" cy="0"/>
+        </a:xfrm>
+      </p:grpSpPr>
+      <p:sp>
+        <p:nvSpPr>
+          <p:cNvPr id="271" name="Google Shape;271;ge626d24df6_0_261:notes"/>
+          <p:cNvSpPr>
+            <a:spLocks noGrp="1" noRot="1" noChangeAspect="1"/>
+          </p:cNvSpPr>
+          <p:nvPr>
+            <p:ph type="sldImg" idx="2"/>
+          </p:nvPr>
+        </p:nvSpPr>
+        <p:spPr>
+          <a:xfrm>
+            <a:off x="381000" y="685800"/>
+            <a:ext cx="6096000" cy="3429000"/>
+          </a:xfrm>
+          <a:custGeom>
+            <a:avLst/>
+            <a:gdLst/>
+            <a:ahLst/>
+            <a:cxnLst/>
+            <a:rect l="l" t="t" r="r" b="b"/>
+            <a:pathLst>
+              <a:path w="120000" h="120000" extrusionOk="0">
+                <a:moveTo>
+                  <a:pt x="0" y="0"/>
+                </a:moveTo>
+                <a:lnTo>
+                  <a:pt x="120000" y="0"/>
+                </a:lnTo>
+                <a:lnTo>
+                  <a:pt x="120000" y="120000"/>
+                </a:lnTo>
+                <a:lnTo>
+                  <a:pt x="0" y="120000"/>
+                </a:lnTo>
+                <a:close/>
+              </a:path>
+            </a:pathLst>
+          </a:custGeom>
+        </p:spPr>
+      </p:sp>
+      <p:sp>
+        <p:nvSpPr>
+          <p:cNvPr id="272" name="Google Shape;272;ge626d24df6_0_261:notes"/>
+          <p:cNvSpPr txBox="1">
+            <a:spLocks noGrp="1"/>
+          </p:cNvSpPr>
+          <p:nvPr>
+            <p:ph type="body" idx="1"/>
+          </p:nvPr>
+        </p:nvSpPr>
+        <p:spPr>
+          <a:xfrm>
+            <a:off x="685800" y="4343400"/>
+            <a:ext cx="5486400" cy="4114800"/>
+          </a:xfrm>
+          <a:prstGeom prst="rect">
+            <a:avLst/>
+          </a:prstGeom>
+        </p:spPr>
+        <p:txBody>
+          <a:bodyPr spcFirstLastPara="1" wrap="square" lIns="91425" tIns="91425" rIns="91425" bIns="91425" anchor="t" anchorCtr="0">
+            <a:noAutofit/>
+          </a:bodyPr>
+          <a:lstStyle/>
+          <a:p>
+            <a:pPr marL="0" lvl="0" indent="0" algn="l" rtl="0">
+              <a:spcBef>
+                <a:spcPts val="0"/>
+              </a:spcBef>
+              <a:spcAft>
+                <a:spcPts val="0"/>
+              </a:spcAft>
+              <a:buNone/>
+            </a:pPr>
+            <a:endParaRPr/>
+          </a:p>
+        </p:txBody>
+      </p:sp>
+    </p:spTree>
+    <p:extLst>
+      <p:ext uri="{BB962C8B-B14F-4D97-AF65-F5344CB8AC3E}">
+        <p14:creationId xmlns:p14="http://schemas.microsoft.com/office/powerpoint/2010/main" val="2513331678"/>
+      </p:ext>
+    </p:extLst>
+  </p:cSld>
+  <p:clrMapOvr>
+    <a:masterClrMapping/>
+  </p:clrMapOvr>
+</p:notes>
+</file>
+
+<file path=ppt/notesSlides/notesSlide42.xml><?xml version="1.0" encoding="utf-8"?>
+<p:notes xmlns:a="http://schemas.openxmlformats.org/drawingml/2006/main" xmlns:r="http://schemas.openxmlformats.org/officeDocument/2006/relationships" xmlns:p="http://schemas.openxmlformats.org/presentationml/2006/main" showMasterSp="0" showMasterPhAnim="0">
+  <p:cSld>
+    <p:spTree>
+      <p:nvGrpSpPr>
+        <p:cNvPr id="1" name="Shape 280"/>
+        <p:cNvGrpSpPr/>
+        <p:nvPr/>
+      </p:nvGrpSpPr>
+      <p:grpSpPr>
+        <a:xfrm>
+          <a:off x="0" y="0"/>
+          <a:ext cx="0" cy="0"/>
+          <a:chOff x="0" y="0"/>
+          <a:chExt cx="0" cy="0"/>
+        </a:xfrm>
+      </p:grpSpPr>
+      <p:sp>
+        <p:nvSpPr>
+          <p:cNvPr id="281" name="Google Shape;281;ge626d24df6_0_192:notes"/>
+          <p:cNvSpPr>
+            <a:spLocks noGrp="1" noRot="1" noChangeAspect="1"/>
+          </p:cNvSpPr>
+          <p:nvPr>
+            <p:ph type="sldImg" idx="2"/>
+          </p:nvPr>
+        </p:nvSpPr>
+        <p:spPr>
+          <a:xfrm>
+            <a:off x="381000" y="685800"/>
+            <a:ext cx="6096000" cy="3429000"/>
+          </a:xfrm>
+          <a:custGeom>
+            <a:avLst/>
+            <a:gdLst/>
+            <a:ahLst/>
+            <a:cxnLst/>
+            <a:rect l="l" t="t" r="r" b="b"/>
+            <a:pathLst>
+              <a:path w="120000" h="120000" extrusionOk="0">
+                <a:moveTo>
+                  <a:pt x="0" y="0"/>
+                </a:moveTo>
+                <a:lnTo>
+                  <a:pt x="120000" y="0"/>
+                </a:lnTo>
+                <a:lnTo>
+                  <a:pt x="120000" y="120000"/>
+                </a:lnTo>
+                <a:lnTo>
+                  <a:pt x="0" y="120000"/>
+                </a:lnTo>
+                <a:close/>
+              </a:path>
+            </a:pathLst>
+          </a:custGeom>
+        </p:spPr>
+      </p:sp>
+      <p:sp>
+        <p:nvSpPr>
+          <p:cNvPr id="282" name="Google Shape;282;ge626d24df6_0_192:notes"/>
+          <p:cNvSpPr txBox="1">
+            <a:spLocks noGrp="1"/>
+          </p:cNvSpPr>
+          <p:nvPr>
+            <p:ph type="body" idx="1"/>
+          </p:nvPr>
+        </p:nvSpPr>
+        <p:spPr>
+          <a:xfrm>
+            <a:off x="685800" y="4343400"/>
+            <a:ext cx="5486400" cy="4114800"/>
+          </a:xfrm>
+          <a:prstGeom prst="rect">
+            <a:avLst/>
+          </a:prstGeom>
+        </p:spPr>
+        <p:txBody>
+          <a:bodyPr spcFirstLastPara="1" wrap="square" lIns="91425" tIns="91425" rIns="91425" bIns="91425" anchor="t" anchorCtr="0">
+            <a:noAutofit/>
+          </a:bodyPr>
+          <a:lstStyle/>
+          <a:p>
+            <a:pPr marL="0" lvl="0" indent="0" algn="l" rtl="0">
+              <a:spcBef>
+                <a:spcPts val="0"/>
+              </a:spcBef>
+              <a:spcAft>
+                <a:spcPts val="0"/>
+              </a:spcAft>
+              <a:buNone/>
+            </a:pPr>
+            <a:endParaRPr/>
+          </a:p>
+        </p:txBody>
+      </p:sp>
+    </p:spTree>
+    <p:extLst>
+      <p:ext uri="{BB962C8B-B14F-4D97-AF65-F5344CB8AC3E}">
+        <p14:creationId xmlns:p14="http://schemas.microsoft.com/office/powerpoint/2010/main" val="30217492"/>
+      </p:ext>
+    </p:extLst>
+  </p:cSld>
+  <p:clrMapOvr>
+    <a:masterClrMapping/>
+  </p:clrMapOvr>
+</p:notes>
+</file>
+
+<file path=ppt/notesSlides/notesSlide43.xml><?xml version="1.0" encoding="utf-8"?>
+<p:notes xmlns:a="http://schemas.openxmlformats.org/drawingml/2006/main" xmlns:r="http://schemas.openxmlformats.org/officeDocument/2006/relationships" xmlns:p="http://schemas.openxmlformats.org/presentationml/2006/main" showMasterSp="0" showMasterPhAnim="0">
+  <p:cSld>
+    <p:spTree>
+      <p:nvGrpSpPr>
         <p:cNvPr id="1" name="Shape 275"/>
         <p:cNvGrpSpPr/>
         <p:nvPr/>
@@ -4469,7 +4799,7 @@
 </p:notes>
 </file>
 
-<file path=ppt/notesSlides/notesSlide41.xml><?xml version="1.0" encoding="utf-8"?>
+<file path=ppt/notesSlides/notesSlide44.xml><?xml version="1.0" encoding="utf-8"?>
 <p:notes xmlns:a="http://schemas.openxmlformats.org/drawingml/2006/main" xmlns:r="http://schemas.openxmlformats.org/officeDocument/2006/relationships" xmlns:p="http://schemas.openxmlformats.org/presentationml/2006/main" showMasterSp="0" showMasterPhAnim="0">
   <p:cSld>
     <p:spTree>
@@ -4578,7 +4908,7 @@
 </p:notes>
 </file>
 
-<file path=ppt/notesSlides/notesSlide42.xml><?xml version="1.0" encoding="utf-8"?>
+<file path=ppt/notesSlides/notesSlide45.xml><?xml version="1.0" encoding="utf-8"?>
 <p:notes xmlns:a="http://schemas.openxmlformats.org/drawingml/2006/main" xmlns:r="http://schemas.openxmlformats.org/officeDocument/2006/relationships" xmlns:p="http://schemas.openxmlformats.org/presentationml/2006/main" showMasterSp="0" showMasterPhAnim="0">
   <p:cSld>
     <p:spTree>
@@ -4687,7 +5017,7 @@
 </p:notes>
 </file>
 
-<file path=ppt/notesSlides/notesSlide43.xml><?xml version="1.0" encoding="utf-8"?>
+<file path=ppt/notesSlides/notesSlide46.xml><?xml version="1.0" encoding="utf-8"?>
 <p:notes xmlns:a="http://schemas.openxmlformats.org/drawingml/2006/main" xmlns:r="http://schemas.openxmlformats.org/officeDocument/2006/relationships" xmlns:p="http://schemas.openxmlformats.org/presentationml/2006/main" showMasterSp="0" showMasterPhAnim="0">
   <p:cSld>
     <p:spTree>
@@ -4796,7 +5126,7 @@
 </p:notes>
 </file>
 
-<file path=ppt/notesSlides/notesSlide44.xml><?xml version="1.0" encoding="utf-8"?>
+<file path=ppt/notesSlides/notesSlide47.xml><?xml version="1.0" encoding="utf-8"?>
 <p:notes xmlns:a="http://schemas.openxmlformats.org/drawingml/2006/main" xmlns:r="http://schemas.openxmlformats.org/officeDocument/2006/relationships" xmlns:p="http://schemas.openxmlformats.org/presentationml/2006/main" showMasterSp="0" showMasterPhAnim="0">
   <p:cSld>
     <p:spTree>
@@ -4900,7 +5230,7 @@
 </p:notes>
 </file>
 
-<file path=ppt/notesSlides/notesSlide45.xml><?xml version="1.0" encoding="utf-8"?>
+<file path=ppt/notesSlides/notesSlide48.xml><?xml version="1.0" encoding="utf-8"?>
 <p:notes xmlns:a="http://schemas.openxmlformats.org/drawingml/2006/main" xmlns:r="http://schemas.openxmlformats.org/officeDocument/2006/relationships" xmlns:p="http://schemas.openxmlformats.org/presentationml/2006/main" showMasterSp="0" showMasterPhAnim="0">
   <p:cSld>
     <p:spTree>
@@ -5004,7 +5334,7 @@
 </p:notes>
 </file>
 
-<file path=ppt/notesSlides/notesSlide46.xml><?xml version="1.0" encoding="utf-8"?>
+<file path=ppt/notesSlides/notesSlide49.xml><?xml version="1.0" encoding="utf-8"?>
 <p:notes xmlns:a="http://schemas.openxmlformats.org/drawingml/2006/main" xmlns:r="http://schemas.openxmlformats.org/officeDocument/2006/relationships" xmlns:p="http://schemas.openxmlformats.org/presentationml/2006/main" showMasterSp="0" showMasterPhAnim="0">
   <p:cSld>
     <p:spTree>
@@ -11221,15 +11551,7 @@
             </a:r>
             <a:r>
               <a:rPr lang="en-GB" dirty="0"/>
-              <a:t> (IDAES-UNSAM) – Agosto/</a:t>
-            </a:r>
-            <a:r>
-              <a:rPr lang="en-GB" dirty="0" err="1"/>
-              <a:t>Septiembre</a:t>
-            </a:r>
-            <a:r>
-              <a:rPr lang="en-GB"/>
-              <a:t> 2023</a:t>
+              <a:t> (IDAES-UNSAM)</a:t>
             </a:r>
             <a:endParaRPr dirty="0"/>
           </a:p>
@@ -16302,7 +16624,15 @@
             </a:r>
             <a:r>
               <a:rPr lang="en-GB" dirty="0"/>
-              <a:t> test de </a:t>
+              <a:t> </a:t>
+            </a:r>
+            <a:r>
+              <a:rPr lang="en-GB" i="1" dirty="0"/>
+              <a:t>set</a:t>
+            </a:r>
+            <a:r>
+              <a:rPr lang="en-GB" dirty="0"/>
+              <a:t> de </a:t>
             </a:r>
             <a:r>
               <a:rPr lang="en-GB" dirty="0" err="1"/>
@@ -16671,23 +17001,19 @@
             </a:pPr>
             <a:r>
               <a:rPr lang="en-GB" dirty="0"/>
-              <a:t>VIII. </a:t>
+              <a:t>VIII. Calidad del fit: Train-Test split y </a:t>
             </a:r>
             <a:r>
               <a:rPr lang="en-GB" dirty="0" err="1"/>
-              <a:t>Medidas</a:t>
+              <a:t>métricas</a:t>
             </a:r>
             <a:r>
               <a:rPr lang="en-GB" dirty="0"/>
-              <a:t> de la </a:t>
+              <a:t> </a:t>
             </a:r>
             <a:r>
               <a:rPr lang="en-GB" dirty="0" err="1"/>
-              <a:t>calidad</a:t>
-            </a:r>
-            <a:r>
-              <a:rPr lang="en-GB" dirty="0"/>
-              <a:t> del fit: set de training y set de testing</a:t>
+              <a:t>básicas</a:t>
             </a:r>
             <a:endParaRPr dirty="0"/>
           </a:p>
@@ -16702,6 +17028,1728 @@
 </file>
 
 <file path=ppt/slides/slide35.xml><?xml version="1.0" encoding="utf-8"?>
+<p:sld xmlns:a="http://schemas.openxmlformats.org/drawingml/2006/main" xmlns:r="http://schemas.openxmlformats.org/officeDocument/2006/relationships" xmlns:p="http://schemas.openxmlformats.org/presentationml/2006/main">
+  <p:cSld>
+    <p:spTree>
+      <p:nvGrpSpPr>
+        <p:cNvPr id="1" name="Shape 152"/>
+        <p:cNvGrpSpPr/>
+        <p:nvPr/>
+      </p:nvGrpSpPr>
+      <p:grpSpPr>
+        <a:xfrm>
+          <a:off x="0" y="0"/>
+          <a:ext cx="0" cy="0"/>
+          <a:chOff x="0" y="0"/>
+          <a:chExt cx="0" cy="0"/>
+        </a:xfrm>
+      </p:grpSpPr>
+      <p:sp>
+        <p:nvSpPr>
+          <p:cNvPr id="153" name="Google Shape;153;p27"/>
+          <p:cNvSpPr txBox="1">
+            <a:spLocks noGrp="1"/>
+          </p:cNvSpPr>
+          <p:nvPr>
+            <p:ph type="title"/>
+          </p:nvPr>
+        </p:nvSpPr>
+        <p:spPr>
+          <a:xfrm>
+            <a:off x="1360967" y="252593"/>
+            <a:ext cx="7345229" cy="2979706"/>
+          </a:xfrm>
+          <a:prstGeom prst="rect">
+            <a:avLst/>
+          </a:prstGeom>
+        </p:spPr>
+        <p:txBody>
+          <a:bodyPr spcFirstLastPara="1" wrap="square" lIns="91425" tIns="91425" rIns="91425" bIns="91425" anchor="t" anchorCtr="0">
+            <a:normAutofit/>
+          </a:bodyPr>
+          <a:lstStyle/>
+          <a:p>
+            <a:pPr lvl="0"/>
+            <a:br>
+              <a:rPr lang="en-GB" sz="1600" dirty="0">
+                <a:solidFill>
+                  <a:schemeClr val="accent3"/>
+                </a:solidFill>
+                <a:latin typeface="+mj-lt"/>
+              </a:rPr>
+            </a:br>
+            <a:br>
+              <a:rPr lang="en-GB" sz="1600" dirty="0">
+                <a:solidFill>
+                  <a:schemeClr val="accent3"/>
+                </a:solidFill>
+              </a:rPr>
+            </a:br>
+            <a:endParaRPr sz="1600" dirty="0">
+              <a:solidFill>
+                <a:schemeClr val="accent3"/>
+              </a:solidFill>
+              <a:latin typeface="+mj-lt"/>
+            </a:endParaRPr>
+          </a:p>
+        </p:txBody>
+      </p:sp>
+      <p:sp>
+        <p:nvSpPr>
+          <p:cNvPr id="15" name="Google Shape;284;p49">
+            <a:extLst>
+              <a:ext uri="{FF2B5EF4-FFF2-40B4-BE49-F238E27FC236}">
+                <a16:creationId xmlns:a16="http://schemas.microsoft.com/office/drawing/2014/main" id="{4A3C9BC5-E2BF-AC79-1B18-F6B954AC1E3E}"/>
+              </a:ext>
+            </a:extLst>
+          </p:cNvPr>
+          <p:cNvSpPr txBox="1">
+            <a:spLocks/>
+          </p:cNvSpPr>
+          <p:nvPr/>
+        </p:nvSpPr>
+        <p:spPr>
+          <a:xfrm>
+            <a:off x="212651" y="106326"/>
+            <a:ext cx="9144000" cy="572700"/>
+          </a:xfrm>
+          <a:prstGeom prst="rect">
+            <a:avLst/>
+          </a:prstGeom>
+          <a:noFill/>
+          <a:ln>
+            <a:noFill/>
+          </a:ln>
+        </p:spPr>
+        <p:txBody>
+          <a:bodyPr spcFirstLastPara="1" wrap="square" lIns="91425" tIns="91425" rIns="91425" bIns="91425" anchor="t" anchorCtr="0">
+            <a:normAutofit fontScale="97500"/>
+          </a:bodyPr>
+          <a:lstStyle>
+            <a:defPPr marR="0" lvl="0" algn="l" rtl="0">
+              <a:lnSpc>
+                <a:spcPct val="100000"/>
+              </a:lnSpc>
+              <a:spcBef>
+                <a:spcPts val="0"/>
+              </a:spcBef>
+              <a:spcAft>
+                <a:spcPts val="0"/>
+              </a:spcAft>
+            </a:defPPr>
+            <a:lvl1pPr marR="0" lvl="0" algn="l" rtl="0">
+              <a:lnSpc>
+                <a:spcPct val="100000"/>
+              </a:lnSpc>
+              <a:spcBef>
+                <a:spcPts val="0"/>
+              </a:spcBef>
+              <a:spcAft>
+                <a:spcPts val="0"/>
+              </a:spcAft>
+              <a:buClr>
+                <a:schemeClr val="dk1"/>
+              </a:buClr>
+              <a:buSzPts val="2800"/>
+              <a:buFont typeface="Proxima Nova"/>
+              <a:buNone/>
+              <a:defRPr sz="2800" b="0" i="0" u="none" strike="noStrike" cap="none">
+                <a:solidFill>
+                  <a:schemeClr val="dk1"/>
+                </a:solidFill>
+                <a:latin typeface="Proxima Nova"/>
+                <a:ea typeface="Proxima Nova"/>
+                <a:cs typeface="Proxima Nova"/>
+                <a:sym typeface="Proxima Nova"/>
+              </a:defRPr>
+            </a:lvl1pPr>
+            <a:lvl2pPr marR="0" lvl="1" algn="l" rtl="0">
+              <a:lnSpc>
+                <a:spcPct val="100000"/>
+              </a:lnSpc>
+              <a:spcBef>
+                <a:spcPts val="0"/>
+              </a:spcBef>
+              <a:spcAft>
+                <a:spcPts val="0"/>
+              </a:spcAft>
+              <a:buClr>
+                <a:schemeClr val="dk1"/>
+              </a:buClr>
+              <a:buSzPts val="2800"/>
+              <a:buFont typeface="Proxima Nova"/>
+              <a:buNone/>
+              <a:defRPr sz="2800" b="0" i="0" u="none" strike="noStrike" cap="none">
+                <a:solidFill>
+                  <a:schemeClr val="dk1"/>
+                </a:solidFill>
+                <a:latin typeface="Proxima Nova"/>
+                <a:ea typeface="Proxima Nova"/>
+                <a:cs typeface="Proxima Nova"/>
+                <a:sym typeface="Proxima Nova"/>
+              </a:defRPr>
+            </a:lvl2pPr>
+            <a:lvl3pPr marR="0" lvl="2" algn="l" rtl="0">
+              <a:lnSpc>
+                <a:spcPct val="100000"/>
+              </a:lnSpc>
+              <a:spcBef>
+                <a:spcPts val="0"/>
+              </a:spcBef>
+              <a:spcAft>
+                <a:spcPts val="0"/>
+              </a:spcAft>
+              <a:buClr>
+                <a:schemeClr val="dk1"/>
+              </a:buClr>
+              <a:buSzPts val="2800"/>
+              <a:buFont typeface="Proxima Nova"/>
+              <a:buNone/>
+              <a:defRPr sz="2800" b="0" i="0" u="none" strike="noStrike" cap="none">
+                <a:solidFill>
+                  <a:schemeClr val="dk1"/>
+                </a:solidFill>
+                <a:latin typeface="Proxima Nova"/>
+                <a:ea typeface="Proxima Nova"/>
+                <a:cs typeface="Proxima Nova"/>
+                <a:sym typeface="Proxima Nova"/>
+              </a:defRPr>
+            </a:lvl3pPr>
+            <a:lvl4pPr marR="0" lvl="3" algn="l" rtl="0">
+              <a:lnSpc>
+                <a:spcPct val="100000"/>
+              </a:lnSpc>
+              <a:spcBef>
+                <a:spcPts val="0"/>
+              </a:spcBef>
+              <a:spcAft>
+                <a:spcPts val="0"/>
+              </a:spcAft>
+              <a:buClr>
+                <a:schemeClr val="dk1"/>
+              </a:buClr>
+              <a:buSzPts val="2800"/>
+              <a:buFont typeface="Proxima Nova"/>
+              <a:buNone/>
+              <a:defRPr sz="2800" b="0" i="0" u="none" strike="noStrike" cap="none">
+                <a:solidFill>
+                  <a:schemeClr val="dk1"/>
+                </a:solidFill>
+                <a:latin typeface="Proxima Nova"/>
+                <a:ea typeface="Proxima Nova"/>
+                <a:cs typeface="Proxima Nova"/>
+                <a:sym typeface="Proxima Nova"/>
+              </a:defRPr>
+            </a:lvl4pPr>
+            <a:lvl5pPr marR="0" lvl="4" algn="l" rtl="0">
+              <a:lnSpc>
+                <a:spcPct val="100000"/>
+              </a:lnSpc>
+              <a:spcBef>
+                <a:spcPts val="0"/>
+              </a:spcBef>
+              <a:spcAft>
+                <a:spcPts val="0"/>
+              </a:spcAft>
+              <a:buClr>
+                <a:schemeClr val="dk1"/>
+              </a:buClr>
+              <a:buSzPts val="2800"/>
+              <a:buFont typeface="Proxima Nova"/>
+              <a:buNone/>
+              <a:defRPr sz="2800" b="0" i="0" u="none" strike="noStrike" cap="none">
+                <a:solidFill>
+                  <a:schemeClr val="dk1"/>
+                </a:solidFill>
+                <a:latin typeface="Proxima Nova"/>
+                <a:ea typeface="Proxima Nova"/>
+                <a:cs typeface="Proxima Nova"/>
+                <a:sym typeface="Proxima Nova"/>
+              </a:defRPr>
+            </a:lvl5pPr>
+            <a:lvl6pPr marR="0" lvl="5" algn="l" rtl="0">
+              <a:lnSpc>
+                <a:spcPct val="100000"/>
+              </a:lnSpc>
+              <a:spcBef>
+                <a:spcPts val="0"/>
+              </a:spcBef>
+              <a:spcAft>
+                <a:spcPts val="0"/>
+              </a:spcAft>
+              <a:buClr>
+                <a:schemeClr val="dk1"/>
+              </a:buClr>
+              <a:buSzPts val="2800"/>
+              <a:buFont typeface="Proxima Nova"/>
+              <a:buNone/>
+              <a:defRPr sz="2800" b="0" i="0" u="none" strike="noStrike" cap="none">
+                <a:solidFill>
+                  <a:schemeClr val="dk1"/>
+                </a:solidFill>
+                <a:latin typeface="Proxima Nova"/>
+                <a:ea typeface="Proxima Nova"/>
+                <a:cs typeface="Proxima Nova"/>
+                <a:sym typeface="Proxima Nova"/>
+              </a:defRPr>
+            </a:lvl6pPr>
+            <a:lvl7pPr marR="0" lvl="6" algn="l" rtl="0">
+              <a:lnSpc>
+                <a:spcPct val="100000"/>
+              </a:lnSpc>
+              <a:spcBef>
+                <a:spcPts val="0"/>
+              </a:spcBef>
+              <a:spcAft>
+                <a:spcPts val="0"/>
+              </a:spcAft>
+              <a:buClr>
+                <a:schemeClr val="dk1"/>
+              </a:buClr>
+              <a:buSzPts val="2800"/>
+              <a:buFont typeface="Proxima Nova"/>
+              <a:buNone/>
+              <a:defRPr sz="2800" b="0" i="0" u="none" strike="noStrike" cap="none">
+                <a:solidFill>
+                  <a:schemeClr val="dk1"/>
+                </a:solidFill>
+                <a:latin typeface="Proxima Nova"/>
+                <a:ea typeface="Proxima Nova"/>
+                <a:cs typeface="Proxima Nova"/>
+                <a:sym typeface="Proxima Nova"/>
+              </a:defRPr>
+            </a:lvl7pPr>
+            <a:lvl8pPr marR="0" lvl="7" algn="l" rtl="0">
+              <a:lnSpc>
+                <a:spcPct val="100000"/>
+              </a:lnSpc>
+              <a:spcBef>
+                <a:spcPts val="0"/>
+              </a:spcBef>
+              <a:spcAft>
+                <a:spcPts val="0"/>
+              </a:spcAft>
+              <a:buClr>
+                <a:schemeClr val="dk1"/>
+              </a:buClr>
+              <a:buSzPts val="2800"/>
+              <a:buFont typeface="Proxima Nova"/>
+              <a:buNone/>
+              <a:defRPr sz="2800" b="0" i="0" u="none" strike="noStrike" cap="none">
+                <a:solidFill>
+                  <a:schemeClr val="dk1"/>
+                </a:solidFill>
+                <a:latin typeface="Proxima Nova"/>
+                <a:ea typeface="Proxima Nova"/>
+                <a:cs typeface="Proxima Nova"/>
+                <a:sym typeface="Proxima Nova"/>
+              </a:defRPr>
+            </a:lvl8pPr>
+            <a:lvl9pPr marR="0" lvl="8" algn="l" rtl="0">
+              <a:lnSpc>
+                <a:spcPct val="100000"/>
+              </a:lnSpc>
+              <a:spcBef>
+                <a:spcPts val="0"/>
+              </a:spcBef>
+              <a:spcAft>
+                <a:spcPts val="0"/>
+              </a:spcAft>
+              <a:buClr>
+                <a:schemeClr val="dk1"/>
+              </a:buClr>
+              <a:buSzPts val="2800"/>
+              <a:buFont typeface="Proxima Nova"/>
+              <a:buNone/>
+              <a:defRPr sz="2800" b="0" i="0" u="none" strike="noStrike" cap="none">
+                <a:solidFill>
+                  <a:schemeClr val="dk1"/>
+                </a:solidFill>
+                <a:latin typeface="Proxima Nova"/>
+                <a:ea typeface="Proxima Nova"/>
+                <a:cs typeface="Proxima Nova"/>
+                <a:sym typeface="Proxima Nova"/>
+              </a:defRPr>
+            </a:lvl9pPr>
+          </a:lstStyle>
+          <a:p>
+            <a:r>
+              <a:rPr lang="en-GB" sz="2000" dirty="0">
+                <a:latin typeface="+mj-lt"/>
+              </a:rPr>
+              <a:t>El </a:t>
+            </a:r>
+            <a:r>
+              <a:rPr lang="en-GB" sz="2000" dirty="0" err="1">
+                <a:latin typeface="+mj-lt"/>
+              </a:rPr>
+              <a:t>problema</a:t>
+            </a:r>
+            <a:r>
+              <a:rPr lang="en-GB" sz="2000" dirty="0">
+                <a:latin typeface="+mj-lt"/>
+              </a:rPr>
+              <a:t> del overfitting</a:t>
+            </a:r>
+          </a:p>
+        </p:txBody>
+      </p:sp>
+      <p:pic>
+        <p:nvPicPr>
+          <p:cNvPr id="3074" name="Picture 2">
+            <a:extLst>
+              <a:ext uri="{FF2B5EF4-FFF2-40B4-BE49-F238E27FC236}">
+                <a16:creationId xmlns:a16="http://schemas.microsoft.com/office/drawing/2014/main" id="{1576947B-D44F-E647-1A67-6EB92A1FD079}"/>
+              </a:ext>
+            </a:extLst>
+          </p:cNvPr>
+          <p:cNvPicPr>
+            <a:picLocks noChangeAspect="1" noChangeArrowheads="1"/>
+          </p:cNvPicPr>
+          <p:nvPr/>
+        </p:nvPicPr>
+        <p:blipFill>
+          <a:blip r:embed="rId3">
+            <a:extLst>
+              <a:ext uri="{28A0092B-C50C-407E-A947-70E740481C1C}">
+                <a14:useLocalDpi xmlns:a14="http://schemas.microsoft.com/office/drawing/2010/main" val="0"/>
+              </a:ext>
+            </a:extLst>
+          </a:blip>
+          <a:srcRect/>
+          <a:stretch>
+            <a:fillRect/>
+          </a:stretch>
+        </p:blipFill>
+        <p:spPr bwMode="auto">
+          <a:xfrm>
+            <a:off x="3249700" y="825293"/>
+            <a:ext cx="5286375" cy="1333500"/>
+          </a:xfrm>
+          <a:prstGeom prst="rect">
+            <a:avLst/>
+          </a:prstGeom>
+          <a:noFill/>
+          <a:extLst>
+            <a:ext uri="{909E8E84-426E-40DD-AFC4-6F175D3DCCD1}">
+              <a14:hiddenFill xmlns:a14="http://schemas.microsoft.com/office/drawing/2010/main">
+                <a:solidFill>
+                  <a:srgbClr val="FFFFFF"/>
+                </a:solidFill>
+              </a14:hiddenFill>
+            </a:ext>
+          </a:extLst>
+        </p:spPr>
+      </p:pic>
+      <p:pic>
+        <p:nvPicPr>
+          <p:cNvPr id="3" name="Imagen 2" descr="Imagen que contiene edificio, caja, ladrillo&#10;&#10;Descripción generada automáticamente">
+            <a:extLst>
+              <a:ext uri="{FF2B5EF4-FFF2-40B4-BE49-F238E27FC236}">
+                <a16:creationId xmlns:a16="http://schemas.microsoft.com/office/drawing/2014/main" id="{E5087688-1A92-5B0F-3E1E-4C7C8DE49A42}"/>
+              </a:ext>
+            </a:extLst>
+          </p:cNvPr>
+          <p:cNvPicPr>
+            <a:picLocks noChangeAspect="1"/>
+          </p:cNvPicPr>
+          <p:nvPr/>
+        </p:nvPicPr>
+        <p:blipFill>
+          <a:blip r:embed="rId4"/>
+          <a:stretch>
+            <a:fillRect/>
+          </a:stretch>
+        </p:blipFill>
+        <p:spPr>
+          <a:xfrm>
+            <a:off x="289162" y="784080"/>
+            <a:ext cx="2386380" cy="3575339"/>
+          </a:xfrm>
+          <a:prstGeom prst="rect">
+            <a:avLst/>
+          </a:prstGeom>
+        </p:spPr>
+      </p:pic>
+      <p:sp>
+        <p:nvSpPr>
+          <p:cNvPr id="4" name="Google Shape;284;p49">
+            <a:extLst>
+              <a:ext uri="{FF2B5EF4-FFF2-40B4-BE49-F238E27FC236}">
+                <a16:creationId xmlns:a16="http://schemas.microsoft.com/office/drawing/2014/main" id="{FAE7D9D0-A2FC-F0F3-CE39-09EC610C5540}"/>
+              </a:ext>
+            </a:extLst>
+          </p:cNvPr>
+          <p:cNvSpPr txBox="1">
+            <a:spLocks/>
+          </p:cNvSpPr>
+          <p:nvPr/>
+        </p:nvSpPr>
+        <p:spPr>
+          <a:xfrm>
+            <a:off x="2838893" y="2456121"/>
+            <a:ext cx="6015945" cy="2179673"/>
+          </a:xfrm>
+          <a:prstGeom prst="rect">
+            <a:avLst/>
+          </a:prstGeom>
+          <a:noFill/>
+          <a:ln>
+            <a:noFill/>
+          </a:ln>
+        </p:spPr>
+        <p:txBody>
+          <a:bodyPr spcFirstLastPara="1" wrap="square" lIns="91425" tIns="91425" rIns="91425" bIns="91425" anchor="t" anchorCtr="0">
+            <a:normAutofit fontScale="97500"/>
+          </a:bodyPr>
+          <a:lstStyle>
+            <a:defPPr marR="0" lvl="0" algn="l" rtl="0">
+              <a:lnSpc>
+                <a:spcPct val="100000"/>
+              </a:lnSpc>
+              <a:spcBef>
+                <a:spcPts val="0"/>
+              </a:spcBef>
+              <a:spcAft>
+                <a:spcPts val="0"/>
+              </a:spcAft>
+            </a:defPPr>
+            <a:lvl1pPr marR="0" lvl="0" algn="l" rtl="0">
+              <a:lnSpc>
+                <a:spcPct val="100000"/>
+              </a:lnSpc>
+              <a:spcBef>
+                <a:spcPts val="0"/>
+              </a:spcBef>
+              <a:spcAft>
+                <a:spcPts val="0"/>
+              </a:spcAft>
+              <a:buClr>
+                <a:schemeClr val="dk1"/>
+              </a:buClr>
+              <a:buSzPts val="2800"/>
+              <a:buFont typeface="Proxima Nova"/>
+              <a:buNone/>
+              <a:defRPr sz="2800" b="0" i="0" u="none" strike="noStrike" cap="none">
+                <a:solidFill>
+                  <a:schemeClr val="dk1"/>
+                </a:solidFill>
+                <a:latin typeface="Proxima Nova"/>
+                <a:ea typeface="Proxima Nova"/>
+                <a:cs typeface="Proxima Nova"/>
+                <a:sym typeface="Proxima Nova"/>
+              </a:defRPr>
+            </a:lvl1pPr>
+            <a:lvl2pPr marR="0" lvl="1" algn="l" rtl="0">
+              <a:lnSpc>
+                <a:spcPct val="100000"/>
+              </a:lnSpc>
+              <a:spcBef>
+                <a:spcPts val="0"/>
+              </a:spcBef>
+              <a:spcAft>
+                <a:spcPts val="0"/>
+              </a:spcAft>
+              <a:buClr>
+                <a:schemeClr val="dk1"/>
+              </a:buClr>
+              <a:buSzPts val="2800"/>
+              <a:buFont typeface="Proxima Nova"/>
+              <a:buNone/>
+              <a:defRPr sz="2800" b="0" i="0" u="none" strike="noStrike" cap="none">
+                <a:solidFill>
+                  <a:schemeClr val="dk1"/>
+                </a:solidFill>
+                <a:latin typeface="Proxima Nova"/>
+                <a:ea typeface="Proxima Nova"/>
+                <a:cs typeface="Proxima Nova"/>
+                <a:sym typeface="Proxima Nova"/>
+              </a:defRPr>
+            </a:lvl2pPr>
+            <a:lvl3pPr marR="0" lvl="2" algn="l" rtl="0">
+              <a:lnSpc>
+                <a:spcPct val="100000"/>
+              </a:lnSpc>
+              <a:spcBef>
+                <a:spcPts val="0"/>
+              </a:spcBef>
+              <a:spcAft>
+                <a:spcPts val="0"/>
+              </a:spcAft>
+              <a:buClr>
+                <a:schemeClr val="dk1"/>
+              </a:buClr>
+              <a:buSzPts val="2800"/>
+              <a:buFont typeface="Proxima Nova"/>
+              <a:buNone/>
+              <a:defRPr sz="2800" b="0" i="0" u="none" strike="noStrike" cap="none">
+                <a:solidFill>
+                  <a:schemeClr val="dk1"/>
+                </a:solidFill>
+                <a:latin typeface="Proxima Nova"/>
+                <a:ea typeface="Proxima Nova"/>
+                <a:cs typeface="Proxima Nova"/>
+                <a:sym typeface="Proxima Nova"/>
+              </a:defRPr>
+            </a:lvl3pPr>
+            <a:lvl4pPr marR="0" lvl="3" algn="l" rtl="0">
+              <a:lnSpc>
+                <a:spcPct val="100000"/>
+              </a:lnSpc>
+              <a:spcBef>
+                <a:spcPts val="0"/>
+              </a:spcBef>
+              <a:spcAft>
+                <a:spcPts val="0"/>
+              </a:spcAft>
+              <a:buClr>
+                <a:schemeClr val="dk1"/>
+              </a:buClr>
+              <a:buSzPts val="2800"/>
+              <a:buFont typeface="Proxima Nova"/>
+              <a:buNone/>
+              <a:defRPr sz="2800" b="0" i="0" u="none" strike="noStrike" cap="none">
+                <a:solidFill>
+                  <a:schemeClr val="dk1"/>
+                </a:solidFill>
+                <a:latin typeface="Proxima Nova"/>
+                <a:ea typeface="Proxima Nova"/>
+                <a:cs typeface="Proxima Nova"/>
+                <a:sym typeface="Proxima Nova"/>
+              </a:defRPr>
+            </a:lvl4pPr>
+            <a:lvl5pPr marR="0" lvl="4" algn="l" rtl="0">
+              <a:lnSpc>
+                <a:spcPct val="100000"/>
+              </a:lnSpc>
+              <a:spcBef>
+                <a:spcPts val="0"/>
+              </a:spcBef>
+              <a:spcAft>
+                <a:spcPts val="0"/>
+              </a:spcAft>
+              <a:buClr>
+                <a:schemeClr val="dk1"/>
+              </a:buClr>
+              <a:buSzPts val="2800"/>
+              <a:buFont typeface="Proxima Nova"/>
+              <a:buNone/>
+              <a:defRPr sz="2800" b="0" i="0" u="none" strike="noStrike" cap="none">
+                <a:solidFill>
+                  <a:schemeClr val="dk1"/>
+                </a:solidFill>
+                <a:latin typeface="Proxima Nova"/>
+                <a:ea typeface="Proxima Nova"/>
+                <a:cs typeface="Proxima Nova"/>
+                <a:sym typeface="Proxima Nova"/>
+              </a:defRPr>
+            </a:lvl5pPr>
+            <a:lvl6pPr marR="0" lvl="5" algn="l" rtl="0">
+              <a:lnSpc>
+                <a:spcPct val="100000"/>
+              </a:lnSpc>
+              <a:spcBef>
+                <a:spcPts val="0"/>
+              </a:spcBef>
+              <a:spcAft>
+                <a:spcPts val="0"/>
+              </a:spcAft>
+              <a:buClr>
+                <a:schemeClr val="dk1"/>
+              </a:buClr>
+              <a:buSzPts val="2800"/>
+              <a:buFont typeface="Proxima Nova"/>
+              <a:buNone/>
+              <a:defRPr sz="2800" b="0" i="0" u="none" strike="noStrike" cap="none">
+                <a:solidFill>
+                  <a:schemeClr val="dk1"/>
+                </a:solidFill>
+                <a:latin typeface="Proxima Nova"/>
+                <a:ea typeface="Proxima Nova"/>
+                <a:cs typeface="Proxima Nova"/>
+                <a:sym typeface="Proxima Nova"/>
+              </a:defRPr>
+            </a:lvl6pPr>
+            <a:lvl7pPr marR="0" lvl="6" algn="l" rtl="0">
+              <a:lnSpc>
+                <a:spcPct val="100000"/>
+              </a:lnSpc>
+              <a:spcBef>
+                <a:spcPts val="0"/>
+              </a:spcBef>
+              <a:spcAft>
+                <a:spcPts val="0"/>
+              </a:spcAft>
+              <a:buClr>
+                <a:schemeClr val="dk1"/>
+              </a:buClr>
+              <a:buSzPts val="2800"/>
+              <a:buFont typeface="Proxima Nova"/>
+              <a:buNone/>
+              <a:defRPr sz="2800" b="0" i="0" u="none" strike="noStrike" cap="none">
+                <a:solidFill>
+                  <a:schemeClr val="dk1"/>
+                </a:solidFill>
+                <a:latin typeface="Proxima Nova"/>
+                <a:ea typeface="Proxima Nova"/>
+                <a:cs typeface="Proxima Nova"/>
+                <a:sym typeface="Proxima Nova"/>
+              </a:defRPr>
+            </a:lvl7pPr>
+            <a:lvl8pPr marR="0" lvl="7" algn="l" rtl="0">
+              <a:lnSpc>
+                <a:spcPct val="100000"/>
+              </a:lnSpc>
+              <a:spcBef>
+                <a:spcPts val="0"/>
+              </a:spcBef>
+              <a:spcAft>
+                <a:spcPts val="0"/>
+              </a:spcAft>
+              <a:buClr>
+                <a:schemeClr val="dk1"/>
+              </a:buClr>
+              <a:buSzPts val="2800"/>
+              <a:buFont typeface="Proxima Nova"/>
+              <a:buNone/>
+              <a:defRPr sz="2800" b="0" i="0" u="none" strike="noStrike" cap="none">
+                <a:solidFill>
+                  <a:schemeClr val="dk1"/>
+                </a:solidFill>
+                <a:latin typeface="Proxima Nova"/>
+                <a:ea typeface="Proxima Nova"/>
+                <a:cs typeface="Proxima Nova"/>
+                <a:sym typeface="Proxima Nova"/>
+              </a:defRPr>
+            </a:lvl8pPr>
+            <a:lvl9pPr marR="0" lvl="8" algn="l" rtl="0">
+              <a:lnSpc>
+                <a:spcPct val="100000"/>
+              </a:lnSpc>
+              <a:spcBef>
+                <a:spcPts val="0"/>
+              </a:spcBef>
+              <a:spcAft>
+                <a:spcPts val="0"/>
+              </a:spcAft>
+              <a:buClr>
+                <a:schemeClr val="dk1"/>
+              </a:buClr>
+              <a:buSzPts val="2800"/>
+              <a:buFont typeface="Proxima Nova"/>
+              <a:buNone/>
+              <a:defRPr sz="2800" b="0" i="0" u="none" strike="noStrike" cap="none">
+                <a:solidFill>
+                  <a:schemeClr val="dk1"/>
+                </a:solidFill>
+                <a:latin typeface="Proxima Nova"/>
+                <a:ea typeface="Proxima Nova"/>
+                <a:cs typeface="Proxima Nova"/>
+                <a:sym typeface="Proxima Nova"/>
+              </a:defRPr>
+            </a:lvl9pPr>
+          </a:lstStyle>
+          <a:p>
+            <a:pPr marL="285750" indent="-285750">
+              <a:buFont typeface="Arial" panose="020B0604020202020204" pitchFamily="34" charset="0"/>
+              <a:buChar char="•"/>
+            </a:pPr>
+            <a:r>
+              <a:rPr lang="es-MX" sz="1600" dirty="0"/>
+              <a:t>El problema está centralmente ligado a la </a:t>
+            </a:r>
+            <a:r>
+              <a:rPr lang="es-MX" sz="1600" b="1" dirty="0">
+                <a:solidFill>
+                  <a:schemeClr val="accent3"/>
+                </a:solidFill>
+                <a:highlight>
+                  <a:schemeClr val="lt2"/>
+                </a:highlight>
+              </a:rPr>
+              <a:t>predicción.</a:t>
+            </a:r>
+          </a:p>
+          <a:p>
+            <a:pPr marL="285750" indent="-285750">
+              <a:buFont typeface="Arial" panose="020B0604020202020204" pitchFamily="34" charset="0"/>
+              <a:buChar char="•"/>
+            </a:pPr>
+            <a:r>
+              <a:rPr lang="es-MX" sz="1600" dirty="0"/>
+              <a:t>Nuestro interés no es que el modelo tenga buenas métricas en los datos con los que se entrenó, sino que sea bueno para predecir datos nuevos</a:t>
+            </a:r>
+          </a:p>
+          <a:p>
+            <a:pPr marL="285750" indent="-285750">
+              <a:buFont typeface="Arial" panose="020B0604020202020204" pitchFamily="34" charset="0"/>
+              <a:buChar char="•"/>
+            </a:pPr>
+            <a:r>
+              <a:rPr lang="es-MX" sz="1600" dirty="0"/>
+              <a:t>Overfitting se puede producir por varias causas. Ej: polinomios de muy alto grado, utilización de una gran cantidad de variables, valores de parámetros que otorgan mucha flexibilidad</a:t>
+            </a:r>
+          </a:p>
+        </p:txBody>
+      </p:sp>
+    </p:spTree>
+    <p:extLst>
+      <p:ext uri="{BB962C8B-B14F-4D97-AF65-F5344CB8AC3E}">
+        <p14:creationId xmlns:p14="http://schemas.microsoft.com/office/powerpoint/2010/main" val="326188255"/>
+      </p:ext>
+    </p:extLst>
+  </p:cSld>
+  <p:clrMapOvr>
+    <a:masterClrMapping/>
+  </p:clrMapOvr>
+</p:sld>
+</file>
+
+<file path=ppt/slides/slide36.xml><?xml version="1.0" encoding="utf-8"?>
+<p:sld xmlns:a="http://schemas.openxmlformats.org/drawingml/2006/main" xmlns:r="http://schemas.openxmlformats.org/officeDocument/2006/relationships" xmlns:p="http://schemas.openxmlformats.org/presentationml/2006/main">
+  <p:cSld>
+    <p:spTree>
+      <p:nvGrpSpPr>
+        <p:cNvPr id="1" name="Shape 273"/>
+        <p:cNvGrpSpPr/>
+        <p:nvPr/>
+      </p:nvGrpSpPr>
+      <p:grpSpPr>
+        <a:xfrm>
+          <a:off x="0" y="0"/>
+          <a:ext cx="0" cy="0"/>
+          <a:chOff x="0" y="0"/>
+          <a:chExt cx="0" cy="0"/>
+        </a:xfrm>
+      </p:grpSpPr>
+      <p:sp>
+        <p:nvSpPr>
+          <p:cNvPr id="274" name="Google Shape;274;p47"/>
+          <p:cNvSpPr txBox="1">
+            <a:spLocks noGrp="1"/>
+          </p:cNvSpPr>
+          <p:nvPr>
+            <p:ph type="title"/>
+          </p:nvPr>
+        </p:nvSpPr>
+        <p:spPr>
+          <a:xfrm>
+            <a:off x="490250" y="526350"/>
+            <a:ext cx="5797500" cy="4090800"/>
+          </a:xfrm>
+          <a:prstGeom prst="rect">
+            <a:avLst/>
+          </a:prstGeom>
+        </p:spPr>
+        <p:txBody>
+          <a:bodyPr spcFirstLastPara="1" wrap="square" lIns="91425" tIns="91425" rIns="91425" bIns="91425" anchor="ctr" anchorCtr="0">
+            <a:normAutofit/>
+          </a:bodyPr>
+          <a:lstStyle/>
+          <a:p>
+            <a:pPr marL="0" lvl="0" indent="0" algn="l" rtl="0">
+              <a:spcBef>
+                <a:spcPts val="0"/>
+              </a:spcBef>
+              <a:spcAft>
+                <a:spcPts val="0"/>
+              </a:spcAft>
+              <a:buNone/>
+            </a:pPr>
+            <a:r>
+              <a:rPr lang="en-GB" dirty="0"/>
+              <a:t>Train y test</a:t>
+            </a:r>
+            <a:endParaRPr dirty="0"/>
+          </a:p>
+        </p:txBody>
+      </p:sp>
+    </p:spTree>
+    <p:extLst>
+      <p:ext uri="{BB962C8B-B14F-4D97-AF65-F5344CB8AC3E}">
+        <p14:creationId xmlns:p14="http://schemas.microsoft.com/office/powerpoint/2010/main" val="267523101"/>
+      </p:ext>
+    </p:extLst>
+  </p:cSld>
+  <p:clrMapOvr>
+    <a:masterClrMapping/>
+  </p:clrMapOvr>
+</p:sld>
+</file>
+
+<file path=ppt/slides/slide37.xml><?xml version="1.0" encoding="utf-8"?>
+<p:sld xmlns:a="http://schemas.openxmlformats.org/drawingml/2006/main" xmlns:r="http://schemas.openxmlformats.org/officeDocument/2006/relationships" xmlns:p="http://schemas.openxmlformats.org/presentationml/2006/main">
+  <p:cSld>
+    <p:spTree>
+      <p:nvGrpSpPr>
+        <p:cNvPr id="1" name="Shape 152"/>
+        <p:cNvGrpSpPr/>
+        <p:nvPr/>
+      </p:nvGrpSpPr>
+      <p:grpSpPr>
+        <a:xfrm>
+          <a:off x="0" y="0"/>
+          <a:ext cx="0" cy="0"/>
+          <a:chOff x="0" y="0"/>
+          <a:chExt cx="0" cy="0"/>
+        </a:xfrm>
+      </p:grpSpPr>
+      <p:sp>
+        <p:nvSpPr>
+          <p:cNvPr id="153" name="Google Shape;153;p27"/>
+          <p:cNvSpPr txBox="1">
+            <a:spLocks noGrp="1"/>
+          </p:cNvSpPr>
+          <p:nvPr>
+            <p:ph type="title"/>
+          </p:nvPr>
+        </p:nvSpPr>
+        <p:spPr>
+          <a:xfrm>
+            <a:off x="1360967" y="252593"/>
+            <a:ext cx="7345229" cy="2979706"/>
+          </a:xfrm>
+          <a:prstGeom prst="rect">
+            <a:avLst/>
+          </a:prstGeom>
+        </p:spPr>
+        <p:txBody>
+          <a:bodyPr spcFirstLastPara="1" wrap="square" lIns="91425" tIns="91425" rIns="91425" bIns="91425" anchor="t" anchorCtr="0">
+            <a:normAutofit/>
+          </a:bodyPr>
+          <a:lstStyle/>
+          <a:p>
+            <a:pPr lvl="0"/>
+            <a:br>
+              <a:rPr lang="en-GB" sz="1600" dirty="0">
+                <a:solidFill>
+                  <a:schemeClr val="accent3"/>
+                </a:solidFill>
+                <a:latin typeface="+mj-lt"/>
+              </a:rPr>
+            </a:br>
+            <a:br>
+              <a:rPr lang="en-GB" sz="1600" dirty="0">
+                <a:solidFill>
+                  <a:schemeClr val="accent3"/>
+                </a:solidFill>
+              </a:rPr>
+            </a:br>
+            <a:endParaRPr sz="1600" dirty="0">
+              <a:solidFill>
+                <a:schemeClr val="accent3"/>
+              </a:solidFill>
+              <a:latin typeface="+mj-lt"/>
+            </a:endParaRPr>
+          </a:p>
+        </p:txBody>
+      </p:sp>
+      <p:sp>
+        <p:nvSpPr>
+          <p:cNvPr id="15" name="Google Shape;284;p49">
+            <a:extLst>
+              <a:ext uri="{FF2B5EF4-FFF2-40B4-BE49-F238E27FC236}">
+                <a16:creationId xmlns:a16="http://schemas.microsoft.com/office/drawing/2014/main" id="{4A3C9BC5-E2BF-AC79-1B18-F6B954AC1E3E}"/>
+              </a:ext>
+            </a:extLst>
+          </p:cNvPr>
+          <p:cNvSpPr txBox="1">
+            <a:spLocks/>
+          </p:cNvSpPr>
+          <p:nvPr/>
+        </p:nvSpPr>
+        <p:spPr>
+          <a:xfrm>
+            <a:off x="212651" y="106326"/>
+            <a:ext cx="9144000" cy="572700"/>
+          </a:xfrm>
+          <a:prstGeom prst="rect">
+            <a:avLst/>
+          </a:prstGeom>
+          <a:noFill/>
+          <a:ln>
+            <a:noFill/>
+          </a:ln>
+        </p:spPr>
+        <p:txBody>
+          <a:bodyPr spcFirstLastPara="1" wrap="square" lIns="91425" tIns="91425" rIns="91425" bIns="91425" anchor="t" anchorCtr="0">
+            <a:normAutofit fontScale="97500"/>
+          </a:bodyPr>
+          <a:lstStyle>
+            <a:defPPr marR="0" lvl="0" algn="l" rtl="0">
+              <a:lnSpc>
+                <a:spcPct val="100000"/>
+              </a:lnSpc>
+              <a:spcBef>
+                <a:spcPts val="0"/>
+              </a:spcBef>
+              <a:spcAft>
+                <a:spcPts val="0"/>
+              </a:spcAft>
+            </a:defPPr>
+            <a:lvl1pPr marR="0" lvl="0" algn="l" rtl="0">
+              <a:lnSpc>
+                <a:spcPct val="100000"/>
+              </a:lnSpc>
+              <a:spcBef>
+                <a:spcPts val="0"/>
+              </a:spcBef>
+              <a:spcAft>
+                <a:spcPts val="0"/>
+              </a:spcAft>
+              <a:buClr>
+                <a:schemeClr val="dk1"/>
+              </a:buClr>
+              <a:buSzPts val="2800"/>
+              <a:buFont typeface="Proxima Nova"/>
+              <a:buNone/>
+              <a:defRPr sz="2800" b="0" i="0" u="none" strike="noStrike" cap="none">
+                <a:solidFill>
+                  <a:schemeClr val="dk1"/>
+                </a:solidFill>
+                <a:latin typeface="Proxima Nova"/>
+                <a:ea typeface="Proxima Nova"/>
+                <a:cs typeface="Proxima Nova"/>
+                <a:sym typeface="Proxima Nova"/>
+              </a:defRPr>
+            </a:lvl1pPr>
+            <a:lvl2pPr marR="0" lvl="1" algn="l" rtl="0">
+              <a:lnSpc>
+                <a:spcPct val="100000"/>
+              </a:lnSpc>
+              <a:spcBef>
+                <a:spcPts val="0"/>
+              </a:spcBef>
+              <a:spcAft>
+                <a:spcPts val="0"/>
+              </a:spcAft>
+              <a:buClr>
+                <a:schemeClr val="dk1"/>
+              </a:buClr>
+              <a:buSzPts val="2800"/>
+              <a:buFont typeface="Proxima Nova"/>
+              <a:buNone/>
+              <a:defRPr sz="2800" b="0" i="0" u="none" strike="noStrike" cap="none">
+                <a:solidFill>
+                  <a:schemeClr val="dk1"/>
+                </a:solidFill>
+                <a:latin typeface="Proxima Nova"/>
+                <a:ea typeface="Proxima Nova"/>
+                <a:cs typeface="Proxima Nova"/>
+                <a:sym typeface="Proxima Nova"/>
+              </a:defRPr>
+            </a:lvl2pPr>
+            <a:lvl3pPr marR="0" lvl="2" algn="l" rtl="0">
+              <a:lnSpc>
+                <a:spcPct val="100000"/>
+              </a:lnSpc>
+              <a:spcBef>
+                <a:spcPts val="0"/>
+              </a:spcBef>
+              <a:spcAft>
+                <a:spcPts val="0"/>
+              </a:spcAft>
+              <a:buClr>
+                <a:schemeClr val="dk1"/>
+              </a:buClr>
+              <a:buSzPts val="2800"/>
+              <a:buFont typeface="Proxima Nova"/>
+              <a:buNone/>
+              <a:defRPr sz="2800" b="0" i="0" u="none" strike="noStrike" cap="none">
+                <a:solidFill>
+                  <a:schemeClr val="dk1"/>
+                </a:solidFill>
+                <a:latin typeface="Proxima Nova"/>
+                <a:ea typeface="Proxima Nova"/>
+                <a:cs typeface="Proxima Nova"/>
+                <a:sym typeface="Proxima Nova"/>
+              </a:defRPr>
+            </a:lvl3pPr>
+            <a:lvl4pPr marR="0" lvl="3" algn="l" rtl="0">
+              <a:lnSpc>
+                <a:spcPct val="100000"/>
+              </a:lnSpc>
+              <a:spcBef>
+                <a:spcPts val="0"/>
+              </a:spcBef>
+              <a:spcAft>
+                <a:spcPts val="0"/>
+              </a:spcAft>
+              <a:buClr>
+                <a:schemeClr val="dk1"/>
+              </a:buClr>
+              <a:buSzPts val="2800"/>
+              <a:buFont typeface="Proxima Nova"/>
+              <a:buNone/>
+              <a:defRPr sz="2800" b="0" i="0" u="none" strike="noStrike" cap="none">
+                <a:solidFill>
+                  <a:schemeClr val="dk1"/>
+                </a:solidFill>
+                <a:latin typeface="Proxima Nova"/>
+                <a:ea typeface="Proxima Nova"/>
+                <a:cs typeface="Proxima Nova"/>
+                <a:sym typeface="Proxima Nova"/>
+              </a:defRPr>
+            </a:lvl4pPr>
+            <a:lvl5pPr marR="0" lvl="4" algn="l" rtl="0">
+              <a:lnSpc>
+                <a:spcPct val="100000"/>
+              </a:lnSpc>
+              <a:spcBef>
+                <a:spcPts val="0"/>
+              </a:spcBef>
+              <a:spcAft>
+                <a:spcPts val="0"/>
+              </a:spcAft>
+              <a:buClr>
+                <a:schemeClr val="dk1"/>
+              </a:buClr>
+              <a:buSzPts val="2800"/>
+              <a:buFont typeface="Proxima Nova"/>
+              <a:buNone/>
+              <a:defRPr sz="2800" b="0" i="0" u="none" strike="noStrike" cap="none">
+                <a:solidFill>
+                  <a:schemeClr val="dk1"/>
+                </a:solidFill>
+                <a:latin typeface="Proxima Nova"/>
+                <a:ea typeface="Proxima Nova"/>
+                <a:cs typeface="Proxima Nova"/>
+                <a:sym typeface="Proxima Nova"/>
+              </a:defRPr>
+            </a:lvl5pPr>
+            <a:lvl6pPr marR="0" lvl="5" algn="l" rtl="0">
+              <a:lnSpc>
+                <a:spcPct val="100000"/>
+              </a:lnSpc>
+              <a:spcBef>
+                <a:spcPts val="0"/>
+              </a:spcBef>
+              <a:spcAft>
+                <a:spcPts val="0"/>
+              </a:spcAft>
+              <a:buClr>
+                <a:schemeClr val="dk1"/>
+              </a:buClr>
+              <a:buSzPts val="2800"/>
+              <a:buFont typeface="Proxima Nova"/>
+              <a:buNone/>
+              <a:defRPr sz="2800" b="0" i="0" u="none" strike="noStrike" cap="none">
+                <a:solidFill>
+                  <a:schemeClr val="dk1"/>
+                </a:solidFill>
+                <a:latin typeface="Proxima Nova"/>
+                <a:ea typeface="Proxima Nova"/>
+                <a:cs typeface="Proxima Nova"/>
+                <a:sym typeface="Proxima Nova"/>
+              </a:defRPr>
+            </a:lvl6pPr>
+            <a:lvl7pPr marR="0" lvl="6" algn="l" rtl="0">
+              <a:lnSpc>
+                <a:spcPct val="100000"/>
+              </a:lnSpc>
+              <a:spcBef>
+                <a:spcPts val="0"/>
+              </a:spcBef>
+              <a:spcAft>
+                <a:spcPts val="0"/>
+              </a:spcAft>
+              <a:buClr>
+                <a:schemeClr val="dk1"/>
+              </a:buClr>
+              <a:buSzPts val="2800"/>
+              <a:buFont typeface="Proxima Nova"/>
+              <a:buNone/>
+              <a:defRPr sz="2800" b="0" i="0" u="none" strike="noStrike" cap="none">
+                <a:solidFill>
+                  <a:schemeClr val="dk1"/>
+                </a:solidFill>
+                <a:latin typeface="Proxima Nova"/>
+                <a:ea typeface="Proxima Nova"/>
+                <a:cs typeface="Proxima Nova"/>
+                <a:sym typeface="Proxima Nova"/>
+              </a:defRPr>
+            </a:lvl7pPr>
+            <a:lvl8pPr marR="0" lvl="7" algn="l" rtl="0">
+              <a:lnSpc>
+                <a:spcPct val="100000"/>
+              </a:lnSpc>
+              <a:spcBef>
+                <a:spcPts val="0"/>
+              </a:spcBef>
+              <a:spcAft>
+                <a:spcPts val="0"/>
+              </a:spcAft>
+              <a:buClr>
+                <a:schemeClr val="dk1"/>
+              </a:buClr>
+              <a:buSzPts val="2800"/>
+              <a:buFont typeface="Proxima Nova"/>
+              <a:buNone/>
+              <a:defRPr sz="2800" b="0" i="0" u="none" strike="noStrike" cap="none">
+                <a:solidFill>
+                  <a:schemeClr val="dk1"/>
+                </a:solidFill>
+                <a:latin typeface="Proxima Nova"/>
+                <a:ea typeface="Proxima Nova"/>
+                <a:cs typeface="Proxima Nova"/>
+                <a:sym typeface="Proxima Nova"/>
+              </a:defRPr>
+            </a:lvl8pPr>
+            <a:lvl9pPr marR="0" lvl="8" algn="l" rtl="0">
+              <a:lnSpc>
+                <a:spcPct val="100000"/>
+              </a:lnSpc>
+              <a:spcBef>
+                <a:spcPts val="0"/>
+              </a:spcBef>
+              <a:spcAft>
+                <a:spcPts val="0"/>
+              </a:spcAft>
+              <a:buClr>
+                <a:schemeClr val="dk1"/>
+              </a:buClr>
+              <a:buSzPts val="2800"/>
+              <a:buFont typeface="Proxima Nova"/>
+              <a:buNone/>
+              <a:defRPr sz="2800" b="0" i="0" u="none" strike="noStrike" cap="none">
+                <a:solidFill>
+                  <a:schemeClr val="dk1"/>
+                </a:solidFill>
+                <a:latin typeface="Proxima Nova"/>
+                <a:ea typeface="Proxima Nova"/>
+                <a:cs typeface="Proxima Nova"/>
+                <a:sym typeface="Proxima Nova"/>
+              </a:defRPr>
+            </a:lvl9pPr>
+          </a:lstStyle>
+          <a:p>
+            <a:r>
+              <a:rPr lang="en-GB" sz="2000" dirty="0">
+                <a:latin typeface="+mj-lt"/>
+              </a:rPr>
+              <a:t>Train – Test split</a:t>
+            </a:r>
+          </a:p>
+        </p:txBody>
+      </p:sp>
+      <p:sp>
+        <p:nvSpPr>
+          <p:cNvPr id="4" name="Google Shape;284;p49">
+            <a:extLst>
+              <a:ext uri="{FF2B5EF4-FFF2-40B4-BE49-F238E27FC236}">
+                <a16:creationId xmlns:a16="http://schemas.microsoft.com/office/drawing/2014/main" id="{FAE7D9D0-A2FC-F0F3-CE39-09EC610C5540}"/>
+              </a:ext>
+            </a:extLst>
+          </p:cNvPr>
+          <p:cNvSpPr txBox="1">
+            <a:spLocks/>
+          </p:cNvSpPr>
+          <p:nvPr/>
+        </p:nvSpPr>
+        <p:spPr>
+          <a:xfrm>
+            <a:off x="5007330" y="825293"/>
+            <a:ext cx="3913386" cy="3874298"/>
+          </a:xfrm>
+          <a:prstGeom prst="rect">
+            <a:avLst/>
+          </a:prstGeom>
+          <a:noFill/>
+          <a:ln>
+            <a:noFill/>
+          </a:ln>
+        </p:spPr>
+        <p:txBody>
+          <a:bodyPr spcFirstLastPara="1" wrap="square" lIns="91425" tIns="91425" rIns="91425" bIns="91425" anchor="t" anchorCtr="0">
+            <a:normAutofit fontScale="90000" lnSpcReduction="20000"/>
+          </a:bodyPr>
+          <a:lstStyle>
+            <a:defPPr marR="0" lvl="0" algn="l" rtl="0">
+              <a:lnSpc>
+                <a:spcPct val="100000"/>
+              </a:lnSpc>
+              <a:spcBef>
+                <a:spcPts val="0"/>
+              </a:spcBef>
+              <a:spcAft>
+                <a:spcPts val="0"/>
+              </a:spcAft>
+            </a:defPPr>
+            <a:lvl1pPr marR="0" lvl="0" algn="l" rtl="0">
+              <a:lnSpc>
+                <a:spcPct val="100000"/>
+              </a:lnSpc>
+              <a:spcBef>
+                <a:spcPts val="0"/>
+              </a:spcBef>
+              <a:spcAft>
+                <a:spcPts val="0"/>
+              </a:spcAft>
+              <a:buClr>
+                <a:schemeClr val="dk1"/>
+              </a:buClr>
+              <a:buSzPts val="2800"/>
+              <a:buFont typeface="Proxima Nova"/>
+              <a:buNone/>
+              <a:defRPr sz="2800" b="0" i="0" u="none" strike="noStrike" cap="none">
+                <a:solidFill>
+                  <a:schemeClr val="dk1"/>
+                </a:solidFill>
+                <a:latin typeface="Proxima Nova"/>
+                <a:ea typeface="Proxima Nova"/>
+                <a:cs typeface="Proxima Nova"/>
+                <a:sym typeface="Proxima Nova"/>
+              </a:defRPr>
+            </a:lvl1pPr>
+            <a:lvl2pPr marR="0" lvl="1" algn="l" rtl="0">
+              <a:lnSpc>
+                <a:spcPct val="100000"/>
+              </a:lnSpc>
+              <a:spcBef>
+                <a:spcPts val="0"/>
+              </a:spcBef>
+              <a:spcAft>
+                <a:spcPts val="0"/>
+              </a:spcAft>
+              <a:buClr>
+                <a:schemeClr val="dk1"/>
+              </a:buClr>
+              <a:buSzPts val="2800"/>
+              <a:buFont typeface="Proxima Nova"/>
+              <a:buNone/>
+              <a:defRPr sz="2800" b="0" i="0" u="none" strike="noStrike" cap="none">
+                <a:solidFill>
+                  <a:schemeClr val="dk1"/>
+                </a:solidFill>
+                <a:latin typeface="Proxima Nova"/>
+                <a:ea typeface="Proxima Nova"/>
+                <a:cs typeface="Proxima Nova"/>
+                <a:sym typeface="Proxima Nova"/>
+              </a:defRPr>
+            </a:lvl2pPr>
+            <a:lvl3pPr marR="0" lvl="2" algn="l" rtl="0">
+              <a:lnSpc>
+                <a:spcPct val="100000"/>
+              </a:lnSpc>
+              <a:spcBef>
+                <a:spcPts val="0"/>
+              </a:spcBef>
+              <a:spcAft>
+                <a:spcPts val="0"/>
+              </a:spcAft>
+              <a:buClr>
+                <a:schemeClr val="dk1"/>
+              </a:buClr>
+              <a:buSzPts val="2800"/>
+              <a:buFont typeface="Proxima Nova"/>
+              <a:buNone/>
+              <a:defRPr sz="2800" b="0" i="0" u="none" strike="noStrike" cap="none">
+                <a:solidFill>
+                  <a:schemeClr val="dk1"/>
+                </a:solidFill>
+                <a:latin typeface="Proxima Nova"/>
+                <a:ea typeface="Proxima Nova"/>
+                <a:cs typeface="Proxima Nova"/>
+                <a:sym typeface="Proxima Nova"/>
+              </a:defRPr>
+            </a:lvl3pPr>
+            <a:lvl4pPr marR="0" lvl="3" algn="l" rtl="0">
+              <a:lnSpc>
+                <a:spcPct val="100000"/>
+              </a:lnSpc>
+              <a:spcBef>
+                <a:spcPts val="0"/>
+              </a:spcBef>
+              <a:spcAft>
+                <a:spcPts val="0"/>
+              </a:spcAft>
+              <a:buClr>
+                <a:schemeClr val="dk1"/>
+              </a:buClr>
+              <a:buSzPts val="2800"/>
+              <a:buFont typeface="Proxima Nova"/>
+              <a:buNone/>
+              <a:defRPr sz="2800" b="0" i="0" u="none" strike="noStrike" cap="none">
+                <a:solidFill>
+                  <a:schemeClr val="dk1"/>
+                </a:solidFill>
+                <a:latin typeface="Proxima Nova"/>
+                <a:ea typeface="Proxima Nova"/>
+                <a:cs typeface="Proxima Nova"/>
+                <a:sym typeface="Proxima Nova"/>
+              </a:defRPr>
+            </a:lvl4pPr>
+            <a:lvl5pPr marR="0" lvl="4" algn="l" rtl="0">
+              <a:lnSpc>
+                <a:spcPct val="100000"/>
+              </a:lnSpc>
+              <a:spcBef>
+                <a:spcPts val="0"/>
+              </a:spcBef>
+              <a:spcAft>
+                <a:spcPts val="0"/>
+              </a:spcAft>
+              <a:buClr>
+                <a:schemeClr val="dk1"/>
+              </a:buClr>
+              <a:buSzPts val="2800"/>
+              <a:buFont typeface="Proxima Nova"/>
+              <a:buNone/>
+              <a:defRPr sz="2800" b="0" i="0" u="none" strike="noStrike" cap="none">
+                <a:solidFill>
+                  <a:schemeClr val="dk1"/>
+                </a:solidFill>
+                <a:latin typeface="Proxima Nova"/>
+                <a:ea typeface="Proxima Nova"/>
+                <a:cs typeface="Proxima Nova"/>
+                <a:sym typeface="Proxima Nova"/>
+              </a:defRPr>
+            </a:lvl5pPr>
+            <a:lvl6pPr marR="0" lvl="5" algn="l" rtl="0">
+              <a:lnSpc>
+                <a:spcPct val="100000"/>
+              </a:lnSpc>
+              <a:spcBef>
+                <a:spcPts val="0"/>
+              </a:spcBef>
+              <a:spcAft>
+                <a:spcPts val="0"/>
+              </a:spcAft>
+              <a:buClr>
+                <a:schemeClr val="dk1"/>
+              </a:buClr>
+              <a:buSzPts val="2800"/>
+              <a:buFont typeface="Proxima Nova"/>
+              <a:buNone/>
+              <a:defRPr sz="2800" b="0" i="0" u="none" strike="noStrike" cap="none">
+                <a:solidFill>
+                  <a:schemeClr val="dk1"/>
+                </a:solidFill>
+                <a:latin typeface="Proxima Nova"/>
+                <a:ea typeface="Proxima Nova"/>
+                <a:cs typeface="Proxima Nova"/>
+                <a:sym typeface="Proxima Nova"/>
+              </a:defRPr>
+            </a:lvl6pPr>
+            <a:lvl7pPr marR="0" lvl="6" algn="l" rtl="0">
+              <a:lnSpc>
+                <a:spcPct val="100000"/>
+              </a:lnSpc>
+              <a:spcBef>
+                <a:spcPts val="0"/>
+              </a:spcBef>
+              <a:spcAft>
+                <a:spcPts val="0"/>
+              </a:spcAft>
+              <a:buClr>
+                <a:schemeClr val="dk1"/>
+              </a:buClr>
+              <a:buSzPts val="2800"/>
+              <a:buFont typeface="Proxima Nova"/>
+              <a:buNone/>
+              <a:defRPr sz="2800" b="0" i="0" u="none" strike="noStrike" cap="none">
+                <a:solidFill>
+                  <a:schemeClr val="dk1"/>
+                </a:solidFill>
+                <a:latin typeface="Proxima Nova"/>
+                <a:ea typeface="Proxima Nova"/>
+                <a:cs typeface="Proxima Nova"/>
+                <a:sym typeface="Proxima Nova"/>
+              </a:defRPr>
+            </a:lvl7pPr>
+            <a:lvl8pPr marR="0" lvl="7" algn="l" rtl="0">
+              <a:lnSpc>
+                <a:spcPct val="100000"/>
+              </a:lnSpc>
+              <a:spcBef>
+                <a:spcPts val="0"/>
+              </a:spcBef>
+              <a:spcAft>
+                <a:spcPts val="0"/>
+              </a:spcAft>
+              <a:buClr>
+                <a:schemeClr val="dk1"/>
+              </a:buClr>
+              <a:buSzPts val="2800"/>
+              <a:buFont typeface="Proxima Nova"/>
+              <a:buNone/>
+              <a:defRPr sz="2800" b="0" i="0" u="none" strike="noStrike" cap="none">
+                <a:solidFill>
+                  <a:schemeClr val="dk1"/>
+                </a:solidFill>
+                <a:latin typeface="Proxima Nova"/>
+                <a:ea typeface="Proxima Nova"/>
+                <a:cs typeface="Proxima Nova"/>
+                <a:sym typeface="Proxima Nova"/>
+              </a:defRPr>
+            </a:lvl8pPr>
+            <a:lvl9pPr marR="0" lvl="8" algn="l" rtl="0">
+              <a:lnSpc>
+                <a:spcPct val="100000"/>
+              </a:lnSpc>
+              <a:spcBef>
+                <a:spcPts val="0"/>
+              </a:spcBef>
+              <a:spcAft>
+                <a:spcPts val="0"/>
+              </a:spcAft>
+              <a:buClr>
+                <a:schemeClr val="dk1"/>
+              </a:buClr>
+              <a:buSzPts val="2800"/>
+              <a:buFont typeface="Proxima Nova"/>
+              <a:buNone/>
+              <a:defRPr sz="2800" b="0" i="0" u="none" strike="noStrike" cap="none">
+                <a:solidFill>
+                  <a:schemeClr val="dk1"/>
+                </a:solidFill>
+                <a:latin typeface="Proxima Nova"/>
+                <a:ea typeface="Proxima Nova"/>
+                <a:cs typeface="Proxima Nova"/>
+                <a:sym typeface="Proxima Nova"/>
+              </a:defRPr>
+            </a:lvl9pPr>
+          </a:lstStyle>
+          <a:p>
+            <a:pPr marL="285750" indent="-285750">
+              <a:buFont typeface="Arial" panose="020B0604020202020204" pitchFamily="34" charset="0"/>
+              <a:buChar char="•"/>
+            </a:pPr>
+            <a:r>
+              <a:rPr lang="es-MX" sz="1600" dirty="0"/>
+              <a:t>Técnica para lidiar con el overfitting: Se evalua la calidad de las predicciones sobre datos no utilizados para entrenar el modelo. ¿En qué consiste?</a:t>
+            </a:r>
+          </a:p>
+          <a:p>
+            <a:pPr marL="285750" indent="-285750">
+              <a:buFont typeface="Arial" panose="020B0604020202020204" pitchFamily="34" charset="0"/>
+              <a:buChar char="•"/>
+            </a:pPr>
+            <a:endParaRPr lang="es-MX" sz="1600" dirty="0"/>
+          </a:p>
+          <a:p>
+            <a:pPr marL="285750" indent="-285750">
+              <a:buFont typeface="Arial" panose="020B0604020202020204" pitchFamily="34" charset="0"/>
+              <a:buChar char="•"/>
+            </a:pPr>
+            <a:r>
+              <a:rPr lang="es-MX" sz="1600" dirty="0"/>
+              <a:t>Se divide el dataset (usualmente 80% - 20%) utilizando una parte para entrenamiento del modelo y otra para testeo</a:t>
+            </a:r>
+          </a:p>
+          <a:p>
+            <a:pPr marL="285750" indent="-285750">
+              <a:buFont typeface="Arial" panose="020B0604020202020204" pitchFamily="34" charset="0"/>
+              <a:buChar char="•"/>
+            </a:pPr>
+            <a:endParaRPr lang="es-MX" sz="1600" dirty="0"/>
+          </a:p>
+          <a:p>
+            <a:pPr marL="285750" indent="-285750">
+              <a:buFont typeface="Arial" panose="020B0604020202020204" pitchFamily="34" charset="0"/>
+              <a:buChar char="•"/>
+            </a:pPr>
+            <a:r>
+              <a:rPr lang="es-MX" sz="1600" dirty="0"/>
+              <a:t>Se estiman las métricas de calidad de las predicciones en la base de testeo (es decir sobre casos que no fueron utilizados para entrenar el modelo)</a:t>
+            </a:r>
+            <a:endParaRPr lang="es-MX" sz="1600" b="1" dirty="0">
+              <a:solidFill>
+                <a:schemeClr val="accent3"/>
+              </a:solidFill>
+              <a:highlight>
+                <a:schemeClr val="lt2"/>
+              </a:highlight>
+            </a:endParaRPr>
+          </a:p>
+          <a:p>
+            <a:pPr marL="285750" indent="-285750">
+              <a:buFont typeface="Arial" panose="020B0604020202020204" pitchFamily="34" charset="0"/>
+              <a:buChar char="•"/>
+            </a:pPr>
+            <a:endParaRPr lang="es-MX" sz="1600" dirty="0"/>
+          </a:p>
+          <a:p>
+            <a:pPr marL="285750" indent="-285750">
+              <a:buFont typeface="Arial" panose="020B0604020202020204" pitchFamily="34" charset="0"/>
+              <a:buChar char="•"/>
+            </a:pPr>
+            <a:r>
+              <a:rPr lang="es-MX" sz="1600" dirty="0"/>
+              <a:t>(Adelanto de temas a ver desde clase 5): En modelos que cuentan con </a:t>
+            </a:r>
+            <a:r>
+              <a:rPr lang="es-MX" sz="1600" b="1" i="1" dirty="0" err="1"/>
+              <a:t>hiperparámetros</a:t>
+            </a:r>
+            <a:r>
+              <a:rPr lang="es-MX" sz="1600" b="1" i="1" dirty="0"/>
+              <a:t>,</a:t>
+            </a:r>
+            <a:r>
+              <a:rPr lang="es-MX" sz="1600" dirty="0"/>
+              <a:t> antes de pasar a evaluar en el </a:t>
+            </a:r>
+            <a:r>
+              <a:rPr lang="es-MX" sz="1600" i="1" dirty="0"/>
+              <a:t>test </a:t>
+            </a:r>
+            <a:r>
+              <a:rPr lang="es-MX" sz="1600" dirty="0"/>
+              <a:t>set se utilizan técnicas de validación para encontrar los valores óptimos de los </a:t>
+            </a:r>
+            <a:r>
+              <a:rPr lang="es-MX" sz="1600" dirty="0" err="1"/>
+              <a:t>hiperparámetros</a:t>
+            </a:r>
+            <a:r>
+              <a:rPr lang="es-MX" sz="1600" dirty="0"/>
+              <a:t>.</a:t>
+            </a:r>
+          </a:p>
+        </p:txBody>
+      </p:sp>
+      <p:pic>
+        <p:nvPicPr>
+          <p:cNvPr id="4098" name="Picture 2" descr="How to Train and Test Data Like a Pro - SDS Club">
+            <a:extLst>
+              <a:ext uri="{FF2B5EF4-FFF2-40B4-BE49-F238E27FC236}">
+                <a16:creationId xmlns:a16="http://schemas.microsoft.com/office/drawing/2014/main" id="{85EA6626-8BF2-F225-862E-889C7E536DAB}"/>
+              </a:ext>
+            </a:extLst>
+          </p:cNvPr>
+          <p:cNvPicPr>
+            <a:picLocks noChangeAspect="1" noChangeArrowheads="1"/>
+          </p:cNvPicPr>
+          <p:nvPr/>
+        </p:nvPicPr>
+        <p:blipFill>
+          <a:blip r:embed="rId3">
+            <a:extLst>
+              <a:ext uri="{28A0092B-C50C-407E-A947-70E740481C1C}">
+                <a14:useLocalDpi xmlns:a14="http://schemas.microsoft.com/office/drawing/2010/main" val="0"/>
+              </a:ext>
+            </a:extLst>
+          </a:blip>
+          <a:srcRect/>
+          <a:stretch>
+            <a:fillRect/>
+          </a:stretch>
+        </p:blipFill>
+        <p:spPr bwMode="auto">
+          <a:xfrm>
+            <a:off x="22150" y="679026"/>
+            <a:ext cx="4985179" cy="3639181"/>
+          </a:xfrm>
+          <a:prstGeom prst="rect">
+            <a:avLst/>
+          </a:prstGeom>
+          <a:noFill/>
+          <a:extLst>
+            <a:ext uri="{909E8E84-426E-40DD-AFC4-6F175D3DCCD1}">
+              <a14:hiddenFill xmlns:a14="http://schemas.microsoft.com/office/drawing/2010/main">
+                <a:solidFill>
+                  <a:srgbClr val="FFFFFF"/>
+                </a:solidFill>
+              </a14:hiddenFill>
+            </a:ext>
+          </a:extLst>
+        </p:spPr>
+      </p:pic>
+    </p:spTree>
+    <p:extLst>
+      <p:ext uri="{BB962C8B-B14F-4D97-AF65-F5344CB8AC3E}">
+        <p14:creationId xmlns:p14="http://schemas.microsoft.com/office/powerpoint/2010/main" val="1817384153"/>
+      </p:ext>
+    </p:extLst>
+  </p:cSld>
+  <p:clrMapOvr>
+    <a:masterClrMapping/>
+  </p:clrMapOvr>
+</p:sld>
+</file>
+
+<file path=ppt/slides/slide38.xml><?xml version="1.0" encoding="utf-8"?>
+<p:sld xmlns:a="http://schemas.openxmlformats.org/drawingml/2006/main" xmlns:r="http://schemas.openxmlformats.org/officeDocument/2006/relationships" xmlns:p="http://schemas.openxmlformats.org/presentationml/2006/main">
+  <p:cSld>
+    <p:spTree>
+      <p:nvGrpSpPr>
+        <p:cNvPr id="1" name="Shape 273"/>
+        <p:cNvGrpSpPr/>
+        <p:nvPr/>
+      </p:nvGrpSpPr>
+      <p:grpSpPr>
+        <a:xfrm>
+          <a:off x="0" y="0"/>
+          <a:ext cx="0" cy="0"/>
+          <a:chOff x="0" y="0"/>
+          <a:chExt cx="0" cy="0"/>
+        </a:xfrm>
+      </p:grpSpPr>
+      <p:sp>
+        <p:nvSpPr>
+          <p:cNvPr id="274" name="Google Shape;274;p47"/>
+          <p:cNvSpPr txBox="1">
+            <a:spLocks noGrp="1"/>
+          </p:cNvSpPr>
+          <p:nvPr>
+            <p:ph type="title"/>
+          </p:nvPr>
+        </p:nvSpPr>
+        <p:spPr>
+          <a:xfrm>
+            <a:off x="490250" y="526350"/>
+            <a:ext cx="8196550" cy="4090800"/>
+          </a:xfrm>
+          <a:prstGeom prst="rect">
+            <a:avLst/>
+          </a:prstGeom>
+        </p:spPr>
+        <p:txBody>
+          <a:bodyPr spcFirstLastPara="1" wrap="square" lIns="91425" tIns="91425" rIns="91425" bIns="91425" anchor="ctr" anchorCtr="0">
+            <a:normAutofit/>
+          </a:bodyPr>
+          <a:lstStyle/>
+          <a:p>
+            <a:pPr marL="0" lvl="0" indent="0" algn="l" rtl="0">
+              <a:spcBef>
+                <a:spcPts val="0"/>
+              </a:spcBef>
+              <a:spcAft>
+                <a:spcPts val="0"/>
+              </a:spcAft>
+              <a:buNone/>
+            </a:pPr>
+            <a:r>
+              <a:rPr lang="en-GB" dirty="0"/>
+              <a:t>Mean </a:t>
+            </a:r>
+            <a:r>
+              <a:rPr lang="en-GB" dirty="0" err="1"/>
+              <a:t>Squeared</a:t>
+            </a:r>
+            <a:r>
+              <a:rPr lang="en-GB" dirty="0"/>
+              <a:t> Error</a:t>
+            </a:r>
+            <a:endParaRPr dirty="0"/>
+          </a:p>
+        </p:txBody>
+      </p:sp>
+    </p:spTree>
+    <p:extLst>
+      <p:ext uri="{BB962C8B-B14F-4D97-AF65-F5344CB8AC3E}">
+        <p14:creationId xmlns:p14="http://schemas.microsoft.com/office/powerpoint/2010/main" val="176022086"/>
+      </p:ext>
+    </p:extLst>
+  </p:cSld>
+  <p:clrMapOvr>
+    <a:masterClrMapping/>
+  </p:clrMapOvr>
+</p:sld>
+</file>
+
+<file path=ppt/slides/slide39.xml><?xml version="1.0" encoding="utf-8"?>
 <p:sld xmlns:a="http://schemas.openxmlformats.org/drawingml/2006/main" xmlns:r="http://schemas.openxmlformats.org/officeDocument/2006/relationships" xmlns:p="http://schemas.openxmlformats.org/presentationml/2006/main">
   <p:cSld>
     <p:spTree>
@@ -17174,12 +19222,12 @@
 </p:sld>
 </file>
 
-<file path=ppt/slides/slide36.xml><?xml version="1.0" encoding="utf-8"?>
+<file path=ppt/slides/slide4.xml><?xml version="1.0" encoding="utf-8"?>
 <p:sld xmlns:a="http://schemas.openxmlformats.org/drawingml/2006/main" xmlns:r="http://schemas.openxmlformats.org/officeDocument/2006/relationships" xmlns:p="http://schemas.openxmlformats.org/presentationml/2006/main">
   <p:cSld>
     <p:spTree>
       <p:nvGrpSpPr>
-        <p:cNvPr id="1" name="Shape 273"/>
+        <p:cNvPr id="1" name="Shape 112"/>
         <p:cNvGrpSpPr/>
         <p:nvPr/>
       </p:nvGrpSpPr>
@@ -17193,7 +19241,7 @@
       </p:grpSpPr>
       <p:sp>
         <p:nvSpPr>
-          <p:cNvPr id="274" name="Google Shape;274;p47"/>
+          <p:cNvPr id="113" name="Google Shape;113;p20"/>
           <p:cNvSpPr txBox="1">
             <a:spLocks noGrp="1"/>
           </p:cNvSpPr>
@@ -17203,12 +19251,77 @@
         </p:nvSpPr>
         <p:spPr>
           <a:xfrm>
-            <a:off x="490250" y="526350"/>
-            <a:ext cx="5797500" cy="4090800"/>
+            <a:off x="311700" y="445025"/>
+            <a:ext cx="8520600" cy="572700"/>
           </a:xfrm>
           <a:prstGeom prst="rect">
             <a:avLst/>
           </a:prstGeom>
+        </p:spPr>
+        <p:txBody>
+          <a:bodyPr spcFirstLastPara="1" wrap="square" lIns="91425" tIns="91425" rIns="91425" bIns="91425" anchor="t" anchorCtr="0">
+            <a:normAutofit fontScale="90000"/>
+          </a:bodyPr>
+          <a:lstStyle/>
+          <a:p>
+            <a:pPr marL="0" lvl="0" indent="0" algn="l" rtl="0">
+              <a:spcBef>
+                <a:spcPts val="0"/>
+              </a:spcBef>
+              <a:spcAft>
+                <a:spcPts val="0"/>
+              </a:spcAft>
+              <a:buNone/>
+            </a:pPr>
+            <a:r>
+              <a:rPr lang="en-GB" dirty="0" err="1"/>
+              <a:t>Bibliografía</a:t>
+            </a:r>
+            <a:r>
+              <a:rPr lang="en-GB" dirty="0"/>
+              <a:t> del </a:t>
+            </a:r>
+            <a:r>
+              <a:rPr lang="en-GB" dirty="0" err="1"/>
+              <a:t>módulo</a:t>
+            </a:r>
+            <a:endParaRPr dirty="0"/>
+          </a:p>
+        </p:txBody>
+      </p:sp>
+      <p:sp>
+        <p:nvSpPr>
+          <p:cNvPr id="114" name="Google Shape;114;p20"/>
+          <p:cNvSpPr txBox="1">
+            <a:spLocks noGrp="1"/>
+          </p:cNvSpPr>
+          <p:nvPr>
+            <p:ph type="body" idx="1"/>
+          </p:nvPr>
+        </p:nvSpPr>
+        <p:spPr>
+          <a:xfrm>
+            <a:off x="919369" y="1364869"/>
+            <a:ext cx="7305262" cy="3259886"/>
+          </a:xfrm>
+          <a:prstGeom prst="rect">
+            <a:avLst/>
+          </a:prstGeom>
+          <a:noFill/>
+          <a:ln>
+            <a:solidFill>
+              <a:schemeClr val="tx2"/>
+            </a:solidFill>
+            <a:extLst>
+              <a:ext uri="{C807C97D-BFC1-408E-A445-0C87EB9F89A2}">
+                <ask:lineSketchStyleProps xmlns:ask="http://schemas.microsoft.com/office/drawing/2018/sketchyshapes">
+                  <ask:type>
+                    <ask:lineSketchNone/>
+                  </ask:type>
+                </ask:lineSketchStyleProps>
+              </a:ext>
+            </a:extLst>
+          </a:ln>
         </p:spPr>
         <p:txBody>
           <a:bodyPr spcFirstLastPara="1" wrap="square" lIns="91425" tIns="91425" rIns="91425" bIns="91425" anchor="ctr" anchorCtr="0">
@@ -17216,29 +19329,191 @@
           </a:bodyPr>
           <a:lstStyle/>
           <a:p>
-            <a:pPr marL="0" lvl="0" indent="0" algn="l" rtl="0">
-              <a:spcBef>
-                <a:spcPts val="0"/>
-              </a:spcBef>
-              <a:spcAft>
-                <a:spcPts val="0"/>
-              </a:spcAft>
-              <a:buNone/>
+            <a:pPr marL="285750" indent="-285750">
+              <a:lnSpc>
+                <a:spcPct val="150000"/>
+              </a:lnSpc>
+              <a:buFont typeface="Wingdings" panose="05000000000000000000" pitchFamily="2" charset="2"/>
+              <a:buChar char="§"/>
             </a:pPr>
             <a:r>
               <a:rPr lang="en-GB" dirty="0"/>
-              <a:t>Train y test</a:t>
-            </a:r>
-            <a:endParaRPr dirty="0"/>
+              <a:t>An Introduction to Statistical Learning with applications in R (James, Witten, Hastie y </a:t>
+            </a:r>
+            <a:r>
+              <a:rPr lang="en-GB" dirty="0" err="1"/>
+              <a:t>Tibshirani</a:t>
+            </a:r>
+            <a:r>
+              <a:rPr lang="en-GB" dirty="0"/>
+              <a:t>) – 1</a:t>
+            </a:r>
+            <a:r>
+              <a:rPr lang="en-GB" baseline="30000" dirty="0"/>
+              <a:t>st</a:t>
+            </a:r>
+            <a:r>
+              <a:rPr lang="en-GB" dirty="0"/>
+              <a:t> and </a:t>
+            </a:r>
+            <a:r>
+              <a:rPr lang="en-GB" dirty="0">
+                <a:hlinkClick r:id="rId3"/>
+              </a:rPr>
+              <a:t>2</a:t>
+            </a:r>
+            <a:r>
+              <a:rPr lang="en-GB" baseline="30000" dirty="0">
+                <a:hlinkClick r:id="rId3"/>
+              </a:rPr>
+              <a:t>nd</a:t>
+            </a:r>
+            <a:r>
+              <a:rPr lang="en-GB" dirty="0">
+                <a:hlinkClick r:id="rId3"/>
+              </a:rPr>
+              <a:t> version </a:t>
+            </a:r>
+            <a:endParaRPr lang="en-GB" dirty="0"/>
+          </a:p>
+          <a:p>
+            <a:pPr marL="285750" indent="-285750">
+              <a:lnSpc>
+                <a:spcPct val="150000"/>
+              </a:lnSpc>
+              <a:buFont typeface="Wingdings" panose="05000000000000000000" pitchFamily="2" charset="2"/>
+              <a:buChar char="§"/>
+            </a:pPr>
+            <a:endParaRPr lang="en-GB" dirty="0"/>
+          </a:p>
+          <a:p>
+            <a:pPr marL="285750" indent="-285750">
+              <a:lnSpc>
+                <a:spcPct val="150000"/>
+              </a:lnSpc>
+              <a:buFont typeface="Wingdings" panose="05000000000000000000" pitchFamily="2" charset="2"/>
+              <a:buChar char="§"/>
+            </a:pPr>
+            <a:r>
+              <a:rPr lang="en-US" dirty="0">
+                <a:hlinkClick r:id="rId4"/>
+              </a:rPr>
+              <a:t>Tidy Modeling with R (Kuhn y </a:t>
+            </a:r>
+            <a:r>
+              <a:rPr lang="en-US" dirty="0" err="1">
+                <a:hlinkClick r:id="rId4"/>
+              </a:rPr>
+              <a:t>Silge</a:t>
+            </a:r>
+            <a:r>
+              <a:rPr lang="en-US" dirty="0">
+                <a:hlinkClick r:id="rId4"/>
+              </a:rPr>
+              <a:t>)</a:t>
+            </a:r>
+            <a:r>
+              <a:rPr lang="es-AR" dirty="0"/>
+              <a:t> </a:t>
+            </a:r>
+          </a:p>
+          <a:p>
+            <a:pPr marL="285750" indent="-285750">
+              <a:lnSpc>
+                <a:spcPct val="150000"/>
+              </a:lnSpc>
+              <a:buFont typeface="Wingdings" panose="05000000000000000000" pitchFamily="2" charset="2"/>
+              <a:buChar char="§"/>
+            </a:pPr>
+            <a:endParaRPr lang="es-AR" dirty="0"/>
+          </a:p>
+          <a:p>
+            <a:pPr marL="285750" indent="-285750">
+              <a:lnSpc>
+                <a:spcPct val="150000"/>
+              </a:lnSpc>
+              <a:buFont typeface="Wingdings" panose="05000000000000000000" pitchFamily="2" charset="2"/>
+              <a:buChar char="§"/>
+            </a:pPr>
+            <a:r>
+              <a:rPr lang="es-AR" dirty="0" err="1"/>
+              <a:t>Introduction</a:t>
+            </a:r>
+            <a:r>
+              <a:rPr lang="es-AR" dirty="0"/>
+              <a:t> </a:t>
+            </a:r>
+            <a:r>
+              <a:rPr lang="es-AR" dirty="0" err="1"/>
+              <a:t>to</a:t>
+            </a:r>
+            <a:r>
+              <a:rPr lang="es-AR" dirty="0"/>
+              <a:t> Modern </a:t>
+            </a:r>
+            <a:r>
+              <a:rPr lang="es-AR" dirty="0" err="1"/>
+              <a:t>Statistics</a:t>
+            </a:r>
+            <a:r>
+              <a:rPr lang="es-AR" dirty="0"/>
+              <a:t> (</a:t>
+            </a:r>
+            <a:r>
+              <a:rPr lang="es-AR" dirty="0" err="1"/>
+              <a:t>Çetinkaya</a:t>
+            </a:r>
+            <a:r>
+              <a:rPr lang="es-AR" dirty="0"/>
+              <a:t>-Rundel y Hardin) </a:t>
+            </a:r>
           </a:p>
         </p:txBody>
       </p:sp>
+      <p:cxnSp>
+        <p:nvCxnSpPr>
+          <p:cNvPr id="3" name="Conector recto 2">
+            <a:extLst>
+              <a:ext uri="{FF2B5EF4-FFF2-40B4-BE49-F238E27FC236}">
+                <a16:creationId xmlns:a16="http://schemas.microsoft.com/office/drawing/2014/main" id="{E690CFC0-5F6F-6FA3-BA3D-AE7D31E0B5E0}"/>
+              </a:ext>
+            </a:extLst>
+          </p:cNvPr>
+          <p:cNvCxnSpPr>
+            <a:cxnSpLocks/>
+          </p:cNvCxnSpPr>
+          <p:nvPr/>
+        </p:nvCxnSpPr>
+        <p:spPr>
+          <a:xfrm flipV="1">
+            <a:off x="378069" y="940777"/>
+            <a:ext cx="6849208" cy="26379"/>
+          </a:xfrm>
+          <a:prstGeom prst="line">
+            <a:avLst/>
+          </a:prstGeom>
+          <a:ln>
+            <a:solidFill>
+              <a:schemeClr val="bg2"/>
+            </a:solidFill>
+          </a:ln>
+        </p:spPr>
+        <p:style>
+          <a:lnRef idx="1">
+            <a:schemeClr val="accent1"/>
+          </a:lnRef>
+          <a:fillRef idx="0">
+            <a:schemeClr val="accent1"/>
+          </a:fillRef>
+          <a:effectRef idx="0">
+            <a:schemeClr val="accent1"/>
+          </a:effectRef>
+          <a:fontRef idx="minor">
+            <a:schemeClr val="tx1"/>
+          </a:fontRef>
+        </p:style>
+      </p:cxnSp>
     </p:spTree>
-    <p:extLst>
-      <p:ext uri="{BB962C8B-B14F-4D97-AF65-F5344CB8AC3E}">
-        <p14:creationId xmlns:p14="http://schemas.microsoft.com/office/powerpoint/2010/main" val="267523101"/>
-      </p:ext>
-    </p:extLst>
   </p:cSld>
   <p:clrMapOvr>
     <a:masterClrMapping/>
@@ -17246,7 +19521,7 @@
 </p:sld>
 </file>
 
-<file path=ppt/slides/slide37.xml><?xml version="1.0" encoding="utf-8"?>
+<file path=ppt/slides/slide40.xml><?xml version="1.0" encoding="utf-8"?>
 <p:sld xmlns:a="http://schemas.openxmlformats.org/drawingml/2006/main" xmlns:r="http://schemas.openxmlformats.org/officeDocument/2006/relationships" xmlns:p="http://schemas.openxmlformats.org/presentationml/2006/main">
   <p:cSld>
     <p:spTree>
@@ -17464,7 +19739,7 @@
 </p:sld>
 </file>
 
-<file path=ppt/slides/slide38.xml><?xml version="1.0" encoding="utf-8"?>
+<file path=ppt/slides/slide41.xml><?xml version="1.0" encoding="utf-8"?>
 <p:sld xmlns:a="http://schemas.openxmlformats.org/drawingml/2006/main" xmlns:r="http://schemas.openxmlformats.org/officeDocument/2006/relationships" xmlns:p="http://schemas.openxmlformats.org/presentationml/2006/main">
   <p:cSld>
     <p:spTree>
@@ -17544,7 +19819,7 @@
 </p:sld>
 </file>
 
-<file path=ppt/slides/slide39.xml><?xml version="1.0" encoding="utf-8"?>
+<file path=ppt/slides/slide42.xml><?xml version="1.0" encoding="utf-8"?>
 <p:sld xmlns:a="http://schemas.openxmlformats.org/drawingml/2006/main" xmlns:r="http://schemas.openxmlformats.org/officeDocument/2006/relationships" xmlns:p="http://schemas.openxmlformats.org/presentationml/2006/main">
   <p:cSld>
     <p:spTree>
@@ -19315,306 +21590,7 @@
 </p:sld>
 </file>
 
-<file path=ppt/slides/slide4.xml><?xml version="1.0" encoding="utf-8"?>
-<p:sld xmlns:a="http://schemas.openxmlformats.org/drawingml/2006/main" xmlns:r="http://schemas.openxmlformats.org/officeDocument/2006/relationships" xmlns:p="http://schemas.openxmlformats.org/presentationml/2006/main">
-  <p:cSld>
-    <p:spTree>
-      <p:nvGrpSpPr>
-        <p:cNvPr id="1" name="Shape 112"/>
-        <p:cNvGrpSpPr/>
-        <p:nvPr/>
-      </p:nvGrpSpPr>
-      <p:grpSpPr>
-        <a:xfrm>
-          <a:off x="0" y="0"/>
-          <a:ext cx="0" cy="0"/>
-          <a:chOff x="0" y="0"/>
-          <a:chExt cx="0" cy="0"/>
-        </a:xfrm>
-      </p:grpSpPr>
-      <p:sp>
-        <p:nvSpPr>
-          <p:cNvPr id="113" name="Google Shape;113;p20"/>
-          <p:cNvSpPr txBox="1">
-            <a:spLocks noGrp="1"/>
-          </p:cNvSpPr>
-          <p:nvPr>
-            <p:ph type="title"/>
-          </p:nvPr>
-        </p:nvSpPr>
-        <p:spPr>
-          <a:xfrm>
-            <a:off x="311700" y="445025"/>
-            <a:ext cx="8520600" cy="572700"/>
-          </a:xfrm>
-          <a:prstGeom prst="rect">
-            <a:avLst/>
-          </a:prstGeom>
-        </p:spPr>
-        <p:txBody>
-          <a:bodyPr spcFirstLastPara="1" wrap="square" lIns="91425" tIns="91425" rIns="91425" bIns="91425" anchor="t" anchorCtr="0">
-            <a:normAutofit fontScale="90000"/>
-          </a:bodyPr>
-          <a:lstStyle/>
-          <a:p>
-            <a:pPr marL="0" lvl="0" indent="0" algn="l" rtl="0">
-              <a:spcBef>
-                <a:spcPts val="0"/>
-              </a:spcBef>
-              <a:spcAft>
-                <a:spcPts val="0"/>
-              </a:spcAft>
-              <a:buNone/>
-            </a:pPr>
-            <a:r>
-              <a:rPr lang="en-GB" dirty="0" err="1"/>
-              <a:t>Bibliografía</a:t>
-            </a:r>
-            <a:r>
-              <a:rPr lang="en-GB" dirty="0"/>
-              <a:t> del </a:t>
-            </a:r>
-            <a:r>
-              <a:rPr lang="en-GB" dirty="0" err="1"/>
-              <a:t>módulo</a:t>
-            </a:r>
-            <a:endParaRPr dirty="0"/>
-          </a:p>
-        </p:txBody>
-      </p:sp>
-      <p:sp>
-        <p:nvSpPr>
-          <p:cNvPr id="114" name="Google Shape;114;p20"/>
-          <p:cNvSpPr txBox="1">
-            <a:spLocks noGrp="1"/>
-          </p:cNvSpPr>
-          <p:nvPr>
-            <p:ph type="body" idx="1"/>
-          </p:nvPr>
-        </p:nvSpPr>
-        <p:spPr>
-          <a:xfrm>
-            <a:off x="919369" y="1364869"/>
-            <a:ext cx="7305262" cy="3259886"/>
-          </a:xfrm>
-          <a:prstGeom prst="rect">
-            <a:avLst/>
-          </a:prstGeom>
-          <a:noFill/>
-          <a:ln>
-            <a:solidFill>
-              <a:schemeClr val="tx2"/>
-            </a:solidFill>
-            <a:extLst>
-              <a:ext uri="{C807C97D-BFC1-408E-A445-0C87EB9F89A2}">
-                <ask:lineSketchStyleProps xmlns:ask="http://schemas.microsoft.com/office/drawing/2018/sketchyshapes">
-                  <ask:type>
-                    <ask:lineSketchNone/>
-                  </ask:type>
-                </ask:lineSketchStyleProps>
-              </a:ext>
-            </a:extLst>
-          </a:ln>
-        </p:spPr>
-        <p:txBody>
-          <a:bodyPr spcFirstLastPara="1" wrap="square" lIns="91425" tIns="91425" rIns="91425" bIns="91425" anchor="ctr" anchorCtr="0">
-            <a:normAutofit/>
-          </a:bodyPr>
-          <a:lstStyle/>
-          <a:p>
-            <a:pPr marL="285750" indent="-285750">
-              <a:lnSpc>
-                <a:spcPct val="150000"/>
-              </a:lnSpc>
-              <a:buFont typeface="Wingdings" panose="05000000000000000000" pitchFamily="2" charset="2"/>
-              <a:buChar char="§"/>
-            </a:pPr>
-            <a:r>
-              <a:rPr lang="en-GB" dirty="0"/>
-              <a:t>An Introduction to Statistical Learning with applications in R (James, Witten, Hastie y </a:t>
-            </a:r>
-            <a:r>
-              <a:rPr lang="en-GB" dirty="0" err="1"/>
-              <a:t>Tibshirani</a:t>
-            </a:r>
-            <a:r>
-              <a:rPr lang="en-GB" dirty="0"/>
-              <a:t>) – 1</a:t>
-            </a:r>
-            <a:r>
-              <a:rPr lang="en-GB" baseline="30000" dirty="0"/>
-              <a:t>st</a:t>
-            </a:r>
-            <a:r>
-              <a:rPr lang="en-GB" dirty="0"/>
-              <a:t> and </a:t>
-            </a:r>
-            <a:r>
-              <a:rPr lang="en-GB" dirty="0">
-                <a:hlinkClick r:id="rId3"/>
-              </a:rPr>
-              <a:t>2</a:t>
-            </a:r>
-            <a:r>
-              <a:rPr lang="en-GB" baseline="30000" dirty="0">
-                <a:hlinkClick r:id="rId3"/>
-              </a:rPr>
-              <a:t>nd</a:t>
-            </a:r>
-            <a:r>
-              <a:rPr lang="en-GB" dirty="0">
-                <a:hlinkClick r:id="rId3"/>
-              </a:rPr>
-              <a:t> version </a:t>
-            </a:r>
-            <a:endParaRPr lang="en-GB" dirty="0"/>
-          </a:p>
-          <a:p>
-            <a:pPr marL="285750" indent="-285750">
-              <a:lnSpc>
-                <a:spcPct val="150000"/>
-              </a:lnSpc>
-              <a:buFont typeface="Wingdings" panose="05000000000000000000" pitchFamily="2" charset="2"/>
-              <a:buChar char="§"/>
-            </a:pPr>
-            <a:endParaRPr lang="en-GB" dirty="0"/>
-          </a:p>
-          <a:p>
-            <a:pPr marL="285750" indent="-285750">
-              <a:lnSpc>
-                <a:spcPct val="150000"/>
-              </a:lnSpc>
-              <a:buFont typeface="Wingdings" panose="05000000000000000000" pitchFamily="2" charset="2"/>
-              <a:buChar char="§"/>
-            </a:pPr>
-            <a:r>
-              <a:rPr lang="en-US" dirty="0">
-                <a:hlinkClick r:id="rId4"/>
-              </a:rPr>
-              <a:t>Tidy Modeling with R (Kuhn y </a:t>
-            </a:r>
-            <a:r>
-              <a:rPr lang="en-US" dirty="0" err="1">
-                <a:hlinkClick r:id="rId4"/>
-              </a:rPr>
-              <a:t>Silge</a:t>
-            </a:r>
-            <a:r>
-              <a:rPr lang="en-US" dirty="0">
-                <a:hlinkClick r:id="rId4"/>
-              </a:rPr>
-              <a:t>)</a:t>
-            </a:r>
-            <a:r>
-              <a:rPr lang="es-AR" dirty="0"/>
-              <a:t> </a:t>
-            </a:r>
-          </a:p>
-          <a:p>
-            <a:pPr marL="285750" indent="-285750">
-              <a:lnSpc>
-                <a:spcPct val="150000"/>
-              </a:lnSpc>
-              <a:buFont typeface="Wingdings" panose="05000000000000000000" pitchFamily="2" charset="2"/>
-              <a:buChar char="§"/>
-            </a:pPr>
-            <a:endParaRPr lang="es-AR" dirty="0"/>
-          </a:p>
-          <a:p>
-            <a:pPr marL="285750" indent="-285750">
-              <a:lnSpc>
-                <a:spcPct val="150000"/>
-              </a:lnSpc>
-              <a:buFont typeface="Wingdings" panose="05000000000000000000" pitchFamily="2" charset="2"/>
-              <a:buChar char="§"/>
-            </a:pPr>
-            <a:r>
-              <a:rPr lang="es-AR" dirty="0" err="1"/>
-              <a:t>Introduction</a:t>
-            </a:r>
-            <a:r>
-              <a:rPr lang="es-AR" dirty="0"/>
-              <a:t> </a:t>
-            </a:r>
-            <a:r>
-              <a:rPr lang="es-AR" dirty="0" err="1"/>
-              <a:t>to</a:t>
-            </a:r>
-            <a:r>
-              <a:rPr lang="es-AR" dirty="0"/>
-              <a:t> Modern </a:t>
-            </a:r>
-            <a:r>
-              <a:rPr lang="es-AR" dirty="0" err="1"/>
-              <a:t>Statistics</a:t>
-            </a:r>
-            <a:r>
-              <a:rPr lang="es-AR" dirty="0"/>
-              <a:t> (</a:t>
-            </a:r>
-            <a:r>
-              <a:rPr lang="es-AR" dirty="0" err="1"/>
-              <a:t>Çetinkaya</a:t>
-            </a:r>
-            <a:r>
-              <a:rPr lang="es-AR" dirty="0"/>
-              <a:t>-Rundel y Hardin) </a:t>
-            </a:r>
-          </a:p>
-        </p:txBody>
-      </p:sp>
-      <p:cxnSp>
-        <p:nvCxnSpPr>
-          <p:cNvPr id="3" name="Conector recto 2">
-            <a:extLst>
-              <a:ext uri="{FF2B5EF4-FFF2-40B4-BE49-F238E27FC236}">
-                <a16:creationId xmlns:a16="http://schemas.microsoft.com/office/drawing/2014/main" id="{E690CFC0-5F6F-6FA3-BA3D-AE7D31E0B5E0}"/>
-              </a:ext>
-            </a:extLst>
-          </p:cNvPr>
-          <p:cNvCxnSpPr>
-            <a:cxnSpLocks/>
-          </p:cNvCxnSpPr>
-          <p:nvPr/>
-        </p:nvCxnSpPr>
-        <p:spPr>
-          <a:xfrm flipV="1">
-            <a:off x="378069" y="940777"/>
-            <a:ext cx="6849208" cy="26379"/>
-          </a:xfrm>
-          <a:prstGeom prst="line">
-            <a:avLst/>
-          </a:prstGeom>
-          <a:ln>
-            <a:solidFill>
-              <a:schemeClr val="bg2"/>
-            </a:solidFill>
-          </a:ln>
-        </p:spPr>
-        <p:style>
-          <a:lnRef idx="1">
-            <a:schemeClr val="accent1"/>
-          </a:lnRef>
-          <a:fillRef idx="0">
-            <a:schemeClr val="accent1"/>
-          </a:fillRef>
-          <a:effectRef idx="0">
-            <a:schemeClr val="accent1"/>
-          </a:effectRef>
-          <a:fontRef idx="minor">
-            <a:schemeClr val="tx1"/>
-          </a:fontRef>
-        </p:style>
-      </p:cxnSp>
-    </p:spTree>
-  </p:cSld>
-  <p:clrMapOvr>
-    <a:masterClrMapping/>
-  </p:clrMapOvr>
-</p:sld>
-</file>
-
-<file path=ppt/slides/slide40.xml><?xml version="1.0" encoding="utf-8"?>
+<file path=ppt/slides/slide43.xml><?xml version="1.0" encoding="utf-8"?>
 <p:sld xmlns:a="http://schemas.openxmlformats.org/drawingml/2006/main" xmlns:r="http://schemas.openxmlformats.org/officeDocument/2006/relationships" xmlns:p="http://schemas.openxmlformats.org/presentationml/2006/main">
   <p:cSld>
     <p:spTree>
@@ -19685,7 +21661,7 @@
 </p:sld>
 </file>
 
-<file path=ppt/slides/slide41.xml><?xml version="1.0" encoding="utf-8"?>
+<file path=ppt/slides/slide44.xml><?xml version="1.0" encoding="utf-8"?>
 <p:sld xmlns:a="http://schemas.openxmlformats.org/drawingml/2006/main" xmlns:r="http://schemas.openxmlformats.org/officeDocument/2006/relationships" xmlns:p="http://schemas.openxmlformats.org/presentationml/2006/main">
   <p:cSld>
     <p:spTree>
@@ -20107,7 +22083,7 @@
 </p:sld>
 </file>
 
-<file path=ppt/slides/slide42.xml><?xml version="1.0" encoding="utf-8"?>
+<file path=ppt/slides/slide45.xml><?xml version="1.0" encoding="utf-8"?>
 <p:sld xmlns:a="http://schemas.openxmlformats.org/drawingml/2006/main" xmlns:r="http://schemas.openxmlformats.org/officeDocument/2006/relationships" xmlns:p="http://schemas.openxmlformats.org/presentationml/2006/main">
   <p:cSld>
     <p:spTree>
@@ -20183,7 +22159,7 @@
 </p:sld>
 </file>
 
-<file path=ppt/slides/slide43.xml><?xml version="1.0" encoding="utf-8"?>
+<file path=ppt/slides/slide46.xml><?xml version="1.0" encoding="utf-8"?>
 <p:sld xmlns:a="http://schemas.openxmlformats.org/drawingml/2006/main" xmlns:r="http://schemas.openxmlformats.org/officeDocument/2006/relationships" xmlns:p="http://schemas.openxmlformats.org/presentationml/2006/main">
   <p:cSld>
     <p:spTree>
@@ -20582,7 +22558,7 @@
 </p:sld>
 </file>
 
-<file path=ppt/slides/slide44.xml><?xml version="1.0" encoding="utf-8"?>
+<file path=ppt/slides/slide47.xml><?xml version="1.0" encoding="utf-8"?>
 <p:sld xmlns:a="http://schemas.openxmlformats.org/drawingml/2006/main" xmlns:r="http://schemas.openxmlformats.org/officeDocument/2006/relationships" xmlns:p="http://schemas.openxmlformats.org/presentationml/2006/main">
   <p:cSld>
     <p:spTree>
@@ -20649,7 +22625,7 @@
 </p:sld>
 </file>
 
-<file path=ppt/slides/slide45.xml><?xml version="1.0" encoding="utf-8"?>
+<file path=ppt/slides/slide48.xml><?xml version="1.0" encoding="utf-8"?>
 <p:sld xmlns:a="http://schemas.openxmlformats.org/drawingml/2006/main" xmlns:r="http://schemas.openxmlformats.org/officeDocument/2006/relationships" xmlns:p="http://schemas.openxmlformats.org/presentationml/2006/main">
   <p:cSld>
     <p:spTree>
@@ -20847,7 +22823,7 @@
 </p:sld>
 </file>
 
-<file path=ppt/slides/slide46.xml><?xml version="1.0" encoding="utf-8"?>
+<file path=ppt/slides/slide49.xml><?xml version="1.0" encoding="utf-8"?>
 <p:sld xmlns:a="http://schemas.openxmlformats.org/drawingml/2006/main" xmlns:r="http://schemas.openxmlformats.org/officeDocument/2006/relationships" xmlns:p="http://schemas.openxmlformats.org/presentationml/2006/main">
   <p:cSld>
     <p:spTree>

--- a/clase1/teorica_1.pptx
+++ b/clase1/teorica_1.pptx
@@ -13483,10 +13483,18 @@
               <a:buNone/>
             </a:pPr>
             <a:r>
-              <a:rPr lang="en-GB"/>
-              <a:t>Quiénes somos</a:t>
-            </a:r>
-            <a:endParaRPr/>
+              <a:rPr lang="en-GB" dirty="0" err="1"/>
+              <a:t>Quiénes</a:t>
+            </a:r>
+            <a:r>
+              <a:rPr lang="en-GB" dirty="0"/>
+              <a:t> </a:t>
+            </a:r>
+            <a:r>
+              <a:rPr lang="en-GB" dirty="0" err="1"/>
+              <a:t>somos</a:t>
+            </a:r>
+            <a:endParaRPr dirty="0"/>
           </a:p>
         </p:txBody>
       </p:sp>
@@ -13542,7 +13550,7 @@
                   <a:schemeClr val="bg2"/>
                 </a:solidFill>
               </a:rPr>
-              <a:t>Karina </a:t>
+              <a:t>Valentín</a:t>
             </a:r>
           </a:p>
           <a:p>
@@ -13564,7 +13572,7 @@
                   <a:schemeClr val="bg2"/>
                 </a:solidFill>
               </a:rPr>
-              <a:t>Bartolomé</a:t>
+              <a:t>Alvarez</a:t>
             </a:r>
           </a:p>
           <a:p>
@@ -13604,7 +13612,15 @@
             </a:r>
             <a:r>
               <a:rPr lang="en-GB" dirty="0"/>
-              <a:t>. Economía UNLP</a:t>
+              <a:t>. </a:t>
+            </a:r>
+            <a:r>
+              <a:rPr lang="en-GB" dirty="0" err="1"/>
+              <a:t>Economía</a:t>
+            </a:r>
+            <a:r>
+              <a:rPr lang="en-GB" dirty="0"/>
+              <a:t> UBA</a:t>
             </a:r>
           </a:p>
           <a:p>
@@ -13624,7 +13640,7 @@
             </a:pPr>
             <a:r>
               <a:rPr lang="es-AR" dirty="0"/>
-              <a:t>Especialista en métodos cuantitativos - UBA</a:t>
+              <a:t>Maestrando en Desarrollo Económico UNSAM</a:t>
             </a:r>
           </a:p>
           <a:p>
@@ -13640,159 +13656,6 @@
               </a:spcAft>
               <a:buNone/>
             </a:pPr>
-            <a:endParaRPr dirty="0"/>
-          </a:p>
-        </p:txBody>
-      </p:sp>
-      <p:sp>
-        <p:nvSpPr>
-          <p:cNvPr id="74" name="Google Shape;74;p15"/>
-          <p:cNvSpPr txBox="1">
-            <a:spLocks noGrp="1"/>
-          </p:cNvSpPr>
-          <p:nvPr>
-            <p:ph type="body" idx="1"/>
-          </p:nvPr>
-        </p:nvSpPr>
-        <p:spPr>
-          <a:xfrm>
-            <a:off x="4771795" y="1152475"/>
-            <a:ext cx="4060500" cy="3416400"/>
-          </a:xfrm>
-          <a:prstGeom prst="rect">
-            <a:avLst/>
-          </a:prstGeom>
-          <a:ln w="19050" cap="flat" cmpd="sng">
-            <a:solidFill>
-              <a:schemeClr val="dk2"/>
-            </a:solidFill>
-            <a:prstDash val="solid"/>
-            <a:round/>
-            <a:headEnd type="none" w="sm" len="sm"/>
-            <a:tailEnd type="none" w="sm" len="sm"/>
-          </a:ln>
-        </p:spPr>
-        <p:txBody>
-          <a:bodyPr spcFirstLastPara="1" wrap="square" lIns="91425" tIns="91425" rIns="91425" bIns="91425" anchor="t" anchorCtr="0">
-            <a:normAutofit/>
-          </a:bodyPr>
-          <a:lstStyle/>
-          <a:p>
-            <a:pPr marL="0" lvl="0" indent="0" algn="l" rtl="0">
-              <a:lnSpc>
-                <a:spcPct val="115000"/>
-              </a:lnSpc>
-              <a:spcBef>
-                <a:spcPts val="0"/>
-              </a:spcBef>
-              <a:spcAft>
-                <a:spcPts val="0"/>
-              </a:spcAft>
-              <a:buNone/>
-            </a:pPr>
-            <a:r>
-              <a:rPr lang="es-AR" sz="2400" b="1" dirty="0">
-                <a:solidFill>
-                  <a:schemeClr val="bg2"/>
-                </a:solidFill>
-              </a:rPr>
-              <a:t>Guido </a:t>
-            </a:r>
-          </a:p>
-          <a:p>
-            <a:pPr marL="0" lvl="0" indent="0" algn="l" rtl="0">
-              <a:lnSpc>
-                <a:spcPct val="115000"/>
-              </a:lnSpc>
-              <a:spcBef>
-                <a:spcPts val="0"/>
-              </a:spcBef>
-              <a:spcAft>
-                <a:spcPts val="0"/>
-              </a:spcAft>
-              <a:buNone/>
-            </a:pPr>
-            <a:r>
-              <a:rPr lang="es-AR" sz="2400" b="1" dirty="0">
-                <a:solidFill>
-                  <a:schemeClr val="bg2"/>
-                </a:solidFill>
-              </a:rPr>
-              <a:t>Weksler</a:t>
-            </a:r>
-            <a:endParaRPr sz="2400" b="1" dirty="0">
-              <a:solidFill>
-                <a:schemeClr val="bg2"/>
-              </a:solidFill>
-            </a:endParaRPr>
-          </a:p>
-          <a:p>
-            <a:pPr marL="0" lvl="0" indent="0" algn="l" rtl="0">
-              <a:lnSpc>
-                <a:spcPct val="115000"/>
-              </a:lnSpc>
-              <a:spcBef>
-                <a:spcPts val="0"/>
-              </a:spcBef>
-              <a:spcAft>
-                <a:spcPts val="0"/>
-              </a:spcAft>
-              <a:buNone/>
-            </a:pPr>
-            <a:endParaRPr sz="2400" b="1" dirty="0"/>
-          </a:p>
-          <a:p>
-            <a:pPr lvl="0" algn="l" rtl="0">
-              <a:lnSpc>
-                <a:spcPct val="115000"/>
-              </a:lnSpc>
-              <a:spcBef>
-                <a:spcPts val="0"/>
-              </a:spcBef>
-              <a:spcAft>
-                <a:spcPts val="0"/>
-              </a:spcAft>
-              <a:buSzPts val="1800"/>
-              <a:buFont typeface="Wingdings" panose="05000000000000000000" pitchFamily="2" charset="2"/>
-              <a:buChar char="§"/>
-            </a:pPr>
-            <a:r>
-              <a:rPr lang="en-GB" dirty="0" err="1"/>
-              <a:t>Lic</a:t>
-            </a:r>
-            <a:r>
-              <a:rPr lang="en-GB" dirty="0"/>
-              <a:t>. Economía  - UBA</a:t>
-            </a:r>
-            <a:endParaRPr dirty="0"/>
-          </a:p>
-          <a:p>
-            <a:pPr lvl="0" algn="l" rtl="0">
-              <a:lnSpc>
-                <a:spcPct val="115000"/>
-              </a:lnSpc>
-              <a:spcBef>
-                <a:spcPts val="0"/>
-              </a:spcBef>
-              <a:spcAft>
-                <a:spcPts val="0"/>
-              </a:spcAft>
-              <a:buSzPts val="1800"/>
-              <a:buFont typeface="Wingdings" panose="05000000000000000000" pitchFamily="2" charset="2"/>
-              <a:buChar char="§"/>
-            </a:pPr>
-            <a:r>
-              <a:rPr lang="en-GB" dirty="0" err="1"/>
-              <a:t>Becario</a:t>
-            </a:r>
-            <a:r>
-              <a:rPr lang="en-GB" dirty="0"/>
-              <a:t> Doctoral – CONICET</a:t>
-            </a:r>
-            <a:r>
-              <a:rPr lang="es-AR" dirty="0"/>
-              <a:t>/CEPED</a:t>
-            </a:r>
             <a:endParaRPr dirty="0"/>
           </a:p>
         </p:txBody>
@@ -14145,47 +14008,39 @@
             </a:r>
             <a:r>
               <a:rPr lang="en-GB" dirty="0"/>
-              <a:t> </a:t>
+              <a:t> una </a:t>
             </a:r>
             <a:r>
               <a:rPr lang="en-GB" dirty="0" err="1"/>
-              <a:t>una</a:t>
+              <a:t>función</a:t>
+            </a:r>
+            <a:r>
+              <a:rPr lang="en-GB" dirty="0"/>
+              <a:t> que </a:t>
+            </a:r>
+            <a:r>
+              <a:rPr lang="en-GB" dirty="0" err="1"/>
+              <a:t>nos</a:t>
+            </a:r>
+            <a:r>
+              <a:rPr lang="en-GB" dirty="0"/>
+              <a:t> da </a:t>
+            </a:r>
+            <a:r>
+              <a:rPr lang="en-GB" dirty="0" err="1"/>
+              <a:t>valores</a:t>
             </a:r>
             <a:r>
               <a:rPr lang="en-GB" dirty="0"/>
               <a:t> </a:t>
             </a:r>
             <a:r>
-              <a:rPr lang="en-GB" dirty="0" err="1"/>
-              <a:t>función</a:t>
+              <a:rPr lang="en-GB"/>
+              <a:t>predichos </a:t>
             </a:r>
             <a:r>
               <a:rPr lang="en-GB" dirty="0"/>
-              <a:t> que </a:t>
-            </a:r>
-            <a:r>
-              <a:rPr lang="en-GB" dirty="0" err="1"/>
-              <a:t>nos</a:t>
-            </a:r>
-            <a:r>
-              <a:rPr lang="en-GB" dirty="0"/>
-              <a:t> da </a:t>
-            </a:r>
-            <a:r>
-              <a:rPr lang="en-GB" dirty="0" err="1"/>
-              <a:t>valores</a:t>
-            </a:r>
-            <a:r>
-              <a:rPr lang="en-GB" dirty="0"/>
-              <a:t> </a:t>
-            </a:r>
-            <a:r>
-              <a:rPr lang="en-GB" dirty="0" err="1"/>
-              <a:t>predecidos</a:t>
-            </a:r>
-            <a:r>
-              <a:rPr lang="en-GB" dirty="0"/>
-              <a:t> de Y para </a:t>
+              <a:t>de Y para </a:t>
             </a:r>
             <a:r>
               <a:rPr lang="en-GB" dirty="0" err="1"/>

--- a/clase1/teorica_1.pptx
+++ b/clase1/teorica_1.pptx
@@ -19156,17 +19156,15 @@
         </p:nvSpPr>
         <p:spPr>
           <a:xfrm>
-            <a:off x="919369" y="1364869"/>
-            <a:ext cx="7305262" cy="3259886"/>
+            <a:off x="417199" y="1162501"/>
+            <a:ext cx="4154801" cy="3259886"/>
           </a:xfrm>
           <a:prstGeom prst="rect">
             <a:avLst/>
           </a:prstGeom>
           <a:noFill/>
           <a:ln>
-            <a:solidFill>
-              <a:schemeClr val="tx2"/>
-            </a:solidFill>
+            <a:noFill/>
             <a:extLst>
               <a:ext uri="{C807C97D-BFC1-408E-A445-0C87EB9F89A2}">
                 <ask:lineSketchStyleProps xmlns:ask="http://schemas.microsoft.com/office/drawing/2018/sketchyshapes">
@@ -19192,44 +19190,44 @@
               <a:buChar char="§"/>
             </a:pPr>
             <a:r>
-              <a:rPr lang="en-GB" dirty="0"/>
+              <a:rPr lang="en-GB" sz="1400" dirty="0"/>
               <a:t>An Introduction to Statistical Learning with applications in R (James, Witten, Hastie y </a:t>
             </a:r>
             <a:r>
-              <a:rPr lang="en-GB" dirty="0" err="1"/>
+              <a:rPr lang="en-GB" sz="1400" dirty="0" err="1"/>
               <a:t>Tibshirani</a:t>
             </a:r>
             <a:r>
-              <a:rPr lang="en-GB" dirty="0"/>
+              <a:rPr lang="en-GB" sz="1400" dirty="0"/>
               <a:t>) – 1</a:t>
             </a:r>
             <a:r>
-              <a:rPr lang="en-GB" baseline="30000" dirty="0"/>
+              <a:rPr lang="en-GB" sz="1400" baseline="30000" dirty="0"/>
               <a:t>st</a:t>
             </a:r>
             <a:r>
-              <a:rPr lang="en-GB" dirty="0"/>
+              <a:rPr lang="en-GB" sz="1400" dirty="0"/>
               <a:t> and </a:t>
             </a:r>
             <a:r>
-              <a:rPr lang="en-GB" dirty="0">
+              <a:rPr lang="en-GB" sz="1400" dirty="0">
                 <a:hlinkClick r:id="rId3"/>
               </a:rPr>
               <a:t>2</a:t>
             </a:r>
             <a:r>
-              <a:rPr lang="en-GB" baseline="30000" dirty="0">
+              <a:rPr lang="en-GB" sz="1400" baseline="30000" dirty="0">
                 <a:hlinkClick r:id="rId3"/>
               </a:rPr>
               <a:t>nd</a:t>
             </a:r>
             <a:r>
-              <a:rPr lang="en-GB" dirty="0">
+              <a:rPr lang="en-GB" sz="1400" dirty="0">
                 <a:hlinkClick r:id="rId3"/>
               </a:rPr>
               <a:t> version </a:t>
             </a:r>
-            <a:endParaRPr lang="en-GB" dirty="0"/>
+            <a:endParaRPr lang="en-GB" sz="1400" dirty="0"/>
           </a:p>
           <a:p>
             <a:pPr marL="285750" indent="-285750">
@@ -19239,7 +19237,7 @@
               <a:buFont typeface="Wingdings" panose="05000000000000000000" pitchFamily="2" charset="2"/>
               <a:buChar char="§"/>
             </a:pPr>
-            <a:endParaRPr lang="en-GB" dirty="0"/>
+            <a:endParaRPr lang="en-GB" sz="1400" dirty="0"/>
           </a:p>
           <a:p>
             <a:pPr marL="285750" indent="-285750">
@@ -19250,25 +19248,25 @@
               <a:buChar char="§"/>
             </a:pPr>
             <a:r>
-              <a:rPr lang="en-US" dirty="0">
+              <a:rPr lang="en-US" sz="1400" dirty="0">
                 <a:hlinkClick r:id="rId4"/>
               </a:rPr>
               <a:t>Tidy Modeling with R (Kuhn y </a:t>
             </a:r>
             <a:r>
-              <a:rPr lang="en-US" dirty="0" err="1">
+              <a:rPr lang="en-US" sz="1400" dirty="0" err="1">
                 <a:hlinkClick r:id="rId4"/>
               </a:rPr>
               <a:t>Silge</a:t>
             </a:r>
             <a:r>
-              <a:rPr lang="en-US" dirty="0">
+              <a:rPr lang="en-US" sz="1400" dirty="0">
                 <a:hlinkClick r:id="rId4"/>
               </a:rPr>
               <a:t>)</a:t>
             </a:r>
             <a:r>
-              <a:rPr lang="es-AR" dirty="0"/>
+              <a:rPr lang="es-AR" sz="1400" dirty="0"/>
               <a:t> </a:t>
             </a:r>
           </a:p>
@@ -19280,7 +19278,7 @@
               <a:buFont typeface="Wingdings" panose="05000000000000000000" pitchFamily="2" charset="2"/>
               <a:buChar char="§"/>
             </a:pPr>
-            <a:endParaRPr lang="es-AR" dirty="0"/>
+            <a:endParaRPr lang="es-AR" sz="1400" dirty="0"/>
           </a:p>
           <a:p>
             <a:pPr marL="285750" indent="-285750">
@@ -19291,35 +19289,37 @@
               <a:buChar char="§"/>
             </a:pPr>
             <a:r>
-              <a:rPr lang="es-AR" dirty="0" err="1"/>
+              <a:rPr lang="es-AR" sz="1400" dirty="0">
+                <a:hlinkClick r:id="rId5"/>
+              </a:rPr>
               <a:t>Introduction</a:t>
             </a:r>
             <a:r>
-              <a:rPr lang="es-AR" dirty="0"/>
+              <a:rPr lang="es-AR" sz="1400" dirty="0"/>
               <a:t> </a:t>
             </a:r>
             <a:r>
-              <a:rPr lang="es-AR" dirty="0" err="1"/>
+              <a:rPr lang="es-AR" sz="1400" dirty="0" err="1"/>
               <a:t>to</a:t>
             </a:r>
             <a:r>
-              <a:rPr lang="es-AR" dirty="0"/>
+              <a:rPr lang="es-AR" sz="1400" dirty="0"/>
               <a:t> Modern </a:t>
             </a:r>
             <a:r>
-              <a:rPr lang="es-AR" dirty="0" err="1"/>
+              <a:rPr lang="es-AR" sz="1400" dirty="0" err="1"/>
               <a:t>Statistics</a:t>
             </a:r>
             <a:r>
-              <a:rPr lang="es-AR" dirty="0"/>
+              <a:rPr lang="es-AR" sz="1400" dirty="0"/>
               <a:t> (</a:t>
             </a:r>
             <a:r>
-              <a:rPr lang="es-AR" dirty="0" err="1"/>
+              <a:rPr lang="es-AR" sz="1400" dirty="0" err="1"/>
               <a:t>Çetinkaya</a:t>
             </a:r>
             <a:r>
-              <a:rPr lang="es-AR" dirty="0"/>
+              <a:rPr lang="es-AR" sz="1400" dirty="0"/>
               <a:t>-Rundel y Hardin) </a:t>
             </a:r>
           </a:p>
@@ -19368,6 +19368,101 @@
           </a:fontRef>
         </p:style>
       </p:cxnSp>
+      <p:pic>
+        <p:nvPicPr>
+          <p:cNvPr id="6" name="Imagen 5">
+            <a:extLst>
+              <a:ext uri="{FF2B5EF4-FFF2-40B4-BE49-F238E27FC236}">
+                <a16:creationId xmlns:a16="http://schemas.microsoft.com/office/drawing/2014/main" id="{9B3FEC64-D508-4033-8F47-A49BEBA90840}"/>
+              </a:ext>
+            </a:extLst>
+          </p:cNvPr>
+          <p:cNvPicPr>
+            <a:picLocks noChangeAspect="1"/>
+          </p:cNvPicPr>
+          <p:nvPr/>
+        </p:nvPicPr>
+        <p:blipFill>
+          <a:blip r:embed="rId6"/>
+          <a:stretch>
+            <a:fillRect/>
+          </a:stretch>
+        </p:blipFill>
+        <p:spPr>
+          <a:xfrm>
+            <a:off x="4515898" y="1462908"/>
+            <a:ext cx="2244480" cy="2917461"/>
+          </a:xfrm>
+          <a:prstGeom prst="rect">
+            <a:avLst/>
+          </a:prstGeom>
+          <a:ln>
+            <a:solidFill>
+              <a:schemeClr val="tx1"/>
+            </a:solidFill>
+          </a:ln>
+        </p:spPr>
+      </p:pic>
+      <p:pic>
+        <p:nvPicPr>
+          <p:cNvPr id="10" name="Imagen 9">
+            <a:extLst>
+              <a:ext uri="{FF2B5EF4-FFF2-40B4-BE49-F238E27FC236}">
+                <a16:creationId xmlns:a16="http://schemas.microsoft.com/office/drawing/2014/main" id="{8493B9F6-6CF5-4799-A076-4A1F48D53299}"/>
+              </a:ext>
+            </a:extLst>
+          </p:cNvPr>
+          <p:cNvPicPr>
+            <a:picLocks noChangeAspect="1"/>
+          </p:cNvPicPr>
+          <p:nvPr/>
+        </p:nvPicPr>
+        <p:blipFill>
+          <a:blip r:embed="rId7"/>
+          <a:stretch>
+            <a:fillRect/>
+          </a:stretch>
+        </p:blipFill>
+        <p:spPr>
+          <a:xfrm rot="582499">
+            <a:off x="7128582" y="618711"/>
+            <a:ext cx="1831357" cy="2338501"/>
+          </a:xfrm>
+          <a:prstGeom prst="rect">
+            <a:avLst/>
+          </a:prstGeom>
+        </p:spPr>
+      </p:pic>
+      <p:pic>
+        <p:nvPicPr>
+          <p:cNvPr id="8" name="Imagen 7">
+            <a:extLst>
+              <a:ext uri="{FF2B5EF4-FFF2-40B4-BE49-F238E27FC236}">
+                <a16:creationId xmlns:a16="http://schemas.microsoft.com/office/drawing/2014/main" id="{F7DC88D4-FA26-42CB-BC86-B82208AC47D9}"/>
+              </a:ext>
+            </a:extLst>
+          </p:cNvPr>
+          <p:cNvPicPr>
+            <a:picLocks noChangeAspect="1"/>
+          </p:cNvPicPr>
+          <p:nvPr/>
+        </p:nvPicPr>
+        <p:blipFill>
+          <a:blip r:embed="rId8"/>
+          <a:stretch>
+            <a:fillRect/>
+          </a:stretch>
+        </p:blipFill>
+        <p:spPr>
+          <a:xfrm rot="20782492">
+            <a:off x="7002312" y="2462353"/>
+            <a:ext cx="1695264" cy="2256560"/>
+          </a:xfrm>
+          <a:prstGeom prst="rect">
+            <a:avLst/>
+          </a:prstGeom>
+        </p:spPr>
+      </p:pic>
     </p:spTree>
   </p:cSld>
   <p:clrMapOvr>
@@ -22816,7 +22911,7 @@
           <p:nvPr>
             <p:extLst>
               <p:ext uri="{D42A27DB-BD31-4B8C-83A1-F6EECF244321}">
-                <p14:modId xmlns:p14="http://schemas.microsoft.com/office/powerpoint/2010/main" val="3433493774"/>
+                <p14:modId xmlns:p14="http://schemas.microsoft.com/office/powerpoint/2010/main" val="698374864"/>
               </p:ext>
             </p:extLst>
           </p:nvPr>
@@ -23233,7 +23328,10 @@
                         <a:buNone/>
                       </a:pPr>
                       <a:r>
-                        <a:rPr lang="en-GB">
+                        <a:rPr lang="en-GB" dirty="0">
+                          <a:solidFill>
+                            <a:schemeClr val="bg2"/>
+                          </a:solidFill>
                           <a:latin typeface="Proxima Nova"/>
                           <a:ea typeface="Proxima Nova"/>
                           <a:cs typeface="Proxima Nova"/>
@@ -23241,7 +23339,10 @@
                         </a:rPr>
                         <a:t>1</a:t>
                       </a:r>
-                      <a:endParaRPr>
+                      <a:endParaRPr dirty="0">
+                        <a:solidFill>
+                          <a:schemeClr val="bg2"/>
+                        </a:solidFill>
                         <a:latin typeface="Proxima Nova"/>
                         <a:ea typeface="Proxima Nova"/>
                         <a:cs typeface="Proxima Nova"/>
@@ -23312,14 +23413,20 @@
                       </a:pPr>
                       <a:r>
                         <a:rPr lang="en-GB" dirty="0">
+                          <a:solidFill>
+                            <a:schemeClr val="bg2"/>
+                          </a:solidFill>
                           <a:latin typeface="Proxima Nova"/>
                           <a:ea typeface="Proxima Nova"/>
                           <a:cs typeface="Proxima Nova"/>
                           <a:sym typeface="Proxima Nova"/>
                         </a:rPr>
-                        <a:t>10/8</a:t>
+                        <a:t>13/8</a:t>
                       </a:r>
                       <a:endParaRPr dirty="0">
+                        <a:solidFill>
+                          <a:schemeClr val="bg2"/>
+                        </a:solidFill>
                         <a:latin typeface="Proxima Nova"/>
                         <a:ea typeface="Proxima Nova"/>
                         <a:cs typeface="Proxima Nova"/>
@@ -23390,6 +23497,9 @@
                       </a:pPr>
                       <a:r>
                         <a:rPr lang="en-GB" dirty="0">
+                          <a:solidFill>
+                            <a:schemeClr val="bg2"/>
+                          </a:solidFill>
                           <a:latin typeface="Proxima Nova"/>
                           <a:ea typeface="Proxima Nova"/>
                           <a:cs typeface="Proxima Nova"/>
@@ -23399,6 +23509,9 @@
                       </a:r>
                       <a:r>
                         <a:rPr lang="en-GB" dirty="0" err="1">
+                          <a:solidFill>
+                            <a:schemeClr val="bg2"/>
+                          </a:solidFill>
                           <a:latin typeface="Proxima Nova"/>
                           <a:ea typeface="Proxima Nova"/>
                           <a:cs typeface="Proxima Nova"/>
@@ -23408,6 +23521,9 @@
                       </a:r>
                       <a:r>
                         <a:rPr lang="en-GB" dirty="0">
+                          <a:solidFill>
+                            <a:schemeClr val="bg2"/>
+                          </a:solidFill>
                           <a:latin typeface="Proxima Nova"/>
                           <a:ea typeface="Proxima Nova"/>
                           <a:cs typeface="Proxima Nova"/>
@@ -23417,6 +23533,9 @@
                       </a:r>
                       <a:r>
                         <a:rPr lang="en-GB" dirty="0" err="1">
+                          <a:solidFill>
+                            <a:schemeClr val="bg2"/>
+                          </a:solidFill>
                           <a:latin typeface="Proxima Nova"/>
                           <a:ea typeface="Proxima Nova"/>
                           <a:cs typeface="Proxima Nova"/>
@@ -23426,6 +23545,9 @@
                       </a:r>
                       <a:r>
                         <a:rPr lang="en-GB" dirty="0">
+                          <a:solidFill>
+                            <a:schemeClr val="bg2"/>
+                          </a:solidFill>
                           <a:latin typeface="Proxima Nova"/>
                           <a:ea typeface="Proxima Nova"/>
                           <a:cs typeface="Proxima Nova"/>
@@ -23434,6 +23556,9 @@
                         <a:t>, trade-offs</a:t>
                       </a:r>
                       <a:endParaRPr dirty="0">
+                        <a:solidFill>
+                          <a:schemeClr val="bg2"/>
+                        </a:solidFill>
                         <a:latin typeface="Proxima Nova"/>
                         <a:ea typeface="Proxima Nova"/>
                         <a:cs typeface="Proxima Nova"/>
@@ -23504,6 +23629,9 @@
                       </a:pPr>
                       <a:r>
                         <a:rPr lang="en-GB" sz="1200" dirty="0">
+                          <a:solidFill>
+                            <a:schemeClr val="bg2"/>
+                          </a:solidFill>
                           <a:latin typeface="Proxima Nova"/>
                           <a:ea typeface="Proxima Nova"/>
                           <a:cs typeface="Proxima Nova"/>
@@ -23512,6 +23640,9 @@
                         <a:t>Cap 2 ISLR + Cap 1 TMR + Caps 4 y 5 IMS</a:t>
                       </a:r>
                       <a:endParaRPr sz="1200" dirty="0">
+                        <a:solidFill>
+                          <a:schemeClr val="bg2"/>
+                        </a:solidFill>
                         <a:latin typeface="Proxima Nova"/>
                         <a:ea typeface="Proxima Nova"/>
                         <a:cs typeface="Proxima Nova"/>
@@ -23672,7 +23803,7 @@
                           <a:cs typeface="Proxima Nova"/>
                           <a:sym typeface="Proxima Nova"/>
                         </a:rPr>
-                        <a:t>17/8</a:t>
+                        <a:t>20/8</a:t>
                       </a:r>
                     </a:p>
                   </a:txBody>
@@ -24071,7 +24202,7 @@
                           <a:cs typeface="Proxima Nova"/>
                           <a:sym typeface="Proxima Nova"/>
                         </a:rPr>
-                        <a:t>24/8</a:t>
+                        <a:t>27/8</a:t>
                       </a:r>
                     </a:p>
                   </a:txBody>
@@ -24441,7 +24572,7 @@
                           <a:cs typeface="Proxima Nova"/>
                           <a:sym typeface="Proxima Nova"/>
                         </a:rPr>
-                        <a:t>31/8</a:t>
+                        <a:t>3/9</a:t>
                       </a:r>
                     </a:p>
                   </a:txBody>
@@ -24829,7 +24960,7 @@
                           <a:cs typeface="Proxima Nova"/>
                           <a:sym typeface="Proxima Nova"/>
                         </a:rPr>
-                        <a:t>7/9</a:t>
+                        <a:t>10/9</a:t>
                       </a:r>
                     </a:p>
                   </a:txBody>
@@ -25169,7 +25300,7 @@
                           <a:cs typeface="Proxima Nova"/>
                           <a:sym typeface="Proxima Nova"/>
                         </a:rPr>
-                        <a:t>14/9</a:t>
+                        <a:t>17/9</a:t>
                       </a:r>
                     </a:p>
                   </a:txBody>

--- a/clase1/teorica_1.pptx
+++ b/clase1/teorica_1.pptx
@@ -5,7 +5,7 @@
     <p:sldMasterId id="2147483659" r:id="rId1"/>
   </p:sldMasterIdLst>
   <p:notesMasterIdLst>
-    <p:notesMasterId r:id="rId51"/>
+    <p:notesMasterId r:id="rId54"/>
   </p:notesMasterIdLst>
   <p:sldIdLst>
     <p:sldId id="256" r:id="rId2"/>
@@ -52,25 +52,28 @@
     <p:sldId id="311" r:id="rId43"/>
     <p:sldId id="297" r:id="rId44"/>
     <p:sldId id="308" r:id="rId45"/>
-    <p:sldId id="298" r:id="rId46"/>
-    <p:sldId id="309" r:id="rId47"/>
-    <p:sldId id="295" r:id="rId48"/>
-    <p:sldId id="296" r:id="rId49"/>
-    <p:sldId id="312" r:id="rId50"/>
+    <p:sldId id="335" r:id="rId46"/>
+    <p:sldId id="298" r:id="rId47"/>
+    <p:sldId id="309" r:id="rId48"/>
+    <p:sldId id="333" r:id="rId49"/>
+    <p:sldId id="334" r:id="rId50"/>
+    <p:sldId id="295" r:id="rId51"/>
+    <p:sldId id="296" r:id="rId52"/>
+    <p:sldId id="312" r:id="rId53"/>
   </p:sldIdLst>
   <p:sldSz cx="9144000" cy="5143500" type="screen16x9"/>
   <p:notesSz cx="6858000" cy="9144000"/>
   <p:embeddedFontLst>
     <p:embeddedFont>
       <p:font typeface="Cambria Math" panose="02040503050406030204" pitchFamily="18" charset="0"/>
-      <p:regular r:id="rId52"/>
+      <p:regular r:id="rId55"/>
     </p:embeddedFont>
     <p:embeddedFont>
       <p:font typeface="Proxima Nova" panose="020B0604020202020204" charset="0"/>
-      <p:regular r:id="rId53"/>
-      <p:bold r:id="rId54"/>
-      <p:italic r:id="rId55"/>
-      <p:boldItalic r:id="rId56"/>
+      <p:regular r:id="rId56"/>
+      <p:bold r:id="rId57"/>
+      <p:italic r:id="rId58"/>
+      <p:boldItalic r:id="rId59"/>
     </p:embeddedFont>
   </p:embeddedFontLst>
   <p:defaultTextStyle>
@@ -4913,6 +4916,115 @@
   <p:cSld>
     <p:spTree>
       <p:nvGrpSpPr>
+        <p:cNvPr id="1" name="Shape 177"/>
+        <p:cNvGrpSpPr/>
+        <p:nvPr/>
+      </p:nvGrpSpPr>
+      <p:grpSpPr>
+        <a:xfrm>
+          <a:off x="0" y="0"/>
+          <a:ext cx="0" cy="0"/>
+          <a:chOff x="0" y="0"/>
+          <a:chExt cx="0" cy="0"/>
+        </a:xfrm>
+      </p:grpSpPr>
+      <p:sp>
+        <p:nvSpPr>
+          <p:cNvPr id="178" name="Google Shape;178;ge626d24df6_0_272:notes"/>
+          <p:cNvSpPr>
+            <a:spLocks noGrp="1" noRot="1" noChangeAspect="1"/>
+          </p:cNvSpPr>
+          <p:nvPr>
+            <p:ph type="sldImg" idx="2"/>
+          </p:nvPr>
+        </p:nvSpPr>
+        <p:spPr>
+          <a:xfrm>
+            <a:off x="381000" y="685800"/>
+            <a:ext cx="6096000" cy="3429000"/>
+          </a:xfrm>
+          <a:custGeom>
+            <a:avLst/>
+            <a:gdLst/>
+            <a:ahLst/>
+            <a:cxnLst/>
+            <a:rect l="l" t="t" r="r" b="b"/>
+            <a:pathLst>
+              <a:path w="120000" h="120000" extrusionOk="0">
+                <a:moveTo>
+                  <a:pt x="0" y="0"/>
+                </a:moveTo>
+                <a:lnTo>
+                  <a:pt x="120000" y="0"/>
+                </a:lnTo>
+                <a:lnTo>
+                  <a:pt x="120000" y="120000"/>
+                </a:lnTo>
+                <a:lnTo>
+                  <a:pt x="0" y="120000"/>
+                </a:lnTo>
+                <a:close/>
+              </a:path>
+            </a:pathLst>
+          </a:custGeom>
+        </p:spPr>
+      </p:sp>
+      <p:sp>
+        <p:nvSpPr>
+          <p:cNvPr id="179" name="Google Shape;179;ge626d24df6_0_272:notes"/>
+          <p:cNvSpPr txBox="1">
+            <a:spLocks noGrp="1"/>
+          </p:cNvSpPr>
+          <p:nvPr>
+            <p:ph type="body" idx="1"/>
+          </p:nvPr>
+        </p:nvSpPr>
+        <p:spPr>
+          <a:xfrm>
+            <a:off x="685800" y="4343400"/>
+            <a:ext cx="5486400" cy="4114800"/>
+          </a:xfrm>
+          <a:prstGeom prst="rect">
+            <a:avLst/>
+          </a:prstGeom>
+        </p:spPr>
+        <p:txBody>
+          <a:bodyPr spcFirstLastPara="1" wrap="square" lIns="91425" tIns="91425" rIns="91425" bIns="91425" anchor="t" anchorCtr="0">
+            <a:noAutofit/>
+          </a:bodyPr>
+          <a:lstStyle/>
+          <a:p>
+            <a:pPr marL="0" lvl="0" indent="0" algn="l" rtl="0">
+              <a:spcBef>
+                <a:spcPts val="0"/>
+              </a:spcBef>
+              <a:spcAft>
+                <a:spcPts val="0"/>
+              </a:spcAft>
+              <a:buNone/>
+            </a:pPr>
+            <a:endParaRPr/>
+          </a:p>
+        </p:txBody>
+      </p:sp>
+    </p:spTree>
+    <p:extLst>
+      <p:ext uri="{BB962C8B-B14F-4D97-AF65-F5344CB8AC3E}">
+        <p14:creationId xmlns:p14="http://schemas.microsoft.com/office/powerpoint/2010/main" val="4256083937"/>
+      </p:ext>
+    </p:extLst>
+  </p:cSld>
+  <p:clrMapOvr>
+    <a:masterClrMapping/>
+  </p:clrMapOvr>
+</p:notes>
+</file>
+
+<file path=ppt/notesSlides/notesSlide46.xml><?xml version="1.0" encoding="utf-8"?>
+<p:notes xmlns:a="http://schemas.openxmlformats.org/drawingml/2006/main" xmlns:r="http://schemas.openxmlformats.org/officeDocument/2006/relationships" xmlns:p="http://schemas.openxmlformats.org/presentationml/2006/main" showMasterSp="0" showMasterPhAnim="0">
+  <p:cSld>
+    <p:spTree>
+      <p:nvGrpSpPr>
         <p:cNvPr id="1" name="Shape 275"/>
         <p:cNvGrpSpPr/>
         <p:nvPr/>
@@ -5017,7 +5129,7 @@
 </p:notes>
 </file>
 
-<file path=ppt/notesSlides/notesSlide46.xml><?xml version="1.0" encoding="utf-8"?>
+<file path=ppt/notesSlides/notesSlide47.xml><?xml version="1.0" encoding="utf-8"?>
 <p:notes xmlns:a="http://schemas.openxmlformats.org/drawingml/2006/main" xmlns:r="http://schemas.openxmlformats.org/officeDocument/2006/relationships" xmlns:p="http://schemas.openxmlformats.org/presentationml/2006/main" showMasterSp="0" showMasterPhAnim="0">
   <p:cSld>
     <p:spTree>
@@ -5126,215 +5238,7 @@
 </p:notes>
 </file>
 
-<file path=ppt/notesSlides/notesSlide47.xml><?xml version="1.0" encoding="utf-8"?>
-<p:notes xmlns:a="http://schemas.openxmlformats.org/drawingml/2006/main" xmlns:r="http://schemas.openxmlformats.org/officeDocument/2006/relationships" xmlns:p="http://schemas.openxmlformats.org/presentationml/2006/main" showMasterSp="0" showMasterPhAnim="0">
-  <p:cSld>
-    <p:spTree>
-      <p:nvGrpSpPr>
-        <p:cNvPr id="1" name="Shape 301"/>
-        <p:cNvGrpSpPr/>
-        <p:nvPr/>
-      </p:nvGrpSpPr>
-      <p:grpSpPr>
-        <a:xfrm>
-          <a:off x="0" y="0"/>
-          <a:ext cx="0" cy="0"/>
-          <a:chOff x="0" y="0"/>
-          <a:chExt cx="0" cy="0"/>
-        </a:xfrm>
-      </p:grpSpPr>
-      <p:sp>
-        <p:nvSpPr>
-          <p:cNvPr id="302" name="Google Shape;302;ge5a1b4e583_0_556:notes"/>
-          <p:cNvSpPr>
-            <a:spLocks noGrp="1" noRot="1" noChangeAspect="1"/>
-          </p:cNvSpPr>
-          <p:nvPr>
-            <p:ph type="sldImg" idx="2"/>
-          </p:nvPr>
-        </p:nvSpPr>
-        <p:spPr>
-          <a:xfrm>
-            <a:off x="381300" y="685800"/>
-            <a:ext cx="6096000" cy="3429000"/>
-          </a:xfrm>
-          <a:custGeom>
-            <a:avLst/>
-            <a:gdLst/>
-            <a:ahLst/>
-            <a:cxnLst/>
-            <a:rect l="l" t="t" r="r" b="b"/>
-            <a:pathLst>
-              <a:path w="120000" h="120000" extrusionOk="0">
-                <a:moveTo>
-                  <a:pt x="0" y="0"/>
-                </a:moveTo>
-                <a:lnTo>
-                  <a:pt x="120000" y="0"/>
-                </a:lnTo>
-                <a:lnTo>
-                  <a:pt x="120000" y="120000"/>
-                </a:lnTo>
-                <a:lnTo>
-                  <a:pt x="0" y="120000"/>
-                </a:lnTo>
-                <a:close/>
-              </a:path>
-            </a:pathLst>
-          </a:custGeom>
-        </p:spPr>
-      </p:sp>
-      <p:sp>
-        <p:nvSpPr>
-          <p:cNvPr id="303" name="Google Shape;303;ge5a1b4e583_0_556:notes"/>
-          <p:cNvSpPr txBox="1">
-            <a:spLocks noGrp="1"/>
-          </p:cNvSpPr>
-          <p:nvPr>
-            <p:ph type="body" idx="1"/>
-          </p:nvPr>
-        </p:nvSpPr>
-        <p:spPr>
-          <a:xfrm>
-            <a:off x="685800" y="4343400"/>
-            <a:ext cx="5486400" cy="4114800"/>
-          </a:xfrm>
-          <a:prstGeom prst="rect">
-            <a:avLst/>
-          </a:prstGeom>
-        </p:spPr>
-        <p:txBody>
-          <a:bodyPr spcFirstLastPara="1" wrap="square" lIns="91425" tIns="91425" rIns="91425" bIns="91425" anchor="t" anchorCtr="0">
-            <a:noAutofit/>
-          </a:bodyPr>
-          <a:lstStyle/>
-          <a:p>
-            <a:pPr marL="0" lvl="0" indent="0" algn="l" rtl="0">
-              <a:spcBef>
-                <a:spcPts val="0"/>
-              </a:spcBef>
-              <a:spcAft>
-                <a:spcPts val="0"/>
-              </a:spcAft>
-              <a:buNone/>
-            </a:pPr>
-            <a:endParaRPr/>
-          </a:p>
-        </p:txBody>
-      </p:sp>
-    </p:spTree>
-  </p:cSld>
-  <p:clrMapOvr>
-    <a:masterClrMapping/>
-  </p:clrMapOvr>
-</p:notes>
-</file>
-
 <file path=ppt/notesSlides/notesSlide48.xml><?xml version="1.0" encoding="utf-8"?>
-<p:notes xmlns:a="http://schemas.openxmlformats.org/drawingml/2006/main" xmlns:r="http://schemas.openxmlformats.org/officeDocument/2006/relationships" xmlns:p="http://schemas.openxmlformats.org/presentationml/2006/main" showMasterSp="0" showMasterPhAnim="0">
-  <p:cSld>
-    <p:spTree>
-      <p:nvGrpSpPr>
-        <p:cNvPr id="1" name="Shape 306"/>
-        <p:cNvGrpSpPr/>
-        <p:nvPr/>
-      </p:nvGrpSpPr>
-      <p:grpSpPr>
-        <a:xfrm>
-          <a:off x="0" y="0"/>
-          <a:ext cx="0" cy="0"/>
-          <a:chOff x="0" y="0"/>
-          <a:chExt cx="0" cy="0"/>
-        </a:xfrm>
-      </p:grpSpPr>
-      <p:sp>
-        <p:nvSpPr>
-          <p:cNvPr id="307" name="Google Shape;307;ge5a1b4e583_0_560:notes"/>
-          <p:cNvSpPr>
-            <a:spLocks noGrp="1" noRot="1" noChangeAspect="1"/>
-          </p:cNvSpPr>
-          <p:nvPr>
-            <p:ph type="sldImg" idx="2"/>
-          </p:nvPr>
-        </p:nvSpPr>
-        <p:spPr>
-          <a:xfrm>
-            <a:off x="381000" y="685800"/>
-            <a:ext cx="6096000" cy="3429000"/>
-          </a:xfrm>
-          <a:custGeom>
-            <a:avLst/>
-            <a:gdLst/>
-            <a:ahLst/>
-            <a:cxnLst/>
-            <a:rect l="l" t="t" r="r" b="b"/>
-            <a:pathLst>
-              <a:path w="120000" h="120000" extrusionOk="0">
-                <a:moveTo>
-                  <a:pt x="0" y="0"/>
-                </a:moveTo>
-                <a:lnTo>
-                  <a:pt x="120000" y="0"/>
-                </a:lnTo>
-                <a:lnTo>
-                  <a:pt x="120000" y="120000"/>
-                </a:lnTo>
-                <a:lnTo>
-                  <a:pt x="0" y="120000"/>
-                </a:lnTo>
-                <a:close/>
-              </a:path>
-            </a:pathLst>
-          </a:custGeom>
-        </p:spPr>
-      </p:sp>
-      <p:sp>
-        <p:nvSpPr>
-          <p:cNvPr id="308" name="Google Shape;308;ge5a1b4e583_0_560:notes"/>
-          <p:cNvSpPr txBox="1">
-            <a:spLocks noGrp="1"/>
-          </p:cNvSpPr>
-          <p:nvPr>
-            <p:ph type="body" idx="1"/>
-          </p:nvPr>
-        </p:nvSpPr>
-        <p:spPr>
-          <a:xfrm>
-            <a:off x="685800" y="4343400"/>
-            <a:ext cx="5486400" cy="4114800"/>
-          </a:xfrm>
-          <a:prstGeom prst="rect">
-            <a:avLst/>
-          </a:prstGeom>
-        </p:spPr>
-        <p:txBody>
-          <a:bodyPr spcFirstLastPara="1" wrap="square" lIns="91425" tIns="91425" rIns="91425" bIns="91425" anchor="t" anchorCtr="0">
-            <a:noAutofit/>
-          </a:bodyPr>
-          <a:lstStyle/>
-          <a:p>
-            <a:pPr marL="0" lvl="0" indent="0" algn="l" rtl="0">
-              <a:spcBef>
-                <a:spcPts val="0"/>
-              </a:spcBef>
-              <a:spcAft>
-                <a:spcPts val="0"/>
-              </a:spcAft>
-              <a:buNone/>
-            </a:pPr>
-            <a:endParaRPr/>
-          </a:p>
-        </p:txBody>
-      </p:sp>
-    </p:spTree>
-  </p:cSld>
-  <p:clrMapOvr>
-    <a:masterClrMapping/>
-  </p:clrMapOvr>
-</p:notes>
-</file>
-
-<file path=ppt/notesSlides/notesSlide49.xml><?xml version="1.0" encoding="utf-8"?>
 <p:notes xmlns:a="http://schemas.openxmlformats.org/drawingml/2006/main" xmlns:r="http://schemas.openxmlformats.org/officeDocument/2006/relationships" xmlns:p="http://schemas.openxmlformats.org/presentationml/2006/main" showMasterSp="0" showMasterPhAnim="0">
   <p:cSld>
     <p:spTree>
@@ -5433,7 +5337,116 @@
     </p:spTree>
     <p:extLst>
       <p:ext uri="{BB962C8B-B14F-4D97-AF65-F5344CB8AC3E}">
-        <p14:creationId xmlns:p14="http://schemas.microsoft.com/office/powerpoint/2010/main" val="846089127"/>
+        <p14:creationId xmlns:p14="http://schemas.microsoft.com/office/powerpoint/2010/main" val="3692024846"/>
+      </p:ext>
+    </p:extLst>
+  </p:cSld>
+  <p:clrMapOvr>
+    <a:masterClrMapping/>
+  </p:clrMapOvr>
+</p:notes>
+</file>
+
+<file path=ppt/notesSlides/notesSlide49.xml><?xml version="1.0" encoding="utf-8"?>
+<p:notes xmlns:a="http://schemas.openxmlformats.org/drawingml/2006/main" xmlns:r="http://schemas.openxmlformats.org/officeDocument/2006/relationships" xmlns:p="http://schemas.openxmlformats.org/presentationml/2006/main" showMasterSp="0" showMasterPhAnim="0">
+  <p:cSld>
+    <p:spTree>
+      <p:nvGrpSpPr>
+        <p:cNvPr id="1" name="Shape 177"/>
+        <p:cNvGrpSpPr/>
+        <p:nvPr/>
+      </p:nvGrpSpPr>
+      <p:grpSpPr>
+        <a:xfrm>
+          <a:off x="0" y="0"/>
+          <a:ext cx="0" cy="0"/>
+          <a:chOff x="0" y="0"/>
+          <a:chExt cx="0" cy="0"/>
+        </a:xfrm>
+      </p:grpSpPr>
+      <p:sp>
+        <p:nvSpPr>
+          <p:cNvPr id="178" name="Google Shape;178;ge626d24df6_0_272:notes"/>
+          <p:cNvSpPr>
+            <a:spLocks noGrp="1" noRot="1" noChangeAspect="1"/>
+          </p:cNvSpPr>
+          <p:nvPr>
+            <p:ph type="sldImg" idx="2"/>
+          </p:nvPr>
+        </p:nvSpPr>
+        <p:spPr>
+          <a:xfrm>
+            <a:off x="381000" y="685800"/>
+            <a:ext cx="6096000" cy="3429000"/>
+          </a:xfrm>
+          <a:custGeom>
+            <a:avLst/>
+            <a:gdLst/>
+            <a:ahLst/>
+            <a:cxnLst/>
+            <a:rect l="l" t="t" r="r" b="b"/>
+            <a:pathLst>
+              <a:path w="120000" h="120000" extrusionOk="0">
+                <a:moveTo>
+                  <a:pt x="0" y="0"/>
+                </a:moveTo>
+                <a:lnTo>
+                  <a:pt x="120000" y="0"/>
+                </a:lnTo>
+                <a:lnTo>
+                  <a:pt x="120000" y="120000"/>
+                </a:lnTo>
+                <a:lnTo>
+                  <a:pt x="0" y="120000"/>
+                </a:lnTo>
+                <a:close/>
+              </a:path>
+            </a:pathLst>
+          </a:custGeom>
+        </p:spPr>
+      </p:sp>
+      <p:sp>
+        <p:nvSpPr>
+          <p:cNvPr id="179" name="Google Shape;179;ge626d24df6_0_272:notes"/>
+          <p:cNvSpPr txBox="1">
+            <a:spLocks noGrp="1"/>
+          </p:cNvSpPr>
+          <p:nvPr>
+            <p:ph type="body" idx="1"/>
+          </p:nvPr>
+        </p:nvSpPr>
+        <p:spPr>
+          <a:xfrm>
+            <a:off x="685800" y="4343400"/>
+            <a:ext cx="5486400" cy="4114800"/>
+          </a:xfrm>
+          <a:prstGeom prst="rect">
+            <a:avLst/>
+          </a:prstGeom>
+        </p:spPr>
+        <p:txBody>
+          <a:bodyPr spcFirstLastPara="1" wrap="square" lIns="91425" tIns="91425" rIns="91425" bIns="91425" anchor="t" anchorCtr="0">
+            <a:noAutofit/>
+          </a:bodyPr>
+          <a:lstStyle/>
+          <a:p>
+            <a:pPr marL="0" lvl="0" indent="0" algn="l" rtl="0">
+              <a:spcBef>
+                <a:spcPts val="0"/>
+              </a:spcBef>
+              <a:spcAft>
+                <a:spcPts val="0"/>
+              </a:spcAft>
+              <a:buNone/>
+            </a:pPr>
+            <a:endParaRPr/>
+          </a:p>
+        </p:txBody>
+      </p:sp>
+    </p:spTree>
+    <p:extLst>
+      <p:ext uri="{BB962C8B-B14F-4D97-AF65-F5344CB8AC3E}">
+        <p14:creationId xmlns:p14="http://schemas.microsoft.com/office/powerpoint/2010/main" val="2633407010"/>
       </p:ext>
     </p:extLst>
   </p:cSld>
@@ -5540,6 +5553,323 @@
         </p:txBody>
       </p:sp>
     </p:spTree>
+  </p:cSld>
+  <p:clrMapOvr>
+    <a:masterClrMapping/>
+  </p:clrMapOvr>
+</p:notes>
+</file>
+
+<file path=ppt/notesSlides/notesSlide50.xml><?xml version="1.0" encoding="utf-8"?>
+<p:notes xmlns:a="http://schemas.openxmlformats.org/drawingml/2006/main" xmlns:r="http://schemas.openxmlformats.org/officeDocument/2006/relationships" xmlns:p="http://schemas.openxmlformats.org/presentationml/2006/main" showMasterSp="0" showMasterPhAnim="0">
+  <p:cSld>
+    <p:spTree>
+      <p:nvGrpSpPr>
+        <p:cNvPr id="1" name="Shape 301"/>
+        <p:cNvGrpSpPr/>
+        <p:nvPr/>
+      </p:nvGrpSpPr>
+      <p:grpSpPr>
+        <a:xfrm>
+          <a:off x="0" y="0"/>
+          <a:ext cx="0" cy="0"/>
+          <a:chOff x="0" y="0"/>
+          <a:chExt cx="0" cy="0"/>
+        </a:xfrm>
+      </p:grpSpPr>
+      <p:sp>
+        <p:nvSpPr>
+          <p:cNvPr id="302" name="Google Shape;302;ge5a1b4e583_0_556:notes"/>
+          <p:cNvSpPr>
+            <a:spLocks noGrp="1" noRot="1" noChangeAspect="1"/>
+          </p:cNvSpPr>
+          <p:nvPr>
+            <p:ph type="sldImg" idx="2"/>
+          </p:nvPr>
+        </p:nvSpPr>
+        <p:spPr>
+          <a:xfrm>
+            <a:off x="381300" y="685800"/>
+            <a:ext cx="6096000" cy="3429000"/>
+          </a:xfrm>
+          <a:custGeom>
+            <a:avLst/>
+            <a:gdLst/>
+            <a:ahLst/>
+            <a:cxnLst/>
+            <a:rect l="l" t="t" r="r" b="b"/>
+            <a:pathLst>
+              <a:path w="120000" h="120000" extrusionOk="0">
+                <a:moveTo>
+                  <a:pt x="0" y="0"/>
+                </a:moveTo>
+                <a:lnTo>
+                  <a:pt x="120000" y="0"/>
+                </a:lnTo>
+                <a:lnTo>
+                  <a:pt x="120000" y="120000"/>
+                </a:lnTo>
+                <a:lnTo>
+                  <a:pt x="0" y="120000"/>
+                </a:lnTo>
+                <a:close/>
+              </a:path>
+            </a:pathLst>
+          </a:custGeom>
+        </p:spPr>
+      </p:sp>
+      <p:sp>
+        <p:nvSpPr>
+          <p:cNvPr id="303" name="Google Shape;303;ge5a1b4e583_0_556:notes"/>
+          <p:cNvSpPr txBox="1">
+            <a:spLocks noGrp="1"/>
+          </p:cNvSpPr>
+          <p:nvPr>
+            <p:ph type="body" idx="1"/>
+          </p:nvPr>
+        </p:nvSpPr>
+        <p:spPr>
+          <a:xfrm>
+            <a:off x="685800" y="4343400"/>
+            <a:ext cx="5486400" cy="4114800"/>
+          </a:xfrm>
+          <a:prstGeom prst="rect">
+            <a:avLst/>
+          </a:prstGeom>
+        </p:spPr>
+        <p:txBody>
+          <a:bodyPr spcFirstLastPara="1" wrap="square" lIns="91425" tIns="91425" rIns="91425" bIns="91425" anchor="t" anchorCtr="0">
+            <a:noAutofit/>
+          </a:bodyPr>
+          <a:lstStyle/>
+          <a:p>
+            <a:pPr marL="0" lvl="0" indent="0" algn="l" rtl="0">
+              <a:spcBef>
+                <a:spcPts val="0"/>
+              </a:spcBef>
+              <a:spcAft>
+                <a:spcPts val="0"/>
+              </a:spcAft>
+              <a:buNone/>
+            </a:pPr>
+            <a:endParaRPr/>
+          </a:p>
+        </p:txBody>
+      </p:sp>
+    </p:spTree>
+  </p:cSld>
+  <p:clrMapOvr>
+    <a:masterClrMapping/>
+  </p:clrMapOvr>
+</p:notes>
+</file>
+
+<file path=ppt/notesSlides/notesSlide51.xml><?xml version="1.0" encoding="utf-8"?>
+<p:notes xmlns:a="http://schemas.openxmlformats.org/drawingml/2006/main" xmlns:r="http://schemas.openxmlformats.org/officeDocument/2006/relationships" xmlns:p="http://schemas.openxmlformats.org/presentationml/2006/main" showMasterSp="0" showMasterPhAnim="0">
+  <p:cSld>
+    <p:spTree>
+      <p:nvGrpSpPr>
+        <p:cNvPr id="1" name="Shape 306"/>
+        <p:cNvGrpSpPr/>
+        <p:nvPr/>
+      </p:nvGrpSpPr>
+      <p:grpSpPr>
+        <a:xfrm>
+          <a:off x="0" y="0"/>
+          <a:ext cx="0" cy="0"/>
+          <a:chOff x="0" y="0"/>
+          <a:chExt cx="0" cy="0"/>
+        </a:xfrm>
+      </p:grpSpPr>
+      <p:sp>
+        <p:nvSpPr>
+          <p:cNvPr id="307" name="Google Shape;307;ge5a1b4e583_0_560:notes"/>
+          <p:cNvSpPr>
+            <a:spLocks noGrp="1" noRot="1" noChangeAspect="1"/>
+          </p:cNvSpPr>
+          <p:nvPr>
+            <p:ph type="sldImg" idx="2"/>
+          </p:nvPr>
+        </p:nvSpPr>
+        <p:spPr>
+          <a:xfrm>
+            <a:off x="381000" y="685800"/>
+            <a:ext cx="6096000" cy="3429000"/>
+          </a:xfrm>
+          <a:custGeom>
+            <a:avLst/>
+            <a:gdLst/>
+            <a:ahLst/>
+            <a:cxnLst/>
+            <a:rect l="l" t="t" r="r" b="b"/>
+            <a:pathLst>
+              <a:path w="120000" h="120000" extrusionOk="0">
+                <a:moveTo>
+                  <a:pt x="0" y="0"/>
+                </a:moveTo>
+                <a:lnTo>
+                  <a:pt x="120000" y="0"/>
+                </a:lnTo>
+                <a:lnTo>
+                  <a:pt x="120000" y="120000"/>
+                </a:lnTo>
+                <a:lnTo>
+                  <a:pt x="0" y="120000"/>
+                </a:lnTo>
+                <a:close/>
+              </a:path>
+            </a:pathLst>
+          </a:custGeom>
+        </p:spPr>
+      </p:sp>
+      <p:sp>
+        <p:nvSpPr>
+          <p:cNvPr id="308" name="Google Shape;308;ge5a1b4e583_0_560:notes"/>
+          <p:cNvSpPr txBox="1">
+            <a:spLocks noGrp="1"/>
+          </p:cNvSpPr>
+          <p:nvPr>
+            <p:ph type="body" idx="1"/>
+          </p:nvPr>
+        </p:nvSpPr>
+        <p:spPr>
+          <a:xfrm>
+            <a:off x="685800" y="4343400"/>
+            <a:ext cx="5486400" cy="4114800"/>
+          </a:xfrm>
+          <a:prstGeom prst="rect">
+            <a:avLst/>
+          </a:prstGeom>
+        </p:spPr>
+        <p:txBody>
+          <a:bodyPr spcFirstLastPara="1" wrap="square" lIns="91425" tIns="91425" rIns="91425" bIns="91425" anchor="t" anchorCtr="0">
+            <a:noAutofit/>
+          </a:bodyPr>
+          <a:lstStyle/>
+          <a:p>
+            <a:pPr marL="0" lvl="0" indent="0" algn="l" rtl="0">
+              <a:spcBef>
+                <a:spcPts val="0"/>
+              </a:spcBef>
+              <a:spcAft>
+                <a:spcPts val="0"/>
+              </a:spcAft>
+              <a:buNone/>
+            </a:pPr>
+            <a:endParaRPr/>
+          </a:p>
+        </p:txBody>
+      </p:sp>
+    </p:spTree>
+  </p:cSld>
+  <p:clrMapOvr>
+    <a:masterClrMapping/>
+  </p:clrMapOvr>
+</p:notes>
+</file>
+
+<file path=ppt/notesSlides/notesSlide52.xml><?xml version="1.0" encoding="utf-8"?>
+<p:notes xmlns:a="http://schemas.openxmlformats.org/drawingml/2006/main" xmlns:r="http://schemas.openxmlformats.org/officeDocument/2006/relationships" xmlns:p="http://schemas.openxmlformats.org/presentationml/2006/main" showMasterSp="0" showMasterPhAnim="0">
+  <p:cSld>
+    <p:spTree>
+      <p:nvGrpSpPr>
+        <p:cNvPr id="1" name="Shape 270"/>
+        <p:cNvGrpSpPr/>
+        <p:nvPr/>
+      </p:nvGrpSpPr>
+      <p:grpSpPr>
+        <a:xfrm>
+          <a:off x="0" y="0"/>
+          <a:ext cx="0" cy="0"/>
+          <a:chOff x="0" y="0"/>
+          <a:chExt cx="0" cy="0"/>
+        </a:xfrm>
+      </p:grpSpPr>
+      <p:sp>
+        <p:nvSpPr>
+          <p:cNvPr id="271" name="Google Shape;271;ge626d24df6_0_261:notes"/>
+          <p:cNvSpPr>
+            <a:spLocks noGrp="1" noRot="1" noChangeAspect="1"/>
+          </p:cNvSpPr>
+          <p:nvPr>
+            <p:ph type="sldImg" idx="2"/>
+          </p:nvPr>
+        </p:nvSpPr>
+        <p:spPr>
+          <a:xfrm>
+            <a:off x="381000" y="685800"/>
+            <a:ext cx="6096000" cy="3429000"/>
+          </a:xfrm>
+          <a:custGeom>
+            <a:avLst/>
+            <a:gdLst/>
+            <a:ahLst/>
+            <a:cxnLst/>
+            <a:rect l="l" t="t" r="r" b="b"/>
+            <a:pathLst>
+              <a:path w="120000" h="120000" extrusionOk="0">
+                <a:moveTo>
+                  <a:pt x="0" y="0"/>
+                </a:moveTo>
+                <a:lnTo>
+                  <a:pt x="120000" y="0"/>
+                </a:lnTo>
+                <a:lnTo>
+                  <a:pt x="120000" y="120000"/>
+                </a:lnTo>
+                <a:lnTo>
+                  <a:pt x="0" y="120000"/>
+                </a:lnTo>
+                <a:close/>
+              </a:path>
+            </a:pathLst>
+          </a:custGeom>
+        </p:spPr>
+      </p:sp>
+      <p:sp>
+        <p:nvSpPr>
+          <p:cNvPr id="272" name="Google Shape;272;ge626d24df6_0_261:notes"/>
+          <p:cNvSpPr txBox="1">
+            <a:spLocks noGrp="1"/>
+          </p:cNvSpPr>
+          <p:nvPr>
+            <p:ph type="body" idx="1"/>
+          </p:nvPr>
+        </p:nvSpPr>
+        <p:spPr>
+          <a:xfrm>
+            <a:off x="685800" y="4343400"/>
+            <a:ext cx="5486400" cy="4114800"/>
+          </a:xfrm>
+          <a:prstGeom prst="rect">
+            <a:avLst/>
+          </a:prstGeom>
+        </p:spPr>
+        <p:txBody>
+          <a:bodyPr spcFirstLastPara="1" wrap="square" lIns="91425" tIns="91425" rIns="91425" bIns="91425" anchor="t" anchorCtr="0">
+            <a:noAutofit/>
+          </a:bodyPr>
+          <a:lstStyle/>
+          <a:p>
+            <a:pPr marL="0" lvl="0" indent="0" algn="l" rtl="0">
+              <a:spcBef>
+                <a:spcPts val="0"/>
+              </a:spcBef>
+              <a:spcAft>
+                <a:spcPts val="0"/>
+              </a:spcAft>
+              <a:buNone/>
+            </a:pPr>
+            <a:endParaRPr/>
+          </a:p>
+        </p:txBody>
+      </p:sp>
+    </p:spTree>
+    <p:extLst>
+      <p:ext uri="{BB962C8B-B14F-4D97-AF65-F5344CB8AC3E}">
+        <p14:creationId xmlns:p14="http://schemas.microsoft.com/office/powerpoint/2010/main" val="846089127"/>
+      </p:ext>
+    </p:extLst>
   </p:cSld>
   <p:clrMapOvr>
     <a:masterClrMapping/>
@@ -21640,7 +21970,7 @@
         </p:nvSpPr>
         <p:spPr>
           <a:xfrm>
-            <a:off x="311700" y="445025"/>
+            <a:off x="311700" y="158675"/>
             <a:ext cx="8520600" cy="572700"/>
           </a:xfrm>
           <a:prstGeom prst="rect">
@@ -21690,8 +22020,8 @@
         </p:nvSpPr>
         <p:spPr>
           <a:xfrm>
-            <a:off x="807746" y="1194152"/>
-            <a:ext cx="4237891" cy="3416400"/>
+            <a:off x="807746" y="1043309"/>
+            <a:ext cx="4326384" cy="3655166"/>
           </a:xfrm>
           <a:prstGeom prst="rect">
             <a:avLst/>
@@ -21702,7 +22032,7 @@
         </p:spPr>
         <p:txBody>
           <a:bodyPr spcFirstLastPara="1" wrap="square" lIns="91425" tIns="91425" rIns="91425" bIns="91425" anchor="t" anchorCtr="0">
-            <a:normAutofit/>
+            <a:normAutofit fontScale="92500" lnSpcReduction="20000"/>
           </a:bodyPr>
           <a:lstStyle/>
           <a:p>
@@ -21716,21 +22046,61 @@
                   <a:schemeClr val="accent1"/>
                 </a:solidFill>
               </a:rPr>
-              <a:t>Data </a:t>
-            </a:r>
-            <a:r>
-              <a:rPr lang="es-AR" b="1" dirty="0" err="1">
+              <a:t>Limpiar los datos </a:t>
+            </a:r>
+          </a:p>
+          <a:p>
+            <a:pPr marL="360363" indent="0">
+              <a:buNone/>
+            </a:pPr>
+            <a:r>
+              <a:rPr lang="es-AR" b="1" dirty="0">
+                <a:solidFill>
+                  <a:schemeClr val="accent1"/>
+                </a:solidFill>
+              </a:rPr>
+              <a:t>(</a:t>
+            </a:r>
+            <a:r>
+              <a:rPr lang="es-AR" b="1" i="1" dirty="0">
+                <a:solidFill>
+                  <a:schemeClr val="accent1"/>
+                </a:solidFill>
+              </a:rPr>
+              <a:t>data </a:t>
+            </a:r>
+            <a:r>
+              <a:rPr lang="es-AR" b="1" i="1" dirty="0" err="1">
                 <a:solidFill>
                   <a:schemeClr val="accent1"/>
                 </a:solidFill>
               </a:rPr>
               <a:t>cleaning</a:t>
             </a:r>
-            <a:endParaRPr lang="es-AR" b="1" dirty="0">
-              <a:solidFill>
-                <a:schemeClr val="accent1"/>
-              </a:solidFill>
-            </a:endParaRPr>
+            <a:r>
+              <a:rPr lang="es-AR" b="1" i="1" dirty="0">
+                <a:solidFill>
+                  <a:schemeClr val="accent1"/>
+                </a:solidFill>
+              </a:rPr>
+              <a:t>/</a:t>
+            </a:r>
+            <a:r>
+              <a:rPr lang="es-AR" b="1" i="1" dirty="0" err="1">
+                <a:solidFill>
+                  <a:schemeClr val="accent1"/>
+                </a:solidFill>
+              </a:rPr>
+              <a:t>wrangling</a:t>
+            </a:r>
+            <a:r>
+              <a:rPr lang="es-AR" b="1" dirty="0">
+                <a:solidFill>
+                  <a:schemeClr val="accent1"/>
+                </a:solidFill>
+              </a:rPr>
+              <a:t>)</a:t>
+            </a:r>
           </a:p>
           <a:p>
             <a:pPr marL="342900">
@@ -21746,42 +22116,31 @@
           <a:p>
             <a:pPr marL="342900">
               <a:buFont typeface="+mj-lt"/>
-              <a:buAutoNum type="arabicPeriod"/>
+              <a:buAutoNum type="arabicPeriod" startAt="2"/>
             </a:pPr>
-            <a:r>
-              <a:rPr lang="es-AR" b="1" dirty="0" err="1">
-                <a:solidFill>
-                  <a:schemeClr val="accent1"/>
-                </a:solidFill>
-              </a:rPr>
-              <a:t>Understanding</a:t>
-            </a:r>
             <a:r>
               <a:rPr lang="es-AR" b="1" dirty="0">
                 <a:solidFill>
                   <a:schemeClr val="accent1"/>
                 </a:solidFill>
               </a:rPr>
-              <a:t> </a:t>
-            </a:r>
-            <a:r>
-              <a:rPr lang="es-AR" b="1" dirty="0" err="1">
-                <a:solidFill>
-                  <a:schemeClr val="accent1"/>
-                </a:solidFill>
-              </a:rPr>
-              <a:t>the</a:t>
-            </a:r>
+              <a:t>Explorar los datos </a:t>
+            </a:r>
+          </a:p>
+          <a:p>
+            <a:pPr marL="360363" indent="0">
+              <a:buNone/>
+            </a:pPr>
             <a:r>
               <a:rPr lang="es-AR" b="1" dirty="0">
                 <a:solidFill>
                   <a:schemeClr val="accent1"/>
                 </a:solidFill>
               </a:rPr>
-              <a:t> data (</a:t>
-            </a:r>
-            <a:r>
-              <a:rPr lang="es-AR" b="1" dirty="0" err="1">
+              <a:t>(</a:t>
+            </a:r>
+            <a:r>
+              <a:rPr lang="es-AR" b="1" i="1" dirty="0" err="1">
                 <a:solidFill>
                   <a:schemeClr val="accent1"/>
                 </a:solidFill>
@@ -21789,7 +22148,7 @@
               <a:t>exploratory</a:t>
             </a:r>
             <a:r>
-              <a:rPr lang="es-AR" b="1" dirty="0">
+              <a:rPr lang="es-AR" b="1" i="1" dirty="0">
                 <a:solidFill>
                   <a:schemeClr val="accent1"/>
                 </a:solidFill>
@@ -21797,7 +22156,7 @@
               <a:t> data </a:t>
             </a:r>
             <a:r>
-              <a:rPr lang="es-AR" b="1" dirty="0" err="1">
+              <a:rPr lang="es-AR" b="1" i="1" dirty="0" err="1">
                 <a:solidFill>
                   <a:schemeClr val="accent1"/>
                 </a:solidFill>
@@ -21827,37 +22186,61 @@
           <a:p>
             <a:pPr marL="342900">
               <a:buFont typeface="+mj-lt"/>
-              <a:buAutoNum type="arabicPeriod"/>
+              <a:buAutoNum type="arabicPeriod" startAt="3"/>
             </a:pPr>
-            <a:r>
-              <a:rPr lang="es-AR" b="1" dirty="0" err="1">
-                <a:solidFill>
-                  <a:schemeClr val="accent1"/>
-                </a:solidFill>
-              </a:rPr>
-              <a:t>Feature</a:t>
-            </a:r>
             <a:r>
               <a:rPr lang="es-AR" b="1" dirty="0">
                 <a:solidFill>
                   <a:schemeClr val="accent1"/>
                 </a:solidFill>
               </a:rPr>
+              <a:t>Transformar los datos </a:t>
+            </a:r>
+          </a:p>
+          <a:p>
+            <a:pPr marL="360363" indent="0">
+              <a:buNone/>
+            </a:pPr>
+            <a:r>
+              <a:rPr lang="es-AR" b="1" dirty="0">
+                <a:solidFill>
+                  <a:schemeClr val="accent1"/>
+                </a:solidFill>
+              </a:rPr>
+              <a:t>(</a:t>
+            </a:r>
+            <a:r>
+              <a:rPr lang="es-AR" b="1" i="1" dirty="0" err="1">
+                <a:solidFill>
+                  <a:schemeClr val="accent1"/>
+                </a:solidFill>
+              </a:rPr>
+              <a:t>feature</a:t>
+            </a:r>
+            <a:r>
+              <a:rPr lang="es-AR" b="1" i="1" dirty="0">
+                <a:solidFill>
+                  <a:schemeClr val="accent1"/>
+                </a:solidFill>
+              </a:rPr>
               <a:t> </a:t>
             </a:r>
             <a:r>
-              <a:rPr lang="es-AR" b="1" dirty="0" err="1">
+              <a:rPr lang="es-AR" b="1" i="1" dirty="0" err="1">
                 <a:solidFill>
                   <a:schemeClr val="accent1"/>
                 </a:solidFill>
               </a:rPr>
               <a:t>engineering</a:t>
             </a:r>
-            <a:endParaRPr lang="es-AR" b="1" dirty="0">
-              <a:solidFill>
-                <a:schemeClr val="accent1"/>
-              </a:solidFill>
-            </a:endParaRPr>
+            <a:r>
+              <a:rPr lang="es-AR" b="1" dirty="0">
+                <a:solidFill>
+                  <a:schemeClr val="accent1"/>
+                </a:solidFill>
+              </a:rPr>
+              <a:t>)</a:t>
+            </a:r>
           </a:p>
           <a:p>
             <a:pPr marL="342900">
@@ -21873,26 +22256,47 @@
           <a:p>
             <a:pPr marL="342900">
               <a:buFont typeface="+mj-lt"/>
-              <a:buAutoNum type="arabicPeriod"/>
+              <a:buAutoNum type="arabicPeriod" startAt="4"/>
             </a:pPr>
-            <a:r>
-              <a:rPr lang="es-AR" b="1" dirty="0" err="1">
-                <a:solidFill>
-                  <a:schemeClr val="accent1"/>
-                </a:solidFill>
-              </a:rPr>
-              <a:t>Model</a:t>
-            </a:r>
             <a:r>
               <a:rPr lang="es-AR" b="1" dirty="0">
                 <a:solidFill>
                   <a:schemeClr val="accent1"/>
                 </a:solidFill>
               </a:rPr>
+              <a:t>Elegir y pulir el modelo </a:t>
+            </a:r>
+          </a:p>
+          <a:p>
+            <a:pPr marL="360363" indent="0">
+              <a:buNone/>
+            </a:pPr>
+            <a:r>
+              <a:rPr lang="es-AR" b="1" dirty="0">
+                <a:solidFill>
+                  <a:schemeClr val="accent1"/>
+                </a:solidFill>
+              </a:rPr>
+              <a:t>(</a:t>
+            </a:r>
+            <a:r>
+              <a:rPr lang="es-AR" b="1" i="1" dirty="0" err="1">
+                <a:solidFill>
+                  <a:schemeClr val="accent1"/>
+                </a:solidFill>
+              </a:rPr>
+              <a:t>model</a:t>
+            </a:r>
+            <a:r>
+              <a:rPr lang="es-AR" b="1" i="1" dirty="0">
+                <a:solidFill>
+                  <a:schemeClr val="accent1"/>
+                </a:solidFill>
+              </a:rPr>
               <a:t> </a:t>
             </a:r>
             <a:r>
-              <a:rPr lang="es-AR" b="1" dirty="0" err="1">
+              <a:rPr lang="es-AR" b="1" i="1" dirty="0" err="1">
                 <a:solidFill>
                   <a:schemeClr val="accent1"/>
                 </a:solidFill>
@@ -21900,28 +22304,28 @@
               <a:t>tuning</a:t>
             </a:r>
             <a:r>
+              <a:rPr lang="es-AR" b="1" i="1" dirty="0">
+                <a:solidFill>
+                  <a:schemeClr val="accent1"/>
+                </a:solidFill>
+              </a:rPr>
+              <a:t> and </a:t>
+            </a:r>
+            <a:r>
+              <a:rPr lang="es-AR" b="1" i="1" dirty="0" err="1">
+                <a:solidFill>
+                  <a:schemeClr val="accent1"/>
+                </a:solidFill>
+              </a:rPr>
+              <a:t>selection</a:t>
+            </a:r>
+            <a:r>
               <a:rPr lang="es-AR" b="1" dirty="0">
                 <a:solidFill>
                   <a:schemeClr val="accent1"/>
                 </a:solidFill>
               </a:rPr>
-              <a:t> and </a:t>
-            </a:r>
-            <a:r>
-              <a:rPr lang="es-AR" b="1" dirty="0" err="1">
-                <a:solidFill>
-                  <a:schemeClr val="accent1"/>
-                </a:solidFill>
-              </a:rPr>
-              <a:t>selection</a:t>
-            </a:r>
-            <a:r>
-              <a:rPr lang="es-AR" b="1" dirty="0">
-                <a:solidFill>
-                  <a:schemeClr val="accent1"/>
-                </a:solidFill>
-              </a:rPr>
-              <a:t> </a:t>
+              <a:t>)</a:t>
             </a:r>
           </a:p>
           <a:p>
@@ -21938,37 +22342,61 @@
           <a:p>
             <a:pPr marL="342900">
               <a:buFont typeface="+mj-lt"/>
-              <a:buAutoNum type="arabicPeriod"/>
+              <a:buAutoNum type="arabicPeriod" startAt="5"/>
             </a:pPr>
-            <a:r>
-              <a:rPr lang="es-AR" b="1" dirty="0" err="1">
-                <a:solidFill>
-                  <a:schemeClr val="accent1"/>
-                </a:solidFill>
-              </a:rPr>
-              <a:t>Model</a:t>
-            </a:r>
             <a:r>
               <a:rPr lang="es-AR" b="1" dirty="0">
                 <a:solidFill>
                   <a:schemeClr val="accent1"/>
                 </a:solidFill>
               </a:rPr>
+              <a:t>Evaluar el modelo</a:t>
+            </a:r>
+          </a:p>
+          <a:p>
+            <a:pPr marL="360363" indent="0">
+              <a:buNone/>
+            </a:pPr>
+            <a:r>
+              <a:rPr lang="es-AR" b="1" dirty="0">
+                <a:solidFill>
+                  <a:schemeClr val="accent1"/>
+                </a:solidFill>
+              </a:rPr>
+              <a:t>(</a:t>
+            </a:r>
+            <a:r>
+              <a:rPr lang="es-AR" b="1" i="1" dirty="0" err="1">
+                <a:solidFill>
+                  <a:schemeClr val="accent1"/>
+                </a:solidFill>
+              </a:rPr>
+              <a:t>model</a:t>
+            </a:r>
+            <a:r>
+              <a:rPr lang="es-AR" b="1" i="1" dirty="0">
+                <a:solidFill>
+                  <a:schemeClr val="accent1"/>
+                </a:solidFill>
+              </a:rPr>
               <a:t> </a:t>
             </a:r>
             <a:r>
-              <a:rPr lang="es-AR" b="1" dirty="0" err="1">
+              <a:rPr lang="es-AR" b="1" i="1" dirty="0" err="1">
                 <a:solidFill>
                   <a:schemeClr val="accent1"/>
                 </a:solidFill>
               </a:rPr>
               <a:t>evaluation</a:t>
             </a:r>
-            <a:endParaRPr lang="es-AR" b="1" dirty="0">
-              <a:solidFill>
-                <a:schemeClr val="accent1"/>
-              </a:solidFill>
-            </a:endParaRPr>
+            <a:r>
+              <a:rPr lang="es-AR" b="1" dirty="0">
+                <a:solidFill>
+                  <a:schemeClr val="accent1"/>
+                </a:solidFill>
+              </a:rPr>
+              <a:t>)</a:t>
+            </a:r>
           </a:p>
           <a:p>
             <a:pPr marL="0" lvl="0" indent="0" algn="l" rtl="0">
@@ -22012,7 +22440,7 @@
         </p:blipFill>
         <p:spPr>
           <a:xfrm>
-            <a:off x="5900785" y="1684617"/>
+            <a:off x="5900785" y="1564696"/>
             <a:ext cx="2435469" cy="2435469"/>
           </a:xfrm>
           <a:prstGeom prst="rect">
@@ -22034,6 +22462,2706 @@
 </file>
 
 <file path=ppt/slides/slide45.xml><?xml version="1.0" encoding="utf-8"?>
+<p:sld xmlns:a="http://schemas.openxmlformats.org/drawingml/2006/main" xmlns:r="http://schemas.openxmlformats.org/officeDocument/2006/relationships" xmlns:p="http://schemas.openxmlformats.org/presentationml/2006/main">
+  <p:cSld>
+    <p:spTree>
+      <p:nvGrpSpPr>
+        <p:cNvPr id="1" name="Shape 180"/>
+        <p:cNvGrpSpPr/>
+        <p:nvPr/>
+      </p:nvGrpSpPr>
+      <p:grpSpPr>
+        <a:xfrm>
+          <a:off x="0" y="0"/>
+          <a:ext cx="0" cy="0"/>
+          <a:chOff x="0" y="0"/>
+          <a:chExt cx="0" cy="0"/>
+        </a:xfrm>
+      </p:grpSpPr>
+      <p:sp>
+        <p:nvSpPr>
+          <p:cNvPr id="11" name="Google Shape;284;p49">
+            <a:extLst>
+              <a:ext uri="{FF2B5EF4-FFF2-40B4-BE49-F238E27FC236}">
+                <a16:creationId xmlns:a16="http://schemas.microsoft.com/office/drawing/2014/main" id="{A884BB71-61E1-499B-A687-7EF14286A4F2}"/>
+              </a:ext>
+            </a:extLst>
+          </p:cNvPr>
+          <p:cNvSpPr txBox="1">
+            <a:spLocks/>
+          </p:cNvSpPr>
+          <p:nvPr/>
+        </p:nvSpPr>
+        <p:spPr>
+          <a:xfrm>
+            <a:off x="210477" y="347008"/>
+            <a:ext cx="4436474" cy="3874298"/>
+          </a:xfrm>
+          <a:prstGeom prst="rect">
+            <a:avLst/>
+          </a:prstGeom>
+          <a:noFill/>
+          <a:ln>
+            <a:noFill/>
+          </a:ln>
+        </p:spPr>
+        <p:txBody>
+          <a:bodyPr spcFirstLastPara="1" wrap="square" lIns="91425" tIns="91425" rIns="91425" bIns="91425" anchor="t" anchorCtr="0">
+            <a:normAutofit fontScale="97500"/>
+          </a:bodyPr>
+          <a:lstStyle>
+            <a:defPPr marR="0" lvl="0" algn="l" rtl="0">
+              <a:lnSpc>
+                <a:spcPct val="100000"/>
+              </a:lnSpc>
+              <a:spcBef>
+                <a:spcPts val="0"/>
+              </a:spcBef>
+              <a:spcAft>
+                <a:spcPts val="0"/>
+              </a:spcAft>
+            </a:defPPr>
+            <a:lvl1pPr marR="0" lvl="0" algn="l" rtl="0">
+              <a:lnSpc>
+                <a:spcPct val="100000"/>
+              </a:lnSpc>
+              <a:spcBef>
+                <a:spcPts val="0"/>
+              </a:spcBef>
+              <a:spcAft>
+                <a:spcPts val="0"/>
+              </a:spcAft>
+              <a:buClr>
+                <a:schemeClr val="dk1"/>
+              </a:buClr>
+              <a:buSzPts val="2800"/>
+              <a:buFont typeface="Proxima Nova"/>
+              <a:buNone/>
+              <a:defRPr sz="2800" b="0" i="0" u="none" strike="noStrike" cap="none">
+                <a:solidFill>
+                  <a:schemeClr val="dk1"/>
+                </a:solidFill>
+                <a:latin typeface="Proxima Nova"/>
+                <a:ea typeface="Proxima Nova"/>
+                <a:cs typeface="Proxima Nova"/>
+                <a:sym typeface="Proxima Nova"/>
+              </a:defRPr>
+            </a:lvl1pPr>
+            <a:lvl2pPr marR="0" lvl="1" algn="l" rtl="0">
+              <a:lnSpc>
+                <a:spcPct val="100000"/>
+              </a:lnSpc>
+              <a:spcBef>
+                <a:spcPts val="0"/>
+              </a:spcBef>
+              <a:spcAft>
+                <a:spcPts val="0"/>
+              </a:spcAft>
+              <a:buClr>
+                <a:schemeClr val="dk1"/>
+              </a:buClr>
+              <a:buSzPts val="2800"/>
+              <a:buFont typeface="Proxima Nova"/>
+              <a:buNone/>
+              <a:defRPr sz="2800" b="0" i="0" u="none" strike="noStrike" cap="none">
+                <a:solidFill>
+                  <a:schemeClr val="dk1"/>
+                </a:solidFill>
+                <a:latin typeface="Proxima Nova"/>
+                <a:ea typeface="Proxima Nova"/>
+                <a:cs typeface="Proxima Nova"/>
+                <a:sym typeface="Proxima Nova"/>
+              </a:defRPr>
+            </a:lvl2pPr>
+            <a:lvl3pPr marR="0" lvl="2" algn="l" rtl="0">
+              <a:lnSpc>
+                <a:spcPct val="100000"/>
+              </a:lnSpc>
+              <a:spcBef>
+                <a:spcPts val="0"/>
+              </a:spcBef>
+              <a:spcAft>
+                <a:spcPts val="0"/>
+              </a:spcAft>
+              <a:buClr>
+                <a:schemeClr val="dk1"/>
+              </a:buClr>
+              <a:buSzPts val="2800"/>
+              <a:buFont typeface="Proxima Nova"/>
+              <a:buNone/>
+              <a:defRPr sz="2800" b="0" i="0" u="none" strike="noStrike" cap="none">
+                <a:solidFill>
+                  <a:schemeClr val="dk1"/>
+                </a:solidFill>
+                <a:latin typeface="Proxima Nova"/>
+                <a:ea typeface="Proxima Nova"/>
+                <a:cs typeface="Proxima Nova"/>
+                <a:sym typeface="Proxima Nova"/>
+              </a:defRPr>
+            </a:lvl3pPr>
+            <a:lvl4pPr marR="0" lvl="3" algn="l" rtl="0">
+              <a:lnSpc>
+                <a:spcPct val="100000"/>
+              </a:lnSpc>
+              <a:spcBef>
+                <a:spcPts val="0"/>
+              </a:spcBef>
+              <a:spcAft>
+                <a:spcPts val="0"/>
+              </a:spcAft>
+              <a:buClr>
+                <a:schemeClr val="dk1"/>
+              </a:buClr>
+              <a:buSzPts val="2800"/>
+              <a:buFont typeface="Proxima Nova"/>
+              <a:buNone/>
+              <a:defRPr sz="2800" b="0" i="0" u="none" strike="noStrike" cap="none">
+                <a:solidFill>
+                  <a:schemeClr val="dk1"/>
+                </a:solidFill>
+                <a:latin typeface="Proxima Nova"/>
+                <a:ea typeface="Proxima Nova"/>
+                <a:cs typeface="Proxima Nova"/>
+                <a:sym typeface="Proxima Nova"/>
+              </a:defRPr>
+            </a:lvl4pPr>
+            <a:lvl5pPr marR="0" lvl="4" algn="l" rtl="0">
+              <a:lnSpc>
+                <a:spcPct val="100000"/>
+              </a:lnSpc>
+              <a:spcBef>
+                <a:spcPts val="0"/>
+              </a:spcBef>
+              <a:spcAft>
+                <a:spcPts val="0"/>
+              </a:spcAft>
+              <a:buClr>
+                <a:schemeClr val="dk1"/>
+              </a:buClr>
+              <a:buSzPts val="2800"/>
+              <a:buFont typeface="Proxima Nova"/>
+              <a:buNone/>
+              <a:defRPr sz="2800" b="0" i="0" u="none" strike="noStrike" cap="none">
+                <a:solidFill>
+                  <a:schemeClr val="dk1"/>
+                </a:solidFill>
+                <a:latin typeface="Proxima Nova"/>
+                <a:ea typeface="Proxima Nova"/>
+                <a:cs typeface="Proxima Nova"/>
+                <a:sym typeface="Proxima Nova"/>
+              </a:defRPr>
+            </a:lvl5pPr>
+            <a:lvl6pPr marR="0" lvl="5" algn="l" rtl="0">
+              <a:lnSpc>
+                <a:spcPct val="100000"/>
+              </a:lnSpc>
+              <a:spcBef>
+                <a:spcPts val="0"/>
+              </a:spcBef>
+              <a:spcAft>
+                <a:spcPts val="0"/>
+              </a:spcAft>
+              <a:buClr>
+                <a:schemeClr val="dk1"/>
+              </a:buClr>
+              <a:buSzPts val="2800"/>
+              <a:buFont typeface="Proxima Nova"/>
+              <a:buNone/>
+              <a:defRPr sz="2800" b="0" i="0" u="none" strike="noStrike" cap="none">
+                <a:solidFill>
+                  <a:schemeClr val="dk1"/>
+                </a:solidFill>
+                <a:latin typeface="Proxima Nova"/>
+                <a:ea typeface="Proxima Nova"/>
+                <a:cs typeface="Proxima Nova"/>
+                <a:sym typeface="Proxima Nova"/>
+              </a:defRPr>
+            </a:lvl6pPr>
+            <a:lvl7pPr marR="0" lvl="6" algn="l" rtl="0">
+              <a:lnSpc>
+                <a:spcPct val="100000"/>
+              </a:lnSpc>
+              <a:spcBef>
+                <a:spcPts val="0"/>
+              </a:spcBef>
+              <a:spcAft>
+                <a:spcPts val="0"/>
+              </a:spcAft>
+              <a:buClr>
+                <a:schemeClr val="dk1"/>
+              </a:buClr>
+              <a:buSzPts val="2800"/>
+              <a:buFont typeface="Proxima Nova"/>
+              <a:buNone/>
+              <a:defRPr sz="2800" b="0" i="0" u="none" strike="noStrike" cap="none">
+                <a:solidFill>
+                  <a:schemeClr val="dk1"/>
+                </a:solidFill>
+                <a:latin typeface="Proxima Nova"/>
+                <a:ea typeface="Proxima Nova"/>
+                <a:cs typeface="Proxima Nova"/>
+                <a:sym typeface="Proxima Nova"/>
+              </a:defRPr>
+            </a:lvl7pPr>
+            <a:lvl8pPr marR="0" lvl="7" algn="l" rtl="0">
+              <a:lnSpc>
+                <a:spcPct val="100000"/>
+              </a:lnSpc>
+              <a:spcBef>
+                <a:spcPts val="0"/>
+              </a:spcBef>
+              <a:spcAft>
+                <a:spcPts val="0"/>
+              </a:spcAft>
+              <a:buClr>
+                <a:schemeClr val="dk1"/>
+              </a:buClr>
+              <a:buSzPts val="2800"/>
+              <a:buFont typeface="Proxima Nova"/>
+              <a:buNone/>
+              <a:defRPr sz="2800" b="0" i="0" u="none" strike="noStrike" cap="none">
+                <a:solidFill>
+                  <a:schemeClr val="dk1"/>
+                </a:solidFill>
+                <a:latin typeface="Proxima Nova"/>
+                <a:ea typeface="Proxima Nova"/>
+                <a:cs typeface="Proxima Nova"/>
+                <a:sym typeface="Proxima Nova"/>
+              </a:defRPr>
+            </a:lvl8pPr>
+            <a:lvl9pPr marR="0" lvl="8" algn="l" rtl="0">
+              <a:lnSpc>
+                <a:spcPct val="100000"/>
+              </a:lnSpc>
+              <a:spcBef>
+                <a:spcPts val="0"/>
+              </a:spcBef>
+              <a:spcAft>
+                <a:spcPts val="0"/>
+              </a:spcAft>
+              <a:buClr>
+                <a:schemeClr val="dk1"/>
+              </a:buClr>
+              <a:buSzPts val="2800"/>
+              <a:buFont typeface="Proxima Nova"/>
+              <a:buNone/>
+              <a:defRPr sz="2800" b="0" i="0" u="none" strike="noStrike" cap="none">
+                <a:solidFill>
+                  <a:schemeClr val="dk1"/>
+                </a:solidFill>
+                <a:latin typeface="Proxima Nova"/>
+                <a:ea typeface="Proxima Nova"/>
+                <a:cs typeface="Proxima Nova"/>
+                <a:sym typeface="Proxima Nova"/>
+              </a:defRPr>
+            </a:lvl9pPr>
+          </a:lstStyle>
+          <a:p>
+            <a:pPr marL="285750" indent="-285750">
+              <a:buFont typeface="Arial" panose="020B0604020202020204" pitchFamily="34" charset="0"/>
+              <a:buChar char="•"/>
+            </a:pPr>
+            <a:endParaRPr lang="es-MX" sz="1600" dirty="0"/>
+          </a:p>
+        </p:txBody>
+      </p:sp>
+      <p:graphicFrame>
+        <p:nvGraphicFramePr>
+          <p:cNvPr id="9" name="Tabla 9">
+            <a:extLst>
+              <a:ext uri="{FF2B5EF4-FFF2-40B4-BE49-F238E27FC236}">
+                <a16:creationId xmlns:a16="http://schemas.microsoft.com/office/drawing/2014/main" id="{51C7C2CB-1605-4146-BC87-A76920B9D1F6}"/>
+              </a:ext>
+            </a:extLst>
+          </p:cNvPr>
+          <p:cNvGraphicFramePr>
+            <a:graphicFrameLocks noGrp="1"/>
+          </p:cNvGraphicFramePr>
+          <p:nvPr>
+            <p:extLst>
+              <p:ext uri="{D42A27DB-BD31-4B8C-83A1-F6EECF244321}">
+                <p14:modId xmlns:p14="http://schemas.microsoft.com/office/powerpoint/2010/main" val="2174547603"/>
+              </p:ext>
+            </p:extLst>
+          </p:nvPr>
+        </p:nvGraphicFramePr>
+        <p:xfrm>
+          <a:off x="1451547" y="839545"/>
+          <a:ext cx="6240905" cy="4145280"/>
+        </p:xfrm>
+        <a:graphic>
+          <a:graphicData uri="http://schemas.openxmlformats.org/drawingml/2006/table">
+            <a:tbl>
+              <a:tblPr firstRow="1" bandRow="1">
+                <a:tableStyleId>{272BD5B9-A1A1-4B16-8F28-979374803D1B}</a:tableStyleId>
+              </a:tblPr>
+              <a:tblGrid>
+                <a:gridCol w="4376936">
+                  <a:extLst>
+                    <a:ext uri="{9D8B030D-6E8A-4147-A177-3AD203B41FA5}">
+                      <a16:colId xmlns:a16="http://schemas.microsoft.com/office/drawing/2014/main" val="2462341343"/>
+                    </a:ext>
+                  </a:extLst>
+                </a:gridCol>
+                <a:gridCol w="1863969">
+                  <a:extLst>
+                    <a:ext uri="{9D8B030D-6E8A-4147-A177-3AD203B41FA5}">
+                      <a16:colId xmlns:a16="http://schemas.microsoft.com/office/drawing/2014/main" val="106219382"/>
+                    </a:ext>
+                  </a:extLst>
+                </a:gridCol>
+              </a:tblGrid>
+              <a:tr h="180000">
+                <a:tc>
+                  <a:txBody>
+                    <a:bodyPr/>
+                    <a:lstStyle/>
+                    <a:p>
+                      <a:pPr marL="0" marR="0" lvl="0" indent="0" algn="l" defTabSz="914400" rtl="0" eaLnBrk="1" fontAlgn="auto" latinLnBrk="0" hangingPunct="1">
+                        <a:lnSpc>
+                          <a:spcPct val="100000"/>
+                        </a:lnSpc>
+                        <a:spcBef>
+                          <a:spcPts val="0"/>
+                        </a:spcBef>
+                        <a:spcAft>
+                          <a:spcPts val="0"/>
+                        </a:spcAft>
+                        <a:buClr>
+                          <a:srgbClr val="000000"/>
+                        </a:buClr>
+                        <a:buSzTx/>
+                        <a:buFont typeface="Arial"/>
+                        <a:buNone/>
+                        <a:tabLst/>
+                        <a:defRPr/>
+                      </a:pPr>
+                      <a:r>
+                        <a:rPr lang="es-MX" sz="1000" dirty="0">
+                          <a:latin typeface="Proxima Nova" panose="020B0604020202020204" charset="0"/>
+                        </a:rPr>
+                        <a:t>Hay que importar los datos, unir las bases, convertir en numéricas</a:t>
+                      </a:r>
+                    </a:p>
+                  </a:txBody>
+                  <a:tcPr>
+                    <a:lnL w="9525" cap="flat" cmpd="sng">
+                      <a:noFill/>
+                      <a:prstDash val="solid"/>
+                      <a:round/>
+                      <a:headEnd type="none" w="sm" len="sm"/>
+                      <a:tailEnd type="none" w="sm" len="sm"/>
+                    </a:lnL>
+                    <a:lnR w="9525" cap="flat" cmpd="sng">
+                      <a:noFill/>
+                      <a:prstDash val="solid"/>
+                      <a:round/>
+                      <a:headEnd type="none" w="sm" len="sm"/>
+                      <a:tailEnd type="none" w="sm" len="sm"/>
+                    </a:lnR>
+                    <a:lnT w="9525" cap="flat" cmpd="sng">
+                      <a:noFill/>
+                      <a:prstDash val="solid"/>
+                      <a:round/>
+                      <a:headEnd type="none" w="sm" len="sm"/>
+                      <a:tailEnd type="none" w="sm" len="sm"/>
+                    </a:lnT>
+                    <a:lnB w="9525" cap="flat" cmpd="sng">
+                      <a:noFill/>
+                      <a:prstDash val="solid"/>
+                      <a:round/>
+                      <a:headEnd type="none" w="sm" len="sm"/>
+                      <a:tailEnd type="none" w="sm" len="sm"/>
+                    </a:lnB>
+                    <a:lnTlToBr w="12700" cmpd="sng">
+                      <a:noFill/>
+                      <a:prstDash val="solid"/>
+                    </a:lnTlToBr>
+                    <a:lnBlToTr w="12700" cmpd="sng">
+                      <a:noFill/>
+                      <a:prstDash val="solid"/>
+                    </a:lnBlToTr>
+                  </a:tcPr>
+                </a:tc>
+                <a:tc>
+                  <a:txBody>
+                    <a:bodyPr/>
+                    <a:lstStyle/>
+                    <a:p>
+                      <a:r>
+                        <a:rPr lang="es-MX" sz="1000" dirty="0">
+                          <a:latin typeface="Proxima Nova" panose="020B0604020202020204" charset="0"/>
+                        </a:rPr>
+                        <a:t>Limpieza</a:t>
+                      </a:r>
+                      <a:endParaRPr lang="es-AR" sz="1000" dirty="0">
+                        <a:latin typeface="Proxima Nova" panose="020B0604020202020204" charset="0"/>
+                      </a:endParaRPr>
+                    </a:p>
+                  </a:txBody>
+                  <a:tcPr>
+                    <a:lnL w="9525" cap="flat" cmpd="sng">
+                      <a:noFill/>
+                      <a:prstDash val="solid"/>
+                      <a:round/>
+                      <a:headEnd type="none" w="sm" len="sm"/>
+                      <a:tailEnd type="none" w="sm" len="sm"/>
+                    </a:lnL>
+                    <a:lnR w="9525" cap="flat" cmpd="sng">
+                      <a:noFill/>
+                      <a:prstDash val="solid"/>
+                      <a:round/>
+                      <a:headEnd type="none" w="sm" len="sm"/>
+                      <a:tailEnd type="none" w="sm" len="sm"/>
+                    </a:lnR>
+                    <a:lnT w="9525" cap="flat" cmpd="sng">
+                      <a:noFill/>
+                      <a:prstDash val="solid"/>
+                      <a:round/>
+                      <a:headEnd type="none" w="sm" len="sm"/>
+                      <a:tailEnd type="none" w="sm" len="sm"/>
+                    </a:lnT>
+                    <a:lnB w="9525" cap="flat" cmpd="sng">
+                      <a:noFill/>
+                      <a:prstDash val="solid"/>
+                      <a:round/>
+                      <a:headEnd type="none" w="sm" len="sm"/>
+                      <a:tailEnd type="none" w="sm" len="sm"/>
+                    </a:lnB>
+                    <a:lnTlToBr w="12700" cmpd="sng">
+                      <a:noFill/>
+                      <a:prstDash val="solid"/>
+                    </a:lnTlToBr>
+                    <a:lnBlToTr w="12700" cmpd="sng">
+                      <a:noFill/>
+                      <a:prstDash val="solid"/>
+                    </a:lnBlToTr>
+                  </a:tcPr>
+                </a:tc>
+                <a:extLst>
+                  <a:ext uri="{0D108BD9-81ED-4DB2-BD59-A6C34878D82A}">
+                    <a16:rowId xmlns:a16="http://schemas.microsoft.com/office/drawing/2014/main" val="3813477350"/>
+                  </a:ext>
+                </a:extLst>
+              </a:tr>
+              <a:tr h="180000">
+                <a:tc>
+                  <a:txBody>
+                    <a:bodyPr/>
+                    <a:lstStyle/>
+                    <a:p>
+                      <a:pPr marL="0" marR="0" lvl="0" indent="0" algn="l" defTabSz="914400" rtl="0" eaLnBrk="1" fontAlgn="auto" latinLnBrk="0" hangingPunct="1">
+                        <a:lnSpc>
+                          <a:spcPct val="100000"/>
+                        </a:lnSpc>
+                        <a:spcBef>
+                          <a:spcPts val="0"/>
+                        </a:spcBef>
+                        <a:spcAft>
+                          <a:spcPts val="0"/>
+                        </a:spcAft>
+                        <a:buClr>
+                          <a:srgbClr val="000000"/>
+                        </a:buClr>
+                        <a:buSzTx/>
+                        <a:buFont typeface="Arial"/>
+                        <a:buNone/>
+                        <a:tabLst/>
+                        <a:defRPr/>
+                      </a:pPr>
+                      <a:r>
+                        <a:rPr lang="es-MX" sz="1000" dirty="0">
+                          <a:latin typeface="Proxima Nova" panose="020B0604020202020204" charset="0"/>
+                        </a:rPr>
+                        <a:t>Codifiquemos las variables cualitativas</a:t>
+                      </a:r>
+                    </a:p>
+                  </a:txBody>
+                  <a:tcPr>
+                    <a:lnL w="9525" cap="flat" cmpd="sng">
+                      <a:noFill/>
+                      <a:prstDash val="solid"/>
+                      <a:round/>
+                      <a:headEnd type="none" w="sm" len="sm"/>
+                      <a:tailEnd type="none" w="sm" len="sm"/>
+                    </a:lnL>
+                    <a:lnR w="9525" cap="flat" cmpd="sng">
+                      <a:noFill/>
+                      <a:prstDash val="solid"/>
+                      <a:round/>
+                      <a:headEnd type="none" w="sm" len="sm"/>
+                      <a:tailEnd type="none" w="sm" len="sm"/>
+                    </a:lnR>
+                    <a:lnT w="9525" cap="flat" cmpd="sng">
+                      <a:noFill/>
+                      <a:prstDash val="solid"/>
+                      <a:round/>
+                      <a:headEnd type="none" w="sm" len="sm"/>
+                      <a:tailEnd type="none" w="sm" len="sm"/>
+                    </a:lnT>
+                    <a:lnB w="9525" cap="flat" cmpd="sng">
+                      <a:noFill/>
+                      <a:prstDash val="solid"/>
+                      <a:round/>
+                      <a:headEnd type="none" w="sm" len="sm"/>
+                      <a:tailEnd type="none" w="sm" len="sm"/>
+                    </a:lnB>
+                    <a:lnTlToBr w="12700" cmpd="sng">
+                      <a:noFill/>
+                      <a:prstDash val="solid"/>
+                    </a:lnTlToBr>
+                    <a:lnBlToTr w="12700" cmpd="sng">
+                      <a:noFill/>
+                      <a:prstDash val="solid"/>
+                    </a:lnBlToTr>
+                  </a:tcPr>
+                </a:tc>
+                <a:tc>
+                  <a:txBody>
+                    <a:bodyPr/>
+                    <a:lstStyle/>
+                    <a:p>
+                      <a:r>
+                        <a:rPr lang="es-MX" sz="1000" dirty="0">
+                          <a:latin typeface="Proxima Nova" panose="020B0604020202020204" charset="0"/>
+                        </a:rPr>
+                        <a:t>Limpieza</a:t>
+                      </a:r>
+                      <a:endParaRPr lang="es-AR" sz="1000" dirty="0">
+                        <a:latin typeface="Proxima Nova" panose="020B0604020202020204" charset="0"/>
+                      </a:endParaRPr>
+                    </a:p>
+                  </a:txBody>
+                  <a:tcPr>
+                    <a:lnL w="9525" cap="flat" cmpd="sng">
+                      <a:noFill/>
+                      <a:prstDash val="solid"/>
+                      <a:round/>
+                      <a:headEnd type="none" w="sm" len="sm"/>
+                      <a:tailEnd type="none" w="sm" len="sm"/>
+                    </a:lnL>
+                    <a:lnR w="9525" cap="flat" cmpd="sng">
+                      <a:noFill/>
+                      <a:prstDash val="solid"/>
+                      <a:round/>
+                      <a:headEnd type="none" w="sm" len="sm"/>
+                      <a:tailEnd type="none" w="sm" len="sm"/>
+                    </a:lnR>
+                    <a:lnT w="9525" cap="flat" cmpd="sng">
+                      <a:noFill/>
+                      <a:prstDash val="solid"/>
+                      <a:round/>
+                      <a:headEnd type="none" w="sm" len="sm"/>
+                      <a:tailEnd type="none" w="sm" len="sm"/>
+                    </a:lnT>
+                    <a:lnB w="9525" cap="flat" cmpd="sng">
+                      <a:noFill/>
+                      <a:prstDash val="solid"/>
+                      <a:round/>
+                      <a:headEnd type="none" w="sm" len="sm"/>
+                      <a:tailEnd type="none" w="sm" len="sm"/>
+                    </a:lnB>
+                    <a:lnTlToBr w="12700" cmpd="sng">
+                      <a:noFill/>
+                      <a:prstDash val="solid"/>
+                    </a:lnTlToBr>
+                    <a:lnBlToTr w="12700" cmpd="sng">
+                      <a:noFill/>
+                      <a:prstDash val="solid"/>
+                    </a:lnBlToTr>
+                  </a:tcPr>
+                </a:tc>
+                <a:extLst>
+                  <a:ext uri="{0D108BD9-81ED-4DB2-BD59-A6C34878D82A}">
+                    <a16:rowId xmlns:a16="http://schemas.microsoft.com/office/drawing/2014/main" val="685041642"/>
+                  </a:ext>
+                </a:extLst>
+              </a:tr>
+              <a:tr h="180000">
+                <a:tc>
+                  <a:txBody>
+                    <a:bodyPr/>
+                    <a:lstStyle/>
+                    <a:p>
+                      <a:pPr marL="0" marR="0" lvl="0" indent="0" algn="l" defTabSz="914400" rtl="0" eaLnBrk="1" fontAlgn="auto" latinLnBrk="0" hangingPunct="1">
+                        <a:lnSpc>
+                          <a:spcPct val="100000"/>
+                        </a:lnSpc>
+                        <a:spcBef>
+                          <a:spcPts val="0"/>
+                        </a:spcBef>
+                        <a:spcAft>
+                          <a:spcPts val="0"/>
+                        </a:spcAft>
+                        <a:buClr>
+                          <a:srgbClr val="000000"/>
+                        </a:buClr>
+                        <a:buSzTx/>
+                        <a:buFont typeface="Arial"/>
+                        <a:buNone/>
+                        <a:tabLst/>
+                        <a:defRPr/>
+                      </a:pPr>
+                      <a:r>
+                        <a:rPr lang="es-MX" sz="1000" dirty="0">
+                          <a:latin typeface="Proxima Nova" panose="020B0604020202020204" charset="0"/>
+                        </a:rPr>
+                        <a:t>Hay una correlación alta entre X_1 y X_2</a:t>
+                      </a:r>
+                    </a:p>
+                  </a:txBody>
+                  <a:tcPr>
+                    <a:lnL w="9525" cap="flat" cmpd="sng">
+                      <a:noFill/>
+                      <a:prstDash val="solid"/>
+                      <a:round/>
+                      <a:headEnd type="none" w="sm" len="sm"/>
+                      <a:tailEnd type="none" w="sm" len="sm"/>
+                    </a:lnL>
+                    <a:lnR w="9525" cap="flat" cmpd="sng">
+                      <a:noFill/>
+                      <a:prstDash val="solid"/>
+                      <a:round/>
+                      <a:headEnd type="none" w="sm" len="sm"/>
+                      <a:tailEnd type="none" w="sm" len="sm"/>
+                    </a:lnR>
+                    <a:lnT w="9525" cap="flat" cmpd="sng">
+                      <a:noFill/>
+                      <a:prstDash val="solid"/>
+                      <a:round/>
+                      <a:headEnd type="none" w="sm" len="sm"/>
+                      <a:tailEnd type="none" w="sm" len="sm"/>
+                    </a:lnT>
+                    <a:lnB w="9525" cap="flat" cmpd="sng">
+                      <a:noFill/>
+                      <a:prstDash val="solid"/>
+                      <a:round/>
+                      <a:headEnd type="none" w="sm" len="sm"/>
+                      <a:tailEnd type="none" w="sm" len="sm"/>
+                    </a:lnB>
+                    <a:lnTlToBr w="12700" cmpd="sng">
+                      <a:noFill/>
+                      <a:prstDash val="solid"/>
+                    </a:lnTlToBr>
+                    <a:lnBlToTr w="12700" cmpd="sng">
+                      <a:noFill/>
+                      <a:prstDash val="solid"/>
+                    </a:lnBlToTr>
+                  </a:tcPr>
+                </a:tc>
+                <a:tc>
+                  <a:txBody>
+                    <a:bodyPr/>
+                    <a:lstStyle/>
+                    <a:p>
+                      <a:r>
+                        <a:rPr lang="es-MX" sz="1000" dirty="0">
+                          <a:latin typeface="Proxima Nova" panose="020B0604020202020204" charset="0"/>
+                        </a:rPr>
+                        <a:t>Exploración</a:t>
+                      </a:r>
+                      <a:endParaRPr lang="es-AR" sz="1000" dirty="0">
+                        <a:latin typeface="Proxima Nova" panose="020B0604020202020204" charset="0"/>
+                      </a:endParaRPr>
+                    </a:p>
+                  </a:txBody>
+                  <a:tcPr>
+                    <a:lnL w="9525" cap="flat" cmpd="sng">
+                      <a:noFill/>
+                      <a:prstDash val="solid"/>
+                      <a:round/>
+                      <a:headEnd type="none" w="sm" len="sm"/>
+                      <a:tailEnd type="none" w="sm" len="sm"/>
+                    </a:lnL>
+                    <a:lnR w="9525" cap="flat" cmpd="sng">
+                      <a:noFill/>
+                      <a:prstDash val="solid"/>
+                      <a:round/>
+                      <a:headEnd type="none" w="sm" len="sm"/>
+                      <a:tailEnd type="none" w="sm" len="sm"/>
+                    </a:lnR>
+                    <a:lnT w="9525" cap="flat" cmpd="sng">
+                      <a:noFill/>
+                      <a:prstDash val="solid"/>
+                      <a:round/>
+                      <a:headEnd type="none" w="sm" len="sm"/>
+                      <a:tailEnd type="none" w="sm" len="sm"/>
+                    </a:lnT>
+                    <a:lnB w="9525" cap="flat" cmpd="sng">
+                      <a:noFill/>
+                      <a:prstDash val="solid"/>
+                      <a:round/>
+                      <a:headEnd type="none" w="sm" len="sm"/>
+                      <a:tailEnd type="none" w="sm" len="sm"/>
+                    </a:lnB>
+                    <a:lnTlToBr w="12700" cmpd="sng">
+                      <a:noFill/>
+                      <a:prstDash val="solid"/>
+                    </a:lnTlToBr>
+                    <a:lnBlToTr w="12700" cmpd="sng">
+                      <a:noFill/>
+                      <a:prstDash val="solid"/>
+                    </a:lnBlToTr>
+                  </a:tcPr>
+                </a:tc>
+                <a:extLst>
+                  <a:ext uri="{0D108BD9-81ED-4DB2-BD59-A6C34878D82A}">
+                    <a16:rowId xmlns:a16="http://schemas.microsoft.com/office/drawing/2014/main" val="1421039180"/>
+                  </a:ext>
+                </a:extLst>
+              </a:tr>
+              <a:tr h="180000">
+                <a:tc>
+                  <a:txBody>
+                    <a:bodyPr/>
+                    <a:lstStyle/>
+                    <a:p>
+                      <a:pPr marL="0" marR="0" lvl="0" indent="0" algn="l" defTabSz="914400" rtl="0" eaLnBrk="1" fontAlgn="auto" latinLnBrk="0" hangingPunct="1">
+                        <a:lnSpc>
+                          <a:spcPct val="100000"/>
+                        </a:lnSpc>
+                        <a:spcBef>
+                          <a:spcPts val="0"/>
+                        </a:spcBef>
+                        <a:spcAft>
+                          <a:spcPts val="0"/>
+                        </a:spcAft>
+                        <a:buClr>
+                          <a:srgbClr val="000000"/>
+                        </a:buClr>
+                        <a:buSzTx/>
+                        <a:buFont typeface="Arial"/>
+                        <a:buNone/>
+                        <a:tabLst/>
+                        <a:defRPr/>
+                      </a:pPr>
+                      <a:r>
+                        <a:rPr lang="es-MX" sz="1000" dirty="0">
+                          <a:latin typeface="Proxima Nova" panose="020B0604020202020204" charset="0"/>
+                        </a:rPr>
+                        <a:t>Hay un valor de X_3 que es atípicamente alto</a:t>
+                      </a:r>
+                    </a:p>
+                  </a:txBody>
+                  <a:tcPr>
+                    <a:lnL w="9525" cap="flat" cmpd="sng">
+                      <a:noFill/>
+                      <a:prstDash val="solid"/>
+                      <a:round/>
+                      <a:headEnd type="none" w="sm" len="sm"/>
+                      <a:tailEnd type="none" w="sm" len="sm"/>
+                    </a:lnL>
+                    <a:lnR w="9525" cap="flat" cmpd="sng">
+                      <a:noFill/>
+                      <a:prstDash val="solid"/>
+                      <a:round/>
+                      <a:headEnd type="none" w="sm" len="sm"/>
+                      <a:tailEnd type="none" w="sm" len="sm"/>
+                    </a:lnR>
+                    <a:lnT w="9525" cap="flat" cmpd="sng">
+                      <a:noFill/>
+                      <a:prstDash val="solid"/>
+                      <a:round/>
+                      <a:headEnd type="none" w="sm" len="sm"/>
+                      <a:tailEnd type="none" w="sm" len="sm"/>
+                    </a:lnT>
+                    <a:lnB w="9525" cap="flat" cmpd="sng">
+                      <a:noFill/>
+                      <a:prstDash val="solid"/>
+                      <a:round/>
+                      <a:headEnd type="none" w="sm" len="sm"/>
+                      <a:tailEnd type="none" w="sm" len="sm"/>
+                    </a:lnB>
+                    <a:lnTlToBr w="12700" cmpd="sng">
+                      <a:noFill/>
+                      <a:prstDash val="solid"/>
+                    </a:lnTlToBr>
+                    <a:lnBlToTr w="12700" cmpd="sng">
+                      <a:noFill/>
+                      <a:prstDash val="solid"/>
+                    </a:lnBlToTr>
+                  </a:tcPr>
+                </a:tc>
+                <a:tc>
+                  <a:txBody>
+                    <a:bodyPr/>
+                    <a:lstStyle/>
+                    <a:p>
+                      <a:r>
+                        <a:rPr lang="es-MX" sz="1000" dirty="0">
+                          <a:latin typeface="Proxima Nova" panose="020B0604020202020204" charset="0"/>
+                        </a:rPr>
+                        <a:t>Exploración</a:t>
+                      </a:r>
+                      <a:endParaRPr lang="es-AR" sz="1000" dirty="0">
+                        <a:latin typeface="Proxima Nova" panose="020B0604020202020204" charset="0"/>
+                      </a:endParaRPr>
+                    </a:p>
+                  </a:txBody>
+                  <a:tcPr>
+                    <a:lnL w="9525" cap="flat" cmpd="sng">
+                      <a:noFill/>
+                      <a:prstDash val="solid"/>
+                      <a:round/>
+                      <a:headEnd type="none" w="sm" len="sm"/>
+                      <a:tailEnd type="none" w="sm" len="sm"/>
+                    </a:lnL>
+                    <a:lnR w="9525" cap="flat" cmpd="sng">
+                      <a:noFill/>
+                      <a:prstDash val="solid"/>
+                      <a:round/>
+                      <a:headEnd type="none" w="sm" len="sm"/>
+                      <a:tailEnd type="none" w="sm" len="sm"/>
+                    </a:lnR>
+                    <a:lnT w="9525" cap="flat" cmpd="sng">
+                      <a:noFill/>
+                      <a:prstDash val="solid"/>
+                      <a:round/>
+                      <a:headEnd type="none" w="sm" len="sm"/>
+                      <a:tailEnd type="none" w="sm" len="sm"/>
+                    </a:lnT>
+                    <a:lnB w="9525" cap="flat" cmpd="sng">
+                      <a:noFill/>
+                      <a:prstDash val="solid"/>
+                      <a:round/>
+                      <a:headEnd type="none" w="sm" len="sm"/>
+                      <a:tailEnd type="none" w="sm" len="sm"/>
+                    </a:lnB>
+                    <a:lnTlToBr w="12700" cmpd="sng">
+                      <a:noFill/>
+                      <a:prstDash val="solid"/>
+                    </a:lnTlToBr>
+                    <a:lnBlToTr w="12700" cmpd="sng">
+                      <a:noFill/>
+                      <a:prstDash val="solid"/>
+                    </a:lnBlToTr>
+                  </a:tcPr>
+                </a:tc>
+                <a:extLst>
+                  <a:ext uri="{0D108BD9-81ED-4DB2-BD59-A6C34878D82A}">
+                    <a16:rowId xmlns:a16="http://schemas.microsoft.com/office/drawing/2014/main" val="818724521"/>
+                  </a:ext>
+                </a:extLst>
+              </a:tr>
+              <a:tr h="180000">
+                <a:tc>
+                  <a:txBody>
+                    <a:bodyPr/>
+                    <a:lstStyle/>
+                    <a:p>
+                      <a:pPr marL="0" marR="0" lvl="0" indent="0" algn="l" defTabSz="914400" rtl="0" eaLnBrk="1" fontAlgn="auto" latinLnBrk="0" hangingPunct="1">
+                        <a:lnSpc>
+                          <a:spcPct val="100000"/>
+                        </a:lnSpc>
+                        <a:spcBef>
+                          <a:spcPts val="0"/>
+                        </a:spcBef>
+                        <a:spcAft>
+                          <a:spcPts val="0"/>
+                        </a:spcAft>
+                        <a:buClr>
+                          <a:srgbClr val="000000"/>
+                        </a:buClr>
+                        <a:buSzTx/>
+                        <a:buFont typeface="Arial"/>
+                        <a:buNone/>
+                        <a:tabLst/>
+                        <a:defRPr/>
+                      </a:pPr>
+                      <a:r>
+                        <a:rPr lang="es-MX" sz="1000" dirty="0">
+                          <a:latin typeface="Proxima Nova" panose="020B0604020202020204" charset="0"/>
+                        </a:rPr>
+                        <a:t>¿Cómo se correlaciona Y con las X?</a:t>
+                      </a:r>
+                    </a:p>
+                  </a:txBody>
+                  <a:tcPr>
+                    <a:lnL w="9525" cap="flat" cmpd="sng">
+                      <a:noFill/>
+                      <a:prstDash val="solid"/>
+                      <a:round/>
+                      <a:headEnd type="none" w="sm" len="sm"/>
+                      <a:tailEnd type="none" w="sm" len="sm"/>
+                    </a:lnL>
+                    <a:lnR w="9525" cap="flat" cmpd="sng">
+                      <a:noFill/>
+                      <a:prstDash val="solid"/>
+                      <a:round/>
+                      <a:headEnd type="none" w="sm" len="sm"/>
+                      <a:tailEnd type="none" w="sm" len="sm"/>
+                    </a:lnR>
+                    <a:lnT w="9525" cap="flat" cmpd="sng">
+                      <a:noFill/>
+                      <a:prstDash val="solid"/>
+                      <a:round/>
+                      <a:headEnd type="none" w="sm" len="sm"/>
+                      <a:tailEnd type="none" w="sm" len="sm"/>
+                    </a:lnT>
+                    <a:lnB w="9525" cap="flat" cmpd="sng">
+                      <a:noFill/>
+                      <a:prstDash val="solid"/>
+                      <a:round/>
+                      <a:headEnd type="none" w="sm" len="sm"/>
+                      <a:tailEnd type="none" w="sm" len="sm"/>
+                    </a:lnB>
+                    <a:lnTlToBr w="12700" cmpd="sng">
+                      <a:noFill/>
+                      <a:prstDash val="solid"/>
+                    </a:lnTlToBr>
+                    <a:lnBlToTr w="12700" cmpd="sng">
+                      <a:noFill/>
+                      <a:prstDash val="solid"/>
+                    </a:lnBlToTr>
+                  </a:tcPr>
+                </a:tc>
+                <a:tc>
+                  <a:txBody>
+                    <a:bodyPr/>
+                    <a:lstStyle/>
+                    <a:p>
+                      <a:r>
+                        <a:rPr lang="es-MX" sz="1000" dirty="0">
+                          <a:latin typeface="Proxima Nova" panose="020B0604020202020204" charset="0"/>
+                        </a:rPr>
+                        <a:t>Exploración</a:t>
+                      </a:r>
+                      <a:endParaRPr lang="es-AR" sz="1000" dirty="0">
+                        <a:latin typeface="Proxima Nova" panose="020B0604020202020204" charset="0"/>
+                      </a:endParaRPr>
+                    </a:p>
+                  </a:txBody>
+                  <a:tcPr>
+                    <a:lnL w="9525" cap="flat" cmpd="sng">
+                      <a:noFill/>
+                      <a:prstDash val="solid"/>
+                      <a:round/>
+                      <a:headEnd type="none" w="sm" len="sm"/>
+                      <a:tailEnd type="none" w="sm" len="sm"/>
+                    </a:lnL>
+                    <a:lnR w="9525" cap="flat" cmpd="sng">
+                      <a:noFill/>
+                      <a:prstDash val="solid"/>
+                      <a:round/>
+                      <a:headEnd type="none" w="sm" len="sm"/>
+                      <a:tailEnd type="none" w="sm" len="sm"/>
+                    </a:lnR>
+                    <a:lnT w="9525" cap="flat" cmpd="sng">
+                      <a:noFill/>
+                      <a:prstDash val="solid"/>
+                      <a:round/>
+                      <a:headEnd type="none" w="sm" len="sm"/>
+                      <a:tailEnd type="none" w="sm" len="sm"/>
+                    </a:lnT>
+                    <a:lnB w="9525" cap="flat" cmpd="sng">
+                      <a:noFill/>
+                      <a:prstDash val="solid"/>
+                      <a:round/>
+                      <a:headEnd type="none" w="sm" len="sm"/>
+                      <a:tailEnd type="none" w="sm" len="sm"/>
+                    </a:lnB>
+                    <a:lnTlToBr w="12700" cmpd="sng">
+                      <a:noFill/>
+                      <a:prstDash val="solid"/>
+                    </a:lnTlToBr>
+                    <a:lnBlToTr w="12700" cmpd="sng">
+                      <a:noFill/>
+                      <a:prstDash val="solid"/>
+                    </a:lnBlToTr>
+                  </a:tcPr>
+                </a:tc>
+                <a:extLst>
+                  <a:ext uri="{0D108BD9-81ED-4DB2-BD59-A6C34878D82A}">
+                    <a16:rowId xmlns:a16="http://schemas.microsoft.com/office/drawing/2014/main" val="2167906445"/>
+                  </a:ext>
+                </a:extLst>
+              </a:tr>
+              <a:tr h="180000">
+                <a:tc>
+                  <a:txBody>
+                    <a:bodyPr/>
+                    <a:lstStyle/>
+                    <a:p>
+                      <a:pPr marL="0" marR="0" lvl="0" indent="0" algn="l" defTabSz="914400" rtl="0" eaLnBrk="1" fontAlgn="auto" latinLnBrk="0" hangingPunct="1">
+                        <a:lnSpc>
+                          <a:spcPct val="100000"/>
+                        </a:lnSpc>
+                        <a:spcBef>
+                          <a:spcPts val="0"/>
+                        </a:spcBef>
+                        <a:spcAft>
+                          <a:spcPts val="0"/>
+                        </a:spcAft>
+                        <a:buClr>
+                          <a:srgbClr val="000000"/>
+                        </a:buClr>
+                        <a:buSzTx/>
+                        <a:buFont typeface="Arial"/>
+                        <a:buNone/>
+                        <a:tabLst/>
+                        <a:defRPr/>
+                      </a:pPr>
+                      <a:r>
+                        <a:rPr lang="es-MX" sz="1000" dirty="0">
+                          <a:latin typeface="Proxima Nova" panose="020B0604020202020204" charset="0"/>
+                        </a:rPr>
+                        <a:t>Habría que estandarizar las X</a:t>
+                      </a:r>
+                    </a:p>
+                  </a:txBody>
+                  <a:tcPr>
+                    <a:lnL w="9525" cap="flat" cmpd="sng">
+                      <a:noFill/>
+                      <a:prstDash val="solid"/>
+                      <a:round/>
+                      <a:headEnd type="none" w="sm" len="sm"/>
+                      <a:tailEnd type="none" w="sm" len="sm"/>
+                    </a:lnL>
+                    <a:lnR w="9525" cap="flat" cmpd="sng">
+                      <a:noFill/>
+                      <a:prstDash val="solid"/>
+                      <a:round/>
+                      <a:headEnd type="none" w="sm" len="sm"/>
+                      <a:tailEnd type="none" w="sm" len="sm"/>
+                    </a:lnR>
+                    <a:lnT w="9525" cap="flat" cmpd="sng">
+                      <a:noFill/>
+                      <a:prstDash val="solid"/>
+                      <a:round/>
+                      <a:headEnd type="none" w="sm" len="sm"/>
+                      <a:tailEnd type="none" w="sm" len="sm"/>
+                    </a:lnT>
+                    <a:lnB w="9525" cap="flat" cmpd="sng">
+                      <a:noFill/>
+                      <a:prstDash val="solid"/>
+                      <a:round/>
+                      <a:headEnd type="none" w="sm" len="sm"/>
+                      <a:tailEnd type="none" w="sm" len="sm"/>
+                    </a:lnB>
+                    <a:lnTlToBr w="12700" cmpd="sng">
+                      <a:noFill/>
+                      <a:prstDash val="solid"/>
+                    </a:lnTlToBr>
+                    <a:lnBlToTr w="12700" cmpd="sng">
+                      <a:noFill/>
+                      <a:prstDash val="solid"/>
+                    </a:lnBlToTr>
+                  </a:tcPr>
+                </a:tc>
+                <a:tc>
+                  <a:txBody>
+                    <a:bodyPr/>
+                    <a:lstStyle/>
+                    <a:p>
+                      <a:r>
+                        <a:rPr lang="es-MX" sz="1000" dirty="0">
+                          <a:latin typeface="Proxima Nova" panose="020B0604020202020204" charset="0"/>
+                        </a:rPr>
+                        <a:t>Transformación</a:t>
+                      </a:r>
+                      <a:endParaRPr lang="es-AR" sz="1000" dirty="0">
+                        <a:latin typeface="Proxima Nova" panose="020B0604020202020204" charset="0"/>
+                      </a:endParaRPr>
+                    </a:p>
+                  </a:txBody>
+                  <a:tcPr>
+                    <a:lnL w="9525" cap="flat" cmpd="sng">
+                      <a:noFill/>
+                      <a:prstDash val="solid"/>
+                      <a:round/>
+                      <a:headEnd type="none" w="sm" len="sm"/>
+                      <a:tailEnd type="none" w="sm" len="sm"/>
+                    </a:lnL>
+                    <a:lnR w="9525" cap="flat" cmpd="sng">
+                      <a:noFill/>
+                      <a:prstDash val="solid"/>
+                      <a:round/>
+                      <a:headEnd type="none" w="sm" len="sm"/>
+                      <a:tailEnd type="none" w="sm" len="sm"/>
+                    </a:lnR>
+                    <a:lnT w="9525" cap="flat" cmpd="sng">
+                      <a:noFill/>
+                      <a:prstDash val="solid"/>
+                      <a:round/>
+                      <a:headEnd type="none" w="sm" len="sm"/>
+                      <a:tailEnd type="none" w="sm" len="sm"/>
+                    </a:lnT>
+                    <a:lnB w="9525" cap="flat" cmpd="sng">
+                      <a:noFill/>
+                      <a:prstDash val="solid"/>
+                      <a:round/>
+                      <a:headEnd type="none" w="sm" len="sm"/>
+                      <a:tailEnd type="none" w="sm" len="sm"/>
+                    </a:lnB>
+                    <a:lnTlToBr w="12700" cmpd="sng">
+                      <a:noFill/>
+                      <a:prstDash val="solid"/>
+                    </a:lnTlToBr>
+                    <a:lnBlToTr w="12700" cmpd="sng">
+                      <a:noFill/>
+                      <a:prstDash val="solid"/>
+                    </a:lnBlToTr>
+                  </a:tcPr>
+                </a:tc>
+                <a:extLst>
+                  <a:ext uri="{0D108BD9-81ED-4DB2-BD59-A6C34878D82A}">
+                    <a16:rowId xmlns:a16="http://schemas.microsoft.com/office/drawing/2014/main" val="654386885"/>
+                  </a:ext>
+                </a:extLst>
+              </a:tr>
+              <a:tr h="180000">
+                <a:tc>
+                  <a:txBody>
+                    <a:bodyPr/>
+                    <a:lstStyle/>
+                    <a:p>
+                      <a:pPr marL="0" marR="0" lvl="0" indent="0" algn="l" defTabSz="914400" rtl="0" eaLnBrk="1" fontAlgn="auto" latinLnBrk="0" hangingPunct="1">
+                        <a:lnSpc>
+                          <a:spcPct val="100000"/>
+                        </a:lnSpc>
+                        <a:spcBef>
+                          <a:spcPts val="0"/>
+                        </a:spcBef>
+                        <a:spcAft>
+                          <a:spcPts val="0"/>
+                        </a:spcAft>
+                        <a:buClr>
+                          <a:srgbClr val="000000"/>
+                        </a:buClr>
+                        <a:buSzTx/>
+                        <a:buFont typeface="Arial"/>
+                        <a:buNone/>
+                        <a:tabLst/>
+                        <a:defRPr/>
+                      </a:pPr>
+                      <a:r>
+                        <a:rPr lang="es-MX" sz="1000" dirty="0">
+                          <a:latin typeface="Proxima Nova" panose="020B0604020202020204" charset="0"/>
+                        </a:rPr>
+                        <a:t>Agreguemos los datos diarios en mensuales</a:t>
+                      </a:r>
+                    </a:p>
+                  </a:txBody>
+                  <a:tcPr>
+                    <a:lnL w="9525" cap="flat" cmpd="sng">
+                      <a:noFill/>
+                      <a:prstDash val="solid"/>
+                      <a:round/>
+                      <a:headEnd type="none" w="sm" len="sm"/>
+                      <a:tailEnd type="none" w="sm" len="sm"/>
+                    </a:lnL>
+                    <a:lnR w="9525" cap="flat" cmpd="sng">
+                      <a:noFill/>
+                      <a:prstDash val="solid"/>
+                      <a:round/>
+                      <a:headEnd type="none" w="sm" len="sm"/>
+                      <a:tailEnd type="none" w="sm" len="sm"/>
+                    </a:lnR>
+                    <a:lnT w="9525" cap="flat" cmpd="sng">
+                      <a:noFill/>
+                      <a:prstDash val="solid"/>
+                      <a:round/>
+                      <a:headEnd type="none" w="sm" len="sm"/>
+                      <a:tailEnd type="none" w="sm" len="sm"/>
+                    </a:lnT>
+                    <a:lnB w="9525" cap="flat" cmpd="sng">
+                      <a:noFill/>
+                      <a:prstDash val="solid"/>
+                      <a:round/>
+                      <a:headEnd type="none" w="sm" len="sm"/>
+                      <a:tailEnd type="none" w="sm" len="sm"/>
+                    </a:lnB>
+                    <a:lnTlToBr w="12700" cmpd="sng">
+                      <a:noFill/>
+                      <a:prstDash val="solid"/>
+                    </a:lnTlToBr>
+                    <a:lnBlToTr w="12700" cmpd="sng">
+                      <a:noFill/>
+                      <a:prstDash val="solid"/>
+                    </a:lnBlToTr>
+                  </a:tcPr>
+                </a:tc>
+                <a:tc>
+                  <a:txBody>
+                    <a:bodyPr/>
+                    <a:lstStyle/>
+                    <a:p>
+                      <a:r>
+                        <a:rPr lang="es-MX" sz="1000" dirty="0">
+                          <a:latin typeface="Proxima Nova" panose="020B0604020202020204" charset="0"/>
+                        </a:rPr>
+                        <a:t>Transformación</a:t>
+                      </a:r>
+                      <a:endParaRPr lang="es-AR" sz="1000" dirty="0">
+                        <a:latin typeface="Proxima Nova" panose="020B0604020202020204" charset="0"/>
+                      </a:endParaRPr>
+                    </a:p>
+                  </a:txBody>
+                  <a:tcPr>
+                    <a:lnL w="9525" cap="flat" cmpd="sng">
+                      <a:noFill/>
+                      <a:prstDash val="solid"/>
+                      <a:round/>
+                      <a:headEnd type="none" w="sm" len="sm"/>
+                      <a:tailEnd type="none" w="sm" len="sm"/>
+                    </a:lnL>
+                    <a:lnR w="9525" cap="flat" cmpd="sng">
+                      <a:noFill/>
+                      <a:prstDash val="solid"/>
+                      <a:round/>
+                      <a:headEnd type="none" w="sm" len="sm"/>
+                      <a:tailEnd type="none" w="sm" len="sm"/>
+                    </a:lnR>
+                    <a:lnT w="9525" cap="flat" cmpd="sng">
+                      <a:noFill/>
+                      <a:prstDash val="solid"/>
+                      <a:round/>
+                      <a:headEnd type="none" w="sm" len="sm"/>
+                      <a:tailEnd type="none" w="sm" len="sm"/>
+                    </a:lnT>
+                    <a:lnB w="9525" cap="flat" cmpd="sng">
+                      <a:noFill/>
+                      <a:prstDash val="solid"/>
+                      <a:round/>
+                      <a:headEnd type="none" w="sm" len="sm"/>
+                      <a:tailEnd type="none" w="sm" len="sm"/>
+                    </a:lnB>
+                    <a:lnTlToBr w="12700" cmpd="sng">
+                      <a:noFill/>
+                      <a:prstDash val="solid"/>
+                    </a:lnTlToBr>
+                    <a:lnBlToTr w="12700" cmpd="sng">
+                      <a:noFill/>
+                      <a:prstDash val="solid"/>
+                    </a:lnBlToTr>
+                  </a:tcPr>
+                </a:tc>
+                <a:extLst>
+                  <a:ext uri="{0D108BD9-81ED-4DB2-BD59-A6C34878D82A}">
+                    <a16:rowId xmlns:a16="http://schemas.microsoft.com/office/drawing/2014/main" val="2654652212"/>
+                  </a:ext>
+                </a:extLst>
+              </a:tr>
+              <a:tr h="180000">
+                <a:tc>
+                  <a:txBody>
+                    <a:bodyPr/>
+                    <a:lstStyle/>
+                    <a:p>
+                      <a:pPr marL="0" marR="0" lvl="0" indent="0" algn="l" defTabSz="914400" rtl="0" eaLnBrk="1" fontAlgn="auto" latinLnBrk="0" hangingPunct="1">
+                        <a:lnSpc>
+                          <a:spcPct val="100000"/>
+                        </a:lnSpc>
+                        <a:spcBef>
+                          <a:spcPts val="0"/>
+                        </a:spcBef>
+                        <a:spcAft>
+                          <a:spcPts val="0"/>
+                        </a:spcAft>
+                        <a:buClr>
+                          <a:srgbClr val="000000"/>
+                        </a:buClr>
+                        <a:buSzTx/>
+                        <a:buFont typeface="Arial"/>
+                        <a:buNone/>
+                        <a:tabLst/>
+                        <a:defRPr/>
+                      </a:pPr>
+                      <a:r>
+                        <a:rPr lang="es-MX" sz="1000" dirty="0">
+                          <a:latin typeface="Proxima Nova" panose="020B0604020202020204" charset="0"/>
+                        </a:rPr>
+                        <a:t>Apliquemos log a Y </a:t>
+                      </a:r>
+                      <a:r>
+                        <a:rPr lang="es-MX" sz="1000" dirty="0" err="1">
+                          <a:latin typeface="Proxima Nova" panose="020B0604020202020204" charset="0"/>
+                        </a:rPr>
+                        <a:t>y</a:t>
+                      </a:r>
+                      <a:r>
+                        <a:rPr lang="es-MX" sz="1000" dirty="0">
+                          <a:latin typeface="Proxima Nova" panose="020B0604020202020204" charset="0"/>
+                        </a:rPr>
+                        <a:t> X</a:t>
+                      </a:r>
+                    </a:p>
+                  </a:txBody>
+                  <a:tcPr>
+                    <a:lnL w="9525" cap="flat" cmpd="sng">
+                      <a:noFill/>
+                      <a:prstDash val="solid"/>
+                      <a:round/>
+                      <a:headEnd type="none" w="sm" len="sm"/>
+                      <a:tailEnd type="none" w="sm" len="sm"/>
+                    </a:lnL>
+                    <a:lnR w="9525" cap="flat" cmpd="sng">
+                      <a:noFill/>
+                      <a:prstDash val="solid"/>
+                      <a:round/>
+                      <a:headEnd type="none" w="sm" len="sm"/>
+                      <a:tailEnd type="none" w="sm" len="sm"/>
+                    </a:lnR>
+                    <a:lnT w="9525" cap="flat" cmpd="sng">
+                      <a:noFill/>
+                      <a:prstDash val="solid"/>
+                      <a:round/>
+                      <a:headEnd type="none" w="sm" len="sm"/>
+                      <a:tailEnd type="none" w="sm" len="sm"/>
+                    </a:lnT>
+                    <a:lnB w="9525" cap="flat" cmpd="sng">
+                      <a:noFill/>
+                      <a:prstDash val="solid"/>
+                      <a:round/>
+                      <a:headEnd type="none" w="sm" len="sm"/>
+                      <a:tailEnd type="none" w="sm" len="sm"/>
+                    </a:lnB>
+                    <a:lnTlToBr w="12700" cmpd="sng">
+                      <a:noFill/>
+                      <a:prstDash val="solid"/>
+                    </a:lnTlToBr>
+                    <a:lnBlToTr w="12700" cmpd="sng">
+                      <a:noFill/>
+                      <a:prstDash val="solid"/>
+                    </a:lnBlToTr>
+                  </a:tcPr>
+                </a:tc>
+                <a:tc>
+                  <a:txBody>
+                    <a:bodyPr/>
+                    <a:lstStyle/>
+                    <a:p>
+                      <a:r>
+                        <a:rPr lang="es-MX" sz="1000" dirty="0">
+                          <a:latin typeface="Proxima Nova" panose="020B0604020202020204" charset="0"/>
+                        </a:rPr>
+                        <a:t>Transformación</a:t>
+                      </a:r>
+                      <a:endParaRPr lang="es-AR" sz="1000" dirty="0">
+                        <a:latin typeface="Proxima Nova" panose="020B0604020202020204" charset="0"/>
+                      </a:endParaRPr>
+                    </a:p>
+                  </a:txBody>
+                  <a:tcPr>
+                    <a:lnL w="9525" cap="flat" cmpd="sng">
+                      <a:noFill/>
+                      <a:prstDash val="solid"/>
+                      <a:round/>
+                      <a:headEnd type="none" w="sm" len="sm"/>
+                      <a:tailEnd type="none" w="sm" len="sm"/>
+                    </a:lnL>
+                    <a:lnR w="9525" cap="flat" cmpd="sng">
+                      <a:noFill/>
+                      <a:prstDash val="solid"/>
+                      <a:round/>
+                      <a:headEnd type="none" w="sm" len="sm"/>
+                      <a:tailEnd type="none" w="sm" len="sm"/>
+                    </a:lnR>
+                    <a:lnT w="9525" cap="flat" cmpd="sng">
+                      <a:noFill/>
+                      <a:prstDash val="solid"/>
+                      <a:round/>
+                      <a:headEnd type="none" w="sm" len="sm"/>
+                      <a:tailEnd type="none" w="sm" len="sm"/>
+                    </a:lnT>
+                    <a:lnB w="9525" cap="flat" cmpd="sng">
+                      <a:noFill/>
+                      <a:prstDash val="solid"/>
+                      <a:round/>
+                      <a:headEnd type="none" w="sm" len="sm"/>
+                      <a:tailEnd type="none" w="sm" len="sm"/>
+                    </a:lnB>
+                    <a:lnTlToBr w="12700" cmpd="sng">
+                      <a:noFill/>
+                      <a:prstDash val="solid"/>
+                    </a:lnTlToBr>
+                    <a:lnBlToTr w="12700" cmpd="sng">
+                      <a:noFill/>
+                      <a:prstDash val="solid"/>
+                    </a:lnBlToTr>
+                  </a:tcPr>
+                </a:tc>
+                <a:extLst>
+                  <a:ext uri="{0D108BD9-81ED-4DB2-BD59-A6C34878D82A}">
+                    <a16:rowId xmlns:a16="http://schemas.microsoft.com/office/drawing/2014/main" val="1932776179"/>
+                  </a:ext>
+                </a:extLst>
+              </a:tr>
+              <a:tr h="180000">
+                <a:tc>
+                  <a:txBody>
+                    <a:bodyPr/>
+                    <a:lstStyle/>
+                    <a:p>
+                      <a:pPr marL="0" marR="0" lvl="0" indent="0" algn="l" defTabSz="914400" rtl="0" eaLnBrk="1" fontAlgn="auto" latinLnBrk="0" hangingPunct="1">
+                        <a:lnSpc>
+                          <a:spcPct val="100000"/>
+                        </a:lnSpc>
+                        <a:spcBef>
+                          <a:spcPts val="0"/>
+                        </a:spcBef>
+                        <a:spcAft>
+                          <a:spcPts val="0"/>
+                        </a:spcAft>
+                        <a:buClr>
+                          <a:srgbClr val="000000"/>
+                        </a:buClr>
+                        <a:buSzTx/>
+                        <a:buFont typeface="Arial"/>
+                        <a:buNone/>
+                        <a:tabLst/>
+                        <a:defRPr/>
+                      </a:pPr>
+                      <a:r>
+                        <a:rPr lang="es-MX" sz="1000" dirty="0">
+                          <a:latin typeface="Proxima Nova" panose="020B0604020202020204" charset="0"/>
+                        </a:rPr>
+                        <a:t>Tal vez apliquemos PCA a las X</a:t>
+                      </a:r>
+                    </a:p>
+                  </a:txBody>
+                  <a:tcPr>
+                    <a:lnL w="9525" cap="flat" cmpd="sng">
+                      <a:noFill/>
+                      <a:prstDash val="solid"/>
+                      <a:round/>
+                      <a:headEnd type="none" w="sm" len="sm"/>
+                      <a:tailEnd type="none" w="sm" len="sm"/>
+                    </a:lnL>
+                    <a:lnR w="9525" cap="flat" cmpd="sng">
+                      <a:noFill/>
+                      <a:prstDash val="solid"/>
+                      <a:round/>
+                      <a:headEnd type="none" w="sm" len="sm"/>
+                      <a:tailEnd type="none" w="sm" len="sm"/>
+                    </a:lnR>
+                    <a:lnT w="9525" cap="flat" cmpd="sng">
+                      <a:noFill/>
+                      <a:prstDash val="solid"/>
+                      <a:round/>
+                      <a:headEnd type="none" w="sm" len="sm"/>
+                      <a:tailEnd type="none" w="sm" len="sm"/>
+                    </a:lnT>
+                    <a:lnB w="9525" cap="flat" cmpd="sng">
+                      <a:noFill/>
+                      <a:prstDash val="solid"/>
+                      <a:round/>
+                      <a:headEnd type="none" w="sm" len="sm"/>
+                      <a:tailEnd type="none" w="sm" len="sm"/>
+                    </a:lnB>
+                    <a:lnTlToBr w="12700" cmpd="sng">
+                      <a:noFill/>
+                      <a:prstDash val="solid"/>
+                    </a:lnTlToBr>
+                    <a:lnBlToTr w="12700" cmpd="sng">
+                      <a:noFill/>
+                      <a:prstDash val="solid"/>
+                    </a:lnBlToTr>
+                  </a:tcPr>
+                </a:tc>
+                <a:tc>
+                  <a:txBody>
+                    <a:bodyPr/>
+                    <a:lstStyle/>
+                    <a:p>
+                      <a:r>
+                        <a:rPr lang="es-MX" sz="1000" dirty="0">
+                          <a:latin typeface="Proxima Nova" panose="020B0604020202020204" charset="0"/>
+                        </a:rPr>
+                        <a:t>Transformación</a:t>
+                      </a:r>
+                      <a:endParaRPr lang="es-AR" sz="1000" dirty="0">
+                        <a:latin typeface="Proxima Nova" panose="020B0604020202020204" charset="0"/>
+                      </a:endParaRPr>
+                    </a:p>
+                  </a:txBody>
+                  <a:tcPr>
+                    <a:lnL w="9525" cap="flat" cmpd="sng">
+                      <a:noFill/>
+                      <a:prstDash val="solid"/>
+                      <a:round/>
+                      <a:headEnd type="none" w="sm" len="sm"/>
+                      <a:tailEnd type="none" w="sm" len="sm"/>
+                    </a:lnL>
+                    <a:lnR w="9525" cap="flat" cmpd="sng">
+                      <a:noFill/>
+                      <a:prstDash val="solid"/>
+                      <a:round/>
+                      <a:headEnd type="none" w="sm" len="sm"/>
+                      <a:tailEnd type="none" w="sm" len="sm"/>
+                    </a:lnR>
+                    <a:lnT w="9525" cap="flat" cmpd="sng">
+                      <a:noFill/>
+                      <a:prstDash val="solid"/>
+                      <a:round/>
+                      <a:headEnd type="none" w="sm" len="sm"/>
+                      <a:tailEnd type="none" w="sm" len="sm"/>
+                    </a:lnT>
+                    <a:lnB w="9525" cap="flat" cmpd="sng">
+                      <a:noFill/>
+                      <a:prstDash val="solid"/>
+                      <a:round/>
+                      <a:headEnd type="none" w="sm" len="sm"/>
+                      <a:tailEnd type="none" w="sm" len="sm"/>
+                    </a:lnB>
+                    <a:lnTlToBr w="12700" cmpd="sng">
+                      <a:noFill/>
+                      <a:prstDash val="solid"/>
+                    </a:lnTlToBr>
+                    <a:lnBlToTr w="12700" cmpd="sng">
+                      <a:noFill/>
+                      <a:prstDash val="solid"/>
+                    </a:lnBlToTr>
+                  </a:tcPr>
+                </a:tc>
+                <a:extLst>
+                  <a:ext uri="{0D108BD9-81ED-4DB2-BD59-A6C34878D82A}">
+                    <a16:rowId xmlns:a16="http://schemas.microsoft.com/office/drawing/2014/main" val="636360965"/>
+                  </a:ext>
+                </a:extLst>
+              </a:tr>
+              <a:tr h="180000">
+                <a:tc>
+                  <a:txBody>
+                    <a:bodyPr/>
+                    <a:lstStyle/>
+                    <a:p>
+                      <a:pPr marL="0" marR="0" lvl="0" indent="0" algn="l" defTabSz="914400" rtl="0" eaLnBrk="1" fontAlgn="auto" latinLnBrk="0" hangingPunct="1">
+                        <a:lnSpc>
+                          <a:spcPct val="100000"/>
+                        </a:lnSpc>
+                        <a:spcBef>
+                          <a:spcPts val="0"/>
+                        </a:spcBef>
+                        <a:spcAft>
+                          <a:spcPts val="0"/>
+                        </a:spcAft>
+                        <a:buClr>
+                          <a:srgbClr val="000000"/>
+                        </a:buClr>
+                        <a:buSzTx/>
+                        <a:buFont typeface="Arial"/>
+                        <a:buNone/>
+                        <a:tabLst/>
+                        <a:defRPr/>
+                      </a:pPr>
+                      <a:r>
+                        <a:rPr lang="es-MX" sz="1000" dirty="0">
+                          <a:latin typeface="Proxima Nova" panose="020B0604020202020204" charset="0"/>
+                        </a:rPr>
+                        <a:t>Probemos una regresión lineal, KNN y un LDA</a:t>
+                      </a:r>
+                    </a:p>
+                  </a:txBody>
+                  <a:tcPr>
+                    <a:lnL w="9525" cap="flat" cmpd="sng">
+                      <a:noFill/>
+                      <a:prstDash val="solid"/>
+                      <a:round/>
+                      <a:headEnd type="none" w="sm" len="sm"/>
+                      <a:tailEnd type="none" w="sm" len="sm"/>
+                    </a:lnL>
+                    <a:lnR w="9525" cap="flat" cmpd="sng">
+                      <a:noFill/>
+                      <a:prstDash val="solid"/>
+                      <a:round/>
+                      <a:headEnd type="none" w="sm" len="sm"/>
+                      <a:tailEnd type="none" w="sm" len="sm"/>
+                    </a:lnR>
+                    <a:lnT w="9525" cap="flat" cmpd="sng">
+                      <a:noFill/>
+                      <a:prstDash val="solid"/>
+                      <a:round/>
+                      <a:headEnd type="none" w="sm" len="sm"/>
+                      <a:tailEnd type="none" w="sm" len="sm"/>
+                    </a:lnT>
+                    <a:lnB w="9525" cap="flat" cmpd="sng">
+                      <a:noFill/>
+                      <a:prstDash val="solid"/>
+                      <a:round/>
+                      <a:headEnd type="none" w="sm" len="sm"/>
+                      <a:tailEnd type="none" w="sm" len="sm"/>
+                    </a:lnB>
+                    <a:lnTlToBr w="12700" cmpd="sng">
+                      <a:noFill/>
+                      <a:prstDash val="solid"/>
+                    </a:lnTlToBr>
+                    <a:lnBlToTr w="12700" cmpd="sng">
+                      <a:noFill/>
+                      <a:prstDash val="solid"/>
+                    </a:lnBlToTr>
+                  </a:tcPr>
+                </a:tc>
+                <a:tc>
+                  <a:txBody>
+                    <a:bodyPr/>
+                    <a:lstStyle/>
+                    <a:p>
+                      <a:r>
+                        <a:rPr lang="es-MX" sz="1000" dirty="0">
+                          <a:latin typeface="Proxima Nova" panose="020B0604020202020204" charset="0"/>
+                        </a:rPr>
+                        <a:t>Estimación de modelos</a:t>
+                      </a:r>
+                      <a:endParaRPr lang="es-AR" sz="1000" dirty="0">
+                        <a:latin typeface="Proxima Nova" panose="020B0604020202020204" charset="0"/>
+                      </a:endParaRPr>
+                    </a:p>
+                  </a:txBody>
+                  <a:tcPr>
+                    <a:lnL w="9525" cap="flat" cmpd="sng">
+                      <a:noFill/>
+                      <a:prstDash val="solid"/>
+                      <a:round/>
+                      <a:headEnd type="none" w="sm" len="sm"/>
+                      <a:tailEnd type="none" w="sm" len="sm"/>
+                    </a:lnL>
+                    <a:lnR w="9525" cap="flat" cmpd="sng">
+                      <a:noFill/>
+                      <a:prstDash val="solid"/>
+                      <a:round/>
+                      <a:headEnd type="none" w="sm" len="sm"/>
+                      <a:tailEnd type="none" w="sm" len="sm"/>
+                    </a:lnR>
+                    <a:lnT w="9525" cap="flat" cmpd="sng">
+                      <a:noFill/>
+                      <a:prstDash val="solid"/>
+                      <a:round/>
+                      <a:headEnd type="none" w="sm" len="sm"/>
+                      <a:tailEnd type="none" w="sm" len="sm"/>
+                    </a:lnT>
+                    <a:lnB w="9525" cap="flat" cmpd="sng">
+                      <a:noFill/>
+                      <a:prstDash val="solid"/>
+                      <a:round/>
+                      <a:headEnd type="none" w="sm" len="sm"/>
+                      <a:tailEnd type="none" w="sm" len="sm"/>
+                    </a:lnB>
+                    <a:lnTlToBr w="12700" cmpd="sng">
+                      <a:noFill/>
+                      <a:prstDash val="solid"/>
+                    </a:lnTlToBr>
+                    <a:lnBlToTr w="12700" cmpd="sng">
+                      <a:noFill/>
+                      <a:prstDash val="solid"/>
+                    </a:lnBlToTr>
+                  </a:tcPr>
+                </a:tc>
+                <a:extLst>
+                  <a:ext uri="{0D108BD9-81ED-4DB2-BD59-A6C34878D82A}">
+                    <a16:rowId xmlns:a16="http://schemas.microsoft.com/office/drawing/2014/main" val="2743500523"/>
+                  </a:ext>
+                </a:extLst>
+              </a:tr>
+              <a:tr h="180000">
+                <a:tc>
+                  <a:txBody>
+                    <a:bodyPr/>
+                    <a:lstStyle/>
+                    <a:p>
+                      <a:pPr marL="0" marR="0" lvl="0" indent="0" algn="l" defTabSz="914400" rtl="0" eaLnBrk="1" fontAlgn="auto" latinLnBrk="0" hangingPunct="1">
+                        <a:lnSpc>
+                          <a:spcPct val="100000"/>
+                        </a:lnSpc>
+                        <a:spcBef>
+                          <a:spcPts val="0"/>
+                        </a:spcBef>
+                        <a:spcAft>
+                          <a:spcPts val="0"/>
+                        </a:spcAft>
+                        <a:buClr>
+                          <a:srgbClr val="000000"/>
+                        </a:buClr>
+                        <a:buSzTx/>
+                        <a:buFont typeface="Arial"/>
+                        <a:buNone/>
+                        <a:tabLst/>
+                        <a:defRPr/>
+                      </a:pPr>
+                      <a:r>
+                        <a:rPr lang="es-MX" sz="1000" dirty="0">
+                          <a:latin typeface="Proxima Nova" panose="020B0604020202020204" charset="0"/>
+                        </a:rPr>
+                        <a:t>¿Qué K elegimos para el KNN? Cuál parece óptimo según alguna métrica?</a:t>
+                      </a:r>
+                    </a:p>
+                  </a:txBody>
+                  <a:tcPr>
+                    <a:lnL w="9525" cap="flat" cmpd="sng">
+                      <a:noFill/>
+                      <a:prstDash val="solid"/>
+                      <a:round/>
+                      <a:headEnd type="none" w="sm" len="sm"/>
+                      <a:tailEnd type="none" w="sm" len="sm"/>
+                    </a:lnL>
+                    <a:lnR w="9525" cap="flat" cmpd="sng">
+                      <a:noFill/>
+                      <a:prstDash val="solid"/>
+                      <a:round/>
+                      <a:headEnd type="none" w="sm" len="sm"/>
+                      <a:tailEnd type="none" w="sm" len="sm"/>
+                    </a:lnR>
+                    <a:lnT w="9525" cap="flat" cmpd="sng">
+                      <a:noFill/>
+                      <a:prstDash val="solid"/>
+                      <a:round/>
+                      <a:headEnd type="none" w="sm" len="sm"/>
+                      <a:tailEnd type="none" w="sm" len="sm"/>
+                    </a:lnT>
+                    <a:lnB w="9525" cap="flat" cmpd="sng">
+                      <a:noFill/>
+                      <a:prstDash val="solid"/>
+                      <a:round/>
+                      <a:headEnd type="none" w="sm" len="sm"/>
+                      <a:tailEnd type="none" w="sm" len="sm"/>
+                    </a:lnB>
+                    <a:lnTlToBr w="12700" cmpd="sng">
+                      <a:noFill/>
+                      <a:prstDash val="solid"/>
+                    </a:lnTlToBr>
+                    <a:lnBlToTr w="12700" cmpd="sng">
+                      <a:noFill/>
+                      <a:prstDash val="solid"/>
+                    </a:lnBlToTr>
+                  </a:tcPr>
+                </a:tc>
+                <a:tc>
+                  <a:txBody>
+                    <a:bodyPr/>
+                    <a:lstStyle/>
+                    <a:p>
+                      <a:r>
+                        <a:rPr lang="es-MX" sz="1000" dirty="0">
+                          <a:latin typeface="Proxima Nova" panose="020B0604020202020204" charset="0"/>
+                        </a:rPr>
+                        <a:t>Pulir modelo</a:t>
+                      </a:r>
+                      <a:endParaRPr lang="es-AR" sz="1000" dirty="0">
+                        <a:latin typeface="Proxima Nova" panose="020B0604020202020204" charset="0"/>
+                      </a:endParaRPr>
+                    </a:p>
+                  </a:txBody>
+                  <a:tcPr>
+                    <a:lnL w="9525" cap="flat" cmpd="sng">
+                      <a:noFill/>
+                      <a:prstDash val="solid"/>
+                      <a:round/>
+                      <a:headEnd type="none" w="sm" len="sm"/>
+                      <a:tailEnd type="none" w="sm" len="sm"/>
+                    </a:lnL>
+                    <a:lnR w="9525" cap="flat" cmpd="sng">
+                      <a:noFill/>
+                      <a:prstDash val="solid"/>
+                      <a:round/>
+                      <a:headEnd type="none" w="sm" len="sm"/>
+                      <a:tailEnd type="none" w="sm" len="sm"/>
+                    </a:lnR>
+                    <a:lnT w="9525" cap="flat" cmpd="sng">
+                      <a:noFill/>
+                      <a:prstDash val="solid"/>
+                      <a:round/>
+                      <a:headEnd type="none" w="sm" len="sm"/>
+                      <a:tailEnd type="none" w="sm" len="sm"/>
+                    </a:lnT>
+                    <a:lnB w="9525" cap="flat" cmpd="sng">
+                      <a:noFill/>
+                      <a:prstDash val="solid"/>
+                      <a:round/>
+                      <a:headEnd type="none" w="sm" len="sm"/>
+                      <a:tailEnd type="none" w="sm" len="sm"/>
+                    </a:lnB>
+                    <a:lnTlToBr w="12700" cmpd="sng">
+                      <a:noFill/>
+                      <a:prstDash val="solid"/>
+                    </a:lnTlToBr>
+                    <a:lnBlToTr w="12700" cmpd="sng">
+                      <a:noFill/>
+                      <a:prstDash val="solid"/>
+                    </a:lnBlToTr>
+                  </a:tcPr>
+                </a:tc>
+                <a:extLst>
+                  <a:ext uri="{0D108BD9-81ED-4DB2-BD59-A6C34878D82A}">
+                    <a16:rowId xmlns:a16="http://schemas.microsoft.com/office/drawing/2014/main" val="2302527077"/>
+                  </a:ext>
+                </a:extLst>
+              </a:tr>
+              <a:tr h="180000">
+                <a:tc>
+                  <a:txBody>
+                    <a:bodyPr/>
+                    <a:lstStyle/>
+                    <a:p>
+                      <a:pPr marL="0" marR="0" lvl="0" indent="0" algn="l" defTabSz="914400" rtl="0" eaLnBrk="1" fontAlgn="auto" latinLnBrk="0" hangingPunct="1">
+                        <a:lnSpc>
+                          <a:spcPct val="100000"/>
+                        </a:lnSpc>
+                        <a:spcBef>
+                          <a:spcPts val="0"/>
+                        </a:spcBef>
+                        <a:spcAft>
+                          <a:spcPts val="0"/>
+                        </a:spcAft>
+                        <a:buClr>
+                          <a:srgbClr val="000000"/>
+                        </a:buClr>
+                        <a:buSzTx/>
+                        <a:buFont typeface="Arial"/>
+                        <a:buNone/>
+                        <a:tabLst/>
+                        <a:defRPr/>
+                      </a:pPr>
+                      <a:r>
+                        <a:rPr lang="es-MX" sz="1000" dirty="0">
+                          <a:latin typeface="Proxima Nova" panose="020B0604020202020204" charset="0"/>
+                        </a:rPr>
+                        <a:t>¿Incluimos términos cuadráticos en la regresión?</a:t>
+                      </a:r>
+                    </a:p>
+                  </a:txBody>
+                  <a:tcPr>
+                    <a:lnL w="9525" cap="flat" cmpd="sng">
+                      <a:noFill/>
+                      <a:prstDash val="solid"/>
+                      <a:round/>
+                      <a:headEnd type="none" w="sm" len="sm"/>
+                      <a:tailEnd type="none" w="sm" len="sm"/>
+                    </a:lnL>
+                    <a:lnR w="9525" cap="flat" cmpd="sng">
+                      <a:noFill/>
+                      <a:prstDash val="solid"/>
+                      <a:round/>
+                      <a:headEnd type="none" w="sm" len="sm"/>
+                      <a:tailEnd type="none" w="sm" len="sm"/>
+                    </a:lnR>
+                    <a:lnT w="9525" cap="flat" cmpd="sng">
+                      <a:noFill/>
+                      <a:prstDash val="solid"/>
+                      <a:round/>
+                      <a:headEnd type="none" w="sm" len="sm"/>
+                      <a:tailEnd type="none" w="sm" len="sm"/>
+                    </a:lnT>
+                    <a:lnB w="9525" cap="flat" cmpd="sng">
+                      <a:noFill/>
+                      <a:prstDash val="solid"/>
+                      <a:round/>
+                      <a:headEnd type="none" w="sm" len="sm"/>
+                      <a:tailEnd type="none" w="sm" len="sm"/>
+                    </a:lnB>
+                    <a:lnTlToBr w="12700" cmpd="sng">
+                      <a:noFill/>
+                      <a:prstDash val="solid"/>
+                    </a:lnTlToBr>
+                    <a:lnBlToTr w="12700" cmpd="sng">
+                      <a:noFill/>
+                      <a:prstDash val="solid"/>
+                    </a:lnBlToTr>
+                  </a:tcPr>
+                </a:tc>
+                <a:tc>
+                  <a:txBody>
+                    <a:bodyPr/>
+                    <a:lstStyle/>
+                    <a:p>
+                      <a:r>
+                        <a:rPr lang="es-MX" sz="1000" dirty="0">
+                          <a:latin typeface="Proxima Nova" panose="020B0604020202020204" charset="0"/>
+                        </a:rPr>
+                        <a:t>Pulir modelo</a:t>
+                      </a:r>
+                      <a:endParaRPr lang="es-AR" sz="1000" dirty="0">
+                        <a:latin typeface="Proxima Nova" panose="020B0604020202020204" charset="0"/>
+                      </a:endParaRPr>
+                    </a:p>
+                  </a:txBody>
+                  <a:tcPr>
+                    <a:lnL w="9525" cap="flat" cmpd="sng">
+                      <a:noFill/>
+                      <a:prstDash val="solid"/>
+                      <a:round/>
+                      <a:headEnd type="none" w="sm" len="sm"/>
+                      <a:tailEnd type="none" w="sm" len="sm"/>
+                    </a:lnL>
+                    <a:lnR w="9525" cap="flat" cmpd="sng">
+                      <a:noFill/>
+                      <a:prstDash val="solid"/>
+                      <a:round/>
+                      <a:headEnd type="none" w="sm" len="sm"/>
+                      <a:tailEnd type="none" w="sm" len="sm"/>
+                    </a:lnR>
+                    <a:lnT w="9525" cap="flat" cmpd="sng">
+                      <a:noFill/>
+                      <a:prstDash val="solid"/>
+                      <a:round/>
+                      <a:headEnd type="none" w="sm" len="sm"/>
+                      <a:tailEnd type="none" w="sm" len="sm"/>
+                    </a:lnT>
+                    <a:lnB w="9525" cap="flat" cmpd="sng">
+                      <a:noFill/>
+                      <a:prstDash val="solid"/>
+                      <a:round/>
+                      <a:headEnd type="none" w="sm" len="sm"/>
+                      <a:tailEnd type="none" w="sm" len="sm"/>
+                    </a:lnB>
+                    <a:lnTlToBr w="12700" cmpd="sng">
+                      <a:noFill/>
+                      <a:prstDash val="solid"/>
+                    </a:lnTlToBr>
+                    <a:lnBlToTr w="12700" cmpd="sng">
+                      <a:noFill/>
+                      <a:prstDash val="solid"/>
+                    </a:lnBlToTr>
+                  </a:tcPr>
+                </a:tc>
+                <a:extLst>
+                  <a:ext uri="{0D108BD9-81ED-4DB2-BD59-A6C34878D82A}">
+                    <a16:rowId xmlns:a16="http://schemas.microsoft.com/office/drawing/2014/main" val="2376312954"/>
+                  </a:ext>
+                </a:extLst>
+              </a:tr>
+              <a:tr h="180000">
+                <a:tc>
+                  <a:txBody>
+                    <a:bodyPr/>
+                    <a:lstStyle/>
+                    <a:p>
+                      <a:pPr marL="0" marR="0" lvl="0" indent="0" algn="l" defTabSz="914400" rtl="0" eaLnBrk="1" fontAlgn="auto" latinLnBrk="0" hangingPunct="1">
+                        <a:lnSpc>
+                          <a:spcPct val="100000"/>
+                        </a:lnSpc>
+                        <a:spcBef>
+                          <a:spcPts val="0"/>
+                        </a:spcBef>
+                        <a:spcAft>
+                          <a:spcPts val="0"/>
+                        </a:spcAft>
+                        <a:buClr>
+                          <a:srgbClr val="000000"/>
+                        </a:buClr>
+                        <a:buSzTx/>
+                        <a:buFont typeface="Arial"/>
+                        <a:buNone/>
+                        <a:tabLst/>
+                        <a:defRPr/>
+                      </a:pPr>
+                      <a:r>
+                        <a:rPr lang="es-MX" sz="1000" dirty="0">
+                          <a:latin typeface="Proxima Nova" panose="020B0604020202020204" charset="0"/>
+                        </a:rPr>
+                        <a:t>¿Qué modelo tiene el menor MSE?</a:t>
+                      </a:r>
+                    </a:p>
+                  </a:txBody>
+                  <a:tcPr>
+                    <a:lnL w="9525" cap="flat" cmpd="sng">
+                      <a:noFill/>
+                      <a:prstDash val="solid"/>
+                      <a:round/>
+                      <a:headEnd type="none" w="sm" len="sm"/>
+                      <a:tailEnd type="none" w="sm" len="sm"/>
+                    </a:lnL>
+                    <a:lnR w="9525" cap="flat" cmpd="sng">
+                      <a:noFill/>
+                      <a:prstDash val="solid"/>
+                      <a:round/>
+                      <a:headEnd type="none" w="sm" len="sm"/>
+                      <a:tailEnd type="none" w="sm" len="sm"/>
+                    </a:lnR>
+                    <a:lnT w="9525" cap="flat" cmpd="sng">
+                      <a:noFill/>
+                      <a:prstDash val="solid"/>
+                      <a:round/>
+                      <a:headEnd type="none" w="sm" len="sm"/>
+                      <a:tailEnd type="none" w="sm" len="sm"/>
+                    </a:lnT>
+                    <a:lnB w="9525" cap="flat" cmpd="sng">
+                      <a:noFill/>
+                      <a:prstDash val="solid"/>
+                      <a:round/>
+                      <a:headEnd type="none" w="sm" len="sm"/>
+                      <a:tailEnd type="none" w="sm" len="sm"/>
+                    </a:lnB>
+                    <a:lnTlToBr w="12700" cmpd="sng">
+                      <a:noFill/>
+                      <a:prstDash val="solid"/>
+                    </a:lnTlToBr>
+                    <a:lnBlToTr w="12700" cmpd="sng">
+                      <a:noFill/>
+                      <a:prstDash val="solid"/>
+                    </a:lnBlToTr>
+                  </a:tcPr>
+                </a:tc>
+                <a:tc>
+                  <a:txBody>
+                    <a:bodyPr/>
+                    <a:lstStyle/>
+                    <a:p>
+                      <a:r>
+                        <a:rPr lang="es-MX" sz="1000" dirty="0">
+                          <a:latin typeface="Proxima Nova" panose="020B0604020202020204" charset="0"/>
+                        </a:rPr>
+                        <a:t>Evaluación de modelos</a:t>
+                      </a:r>
+                      <a:endParaRPr lang="es-AR" sz="1000" dirty="0">
+                        <a:latin typeface="Proxima Nova" panose="020B0604020202020204" charset="0"/>
+                      </a:endParaRPr>
+                    </a:p>
+                  </a:txBody>
+                  <a:tcPr>
+                    <a:lnL w="9525" cap="flat" cmpd="sng">
+                      <a:noFill/>
+                      <a:prstDash val="solid"/>
+                      <a:round/>
+                      <a:headEnd type="none" w="sm" len="sm"/>
+                      <a:tailEnd type="none" w="sm" len="sm"/>
+                    </a:lnL>
+                    <a:lnR w="9525" cap="flat" cmpd="sng">
+                      <a:noFill/>
+                      <a:prstDash val="solid"/>
+                      <a:round/>
+                      <a:headEnd type="none" w="sm" len="sm"/>
+                      <a:tailEnd type="none" w="sm" len="sm"/>
+                    </a:lnR>
+                    <a:lnT w="9525" cap="flat" cmpd="sng">
+                      <a:noFill/>
+                      <a:prstDash val="solid"/>
+                      <a:round/>
+                      <a:headEnd type="none" w="sm" len="sm"/>
+                      <a:tailEnd type="none" w="sm" len="sm"/>
+                    </a:lnT>
+                    <a:lnB w="9525" cap="flat" cmpd="sng">
+                      <a:noFill/>
+                      <a:prstDash val="solid"/>
+                      <a:round/>
+                      <a:headEnd type="none" w="sm" len="sm"/>
+                      <a:tailEnd type="none" w="sm" len="sm"/>
+                    </a:lnB>
+                    <a:lnTlToBr w="12700" cmpd="sng">
+                      <a:noFill/>
+                      <a:prstDash val="solid"/>
+                    </a:lnTlToBr>
+                    <a:lnBlToTr w="12700" cmpd="sng">
+                      <a:noFill/>
+                      <a:prstDash val="solid"/>
+                    </a:lnBlToTr>
+                  </a:tcPr>
+                </a:tc>
+                <a:extLst>
+                  <a:ext uri="{0D108BD9-81ED-4DB2-BD59-A6C34878D82A}">
+                    <a16:rowId xmlns:a16="http://schemas.microsoft.com/office/drawing/2014/main" val="899374271"/>
+                  </a:ext>
+                </a:extLst>
+              </a:tr>
+              <a:tr h="180000">
+                <a:tc>
+                  <a:txBody>
+                    <a:bodyPr/>
+                    <a:lstStyle/>
+                    <a:p>
+                      <a:pPr marL="0" marR="0" lvl="0" indent="0" algn="l" defTabSz="914400" rtl="0" eaLnBrk="1" fontAlgn="auto" latinLnBrk="0" hangingPunct="1">
+                        <a:lnSpc>
+                          <a:spcPct val="100000"/>
+                        </a:lnSpc>
+                        <a:spcBef>
+                          <a:spcPts val="0"/>
+                        </a:spcBef>
+                        <a:spcAft>
+                          <a:spcPts val="0"/>
+                        </a:spcAft>
+                        <a:buClr>
+                          <a:srgbClr val="000000"/>
+                        </a:buClr>
+                        <a:buSzTx/>
+                        <a:buFont typeface="Arial"/>
+                        <a:buNone/>
+                        <a:tabLst/>
+                        <a:defRPr/>
+                      </a:pPr>
+                      <a:r>
+                        <a:rPr lang="es-MX" sz="1000" dirty="0">
+                          <a:latin typeface="Proxima Nova" panose="020B0604020202020204" charset="0"/>
+                        </a:rPr>
+                        <a:t>¿Qué valores de Y tienen residuos de predicción más altos? </a:t>
+                      </a:r>
+                    </a:p>
+                  </a:txBody>
+                  <a:tcPr>
+                    <a:lnL w="9525" cap="flat" cmpd="sng">
+                      <a:noFill/>
+                      <a:prstDash val="solid"/>
+                      <a:round/>
+                      <a:headEnd type="none" w="sm" len="sm"/>
+                      <a:tailEnd type="none" w="sm" len="sm"/>
+                    </a:lnL>
+                    <a:lnR w="9525" cap="flat" cmpd="sng">
+                      <a:noFill/>
+                      <a:prstDash val="solid"/>
+                      <a:round/>
+                      <a:headEnd type="none" w="sm" len="sm"/>
+                      <a:tailEnd type="none" w="sm" len="sm"/>
+                    </a:lnR>
+                    <a:lnT w="9525" cap="flat" cmpd="sng">
+                      <a:noFill/>
+                      <a:prstDash val="solid"/>
+                      <a:round/>
+                      <a:headEnd type="none" w="sm" len="sm"/>
+                      <a:tailEnd type="none" w="sm" len="sm"/>
+                    </a:lnT>
+                    <a:lnB w="9525" cap="flat" cmpd="sng">
+                      <a:noFill/>
+                      <a:prstDash val="solid"/>
+                      <a:round/>
+                      <a:headEnd type="none" w="sm" len="sm"/>
+                      <a:tailEnd type="none" w="sm" len="sm"/>
+                    </a:lnB>
+                    <a:lnTlToBr w="12700" cmpd="sng">
+                      <a:noFill/>
+                      <a:prstDash val="solid"/>
+                    </a:lnTlToBr>
+                    <a:lnBlToTr w="12700" cmpd="sng">
+                      <a:noFill/>
+                      <a:prstDash val="solid"/>
+                    </a:lnBlToTr>
+                  </a:tcPr>
+                </a:tc>
+                <a:tc>
+                  <a:txBody>
+                    <a:bodyPr/>
+                    <a:lstStyle/>
+                    <a:p>
+                      <a:r>
+                        <a:rPr lang="es-MX" sz="1000" dirty="0">
+                          <a:latin typeface="Proxima Nova" panose="020B0604020202020204" charset="0"/>
+                        </a:rPr>
+                        <a:t>Exploración</a:t>
+                      </a:r>
+                      <a:endParaRPr lang="es-AR" sz="1000" dirty="0">
+                        <a:latin typeface="Proxima Nova" panose="020B0604020202020204" charset="0"/>
+                      </a:endParaRPr>
+                    </a:p>
+                  </a:txBody>
+                  <a:tcPr>
+                    <a:lnL w="9525" cap="flat" cmpd="sng">
+                      <a:noFill/>
+                      <a:prstDash val="solid"/>
+                      <a:round/>
+                      <a:headEnd type="none" w="sm" len="sm"/>
+                      <a:tailEnd type="none" w="sm" len="sm"/>
+                    </a:lnL>
+                    <a:lnR w="9525" cap="flat" cmpd="sng">
+                      <a:noFill/>
+                      <a:prstDash val="solid"/>
+                      <a:round/>
+                      <a:headEnd type="none" w="sm" len="sm"/>
+                      <a:tailEnd type="none" w="sm" len="sm"/>
+                    </a:lnR>
+                    <a:lnT w="9525" cap="flat" cmpd="sng">
+                      <a:noFill/>
+                      <a:prstDash val="solid"/>
+                      <a:round/>
+                      <a:headEnd type="none" w="sm" len="sm"/>
+                      <a:tailEnd type="none" w="sm" len="sm"/>
+                    </a:lnT>
+                    <a:lnB w="9525" cap="flat" cmpd="sng">
+                      <a:noFill/>
+                      <a:prstDash val="solid"/>
+                      <a:round/>
+                      <a:headEnd type="none" w="sm" len="sm"/>
+                      <a:tailEnd type="none" w="sm" len="sm"/>
+                    </a:lnB>
+                    <a:lnTlToBr w="12700" cmpd="sng">
+                      <a:noFill/>
+                      <a:prstDash val="solid"/>
+                    </a:lnTlToBr>
+                    <a:lnBlToTr w="12700" cmpd="sng">
+                      <a:noFill/>
+                      <a:prstDash val="solid"/>
+                    </a:lnBlToTr>
+                  </a:tcPr>
+                </a:tc>
+                <a:extLst>
+                  <a:ext uri="{0D108BD9-81ED-4DB2-BD59-A6C34878D82A}">
+                    <a16:rowId xmlns:a16="http://schemas.microsoft.com/office/drawing/2014/main" val="452212463"/>
+                  </a:ext>
+                </a:extLst>
+              </a:tr>
+              <a:tr h="180000">
+                <a:tc>
+                  <a:txBody>
+                    <a:bodyPr/>
+                    <a:lstStyle/>
+                    <a:p>
+                      <a:pPr marL="0" marR="0" lvl="0" indent="0" algn="l" defTabSz="914400" rtl="0" eaLnBrk="1" fontAlgn="auto" latinLnBrk="0" hangingPunct="1">
+                        <a:lnSpc>
+                          <a:spcPct val="100000"/>
+                        </a:lnSpc>
+                        <a:spcBef>
+                          <a:spcPts val="0"/>
+                        </a:spcBef>
+                        <a:spcAft>
+                          <a:spcPts val="0"/>
+                        </a:spcAft>
+                        <a:buClr>
+                          <a:srgbClr val="000000"/>
+                        </a:buClr>
+                        <a:buSzTx/>
+                        <a:buFont typeface="Arial"/>
+                        <a:buNone/>
+                        <a:tabLst/>
+                        <a:defRPr/>
+                      </a:pPr>
+                      <a:r>
+                        <a:rPr lang="es-MX" sz="1000" dirty="0">
+                          <a:latin typeface="Proxima Nova" panose="020B0604020202020204" charset="0"/>
+                        </a:rPr>
+                        <a:t>Eliminemos X_2, que no está aportando</a:t>
+                      </a:r>
+                    </a:p>
+                  </a:txBody>
+                  <a:tcPr>
+                    <a:lnL w="9525" cap="flat" cmpd="sng">
+                      <a:noFill/>
+                      <a:prstDash val="solid"/>
+                      <a:round/>
+                      <a:headEnd type="none" w="sm" len="sm"/>
+                      <a:tailEnd type="none" w="sm" len="sm"/>
+                    </a:lnL>
+                    <a:lnR w="9525" cap="flat" cmpd="sng">
+                      <a:noFill/>
+                      <a:prstDash val="solid"/>
+                      <a:round/>
+                      <a:headEnd type="none" w="sm" len="sm"/>
+                      <a:tailEnd type="none" w="sm" len="sm"/>
+                    </a:lnR>
+                    <a:lnT w="9525" cap="flat" cmpd="sng">
+                      <a:noFill/>
+                      <a:prstDash val="solid"/>
+                      <a:round/>
+                      <a:headEnd type="none" w="sm" len="sm"/>
+                      <a:tailEnd type="none" w="sm" len="sm"/>
+                    </a:lnT>
+                    <a:lnB w="9525" cap="flat" cmpd="sng">
+                      <a:noFill/>
+                      <a:prstDash val="solid"/>
+                      <a:round/>
+                      <a:headEnd type="none" w="sm" len="sm"/>
+                      <a:tailEnd type="none" w="sm" len="sm"/>
+                    </a:lnB>
+                    <a:lnTlToBr w="12700" cmpd="sng">
+                      <a:noFill/>
+                      <a:prstDash val="solid"/>
+                    </a:lnTlToBr>
+                    <a:lnBlToTr w="12700" cmpd="sng">
+                      <a:noFill/>
+                      <a:prstDash val="solid"/>
+                    </a:lnBlToTr>
+                  </a:tcPr>
+                </a:tc>
+                <a:tc>
+                  <a:txBody>
+                    <a:bodyPr/>
+                    <a:lstStyle/>
+                    <a:p>
+                      <a:r>
+                        <a:rPr lang="es-MX" sz="1000" dirty="0">
+                          <a:latin typeface="Proxima Nova" panose="020B0604020202020204" charset="0"/>
+                        </a:rPr>
+                        <a:t>Evaluación de modelos</a:t>
+                      </a:r>
+                      <a:endParaRPr lang="es-AR" sz="1000" dirty="0">
+                        <a:latin typeface="Proxima Nova" panose="020B0604020202020204" charset="0"/>
+                      </a:endParaRPr>
+                    </a:p>
+                  </a:txBody>
+                  <a:tcPr>
+                    <a:lnL w="9525" cap="flat" cmpd="sng">
+                      <a:noFill/>
+                      <a:prstDash val="solid"/>
+                      <a:round/>
+                      <a:headEnd type="none" w="sm" len="sm"/>
+                      <a:tailEnd type="none" w="sm" len="sm"/>
+                    </a:lnL>
+                    <a:lnR w="9525" cap="flat" cmpd="sng">
+                      <a:noFill/>
+                      <a:prstDash val="solid"/>
+                      <a:round/>
+                      <a:headEnd type="none" w="sm" len="sm"/>
+                      <a:tailEnd type="none" w="sm" len="sm"/>
+                    </a:lnR>
+                    <a:lnT w="9525" cap="flat" cmpd="sng">
+                      <a:noFill/>
+                      <a:prstDash val="solid"/>
+                      <a:round/>
+                      <a:headEnd type="none" w="sm" len="sm"/>
+                      <a:tailEnd type="none" w="sm" len="sm"/>
+                    </a:lnT>
+                    <a:lnB w="9525" cap="flat" cmpd="sng">
+                      <a:noFill/>
+                      <a:prstDash val="solid"/>
+                      <a:round/>
+                      <a:headEnd type="none" w="sm" len="sm"/>
+                      <a:tailEnd type="none" w="sm" len="sm"/>
+                    </a:lnB>
+                    <a:lnTlToBr w="12700" cmpd="sng">
+                      <a:noFill/>
+                      <a:prstDash val="solid"/>
+                    </a:lnTlToBr>
+                    <a:lnBlToTr w="12700" cmpd="sng">
+                      <a:noFill/>
+                      <a:prstDash val="solid"/>
+                    </a:lnBlToTr>
+                  </a:tcPr>
+                </a:tc>
+                <a:extLst>
+                  <a:ext uri="{0D108BD9-81ED-4DB2-BD59-A6C34878D82A}">
+                    <a16:rowId xmlns:a16="http://schemas.microsoft.com/office/drawing/2014/main" val="112278598"/>
+                  </a:ext>
+                </a:extLst>
+              </a:tr>
+              <a:tr h="180000">
+                <a:tc>
+                  <a:txBody>
+                    <a:bodyPr/>
+                    <a:lstStyle/>
+                    <a:p>
+                      <a:pPr marL="0" marR="0" lvl="0" indent="0" algn="l" defTabSz="914400" rtl="0" eaLnBrk="1" fontAlgn="auto" latinLnBrk="0" hangingPunct="1">
+                        <a:lnSpc>
+                          <a:spcPct val="100000"/>
+                        </a:lnSpc>
+                        <a:spcBef>
+                          <a:spcPts val="0"/>
+                        </a:spcBef>
+                        <a:spcAft>
+                          <a:spcPts val="0"/>
+                        </a:spcAft>
+                        <a:buClr>
+                          <a:srgbClr val="000000"/>
+                        </a:buClr>
+                        <a:buSzTx/>
+                        <a:buFont typeface="Arial"/>
+                        <a:buNone/>
+                        <a:tabLst/>
+                        <a:defRPr/>
+                      </a:pPr>
+                      <a:r>
+                        <a:rPr lang="es-MX" sz="1000" dirty="0">
+                          <a:latin typeface="Proxima Nova" panose="020B0604020202020204" charset="0"/>
+                        </a:rPr>
+                        <a:t>Las predicciones mejoran si transformamos X_3</a:t>
+                      </a:r>
+                    </a:p>
+                  </a:txBody>
+                  <a:tcPr>
+                    <a:lnL w="9525" cap="flat" cmpd="sng">
+                      <a:noFill/>
+                      <a:prstDash val="solid"/>
+                      <a:round/>
+                      <a:headEnd type="none" w="sm" len="sm"/>
+                      <a:tailEnd type="none" w="sm" len="sm"/>
+                    </a:lnL>
+                    <a:lnR w="9525" cap="flat" cmpd="sng">
+                      <a:noFill/>
+                      <a:prstDash val="solid"/>
+                      <a:round/>
+                      <a:headEnd type="none" w="sm" len="sm"/>
+                      <a:tailEnd type="none" w="sm" len="sm"/>
+                    </a:lnR>
+                    <a:lnT w="9525" cap="flat" cmpd="sng">
+                      <a:noFill/>
+                      <a:prstDash val="solid"/>
+                      <a:round/>
+                      <a:headEnd type="none" w="sm" len="sm"/>
+                      <a:tailEnd type="none" w="sm" len="sm"/>
+                    </a:lnT>
+                    <a:lnB w="9525" cap="flat" cmpd="sng">
+                      <a:noFill/>
+                      <a:prstDash val="solid"/>
+                      <a:round/>
+                      <a:headEnd type="none" w="sm" len="sm"/>
+                      <a:tailEnd type="none" w="sm" len="sm"/>
+                    </a:lnB>
+                    <a:lnTlToBr w="12700" cmpd="sng">
+                      <a:noFill/>
+                      <a:prstDash val="solid"/>
+                    </a:lnTlToBr>
+                    <a:lnBlToTr w="12700" cmpd="sng">
+                      <a:noFill/>
+                      <a:prstDash val="solid"/>
+                    </a:lnBlToTr>
+                  </a:tcPr>
+                </a:tc>
+                <a:tc>
+                  <a:txBody>
+                    <a:bodyPr/>
+                    <a:lstStyle/>
+                    <a:p>
+                      <a:r>
+                        <a:rPr lang="es-MX" sz="1000" dirty="0">
+                          <a:latin typeface="Proxima Nova" panose="020B0604020202020204" charset="0"/>
+                        </a:rPr>
+                        <a:t>Transformación</a:t>
+                      </a:r>
+                      <a:endParaRPr lang="es-AR" sz="1000" dirty="0">
+                        <a:latin typeface="Proxima Nova" panose="020B0604020202020204" charset="0"/>
+                      </a:endParaRPr>
+                    </a:p>
+                  </a:txBody>
+                  <a:tcPr>
+                    <a:lnL w="9525" cap="flat" cmpd="sng">
+                      <a:noFill/>
+                      <a:prstDash val="solid"/>
+                      <a:round/>
+                      <a:headEnd type="none" w="sm" len="sm"/>
+                      <a:tailEnd type="none" w="sm" len="sm"/>
+                    </a:lnL>
+                    <a:lnR w="9525" cap="flat" cmpd="sng">
+                      <a:noFill/>
+                      <a:prstDash val="solid"/>
+                      <a:round/>
+                      <a:headEnd type="none" w="sm" len="sm"/>
+                      <a:tailEnd type="none" w="sm" len="sm"/>
+                    </a:lnR>
+                    <a:lnT w="9525" cap="flat" cmpd="sng">
+                      <a:noFill/>
+                      <a:prstDash val="solid"/>
+                      <a:round/>
+                      <a:headEnd type="none" w="sm" len="sm"/>
+                      <a:tailEnd type="none" w="sm" len="sm"/>
+                    </a:lnT>
+                    <a:lnB w="9525" cap="flat" cmpd="sng">
+                      <a:noFill/>
+                      <a:prstDash val="solid"/>
+                      <a:round/>
+                      <a:headEnd type="none" w="sm" len="sm"/>
+                      <a:tailEnd type="none" w="sm" len="sm"/>
+                    </a:lnB>
+                    <a:lnTlToBr w="12700" cmpd="sng">
+                      <a:noFill/>
+                      <a:prstDash val="solid"/>
+                    </a:lnTlToBr>
+                    <a:lnBlToTr w="12700" cmpd="sng">
+                      <a:noFill/>
+                      <a:prstDash val="solid"/>
+                    </a:lnBlToTr>
+                  </a:tcPr>
+                </a:tc>
+                <a:extLst>
+                  <a:ext uri="{0D108BD9-81ED-4DB2-BD59-A6C34878D82A}">
+                    <a16:rowId xmlns:a16="http://schemas.microsoft.com/office/drawing/2014/main" val="3249865419"/>
+                  </a:ext>
+                </a:extLst>
+              </a:tr>
+              <a:tr h="180000">
+                <a:tc>
+                  <a:txBody>
+                    <a:bodyPr/>
+                    <a:lstStyle/>
+                    <a:p>
+                      <a:pPr marL="0" marR="0" lvl="0" indent="0" algn="l" defTabSz="914400" rtl="0" eaLnBrk="1" fontAlgn="auto" latinLnBrk="0" hangingPunct="1">
+                        <a:lnSpc>
+                          <a:spcPct val="100000"/>
+                        </a:lnSpc>
+                        <a:spcBef>
+                          <a:spcPts val="0"/>
+                        </a:spcBef>
+                        <a:spcAft>
+                          <a:spcPts val="0"/>
+                        </a:spcAft>
+                        <a:buClr>
+                          <a:srgbClr val="000000"/>
+                        </a:buClr>
+                        <a:buSzTx/>
+                        <a:buFont typeface="Arial"/>
+                        <a:buNone/>
+                        <a:tabLst/>
+                        <a:defRPr/>
+                      </a:pPr>
+                      <a:r>
+                        <a:rPr lang="es-MX" sz="1000" dirty="0">
+                          <a:latin typeface="Proxima Nova" panose="020B0604020202020204" charset="0"/>
+                        </a:rPr>
+                        <a:t>LDA no da buenos resultados, lo dejamos de lado</a:t>
+                      </a:r>
+                    </a:p>
+                  </a:txBody>
+                  <a:tcPr>
+                    <a:lnL w="9525" cap="flat" cmpd="sng">
+                      <a:noFill/>
+                      <a:prstDash val="solid"/>
+                      <a:round/>
+                      <a:headEnd type="none" w="sm" len="sm"/>
+                      <a:tailEnd type="none" w="sm" len="sm"/>
+                    </a:lnL>
+                    <a:lnR w="9525" cap="flat" cmpd="sng">
+                      <a:noFill/>
+                      <a:prstDash val="solid"/>
+                      <a:round/>
+                      <a:headEnd type="none" w="sm" len="sm"/>
+                      <a:tailEnd type="none" w="sm" len="sm"/>
+                    </a:lnR>
+                    <a:lnT w="9525" cap="flat" cmpd="sng">
+                      <a:noFill/>
+                      <a:prstDash val="solid"/>
+                      <a:round/>
+                      <a:headEnd type="none" w="sm" len="sm"/>
+                      <a:tailEnd type="none" w="sm" len="sm"/>
+                    </a:lnT>
+                    <a:lnB w="9525" cap="flat" cmpd="sng">
+                      <a:noFill/>
+                      <a:prstDash val="solid"/>
+                      <a:round/>
+                      <a:headEnd type="none" w="sm" len="sm"/>
+                      <a:tailEnd type="none" w="sm" len="sm"/>
+                    </a:lnB>
+                    <a:lnTlToBr w="12700" cmpd="sng">
+                      <a:noFill/>
+                      <a:prstDash val="solid"/>
+                    </a:lnTlToBr>
+                    <a:lnBlToTr w="12700" cmpd="sng">
+                      <a:noFill/>
+                      <a:prstDash val="solid"/>
+                    </a:lnBlToTr>
+                  </a:tcPr>
+                </a:tc>
+                <a:tc>
+                  <a:txBody>
+                    <a:bodyPr/>
+                    <a:lstStyle/>
+                    <a:p>
+                      <a:r>
+                        <a:rPr lang="es-MX" sz="1000" dirty="0">
+                          <a:latin typeface="Proxima Nova" panose="020B0604020202020204" charset="0"/>
+                        </a:rPr>
+                        <a:t>Evaluación de modelos</a:t>
+                      </a:r>
+                      <a:endParaRPr lang="es-AR" sz="1000" dirty="0">
+                        <a:latin typeface="Proxima Nova" panose="020B0604020202020204" charset="0"/>
+                      </a:endParaRPr>
+                    </a:p>
+                  </a:txBody>
+                  <a:tcPr>
+                    <a:lnL w="9525" cap="flat" cmpd="sng">
+                      <a:noFill/>
+                      <a:prstDash val="solid"/>
+                      <a:round/>
+                      <a:headEnd type="none" w="sm" len="sm"/>
+                      <a:tailEnd type="none" w="sm" len="sm"/>
+                    </a:lnL>
+                    <a:lnR w="9525" cap="flat" cmpd="sng">
+                      <a:noFill/>
+                      <a:prstDash val="solid"/>
+                      <a:round/>
+                      <a:headEnd type="none" w="sm" len="sm"/>
+                      <a:tailEnd type="none" w="sm" len="sm"/>
+                    </a:lnR>
+                    <a:lnT w="9525" cap="flat" cmpd="sng">
+                      <a:noFill/>
+                      <a:prstDash val="solid"/>
+                      <a:round/>
+                      <a:headEnd type="none" w="sm" len="sm"/>
+                      <a:tailEnd type="none" w="sm" len="sm"/>
+                    </a:lnT>
+                    <a:lnB w="9525" cap="flat" cmpd="sng">
+                      <a:noFill/>
+                      <a:prstDash val="solid"/>
+                      <a:round/>
+                      <a:headEnd type="none" w="sm" len="sm"/>
+                      <a:tailEnd type="none" w="sm" len="sm"/>
+                    </a:lnB>
+                    <a:lnTlToBr w="12700" cmpd="sng">
+                      <a:noFill/>
+                      <a:prstDash val="solid"/>
+                    </a:lnTlToBr>
+                    <a:lnBlToTr w="12700" cmpd="sng">
+                      <a:noFill/>
+                      <a:prstDash val="solid"/>
+                    </a:lnBlToTr>
+                  </a:tcPr>
+                </a:tc>
+                <a:extLst>
+                  <a:ext uri="{0D108BD9-81ED-4DB2-BD59-A6C34878D82A}">
+                    <a16:rowId xmlns:a16="http://schemas.microsoft.com/office/drawing/2014/main" val="2418920773"/>
+                  </a:ext>
+                </a:extLst>
+              </a:tr>
+            </a:tbl>
+          </a:graphicData>
+        </a:graphic>
+      </p:graphicFrame>
+      <p:sp>
+        <p:nvSpPr>
+          <p:cNvPr id="13" name="Google Shape;181;p31">
+            <a:extLst>
+              <a:ext uri="{FF2B5EF4-FFF2-40B4-BE49-F238E27FC236}">
+                <a16:creationId xmlns:a16="http://schemas.microsoft.com/office/drawing/2014/main" id="{00598B14-8CED-49BC-ACCA-8727E9B2FA54}"/>
+              </a:ext>
+            </a:extLst>
+          </p:cNvPr>
+          <p:cNvSpPr txBox="1">
+            <a:spLocks noGrp="1"/>
+          </p:cNvSpPr>
+          <p:nvPr>
+            <p:ph type="title"/>
+          </p:nvPr>
+        </p:nvSpPr>
+        <p:spPr>
+          <a:xfrm>
+            <a:off x="311700" y="158675"/>
+            <a:ext cx="8520600" cy="572700"/>
+          </a:xfrm>
+          <a:prstGeom prst="rect">
+            <a:avLst/>
+          </a:prstGeom>
+        </p:spPr>
+        <p:txBody>
+          <a:bodyPr spcFirstLastPara="1" wrap="square" lIns="91425" tIns="91425" rIns="91425" bIns="91425" anchor="t" anchorCtr="0">
+            <a:normAutofit/>
+          </a:bodyPr>
+          <a:lstStyle/>
+          <a:p>
+            <a:pPr marL="0" lvl="0" indent="0" algn="l" rtl="0">
+              <a:spcBef>
+                <a:spcPts val="0"/>
+              </a:spcBef>
+              <a:spcAft>
+                <a:spcPts val="0"/>
+              </a:spcAft>
+              <a:buNone/>
+            </a:pPr>
+            <a:r>
+              <a:rPr lang="en-GB" sz="2500" dirty="0"/>
+              <a:t>Un </a:t>
+            </a:r>
+            <a:r>
+              <a:rPr lang="en-GB" sz="2500" dirty="0" err="1"/>
+              <a:t>flujo</a:t>
+            </a:r>
+            <a:r>
+              <a:rPr lang="en-GB" sz="2500" dirty="0"/>
+              <a:t> de </a:t>
+            </a:r>
+            <a:r>
+              <a:rPr lang="en-GB" sz="2500" dirty="0" err="1"/>
+              <a:t>trabajo</a:t>
+            </a:r>
+            <a:endParaRPr sz="2500" dirty="0"/>
+          </a:p>
+        </p:txBody>
+      </p:sp>
+    </p:spTree>
+    <p:extLst>
+      <p:ext uri="{BB962C8B-B14F-4D97-AF65-F5344CB8AC3E}">
+        <p14:creationId xmlns:p14="http://schemas.microsoft.com/office/powerpoint/2010/main" val="4147771234"/>
+      </p:ext>
+    </p:extLst>
+  </p:cSld>
+  <p:clrMapOvr>
+    <a:masterClrMapping/>
+  </p:clrMapOvr>
+</p:sld>
+</file>
+
+<file path=ppt/slides/slide46.xml><?xml version="1.0" encoding="utf-8"?>
 <p:sld xmlns:a="http://schemas.openxmlformats.org/drawingml/2006/main" xmlns:r="http://schemas.openxmlformats.org/officeDocument/2006/relationships" xmlns:p="http://schemas.openxmlformats.org/presentationml/2006/main">
   <p:cSld>
     <p:spTree>
@@ -22109,7 +25237,7 @@
 </p:sld>
 </file>
 
-<file path=ppt/slides/slide46.xml><?xml version="1.0" encoding="utf-8"?>
+<file path=ppt/slides/slide47.xml><?xml version="1.0" encoding="utf-8"?>
 <p:sld xmlns:a="http://schemas.openxmlformats.org/drawingml/2006/main" xmlns:r="http://schemas.openxmlformats.org/officeDocument/2006/relationships" xmlns:p="http://schemas.openxmlformats.org/presentationml/2006/main">
   <p:cSld>
     <p:spTree>
@@ -22508,272 +25636,7 @@
 </p:sld>
 </file>
 
-<file path=ppt/slides/slide47.xml><?xml version="1.0" encoding="utf-8"?>
-<p:sld xmlns:a="http://schemas.openxmlformats.org/drawingml/2006/main" xmlns:r="http://schemas.openxmlformats.org/officeDocument/2006/relationships" xmlns:p="http://schemas.openxmlformats.org/presentationml/2006/main">
-  <p:cSld>
-    <p:spTree>
-      <p:nvGrpSpPr>
-        <p:cNvPr id="1" name="Shape 304"/>
-        <p:cNvGrpSpPr/>
-        <p:nvPr/>
-      </p:nvGrpSpPr>
-      <p:grpSpPr>
-        <a:xfrm>
-          <a:off x="0" y="0"/>
-          <a:ext cx="0" cy="0"/>
-          <a:chOff x="0" y="0"/>
-          <a:chExt cx="0" cy="0"/>
-        </a:xfrm>
-      </p:grpSpPr>
-      <p:sp>
-        <p:nvSpPr>
-          <p:cNvPr id="305" name="Google Shape;305;p52"/>
-          <p:cNvSpPr txBox="1">
-            <a:spLocks noGrp="1"/>
-          </p:cNvSpPr>
-          <p:nvPr>
-            <p:ph type="title"/>
-          </p:nvPr>
-        </p:nvSpPr>
-        <p:spPr>
-          <a:xfrm>
-            <a:off x="510450" y="2057400"/>
-            <a:ext cx="8123100" cy="778800"/>
-          </a:xfrm>
-          <a:prstGeom prst="rect">
-            <a:avLst/>
-          </a:prstGeom>
-        </p:spPr>
-        <p:txBody>
-          <a:bodyPr spcFirstLastPara="1" wrap="square" lIns="91425" tIns="91425" rIns="91425" bIns="91425" anchor="b" anchorCtr="0">
-            <a:normAutofit/>
-          </a:bodyPr>
-          <a:lstStyle/>
-          <a:p>
-            <a:pPr marL="0" lvl="0" indent="0" algn="l" rtl="0">
-              <a:spcBef>
-                <a:spcPts val="0"/>
-              </a:spcBef>
-              <a:spcAft>
-                <a:spcPts val="0"/>
-              </a:spcAft>
-              <a:buNone/>
-            </a:pPr>
-            <a:r>
-              <a:rPr lang="en-GB"/>
-              <a:t>La semana que viene</a:t>
-            </a:r>
-            <a:endParaRPr/>
-          </a:p>
-        </p:txBody>
-      </p:sp>
-    </p:spTree>
-  </p:cSld>
-  <p:clrMapOvr>
-    <a:masterClrMapping/>
-  </p:clrMapOvr>
-</p:sld>
-</file>
-
 <file path=ppt/slides/slide48.xml><?xml version="1.0" encoding="utf-8"?>
-<p:sld xmlns:a="http://schemas.openxmlformats.org/drawingml/2006/main" xmlns:r="http://schemas.openxmlformats.org/officeDocument/2006/relationships" xmlns:p="http://schemas.openxmlformats.org/presentationml/2006/main">
-  <p:cSld>
-    <p:spTree>
-      <p:nvGrpSpPr>
-        <p:cNvPr id="1" name="Shape 309"/>
-        <p:cNvGrpSpPr/>
-        <p:nvPr/>
-      </p:nvGrpSpPr>
-      <p:grpSpPr>
-        <a:xfrm>
-          <a:off x="0" y="0"/>
-          <a:ext cx="0" cy="0"/>
-          <a:chOff x="0" y="0"/>
-          <a:chExt cx="0" cy="0"/>
-        </a:xfrm>
-      </p:grpSpPr>
-      <p:sp>
-        <p:nvSpPr>
-          <p:cNvPr id="310" name="Google Shape;310;p53"/>
-          <p:cNvSpPr txBox="1">
-            <a:spLocks noGrp="1"/>
-          </p:cNvSpPr>
-          <p:nvPr>
-            <p:ph type="title"/>
-          </p:nvPr>
-        </p:nvSpPr>
-        <p:spPr>
-          <a:xfrm>
-            <a:off x="311700" y="445025"/>
-            <a:ext cx="8520600" cy="572700"/>
-          </a:xfrm>
-          <a:prstGeom prst="rect">
-            <a:avLst/>
-          </a:prstGeom>
-        </p:spPr>
-        <p:txBody>
-          <a:bodyPr spcFirstLastPara="1" wrap="square" lIns="91425" tIns="91425" rIns="91425" bIns="91425" anchor="t" anchorCtr="0">
-            <a:normAutofit fontScale="90000"/>
-          </a:bodyPr>
-          <a:lstStyle/>
-          <a:p>
-            <a:pPr marL="0" lvl="0" indent="0" algn="l" rtl="0">
-              <a:spcBef>
-                <a:spcPts val="0"/>
-              </a:spcBef>
-              <a:spcAft>
-                <a:spcPts val="0"/>
-              </a:spcAft>
-              <a:buNone/>
-            </a:pPr>
-            <a:r>
-              <a:rPr lang="en-GB" dirty="0"/>
-              <a:t>La </a:t>
-            </a:r>
-            <a:r>
-              <a:rPr lang="en-GB" dirty="0" err="1"/>
-              <a:t>clase</a:t>
-            </a:r>
-            <a:r>
-              <a:rPr lang="en-GB" dirty="0"/>
-              <a:t> que </a:t>
-            </a:r>
-            <a:r>
-              <a:rPr lang="en-GB" dirty="0" err="1"/>
-              <a:t>viene</a:t>
-            </a:r>
-            <a:endParaRPr dirty="0"/>
-          </a:p>
-        </p:txBody>
-      </p:sp>
-      <p:sp>
-        <p:nvSpPr>
-          <p:cNvPr id="311" name="Google Shape;311;p53"/>
-          <p:cNvSpPr txBox="1">
-            <a:spLocks noGrp="1"/>
-          </p:cNvSpPr>
-          <p:nvPr>
-            <p:ph type="body" idx="1"/>
-          </p:nvPr>
-        </p:nvSpPr>
-        <p:spPr>
-          <a:xfrm>
-            <a:off x="311700" y="1152475"/>
-            <a:ext cx="8520600" cy="3416400"/>
-          </a:xfrm>
-          <a:prstGeom prst="rect">
-            <a:avLst/>
-          </a:prstGeom>
-        </p:spPr>
-        <p:txBody>
-          <a:bodyPr spcFirstLastPara="1" wrap="square" lIns="91425" tIns="91425" rIns="91425" bIns="91425" anchor="t" anchorCtr="0">
-            <a:normAutofit/>
-          </a:bodyPr>
-          <a:lstStyle/>
-          <a:p>
-            <a:pPr lvl="0" algn="l" rtl="0">
-              <a:lnSpc>
-                <a:spcPct val="150000"/>
-              </a:lnSpc>
-              <a:spcBef>
-                <a:spcPts val="0"/>
-              </a:spcBef>
-              <a:spcAft>
-                <a:spcPts val="0"/>
-              </a:spcAft>
-              <a:buSzPts val="1800"/>
-              <a:buFont typeface="Wingdings" panose="05000000000000000000" pitchFamily="2" charset="2"/>
-              <a:buChar char="§"/>
-            </a:pPr>
-            <a:r>
-              <a:rPr lang="en-GB" b="1" dirty="0" err="1"/>
-              <a:t>Teórico</a:t>
-            </a:r>
-            <a:r>
-              <a:rPr lang="en-GB" dirty="0"/>
-              <a:t>: </a:t>
-            </a:r>
-            <a:r>
-              <a:rPr lang="es-AR" dirty="0"/>
-              <a:t>Explorando y transformando variables. </a:t>
-            </a:r>
-            <a:r>
-              <a:rPr lang="es-AR" dirty="0" err="1"/>
-              <a:t>Intro</a:t>
-            </a:r>
-            <a:r>
-              <a:rPr lang="es-AR" dirty="0"/>
-              <a:t> a regresión lineal simple</a:t>
-            </a:r>
-          </a:p>
-          <a:p>
-            <a:pPr lvl="0" algn="l" rtl="0">
-              <a:lnSpc>
-                <a:spcPct val="150000"/>
-              </a:lnSpc>
-              <a:spcBef>
-                <a:spcPts val="0"/>
-              </a:spcBef>
-              <a:spcAft>
-                <a:spcPts val="0"/>
-              </a:spcAft>
-              <a:buSzPts val="1800"/>
-              <a:buFont typeface="Wingdings" panose="05000000000000000000" pitchFamily="2" charset="2"/>
-              <a:buChar char="§"/>
-            </a:pPr>
-            <a:r>
-              <a:rPr lang="en-GB" b="1" dirty="0" err="1"/>
-              <a:t>Práctico</a:t>
-            </a:r>
-            <a:r>
-              <a:rPr lang="en-GB" dirty="0"/>
-              <a:t>: resolver </a:t>
-            </a:r>
-            <a:r>
-              <a:rPr lang="en-GB" dirty="0" err="1"/>
-              <a:t>guía</a:t>
-            </a:r>
-            <a:r>
-              <a:rPr lang="en-GB" dirty="0"/>
-              <a:t> </a:t>
-            </a:r>
-            <a:r>
-              <a:rPr lang="en-GB" dirty="0" err="1"/>
-              <a:t>domiciliaria</a:t>
-            </a:r>
-            <a:r>
-              <a:rPr lang="en-GB" dirty="0"/>
-              <a:t>. Traer </a:t>
-            </a:r>
-            <a:r>
-              <a:rPr lang="en-GB" dirty="0" err="1"/>
-              <a:t>dudas</a:t>
-            </a:r>
-            <a:r>
-              <a:rPr lang="en-GB" dirty="0"/>
-              <a:t> y/o </a:t>
-            </a:r>
-            <a:r>
-              <a:rPr lang="en-GB" dirty="0" err="1"/>
-              <a:t>comentarios</a:t>
-            </a:r>
-            <a:r>
-              <a:rPr lang="en-GB" dirty="0"/>
-              <a:t>.</a:t>
-            </a:r>
-            <a:endParaRPr dirty="0"/>
-          </a:p>
-        </p:txBody>
-      </p:sp>
-    </p:spTree>
-  </p:cSld>
-  <p:clrMapOvr>
-    <a:masterClrMapping/>
-  </p:clrMapOvr>
-</p:sld>
-</file>
-
-<file path=ppt/slides/slide49.xml><?xml version="1.0" encoding="utf-8"?>
 <p:sld xmlns:a="http://schemas.openxmlformats.org/drawingml/2006/main" xmlns:r="http://schemas.openxmlformats.org/officeDocument/2006/relationships" xmlns:p="http://schemas.openxmlformats.org/presentationml/2006/main">
   <p:cSld>
     <p:spTree>
@@ -22825,8 +25688,8 @@
               <a:buNone/>
             </a:pPr>
             <a:r>
-              <a:rPr lang="en-GB" dirty="0"/>
-              <a:t>Gracias!</a:t>
+              <a:rPr lang="en-GB" dirty="0" err="1"/>
+              <a:t>Entonces</a:t>
             </a:r>
             <a:endParaRPr dirty="0"/>
           </a:p>
@@ -22835,7 +25698,1691 @@
     </p:spTree>
     <p:extLst>
       <p:ext uri="{BB962C8B-B14F-4D97-AF65-F5344CB8AC3E}">
-        <p14:creationId xmlns:p14="http://schemas.microsoft.com/office/powerpoint/2010/main" val="832657643"/>
+        <p14:creationId xmlns:p14="http://schemas.microsoft.com/office/powerpoint/2010/main" val="2802826172"/>
+      </p:ext>
+    </p:extLst>
+  </p:cSld>
+  <p:clrMapOvr>
+    <a:masterClrMapping/>
+  </p:clrMapOvr>
+</p:sld>
+</file>
+
+<file path=ppt/slides/slide49.xml><?xml version="1.0" encoding="utf-8"?>
+<p:sld xmlns:a="http://schemas.openxmlformats.org/drawingml/2006/main" xmlns:r="http://schemas.openxmlformats.org/officeDocument/2006/relationships" xmlns:p="http://schemas.openxmlformats.org/presentationml/2006/main">
+  <p:cSld>
+    <p:spTree>
+      <p:nvGrpSpPr>
+        <p:cNvPr id="1" name="Shape 180"/>
+        <p:cNvGrpSpPr/>
+        <p:nvPr/>
+      </p:nvGrpSpPr>
+      <p:grpSpPr>
+        <a:xfrm>
+          <a:off x="0" y="0"/>
+          <a:ext cx="0" cy="0"/>
+          <a:chOff x="0" y="0"/>
+          <a:chExt cx="0" cy="0"/>
+        </a:xfrm>
+      </p:grpSpPr>
+      <p:sp>
+        <p:nvSpPr>
+          <p:cNvPr id="181" name="Google Shape;181;p31"/>
+          <p:cNvSpPr txBox="1">
+            <a:spLocks noGrp="1"/>
+          </p:cNvSpPr>
+          <p:nvPr>
+            <p:ph type="title"/>
+          </p:nvPr>
+        </p:nvSpPr>
+        <p:spPr>
+          <a:xfrm>
+            <a:off x="311700" y="158675"/>
+            <a:ext cx="8520600" cy="572700"/>
+          </a:xfrm>
+          <a:prstGeom prst="rect">
+            <a:avLst/>
+          </a:prstGeom>
+        </p:spPr>
+        <p:txBody>
+          <a:bodyPr spcFirstLastPara="1" wrap="square" lIns="91425" tIns="91425" rIns="91425" bIns="91425" anchor="t" anchorCtr="0">
+            <a:normAutofit/>
+          </a:bodyPr>
+          <a:lstStyle/>
+          <a:p>
+            <a:pPr marL="0" lvl="0" indent="0" algn="l" rtl="0">
+              <a:spcBef>
+                <a:spcPts val="0"/>
+              </a:spcBef>
+              <a:spcAft>
+                <a:spcPts val="0"/>
+              </a:spcAft>
+              <a:buNone/>
+            </a:pPr>
+            <a:r>
+              <a:rPr lang="en-GB" sz="2500" dirty="0"/>
+              <a:t>Nuestra </a:t>
+            </a:r>
+            <a:r>
+              <a:rPr lang="en-GB" sz="2500" dirty="0" err="1"/>
+              <a:t>hoja</a:t>
+            </a:r>
+            <a:r>
+              <a:rPr lang="en-GB" sz="2500" dirty="0"/>
+              <a:t> de </a:t>
+            </a:r>
+            <a:r>
+              <a:rPr lang="en-GB" sz="2500" dirty="0" err="1"/>
+              <a:t>ruta</a:t>
+            </a:r>
+            <a:endParaRPr sz="2500" dirty="0"/>
+          </a:p>
+        </p:txBody>
+      </p:sp>
+      <p:sp>
+        <p:nvSpPr>
+          <p:cNvPr id="5" name="Rectángulo: esquinas redondeadas 4">
+            <a:extLst>
+              <a:ext uri="{FF2B5EF4-FFF2-40B4-BE49-F238E27FC236}">
+                <a16:creationId xmlns:a16="http://schemas.microsoft.com/office/drawing/2014/main" id="{4D990B10-D7C9-44AC-9FD0-2E27B3A75CC4}"/>
+              </a:ext>
+            </a:extLst>
+          </p:cNvPr>
+          <p:cNvSpPr/>
+          <p:nvPr/>
+        </p:nvSpPr>
+        <p:spPr>
+          <a:xfrm>
+            <a:off x="4309672" y="713242"/>
+            <a:ext cx="1828800" cy="457200"/>
+          </a:xfrm>
+          <a:prstGeom prst="roundRect">
+            <a:avLst/>
+          </a:prstGeom>
+          <a:noFill/>
+          <a:ln w="19050">
+            <a:solidFill>
+              <a:schemeClr val="tx2"/>
+            </a:solidFill>
+          </a:ln>
+        </p:spPr>
+        <p:style>
+          <a:lnRef idx="2">
+            <a:schemeClr val="accent1">
+              <a:shade val="50000"/>
+            </a:schemeClr>
+          </a:lnRef>
+          <a:fillRef idx="1">
+            <a:schemeClr val="accent1"/>
+          </a:fillRef>
+          <a:effectRef idx="0">
+            <a:schemeClr val="accent1"/>
+          </a:effectRef>
+          <a:fontRef idx="minor">
+            <a:schemeClr val="lt1"/>
+          </a:fontRef>
+        </p:style>
+        <p:txBody>
+          <a:bodyPr rtlCol="0" anchor="ctr"/>
+          <a:lstStyle/>
+          <a:p>
+            <a:pPr algn="ctr"/>
+            <a:r>
+              <a:rPr lang="es-MX" dirty="0">
+                <a:solidFill>
+                  <a:schemeClr val="accent2"/>
+                </a:solidFill>
+                <a:latin typeface="Proxima Nova" panose="020B0604020202020204" charset="0"/>
+              </a:rPr>
+              <a:t>Modelización</a:t>
+            </a:r>
+            <a:endParaRPr lang="es-AR" dirty="0">
+              <a:solidFill>
+                <a:schemeClr val="accent2"/>
+              </a:solidFill>
+              <a:latin typeface="Proxima Nova" panose="020B0604020202020204" charset="0"/>
+            </a:endParaRPr>
+          </a:p>
+        </p:txBody>
+      </p:sp>
+      <p:sp>
+        <p:nvSpPr>
+          <p:cNvPr id="9" name="Rectángulo: esquinas redondeadas 8">
+            <a:extLst>
+              <a:ext uri="{FF2B5EF4-FFF2-40B4-BE49-F238E27FC236}">
+                <a16:creationId xmlns:a16="http://schemas.microsoft.com/office/drawing/2014/main" id="{4A276890-EAB7-4F68-A4F0-5961C18E2333}"/>
+              </a:ext>
+            </a:extLst>
+          </p:cNvPr>
+          <p:cNvSpPr/>
+          <p:nvPr/>
+        </p:nvSpPr>
+        <p:spPr>
+          <a:xfrm>
+            <a:off x="2480872" y="1400935"/>
+            <a:ext cx="1828800" cy="457200"/>
+          </a:xfrm>
+          <a:prstGeom prst="roundRect">
+            <a:avLst/>
+          </a:prstGeom>
+          <a:noFill/>
+          <a:ln w="19050">
+            <a:solidFill>
+              <a:schemeClr val="tx2"/>
+            </a:solidFill>
+          </a:ln>
+        </p:spPr>
+        <p:style>
+          <a:lnRef idx="2">
+            <a:schemeClr val="accent1">
+              <a:shade val="50000"/>
+            </a:schemeClr>
+          </a:lnRef>
+          <a:fillRef idx="1">
+            <a:schemeClr val="accent1"/>
+          </a:fillRef>
+          <a:effectRef idx="0">
+            <a:schemeClr val="accent1"/>
+          </a:effectRef>
+          <a:fontRef idx="minor">
+            <a:schemeClr val="lt1"/>
+          </a:fontRef>
+        </p:style>
+        <p:txBody>
+          <a:bodyPr rtlCol="0" anchor="ctr"/>
+          <a:lstStyle/>
+          <a:p>
+            <a:pPr algn="ctr"/>
+            <a:r>
+              <a:rPr lang="es-MX" dirty="0">
+                <a:solidFill>
+                  <a:schemeClr val="accent2"/>
+                </a:solidFill>
+                <a:latin typeface="Proxima Nova" panose="020B0604020202020204" charset="0"/>
+              </a:rPr>
+              <a:t>Aprendizaje supervisado</a:t>
+            </a:r>
+            <a:endParaRPr lang="es-AR" dirty="0">
+              <a:solidFill>
+                <a:schemeClr val="accent2"/>
+              </a:solidFill>
+              <a:latin typeface="Proxima Nova" panose="020B0604020202020204" charset="0"/>
+            </a:endParaRPr>
+          </a:p>
+        </p:txBody>
+      </p:sp>
+      <p:sp>
+        <p:nvSpPr>
+          <p:cNvPr id="10" name="Rectángulo: esquinas redondeadas 9">
+            <a:extLst>
+              <a:ext uri="{FF2B5EF4-FFF2-40B4-BE49-F238E27FC236}">
+                <a16:creationId xmlns:a16="http://schemas.microsoft.com/office/drawing/2014/main" id="{B649CADF-86CA-4D53-8604-119C91D962C1}"/>
+              </a:ext>
+            </a:extLst>
+          </p:cNvPr>
+          <p:cNvSpPr/>
+          <p:nvPr/>
+        </p:nvSpPr>
+        <p:spPr>
+          <a:xfrm>
+            <a:off x="6138472" y="1400935"/>
+            <a:ext cx="1828800" cy="457200"/>
+          </a:xfrm>
+          <a:prstGeom prst="roundRect">
+            <a:avLst/>
+          </a:prstGeom>
+          <a:noFill/>
+          <a:ln w="19050">
+            <a:solidFill>
+              <a:schemeClr val="accent4"/>
+            </a:solidFill>
+          </a:ln>
+        </p:spPr>
+        <p:style>
+          <a:lnRef idx="2">
+            <a:schemeClr val="accent1">
+              <a:shade val="50000"/>
+            </a:schemeClr>
+          </a:lnRef>
+          <a:fillRef idx="1">
+            <a:schemeClr val="accent1"/>
+          </a:fillRef>
+          <a:effectRef idx="0">
+            <a:schemeClr val="accent1"/>
+          </a:effectRef>
+          <a:fontRef idx="minor">
+            <a:schemeClr val="lt1"/>
+          </a:fontRef>
+        </p:style>
+        <p:txBody>
+          <a:bodyPr rtlCol="0" anchor="ctr"/>
+          <a:lstStyle/>
+          <a:p>
+            <a:pPr algn="ctr"/>
+            <a:r>
+              <a:rPr lang="es-MX" dirty="0">
+                <a:solidFill>
+                  <a:schemeClr val="accent2"/>
+                </a:solidFill>
+                <a:latin typeface="Proxima Nova" panose="020B0604020202020204" charset="0"/>
+              </a:rPr>
+              <a:t>Aprendizaje no supervisado</a:t>
+            </a:r>
+            <a:endParaRPr lang="es-AR" dirty="0">
+              <a:solidFill>
+                <a:schemeClr val="accent2"/>
+              </a:solidFill>
+              <a:latin typeface="Proxima Nova" panose="020B0604020202020204" charset="0"/>
+            </a:endParaRPr>
+          </a:p>
+        </p:txBody>
+      </p:sp>
+      <p:sp>
+        <p:nvSpPr>
+          <p:cNvPr id="11" name="Rectángulo: esquinas redondeadas 10">
+            <a:extLst>
+              <a:ext uri="{FF2B5EF4-FFF2-40B4-BE49-F238E27FC236}">
+                <a16:creationId xmlns:a16="http://schemas.microsoft.com/office/drawing/2014/main" id="{84C45660-C9E1-4682-8D24-67D65EDC5AD7}"/>
+              </a:ext>
+            </a:extLst>
+          </p:cNvPr>
+          <p:cNvSpPr/>
+          <p:nvPr/>
+        </p:nvSpPr>
+        <p:spPr>
+          <a:xfrm>
+            <a:off x="367259" y="2115487"/>
+            <a:ext cx="1828800" cy="457200"/>
+          </a:xfrm>
+          <a:prstGeom prst="roundRect">
+            <a:avLst/>
+          </a:prstGeom>
+          <a:noFill/>
+          <a:ln w="19050">
+            <a:solidFill>
+              <a:schemeClr val="tx2"/>
+            </a:solidFill>
+          </a:ln>
+        </p:spPr>
+        <p:style>
+          <a:lnRef idx="2">
+            <a:schemeClr val="accent1">
+              <a:shade val="50000"/>
+            </a:schemeClr>
+          </a:lnRef>
+          <a:fillRef idx="1">
+            <a:schemeClr val="accent1"/>
+          </a:fillRef>
+          <a:effectRef idx="0">
+            <a:schemeClr val="accent1"/>
+          </a:effectRef>
+          <a:fontRef idx="minor">
+            <a:schemeClr val="lt1"/>
+          </a:fontRef>
+        </p:style>
+        <p:txBody>
+          <a:bodyPr rtlCol="0" anchor="ctr"/>
+          <a:lstStyle/>
+          <a:p>
+            <a:pPr algn="ctr"/>
+            <a:r>
+              <a:rPr lang="es-MX" dirty="0">
+                <a:solidFill>
+                  <a:schemeClr val="accent2"/>
+                </a:solidFill>
+                <a:latin typeface="Proxima Nova" panose="020B0604020202020204" charset="0"/>
+              </a:rPr>
+              <a:t>Regresión</a:t>
+            </a:r>
+            <a:endParaRPr lang="es-AR" dirty="0">
+              <a:solidFill>
+                <a:schemeClr val="accent2"/>
+              </a:solidFill>
+              <a:latin typeface="Proxima Nova" panose="020B0604020202020204" charset="0"/>
+            </a:endParaRPr>
+          </a:p>
+        </p:txBody>
+      </p:sp>
+      <p:sp>
+        <p:nvSpPr>
+          <p:cNvPr id="12" name="Rectángulo: esquinas redondeadas 11">
+            <a:extLst>
+              <a:ext uri="{FF2B5EF4-FFF2-40B4-BE49-F238E27FC236}">
+                <a16:creationId xmlns:a16="http://schemas.microsoft.com/office/drawing/2014/main" id="{71A5A473-C51D-457B-9320-56B40E145AED}"/>
+              </a:ext>
+            </a:extLst>
+          </p:cNvPr>
+          <p:cNvSpPr/>
+          <p:nvPr/>
+        </p:nvSpPr>
+        <p:spPr>
+          <a:xfrm>
+            <a:off x="3395272" y="2114550"/>
+            <a:ext cx="1828800" cy="457200"/>
+          </a:xfrm>
+          <a:prstGeom prst="roundRect">
+            <a:avLst/>
+          </a:prstGeom>
+          <a:noFill/>
+          <a:ln w="19050">
+            <a:solidFill>
+              <a:schemeClr val="tx2"/>
+            </a:solidFill>
+          </a:ln>
+        </p:spPr>
+        <p:style>
+          <a:lnRef idx="2">
+            <a:schemeClr val="accent1">
+              <a:shade val="50000"/>
+            </a:schemeClr>
+          </a:lnRef>
+          <a:fillRef idx="1">
+            <a:schemeClr val="accent1"/>
+          </a:fillRef>
+          <a:effectRef idx="0">
+            <a:schemeClr val="accent1"/>
+          </a:effectRef>
+          <a:fontRef idx="minor">
+            <a:schemeClr val="lt1"/>
+          </a:fontRef>
+        </p:style>
+        <p:txBody>
+          <a:bodyPr rtlCol="0" anchor="ctr"/>
+          <a:lstStyle/>
+          <a:p>
+            <a:pPr algn="ctr"/>
+            <a:r>
+              <a:rPr lang="es-MX" dirty="0">
+                <a:solidFill>
+                  <a:schemeClr val="accent2"/>
+                </a:solidFill>
+                <a:latin typeface="Proxima Nova" panose="020B0604020202020204" charset="0"/>
+              </a:rPr>
+              <a:t>Clasificación</a:t>
+            </a:r>
+            <a:endParaRPr lang="es-AR" dirty="0">
+              <a:solidFill>
+                <a:schemeClr val="accent2"/>
+              </a:solidFill>
+              <a:latin typeface="Proxima Nova" panose="020B0604020202020204" charset="0"/>
+            </a:endParaRPr>
+          </a:p>
+        </p:txBody>
+      </p:sp>
+      <p:sp>
+        <p:nvSpPr>
+          <p:cNvPr id="15" name="Hexágono 14">
+            <a:extLst>
+              <a:ext uri="{FF2B5EF4-FFF2-40B4-BE49-F238E27FC236}">
+                <a16:creationId xmlns:a16="http://schemas.microsoft.com/office/drawing/2014/main" id="{F6141949-D737-4BE2-9122-26956F8C60B8}"/>
+              </a:ext>
+            </a:extLst>
+          </p:cNvPr>
+          <p:cNvSpPr/>
+          <p:nvPr/>
+        </p:nvSpPr>
+        <p:spPr>
+          <a:xfrm>
+            <a:off x="244542" y="2946366"/>
+            <a:ext cx="1008000" cy="720000"/>
+          </a:xfrm>
+          <a:prstGeom prst="hexagon">
+            <a:avLst/>
+          </a:prstGeom>
+          <a:noFill/>
+          <a:ln w="19050">
+            <a:solidFill>
+              <a:schemeClr val="tx2"/>
+            </a:solidFill>
+          </a:ln>
+        </p:spPr>
+        <p:style>
+          <a:lnRef idx="2">
+            <a:schemeClr val="accent1">
+              <a:shade val="50000"/>
+            </a:schemeClr>
+          </a:lnRef>
+          <a:fillRef idx="1">
+            <a:schemeClr val="accent1"/>
+          </a:fillRef>
+          <a:effectRef idx="0">
+            <a:schemeClr val="accent1"/>
+          </a:effectRef>
+          <a:fontRef idx="minor">
+            <a:schemeClr val="lt1"/>
+          </a:fontRef>
+        </p:style>
+        <p:txBody>
+          <a:bodyPr rtlCol="0" anchor="ctr"/>
+          <a:lstStyle/>
+          <a:p>
+            <a:pPr algn="ctr"/>
+            <a:r>
+              <a:rPr lang="es-MX" sz="1050" dirty="0">
+                <a:solidFill>
+                  <a:schemeClr val="accent2"/>
+                </a:solidFill>
+                <a:latin typeface="Proxima Nova" panose="020B0604020202020204" charset="0"/>
+              </a:rPr>
+              <a:t>Simple</a:t>
+            </a:r>
+            <a:endParaRPr lang="es-AR" sz="1050" dirty="0">
+              <a:solidFill>
+                <a:schemeClr val="accent2"/>
+              </a:solidFill>
+              <a:latin typeface="Proxima Nova" panose="020B0604020202020204" charset="0"/>
+            </a:endParaRPr>
+          </a:p>
+        </p:txBody>
+      </p:sp>
+      <p:sp>
+        <p:nvSpPr>
+          <p:cNvPr id="16" name="Hexágono 15">
+            <a:extLst>
+              <a:ext uri="{FF2B5EF4-FFF2-40B4-BE49-F238E27FC236}">
+                <a16:creationId xmlns:a16="http://schemas.microsoft.com/office/drawing/2014/main" id="{9961A3D7-B739-4884-8B84-3074ECF546FC}"/>
+              </a:ext>
+            </a:extLst>
+          </p:cNvPr>
+          <p:cNvSpPr/>
+          <p:nvPr/>
+        </p:nvSpPr>
+        <p:spPr>
+          <a:xfrm>
+            <a:off x="1315476" y="2946366"/>
+            <a:ext cx="1008000" cy="720000"/>
+          </a:xfrm>
+          <a:prstGeom prst="hexagon">
+            <a:avLst/>
+          </a:prstGeom>
+          <a:noFill/>
+          <a:ln w="19050">
+            <a:solidFill>
+              <a:schemeClr val="tx2"/>
+            </a:solidFill>
+          </a:ln>
+        </p:spPr>
+        <p:style>
+          <a:lnRef idx="2">
+            <a:schemeClr val="accent1">
+              <a:shade val="50000"/>
+            </a:schemeClr>
+          </a:lnRef>
+          <a:fillRef idx="1">
+            <a:schemeClr val="accent1"/>
+          </a:fillRef>
+          <a:effectRef idx="0">
+            <a:schemeClr val="accent1"/>
+          </a:effectRef>
+          <a:fontRef idx="minor">
+            <a:schemeClr val="lt1"/>
+          </a:fontRef>
+        </p:style>
+        <p:txBody>
+          <a:bodyPr rtlCol="0" anchor="ctr"/>
+          <a:lstStyle/>
+          <a:p>
+            <a:pPr algn="ctr"/>
+            <a:r>
+              <a:rPr lang="es-MX" sz="1050" dirty="0">
+                <a:solidFill>
+                  <a:schemeClr val="accent2"/>
+                </a:solidFill>
+                <a:latin typeface="Proxima Nova" panose="020B0604020202020204" charset="0"/>
+              </a:rPr>
+              <a:t>Múltiple</a:t>
+            </a:r>
+            <a:endParaRPr lang="es-AR" sz="1050" dirty="0">
+              <a:solidFill>
+                <a:schemeClr val="accent2"/>
+              </a:solidFill>
+              <a:latin typeface="Proxima Nova" panose="020B0604020202020204" charset="0"/>
+            </a:endParaRPr>
+          </a:p>
+        </p:txBody>
+      </p:sp>
+      <p:sp>
+        <p:nvSpPr>
+          <p:cNvPr id="18" name="Hexágono 17">
+            <a:extLst>
+              <a:ext uri="{FF2B5EF4-FFF2-40B4-BE49-F238E27FC236}">
+                <a16:creationId xmlns:a16="http://schemas.microsoft.com/office/drawing/2014/main" id="{C9932A63-2CAB-4E2D-9825-0475BF88F7A0}"/>
+              </a:ext>
+            </a:extLst>
+          </p:cNvPr>
+          <p:cNvSpPr/>
+          <p:nvPr/>
+        </p:nvSpPr>
+        <p:spPr>
+          <a:xfrm>
+            <a:off x="6026046" y="2133912"/>
+            <a:ext cx="1087946" cy="720000"/>
+          </a:xfrm>
+          <a:prstGeom prst="hexagon">
+            <a:avLst/>
+          </a:prstGeom>
+          <a:noFill/>
+          <a:ln w="19050">
+            <a:solidFill>
+              <a:schemeClr val="accent4"/>
+            </a:solidFill>
+          </a:ln>
+        </p:spPr>
+        <p:style>
+          <a:lnRef idx="2">
+            <a:schemeClr val="accent1">
+              <a:shade val="50000"/>
+            </a:schemeClr>
+          </a:lnRef>
+          <a:fillRef idx="1">
+            <a:schemeClr val="accent1"/>
+          </a:fillRef>
+          <a:effectRef idx="0">
+            <a:schemeClr val="accent1"/>
+          </a:effectRef>
+          <a:fontRef idx="minor">
+            <a:schemeClr val="lt1"/>
+          </a:fontRef>
+        </p:style>
+        <p:txBody>
+          <a:bodyPr rtlCol="0" anchor="ctr"/>
+          <a:lstStyle/>
+          <a:p>
+            <a:pPr algn="ctr"/>
+            <a:r>
+              <a:rPr lang="es-MX" sz="1050" dirty="0" err="1">
+                <a:solidFill>
+                  <a:schemeClr val="accent2"/>
+                </a:solidFill>
+                <a:latin typeface="Proxima Nova" panose="020B0604020202020204" charset="0"/>
+              </a:rPr>
+              <a:t>Clustering</a:t>
+            </a:r>
+            <a:endParaRPr lang="es-AR" sz="1050" dirty="0">
+              <a:solidFill>
+                <a:schemeClr val="accent2"/>
+              </a:solidFill>
+              <a:latin typeface="Proxima Nova" panose="020B0604020202020204" charset="0"/>
+            </a:endParaRPr>
+          </a:p>
+        </p:txBody>
+      </p:sp>
+      <p:sp>
+        <p:nvSpPr>
+          <p:cNvPr id="19" name="Hexágono 18">
+            <a:extLst>
+              <a:ext uri="{FF2B5EF4-FFF2-40B4-BE49-F238E27FC236}">
+                <a16:creationId xmlns:a16="http://schemas.microsoft.com/office/drawing/2014/main" id="{29BDC7DB-4962-4B47-83B4-B72C48164E29}"/>
+              </a:ext>
+            </a:extLst>
+          </p:cNvPr>
+          <p:cNvSpPr/>
+          <p:nvPr/>
+        </p:nvSpPr>
+        <p:spPr>
+          <a:xfrm>
+            <a:off x="7199411" y="2133912"/>
+            <a:ext cx="1008000" cy="720000"/>
+          </a:xfrm>
+          <a:prstGeom prst="hexagon">
+            <a:avLst/>
+          </a:prstGeom>
+          <a:noFill/>
+          <a:ln w="19050">
+            <a:solidFill>
+              <a:schemeClr val="accent4"/>
+            </a:solidFill>
+          </a:ln>
+        </p:spPr>
+        <p:style>
+          <a:lnRef idx="2">
+            <a:schemeClr val="accent1">
+              <a:shade val="50000"/>
+            </a:schemeClr>
+          </a:lnRef>
+          <a:fillRef idx="1">
+            <a:schemeClr val="accent1"/>
+          </a:fillRef>
+          <a:effectRef idx="0">
+            <a:schemeClr val="accent1"/>
+          </a:effectRef>
+          <a:fontRef idx="minor">
+            <a:schemeClr val="lt1"/>
+          </a:fontRef>
+        </p:style>
+        <p:txBody>
+          <a:bodyPr rtlCol="0" anchor="ctr"/>
+          <a:lstStyle/>
+          <a:p>
+            <a:pPr algn="ctr"/>
+            <a:r>
+              <a:rPr lang="es-MX" sz="1050" dirty="0">
+                <a:solidFill>
+                  <a:schemeClr val="accent2"/>
+                </a:solidFill>
+                <a:latin typeface="Proxima Nova" panose="020B0604020202020204" charset="0"/>
+              </a:rPr>
+              <a:t>PCA</a:t>
+            </a:r>
+            <a:endParaRPr lang="es-AR" sz="1050" dirty="0">
+              <a:solidFill>
+                <a:schemeClr val="accent2"/>
+              </a:solidFill>
+              <a:latin typeface="Proxima Nova" panose="020B0604020202020204" charset="0"/>
+            </a:endParaRPr>
+          </a:p>
+        </p:txBody>
+      </p:sp>
+      <p:sp>
+        <p:nvSpPr>
+          <p:cNvPr id="20" name="Hexágono 19">
+            <a:extLst>
+              <a:ext uri="{FF2B5EF4-FFF2-40B4-BE49-F238E27FC236}">
+                <a16:creationId xmlns:a16="http://schemas.microsoft.com/office/drawing/2014/main" id="{C213F2BA-31F1-48E9-92AE-02682E122CBA}"/>
+              </a:ext>
+            </a:extLst>
+          </p:cNvPr>
+          <p:cNvSpPr/>
+          <p:nvPr/>
+        </p:nvSpPr>
+        <p:spPr>
+          <a:xfrm>
+            <a:off x="3003699" y="3935665"/>
+            <a:ext cx="1087946" cy="720000"/>
+          </a:xfrm>
+          <a:prstGeom prst="hexagon">
+            <a:avLst/>
+          </a:prstGeom>
+          <a:noFill/>
+          <a:ln w="19050">
+            <a:solidFill>
+              <a:schemeClr val="tx2"/>
+            </a:solidFill>
+          </a:ln>
+        </p:spPr>
+        <p:style>
+          <a:lnRef idx="2">
+            <a:schemeClr val="accent1">
+              <a:shade val="50000"/>
+            </a:schemeClr>
+          </a:lnRef>
+          <a:fillRef idx="1">
+            <a:schemeClr val="accent1"/>
+          </a:fillRef>
+          <a:effectRef idx="0">
+            <a:schemeClr val="accent1"/>
+          </a:effectRef>
+          <a:fontRef idx="minor">
+            <a:schemeClr val="lt1"/>
+          </a:fontRef>
+        </p:style>
+        <p:txBody>
+          <a:bodyPr rtlCol="0" anchor="ctr"/>
+          <a:lstStyle/>
+          <a:p>
+            <a:pPr algn="ctr"/>
+            <a:r>
+              <a:rPr lang="es-MX" sz="1050" dirty="0">
+                <a:solidFill>
+                  <a:schemeClr val="accent2"/>
+                </a:solidFill>
+                <a:latin typeface="Proxima Nova" panose="020B0604020202020204" charset="0"/>
+              </a:rPr>
+              <a:t>KNN</a:t>
+            </a:r>
+            <a:endParaRPr lang="es-AR" sz="1050" dirty="0">
+              <a:solidFill>
+                <a:schemeClr val="accent2"/>
+              </a:solidFill>
+              <a:latin typeface="Proxima Nova" panose="020B0604020202020204" charset="0"/>
+            </a:endParaRPr>
+          </a:p>
+        </p:txBody>
+      </p:sp>
+      <p:sp>
+        <p:nvSpPr>
+          <p:cNvPr id="21" name="Hexágono 20">
+            <a:extLst>
+              <a:ext uri="{FF2B5EF4-FFF2-40B4-BE49-F238E27FC236}">
+                <a16:creationId xmlns:a16="http://schemas.microsoft.com/office/drawing/2014/main" id="{97216F1F-A4F2-4D04-B1C8-9E2FFD92A4E4}"/>
+              </a:ext>
+            </a:extLst>
+          </p:cNvPr>
+          <p:cNvSpPr/>
+          <p:nvPr/>
+        </p:nvSpPr>
+        <p:spPr>
+          <a:xfrm>
+            <a:off x="4465909" y="3943782"/>
+            <a:ext cx="1087946" cy="720000"/>
+          </a:xfrm>
+          <a:prstGeom prst="hexagon">
+            <a:avLst/>
+          </a:prstGeom>
+          <a:noFill/>
+          <a:ln w="19050">
+            <a:solidFill>
+              <a:schemeClr val="tx2"/>
+            </a:solidFill>
+          </a:ln>
+        </p:spPr>
+        <p:style>
+          <a:lnRef idx="2">
+            <a:schemeClr val="accent1">
+              <a:shade val="50000"/>
+            </a:schemeClr>
+          </a:lnRef>
+          <a:fillRef idx="1">
+            <a:schemeClr val="accent1"/>
+          </a:fillRef>
+          <a:effectRef idx="0">
+            <a:schemeClr val="accent1"/>
+          </a:effectRef>
+          <a:fontRef idx="minor">
+            <a:schemeClr val="lt1"/>
+          </a:fontRef>
+        </p:style>
+        <p:txBody>
+          <a:bodyPr rtlCol="0" anchor="ctr"/>
+          <a:lstStyle/>
+          <a:p>
+            <a:pPr algn="ctr"/>
+            <a:r>
+              <a:rPr lang="es-MX" sz="1050" dirty="0">
+                <a:solidFill>
+                  <a:schemeClr val="accent2"/>
+                </a:solidFill>
+                <a:latin typeface="Proxima Nova" panose="020B0604020202020204" charset="0"/>
+              </a:rPr>
+              <a:t>Regresión logística</a:t>
+            </a:r>
+            <a:endParaRPr lang="es-AR" sz="1050" dirty="0">
+              <a:solidFill>
+                <a:schemeClr val="accent2"/>
+              </a:solidFill>
+              <a:latin typeface="Proxima Nova" panose="020B0604020202020204" charset="0"/>
+            </a:endParaRPr>
+          </a:p>
+        </p:txBody>
+      </p:sp>
+      <p:sp>
+        <p:nvSpPr>
+          <p:cNvPr id="22" name="Hexágono 21">
+            <a:extLst>
+              <a:ext uri="{FF2B5EF4-FFF2-40B4-BE49-F238E27FC236}">
+                <a16:creationId xmlns:a16="http://schemas.microsoft.com/office/drawing/2014/main" id="{9448D5DB-40E2-440C-B311-7317E78E6ED1}"/>
+              </a:ext>
+            </a:extLst>
+          </p:cNvPr>
+          <p:cNvSpPr/>
+          <p:nvPr/>
+        </p:nvSpPr>
+        <p:spPr>
+          <a:xfrm>
+            <a:off x="5594499" y="3943782"/>
+            <a:ext cx="1087946" cy="720000"/>
+          </a:xfrm>
+          <a:prstGeom prst="hexagon">
+            <a:avLst/>
+          </a:prstGeom>
+          <a:noFill/>
+          <a:ln w="19050">
+            <a:solidFill>
+              <a:schemeClr val="tx2"/>
+            </a:solidFill>
+          </a:ln>
+        </p:spPr>
+        <p:style>
+          <a:lnRef idx="2">
+            <a:schemeClr val="accent1">
+              <a:shade val="50000"/>
+            </a:schemeClr>
+          </a:lnRef>
+          <a:fillRef idx="1">
+            <a:schemeClr val="accent1"/>
+          </a:fillRef>
+          <a:effectRef idx="0">
+            <a:schemeClr val="accent1"/>
+          </a:effectRef>
+          <a:fontRef idx="minor">
+            <a:schemeClr val="lt1"/>
+          </a:fontRef>
+        </p:style>
+        <p:txBody>
+          <a:bodyPr rtlCol="0" anchor="ctr"/>
+          <a:lstStyle/>
+          <a:p>
+            <a:pPr algn="ctr"/>
+            <a:r>
+              <a:rPr lang="es-MX" sz="1050" dirty="0">
+                <a:solidFill>
+                  <a:schemeClr val="accent2"/>
+                </a:solidFill>
+                <a:latin typeface="Proxima Nova" panose="020B0604020202020204" charset="0"/>
+              </a:rPr>
+              <a:t>LDA</a:t>
+            </a:r>
+            <a:endParaRPr lang="es-AR" sz="1050" dirty="0">
+              <a:solidFill>
+                <a:schemeClr val="accent2"/>
+              </a:solidFill>
+              <a:latin typeface="Proxima Nova" panose="020B0604020202020204" charset="0"/>
+            </a:endParaRPr>
+          </a:p>
+        </p:txBody>
+      </p:sp>
+      <p:sp>
+        <p:nvSpPr>
+          <p:cNvPr id="23" name="Rectángulo: esquinas redondeadas 22">
+            <a:extLst>
+              <a:ext uri="{FF2B5EF4-FFF2-40B4-BE49-F238E27FC236}">
+                <a16:creationId xmlns:a16="http://schemas.microsoft.com/office/drawing/2014/main" id="{B9A89CBC-6B47-41DB-9701-F40FC126C137}"/>
+              </a:ext>
+            </a:extLst>
+          </p:cNvPr>
+          <p:cNvSpPr/>
+          <p:nvPr/>
+        </p:nvSpPr>
+        <p:spPr>
+          <a:xfrm>
+            <a:off x="2633272" y="3211058"/>
+            <a:ext cx="1828800" cy="457200"/>
+          </a:xfrm>
+          <a:prstGeom prst="roundRect">
+            <a:avLst/>
+          </a:prstGeom>
+          <a:noFill/>
+          <a:ln w="19050">
+            <a:solidFill>
+              <a:schemeClr val="tx2"/>
+            </a:solidFill>
+          </a:ln>
+        </p:spPr>
+        <p:style>
+          <a:lnRef idx="2">
+            <a:schemeClr val="accent1">
+              <a:shade val="50000"/>
+            </a:schemeClr>
+          </a:lnRef>
+          <a:fillRef idx="1">
+            <a:schemeClr val="accent1"/>
+          </a:fillRef>
+          <a:effectRef idx="0">
+            <a:schemeClr val="accent1"/>
+          </a:effectRef>
+          <a:fontRef idx="minor">
+            <a:schemeClr val="lt1"/>
+          </a:fontRef>
+        </p:style>
+        <p:txBody>
+          <a:bodyPr rtlCol="0" anchor="ctr"/>
+          <a:lstStyle/>
+          <a:p>
+            <a:pPr algn="ctr"/>
+            <a:r>
+              <a:rPr lang="es-MX" dirty="0">
+                <a:solidFill>
+                  <a:schemeClr val="accent2"/>
+                </a:solidFill>
+                <a:latin typeface="Proxima Nova" panose="020B0604020202020204" charset="0"/>
+              </a:rPr>
+              <a:t>No paramétricos</a:t>
+            </a:r>
+            <a:endParaRPr lang="es-AR" dirty="0">
+              <a:solidFill>
+                <a:schemeClr val="accent2"/>
+              </a:solidFill>
+              <a:latin typeface="Proxima Nova" panose="020B0604020202020204" charset="0"/>
+            </a:endParaRPr>
+          </a:p>
+        </p:txBody>
+      </p:sp>
+      <p:sp>
+        <p:nvSpPr>
+          <p:cNvPr id="24" name="Rectángulo: esquinas redondeadas 23">
+            <a:extLst>
+              <a:ext uri="{FF2B5EF4-FFF2-40B4-BE49-F238E27FC236}">
+                <a16:creationId xmlns:a16="http://schemas.microsoft.com/office/drawing/2014/main" id="{39E022CC-60EF-4D14-A8D8-A2272C00939F}"/>
+              </a:ext>
+            </a:extLst>
+          </p:cNvPr>
+          <p:cNvSpPr/>
+          <p:nvPr/>
+        </p:nvSpPr>
+        <p:spPr>
+          <a:xfrm>
+            <a:off x="4621968" y="3209166"/>
+            <a:ext cx="1828800" cy="457200"/>
+          </a:xfrm>
+          <a:prstGeom prst="roundRect">
+            <a:avLst/>
+          </a:prstGeom>
+          <a:noFill/>
+          <a:ln w="19050">
+            <a:solidFill>
+              <a:schemeClr val="tx2"/>
+            </a:solidFill>
+          </a:ln>
+        </p:spPr>
+        <p:style>
+          <a:lnRef idx="2">
+            <a:schemeClr val="accent1">
+              <a:shade val="50000"/>
+            </a:schemeClr>
+          </a:lnRef>
+          <a:fillRef idx="1">
+            <a:schemeClr val="accent1"/>
+          </a:fillRef>
+          <a:effectRef idx="0">
+            <a:schemeClr val="accent1"/>
+          </a:effectRef>
+          <a:fontRef idx="minor">
+            <a:schemeClr val="lt1"/>
+          </a:fontRef>
+        </p:style>
+        <p:txBody>
+          <a:bodyPr rtlCol="0" anchor="ctr"/>
+          <a:lstStyle/>
+          <a:p>
+            <a:pPr algn="ctr"/>
+            <a:r>
+              <a:rPr lang="es-MX" dirty="0">
+                <a:solidFill>
+                  <a:schemeClr val="accent2"/>
+                </a:solidFill>
+                <a:latin typeface="Proxima Nova" panose="020B0604020202020204" charset="0"/>
+              </a:rPr>
+              <a:t>Paramétricos</a:t>
+            </a:r>
+            <a:endParaRPr lang="es-AR" dirty="0">
+              <a:solidFill>
+                <a:schemeClr val="accent2"/>
+              </a:solidFill>
+              <a:latin typeface="Proxima Nova" panose="020B0604020202020204" charset="0"/>
+            </a:endParaRPr>
+          </a:p>
+        </p:txBody>
+      </p:sp>
+      <p:sp>
+        <p:nvSpPr>
+          <p:cNvPr id="26" name="CuadroTexto 25">
+            <a:extLst>
+              <a:ext uri="{FF2B5EF4-FFF2-40B4-BE49-F238E27FC236}">
+                <a16:creationId xmlns:a16="http://schemas.microsoft.com/office/drawing/2014/main" id="{A7668AA0-CC5A-4B98-B787-53376E47FE87}"/>
+              </a:ext>
+            </a:extLst>
+          </p:cNvPr>
+          <p:cNvSpPr txBox="1"/>
+          <p:nvPr/>
+        </p:nvSpPr>
+        <p:spPr>
+          <a:xfrm>
+            <a:off x="73863" y="3740046"/>
+            <a:ext cx="1207647" cy="307777"/>
+          </a:xfrm>
+          <a:prstGeom prst="rect">
+            <a:avLst/>
+          </a:prstGeom>
+          <a:noFill/>
+        </p:spPr>
+        <p:txBody>
+          <a:bodyPr wrap="square">
+            <a:spAutoFit/>
+          </a:bodyPr>
+          <a:lstStyle/>
+          <a:p>
+            <a:pPr algn="ctr"/>
+            <a:r>
+              <a:rPr lang="es-MX" dirty="0">
+                <a:solidFill>
+                  <a:schemeClr val="accent2"/>
+                </a:solidFill>
+                <a:latin typeface="Proxima Nova" panose="020B0604020202020204" charset="0"/>
+              </a:rPr>
+              <a:t>Paramétricos</a:t>
+            </a:r>
+            <a:endParaRPr lang="es-AR" dirty="0">
+              <a:solidFill>
+                <a:schemeClr val="accent2"/>
+              </a:solidFill>
+              <a:latin typeface="Proxima Nova" panose="020B0604020202020204" charset="0"/>
+            </a:endParaRPr>
+          </a:p>
+        </p:txBody>
+      </p:sp>
+      <p:sp>
+        <p:nvSpPr>
+          <p:cNvPr id="7" name="Rectángulo: esquinas redondeadas 6">
+            <a:extLst>
+              <a:ext uri="{FF2B5EF4-FFF2-40B4-BE49-F238E27FC236}">
+                <a16:creationId xmlns:a16="http://schemas.microsoft.com/office/drawing/2014/main" id="{A28C60AB-8F1A-4DE9-A40E-B9FC934997D3}"/>
+              </a:ext>
+            </a:extLst>
+          </p:cNvPr>
+          <p:cNvSpPr/>
+          <p:nvPr/>
+        </p:nvSpPr>
+        <p:spPr>
+          <a:xfrm>
+            <a:off x="172387" y="2853912"/>
+            <a:ext cx="2218247" cy="886134"/>
+          </a:xfrm>
+          <a:prstGeom prst="roundRect">
+            <a:avLst/>
+          </a:prstGeom>
+          <a:noFill/>
+          <a:ln w="19050">
+            <a:solidFill>
+              <a:schemeClr val="accent4"/>
+            </a:solidFill>
+            <a:prstDash val="dash"/>
+          </a:ln>
+        </p:spPr>
+        <p:style>
+          <a:lnRef idx="2">
+            <a:schemeClr val="accent1">
+              <a:shade val="50000"/>
+            </a:schemeClr>
+          </a:lnRef>
+          <a:fillRef idx="1">
+            <a:schemeClr val="accent1"/>
+          </a:fillRef>
+          <a:effectRef idx="0">
+            <a:schemeClr val="accent1"/>
+          </a:effectRef>
+          <a:fontRef idx="minor">
+            <a:schemeClr val="lt1"/>
+          </a:fontRef>
+        </p:style>
+        <p:txBody>
+          <a:bodyPr rtlCol="0" anchor="ctr"/>
+          <a:lstStyle/>
+          <a:p>
+            <a:pPr algn="ctr"/>
+            <a:endParaRPr lang="es-AR"/>
+          </a:p>
+        </p:txBody>
+      </p:sp>
+      <p:cxnSp>
+        <p:nvCxnSpPr>
+          <p:cNvPr id="27" name="Conector recto 26">
+            <a:extLst>
+              <a:ext uri="{FF2B5EF4-FFF2-40B4-BE49-F238E27FC236}">
+                <a16:creationId xmlns:a16="http://schemas.microsoft.com/office/drawing/2014/main" id="{77E1FACB-771C-4678-8AEC-39BF517E1D99}"/>
+              </a:ext>
+            </a:extLst>
+          </p:cNvPr>
+          <p:cNvCxnSpPr>
+            <a:stCxn id="11" idx="2"/>
+          </p:cNvCxnSpPr>
+          <p:nvPr/>
+        </p:nvCxnSpPr>
+        <p:spPr>
+          <a:xfrm flipH="1">
+            <a:off x="748542" y="2572687"/>
+            <a:ext cx="533117" cy="373679"/>
+          </a:xfrm>
+          <a:prstGeom prst="line">
+            <a:avLst/>
+          </a:prstGeom>
+          <a:ln w="19050">
+            <a:solidFill>
+              <a:schemeClr val="tx2"/>
+            </a:solidFill>
+          </a:ln>
+        </p:spPr>
+        <p:style>
+          <a:lnRef idx="1">
+            <a:schemeClr val="accent1"/>
+          </a:lnRef>
+          <a:fillRef idx="0">
+            <a:schemeClr val="accent1"/>
+          </a:fillRef>
+          <a:effectRef idx="0">
+            <a:schemeClr val="accent1"/>
+          </a:effectRef>
+          <a:fontRef idx="minor">
+            <a:schemeClr val="tx1"/>
+          </a:fontRef>
+        </p:style>
+      </p:cxnSp>
+      <p:cxnSp>
+        <p:nvCxnSpPr>
+          <p:cNvPr id="30" name="Conector recto 29">
+            <a:extLst>
+              <a:ext uri="{FF2B5EF4-FFF2-40B4-BE49-F238E27FC236}">
+                <a16:creationId xmlns:a16="http://schemas.microsoft.com/office/drawing/2014/main" id="{0F40D13E-8445-47B1-A87F-A5950F6CF87E}"/>
+              </a:ext>
+            </a:extLst>
+          </p:cNvPr>
+          <p:cNvCxnSpPr>
+            <a:cxnSpLocks/>
+            <a:stCxn id="11" idx="2"/>
+          </p:cNvCxnSpPr>
+          <p:nvPr/>
+        </p:nvCxnSpPr>
+        <p:spPr>
+          <a:xfrm>
+            <a:off x="1281659" y="2572687"/>
+            <a:ext cx="547038" cy="373679"/>
+          </a:xfrm>
+          <a:prstGeom prst="line">
+            <a:avLst/>
+          </a:prstGeom>
+          <a:ln w="19050">
+            <a:solidFill>
+              <a:schemeClr val="tx2"/>
+            </a:solidFill>
+          </a:ln>
+        </p:spPr>
+        <p:style>
+          <a:lnRef idx="1">
+            <a:schemeClr val="accent1"/>
+          </a:lnRef>
+          <a:fillRef idx="0">
+            <a:schemeClr val="accent1"/>
+          </a:fillRef>
+          <a:effectRef idx="0">
+            <a:schemeClr val="accent1"/>
+          </a:effectRef>
+          <a:fontRef idx="minor">
+            <a:schemeClr val="tx1"/>
+          </a:fontRef>
+        </p:style>
+      </p:cxnSp>
+      <p:cxnSp>
+        <p:nvCxnSpPr>
+          <p:cNvPr id="33" name="Conector recto 32">
+            <a:extLst>
+              <a:ext uri="{FF2B5EF4-FFF2-40B4-BE49-F238E27FC236}">
+                <a16:creationId xmlns:a16="http://schemas.microsoft.com/office/drawing/2014/main" id="{7CEEF7BB-59F9-4FD2-B3AB-532406514BF7}"/>
+              </a:ext>
+            </a:extLst>
+          </p:cNvPr>
+          <p:cNvCxnSpPr>
+            <a:cxnSpLocks/>
+            <a:stCxn id="9" idx="2"/>
+            <a:endCxn id="11" idx="0"/>
+          </p:cNvCxnSpPr>
+          <p:nvPr/>
+        </p:nvCxnSpPr>
+        <p:spPr>
+          <a:xfrm flipH="1">
+            <a:off x="1281659" y="1858135"/>
+            <a:ext cx="2113613" cy="257352"/>
+          </a:xfrm>
+          <a:prstGeom prst="line">
+            <a:avLst/>
+          </a:prstGeom>
+          <a:ln w="19050">
+            <a:solidFill>
+              <a:schemeClr val="tx2"/>
+            </a:solidFill>
+          </a:ln>
+        </p:spPr>
+        <p:style>
+          <a:lnRef idx="1">
+            <a:schemeClr val="accent1"/>
+          </a:lnRef>
+          <a:fillRef idx="0">
+            <a:schemeClr val="accent1"/>
+          </a:fillRef>
+          <a:effectRef idx="0">
+            <a:schemeClr val="accent1"/>
+          </a:effectRef>
+          <a:fontRef idx="minor">
+            <a:schemeClr val="tx1"/>
+          </a:fontRef>
+        </p:style>
+      </p:cxnSp>
+      <p:cxnSp>
+        <p:nvCxnSpPr>
+          <p:cNvPr id="36" name="Conector recto 35">
+            <a:extLst>
+              <a:ext uri="{FF2B5EF4-FFF2-40B4-BE49-F238E27FC236}">
+                <a16:creationId xmlns:a16="http://schemas.microsoft.com/office/drawing/2014/main" id="{E6DF477B-E1A1-420E-99FE-F4FEFB8B0159}"/>
+              </a:ext>
+            </a:extLst>
+          </p:cNvPr>
+          <p:cNvCxnSpPr>
+            <a:cxnSpLocks/>
+            <a:stCxn id="9" idx="2"/>
+            <a:endCxn id="12" idx="0"/>
+          </p:cNvCxnSpPr>
+          <p:nvPr/>
+        </p:nvCxnSpPr>
+        <p:spPr>
+          <a:xfrm>
+            <a:off x="3395272" y="1858135"/>
+            <a:ext cx="914400" cy="256415"/>
+          </a:xfrm>
+          <a:prstGeom prst="line">
+            <a:avLst/>
+          </a:prstGeom>
+          <a:ln w="19050">
+            <a:solidFill>
+              <a:schemeClr val="tx2"/>
+            </a:solidFill>
+          </a:ln>
+        </p:spPr>
+        <p:style>
+          <a:lnRef idx="1">
+            <a:schemeClr val="accent1"/>
+          </a:lnRef>
+          <a:fillRef idx="0">
+            <a:schemeClr val="accent1"/>
+          </a:fillRef>
+          <a:effectRef idx="0">
+            <a:schemeClr val="accent1"/>
+          </a:effectRef>
+          <a:fontRef idx="minor">
+            <a:schemeClr val="tx1"/>
+          </a:fontRef>
+        </p:style>
+      </p:cxnSp>
+      <p:cxnSp>
+        <p:nvCxnSpPr>
+          <p:cNvPr id="39" name="Conector recto 38">
+            <a:extLst>
+              <a:ext uri="{FF2B5EF4-FFF2-40B4-BE49-F238E27FC236}">
+                <a16:creationId xmlns:a16="http://schemas.microsoft.com/office/drawing/2014/main" id="{8DED36CA-EBB0-4414-9220-3514866BE20E}"/>
+              </a:ext>
+            </a:extLst>
+          </p:cNvPr>
+          <p:cNvCxnSpPr>
+            <a:cxnSpLocks/>
+            <a:stCxn id="5" idx="2"/>
+            <a:endCxn id="9" idx="0"/>
+          </p:cNvCxnSpPr>
+          <p:nvPr/>
+        </p:nvCxnSpPr>
+        <p:spPr>
+          <a:xfrm flipH="1">
+            <a:off x="3395272" y="1170442"/>
+            <a:ext cx="1828800" cy="230493"/>
+          </a:xfrm>
+          <a:prstGeom prst="line">
+            <a:avLst/>
+          </a:prstGeom>
+          <a:ln w="19050">
+            <a:solidFill>
+              <a:schemeClr val="tx2"/>
+            </a:solidFill>
+          </a:ln>
+        </p:spPr>
+        <p:style>
+          <a:lnRef idx="1">
+            <a:schemeClr val="accent1"/>
+          </a:lnRef>
+          <a:fillRef idx="0">
+            <a:schemeClr val="accent1"/>
+          </a:fillRef>
+          <a:effectRef idx="0">
+            <a:schemeClr val="accent1"/>
+          </a:effectRef>
+          <a:fontRef idx="minor">
+            <a:schemeClr val="tx1"/>
+          </a:fontRef>
+        </p:style>
+      </p:cxnSp>
+      <p:cxnSp>
+        <p:nvCxnSpPr>
+          <p:cNvPr id="42" name="Conector recto 41">
+            <a:extLst>
+              <a:ext uri="{FF2B5EF4-FFF2-40B4-BE49-F238E27FC236}">
+                <a16:creationId xmlns:a16="http://schemas.microsoft.com/office/drawing/2014/main" id="{36296CC0-4538-4702-BAE5-618BF6EC547F}"/>
+              </a:ext>
+            </a:extLst>
+          </p:cNvPr>
+          <p:cNvCxnSpPr>
+            <a:cxnSpLocks/>
+            <a:stCxn id="5" idx="2"/>
+            <a:endCxn id="10" idx="0"/>
+          </p:cNvCxnSpPr>
+          <p:nvPr/>
+        </p:nvCxnSpPr>
+        <p:spPr>
+          <a:xfrm>
+            <a:off x="5224072" y="1170442"/>
+            <a:ext cx="1828800" cy="230493"/>
+          </a:xfrm>
+          <a:prstGeom prst="line">
+            <a:avLst/>
+          </a:prstGeom>
+          <a:ln w="19050">
+            <a:solidFill>
+              <a:schemeClr val="accent4"/>
+            </a:solidFill>
+          </a:ln>
+        </p:spPr>
+        <p:style>
+          <a:lnRef idx="1">
+            <a:schemeClr val="accent1"/>
+          </a:lnRef>
+          <a:fillRef idx="0">
+            <a:schemeClr val="accent1"/>
+          </a:fillRef>
+          <a:effectRef idx="0">
+            <a:schemeClr val="accent1"/>
+          </a:effectRef>
+          <a:fontRef idx="minor">
+            <a:schemeClr val="tx1"/>
+          </a:fontRef>
+        </p:style>
+      </p:cxnSp>
+      <p:cxnSp>
+        <p:nvCxnSpPr>
+          <p:cNvPr id="45" name="Conector recto 44">
+            <a:extLst>
+              <a:ext uri="{FF2B5EF4-FFF2-40B4-BE49-F238E27FC236}">
+                <a16:creationId xmlns:a16="http://schemas.microsoft.com/office/drawing/2014/main" id="{0A0F49A6-13A2-455D-BE09-F1DA863A84CA}"/>
+              </a:ext>
+            </a:extLst>
+          </p:cNvPr>
+          <p:cNvCxnSpPr>
+            <a:cxnSpLocks/>
+            <a:stCxn id="12" idx="2"/>
+            <a:endCxn id="23" idx="0"/>
+          </p:cNvCxnSpPr>
+          <p:nvPr/>
+        </p:nvCxnSpPr>
+        <p:spPr>
+          <a:xfrm flipH="1">
+            <a:off x="3547672" y="2571750"/>
+            <a:ext cx="762000" cy="639308"/>
+          </a:xfrm>
+          <a:prstGeom prst="line">
+            <a:avLst/>
+          </a:prstGeom>
+          <a:ln w="19050">
+            <a:solidFill>
+              <a:schemeClr val="tx2"/>
+            </a:solidFill>
+          </a:ln>
+        </p:spPr>
+        <p:style>
+          <a:lnRef idx="1">
+            <a:schemeClr val="accent1"/>
+          </a:lnRef>
+          <a:fillRef idx="0">
+            <a:schemeClr val="accent1"/>
+          </a:fillRef>
+          <a:effectRef idx="0">
+            <a:schemeClr val="accent1"/>
+          </a:effectRef>
+          <a:fontRef idx="minor">
+            <a:schemeClr val="tx1"/>
+          </a:fontRef>
+        </p:style>
+      </p:cxnSp>
+      <p:cxnSp>
+        <p:nvCxnSpPr>
+          <p:cNvPr id="48" name="Conector recto 47">
+            <a:extLst>
+              <a:ext uri="{FF2B5EF4-FFF2-40B4-BE49-F238E27FC236}">
+                <a16:creationId xmlns:a16="http://schemas.microsoft.com/office/drawing/2014/main" id="{CE8EE3FF-AC20-4199-88E8-E4E59FB51FDC}"/>
+              </a:ext>
+            </a:extLst>
+          </p:cNvPr>
+          <p:cNvCxnSpPr>
+            <a:cxnSpLocks/>
+            <a:stCxn id="12" idx="2"/>
+            <a:endCxn id="24" idx="0"/>
+          </p:cNvCxnSpPr>
+          <p:nvPr/>
+        </p:nvCxnSpPr>
+        <p:spPr>
+          <a:xfrm>
+            <a:off x="4309672" y="2571750"/>
+            <a:ext cx="1226696" cy="637416"/>
+          </a:xfrm>
+          <a:prstGeom prst="line">
+            <a:avLst/>
+          </a:prstGeom>
+          <a:ln w="19050">
+            <a:solidFill>
+              <a:schemeClr val="tx2"/>
+            </a:solidFill>
+          </a:ln>
+        </p:spPr>
+        <p:style>
+          <a:lnRef idx="1">
+            <a:schemeClr val="accent1"/>
+          </a:lnRef>
+          <a:fillRef idx="0">
+            <a:schemeClr val="accent1"/>
+          </a:fillRef>
+          <a:effectRef idx="0">
+            <a:schemeClr val="accent1"/>
+          </a:effectRef>
+          <a:fontRef idx="minor">
+            <a:schemeClr val="tx1"/>
+          </a:fontRef>
+        </p:style>
+      </p:cxnSp>
+      <p:cxnSp>
+        <p:nvCxnSpPr>
+          <p:cNvPr id="52" name="Conector recto 51">
+            <a:extLst>
+              <a:ext uri="{FF2B5EF4-FFF2-40B4-BE49-F238E27FC236}">
+                <a16:creationId xmlns:a16="http://schemas.microsoft.com/office/drawing/2014/main" id="{D05382A2-D7D6-4418-91FA-F06975755EFA}"/>
+              </a:ext>
+            </a:extLst>
+          </p:cNvPr>
+          <p:cNvCxnSpPr>
+            <a:cxnSpLocks/>
+            <a:stCxn id="23" idx="2"/>
+          </p:cNvCxnSpPr>
+          <p:nvPr/>
+        </p:nvCxnSpPr>
+        <p:spPr>
+          <a:xfrm>
+            <a:off x="3547672" y="3668258"/>
+            <a:ext cx="0" cy="252000"/>
+          </a:xfrm>
+          <a:prstGeom prst="line">
+            <a:avLst/>
+          </a:prstGeom>
+          <a:ln w="19050">
+            <a:solidFill>
+              <a:schemeClr val="tx2"/>
+            </a:solidFill>
+          </a:ln>
+        </p:spPr>
+        <p:style>
+          <a:lnRef idx="1">
+            <a:schemeClr val="accent1"/>
+          </a:lnRef>
+          <a:fillRef idx="0">
+            <a:schemeClr val="accent1"/>
+          </a:fillRef>
+          <a:effectRef idx="0">
+            <a:schemeClr val="accent1"/>
+          </a:effectRef>
+          <a:fontRef idx="minor">
+            <a:schemeClr val="tx1"/>
+          </a:fontRef>
+        </p:style>
+      </p:cxnSp>
+      <p:cxnSp>
+        <p:nvCxnSpPr>
+          <p:cNvPr id="55" name="Conector recto 54">
+            <a:extLst>
+              <a:ext uri="{FF2B5EF4-FFF2-40B4-BE49-F238E27FC236}">
+                <a16:creationId xmlns:a16="http://schemas.microsoft.com/office/drawing/2014/main" id="{1C9CA186-BA11-44F3-BB42-E6592CADB14F}"/>
+              </a:ext>
+            </a:extLst>
+          </p:cNvPr>
+          <p:cNvCxnSpPr>
+            <a:cxnSpLocks/>
+            <a:stCxn id="24" idx="2"/>
+          </p:cNvCxnSpPr>
+          <p:nvPr/>
+        </p:nvCxnSpPr>
+        <p:spPr>
+          <a:xfrm flipH="1">
+            <a:off x="5009882" y="3666366"/>
+            <a:ext cx="526486" cy="275524"/>
+          </a:xfrm>
+          <a:prstGeom prst="line">
+            <a:avLst/>
+          </a:prstGeom>
+          <a:ln w="19050">
+            <a:solidFill>
+              <a:schemeClr val="tx2"/>
+            </a:solidFill>
+          </a:ln>
+        </p:spPr>
+        <p:style>
+          <a:lnRef idx="1">
+            <a:schemeClr val="accent1"/>
+          </a:lnRef>
+          <a:fillRef idx="0">
+            <a:schemeClr val="accent1"/>
+          </a:fillRef>
+          <a:effectRef idx="0">
+            <a:schemeClr val="accent1"/>
+          </a:effectRef>
+          <a:fontRef idx="minor">
+            <a:schemeClr val="tx1"/>
+          </a:fontRef>
+        </p:style>
+      </p:cxnSp>
+      <p:cxnSp>
+        <p:nvCxnSpPr>
+          <p:cNvPr id="58" name="Conector recto 57">
+            <a:extLst>
+              <a:ext uri="{FF2B5EF4-FFF2-40B4-BE49-F238E27FC236}">
+                <a16:creationId xmlns:a16="http://schemas.microsoft.com/office/drawing/2014/main" id="{BCF97D6B-32FC-4C6B-B0A5-7FC37875742B}"/>
+              </a:ext>
+            </a:extLst>
+          </p:cNvPr>
+          <p:cNvCxnSpPr>
+            <a:cxnSpLocks/>
+            <a:stCxn id="24" idx="2"/>
+          </p:cNvCxnSpPr>
+          <p:nvPr/>
+        </p:nvCxnSpPr>
+        <p:spPr>
+          <a:xfrm>
+            <a:off x="5536368" y="3666366"/>
+            <a:ext cx="602104" cy="275524"/>
+          </a:xfrm>
+          <a:prstGeom prst="line">
+            <a:avLst/>
+          </a:prstGeom>
+          <a:ln w="19050">
+            <a:solidFill>
+              <a:schemeClr val="tx2"/>
+            </a:solidFill>
+          </a:ln>
+        </p:spPr>
+        <p:style>
+          <a:lnRef idx="1">
+            <a:schemeClr val="accent1"/>
+          </a:lnRef>
+          <a:fillRef idx="0">
+            <a:schemeClr val="accent1"/>
+          </a:fillRef>
+          <a:effectRef idx="0">
+            <a:schemeClr val="accent1"/>
+          </a:effectRef>
+          <a:fontRef idx="minor">
+            <a:schemeClr val="tx1"/>
+          </a:fontRef>
+        </p:style>
+      </p:cxnSp>
+      <p:cxnSp>
+        <p:nvCxnSpPr>
+          <p:cNvPr id="60" name="Conector recto 59">
+            <a:extLst>
+              <a:ext uri="{FF2B5EF4-FFF2-40B4-BE49-F238E27FC236}">
+                <a16:creationId xmlns:a16="http://schemas.microsoft.com/office/drawing/2014/main" id="{3E819977-5368-4D96-9F5B-91B50EC716FF}"/>
+              </a:ext>
+            </a:extLst>
+          </p:cNvPr>
+          <p:cNvCxnSpPr>
+            <a:stCxn id="10" idx="2"/>
+          </p:cNvCxnSpPr>
+          <p:nvPr/>
+        </p:nvCxnSpPr>
+        <p:spPr>
+          <a:xfrm flipH="1">
+            <a:off x="6570019" y="1858135"/>
+            <a:ext cx="482853" cy="275777"/>
+          </a:xfrm>
+          <a:prstGeom prst="line">
+            <a:avLst/>
+          </a:prstGeom>
+          <a:ln w="19050">
+            <a:solidFill>
+              <a:schemeClr val="accent4"/>
+            </a:solidFill>
+          </a:ln>
+        </p:spPr>
+        <p:style>
+          <a:lnRef idx="1">
+            <a:schemeClr val="accent1"/>
+          </a:lnRef>
+          <a:fillRef idx="0">
+            <a:schemeClr val="accent1"/>
+          </a:fillRef>
+          <a:effectRef idx="0">
+            <a:schemeClr val="accent1"/>
+          </a:effectRef>
+          <a:fontRef idx="minor">
+            <a:schemeClr val="tx1"/>
+          </a:fontRef>
+        </p:style>
+      </p:cxnSp>
+      <p:cxnSp>
+        <p:nvCxnSpPr>
+          <p:cNvPr id="63" name="Conector recto 62">
+            <a:extLst>
+              <a:ext uri="{FF2B5EF4-FFF2-40B4-BE49-F238E27FC236}">
+                <a16:creationId xmlns:a16="http://schemas.microsoft.com/office/drawing/2014/main" id="{74C57113-C9A9-45EB-B72F-220236E69265}"/>
+              </a:ext>
+            </a:extLst>
+          </p:cNvPr>
+          <p:cNvCxnSpPr>
+            <a:cxnSpLocks/>
+            <a:stCxn id="10" idx="2"/>
+          </p:cNvCxnSpPr>
+          <p:nvPr/>
+        </p:nvCxnSpPr>
+        <p:spPr>
+          <a:xfrm>
+            <a:off x="7052872" y="1858135"/>
+            <a:ext cx="650539" cy="275777"/>
+          </a:xfrm>
+          <a:prstGeom prst="line">
+            <a:avLst/>
+          </a:prstGeom>
+          <a:ln w="19050">
+            <a:solidFill>
+              <a:schemeClr val="accent4"/>
+            </a:solidFill>
+          </a:ln>
+        </p:spPr>
+        <p:style>
+          <a:lnRef idx="1">
+            <a:schemeClr val="accent1"/>
+          </a:lnRef>
+          <a:fillRef idx="0">
+            <a:schemeClr val="accent1"/>
+          </a:fillRef>
+          <a:effectRef idx="0">
+            <a:schemeClr val="accent1"/>
+          </a:effectRef>
+          <a:fontRef idx="minor">
+            <a:schemeClr val="tx1"/>
+          </a:fontRef>
+        </p:style>
+      </p:cxnSp>
+    </p:spTree>
+    <p:extLst>
+      <p:ext uri="{BB962C8B-B14F-4D97-AF65-F5344CB8AC3E}">
+        <p14:creationId xmlns:p14="http://schemas.microsoft.com/office/powerpoint/2010/main" val="1640414692"/>
       </p:ext>
     </p:extLst>
   </p:cSld>
@@ -22911,7 +27458,7 @@
           <p:nvPr>
             <p:extLst>
               <p:ext uri="{D42A27DB-BD31-4B8C-83A1-F6EECF244321}">
-                <p14:modId xmlns:p14="http://schemas.microsoft.com/office/powerpoint/2010/main" val="698374864"/>
+                <p14:modId xmlns:p14="http://schemas.microsoft.com/office/powerpoint/2010/main" val="117972403"/>
               </p:ext>
             </p:extLst>
           </p:nvPr>
@@ -23976,22 +28523,13 @@
                         <a:buNone/>
                       </a:pPr>
                       <a:r>
-                        <a:rPr lang="es-AR" sz="1200" dirty="0" err="1">
+                        <a:rPr lang="es-AR" sz="1200">
                           <a:latin typeface="Proxima Nova"/>
                           <a:ea typeface="Proxima Nova"/>
                           <a:cs typeface="Proxima Nova"/>
                           <a:sym typeface="Proxima Nova"/>
                         </a:rPr>
-                        <a:t>Caps</a:t>
-                      </a:r>
-                      <a:r>
-                        <a:rPr lang="es-AR" sz="1200" dirty="0">
-                          <a:latin typeface="Proxima Nova"/>
-                          <a:ea typeface="Proxima Nova"/>
-                          <a:cs typeface="Proxima Nova"/>
-                          <a:sym typeface="Proxima Nova"/>
-                        </a:rPr>
-                        <a:t> 3 y 13.1 </a:t>
+                        <a:t>Cap 3 </a:t>
                       </a:r>
                       <a:r>
                         <a:rPr lang="en-GB" sz="1200" dirty="0">
@@ -24767,7 +29305,7 @@
                           <a:cs typeface="Proxima Nova"/>
                           <a:sym typeface="Proxima Nova"/>
                         </a:rPr>
-                        <a:t> 4 </a:t>
+                        <a:t> 4.1 a 4.3 </a:t>
                       </a:r>
                       <a:r>
                         <a:rPr lang="en-GB" sz="1200" dirty="0">
@@ -25041,7 +29579,16 @@
                           <a:cs typeface="Proxima Nova"/>
                           <a:sym typeface="Proxima Nova"/>
                         </a:rPr>
-                        <a:t> 2 - KNN</a:t>
+                        <a:t> </a:t>
+                      </a:r>
+                      <a:r>
+                        <a:rPr lang="en-GB">
+                          <a:latin typeface="Proxima Nova"/>
+                          <a:ea typeface="Proxima Nova"/>
+                          <a:cs typeface="Proxima Nova"/>
+                          <a:sym typeface="Proxima Nova"/>
+                        </a:rPr>
+                        <a:t>2 – KNN y LDA</a:t>
                       </a:r>
                       <a:endParaRPr dirty="0">
                         <a:latin typeface="Proxima Nova"/>
@@ -25119,7 +29666,7 @@
                           <a:cs typeface="Proxima Nova"/>
                           <a:sym typeface="Proxima Nova"/>
                         </a:rPr>
-                        <a:t>Caps</a:t>
+                        <a:t>Cap</a:t>
                       </a:r>
                       <a:r>
                         <a:rPr lang="es-AR" sz="1200" dirty="0">
@@ -25128,7 +29675,7 @@
                           <a:cs typeface="Proxima Nova"/>
                           <a:sym typeface="Proxima Nova"/>
                         </a:rPr>
-                        <a:t> 4 y 12 </a:t>
+                        <a:t> 4.4 </a:t>
                       </a:r>
                       <a:r>
                         <a:rPr lang="en-GB" sz="1200" dirty="0">
@@ -25566,6 +30113,1402 @@
         </a:graphic>
       </p:graphicFrame>
     </p:spTree>
+  </p:cSld>
+  <p:clrMapOvr>
+    <a:masterClrMapping/>
+  </p:clrMapOvr>
+</p:sld>
+</file>
+
+<file path=ppt/slides/slide50.xml><?xml version="1.0" encoding="utf-8"?>
+<p:sld xmlns:a="http://schemas.openxmlformats.org/drawingml/2006/main" xmlns:r="http://schemas.openxmlformats.org/officeDocument/2006/relationships" xmlns:p="http://schemas.openxmlformats.org/presentationml/2006/main">
+  <p:cSld>
+    <p:spTree>
+      <p:nvGrpSpPr>
+        <p:cNvPr id="1" name="Shape 304"/>
+        <p:cNvGrpSpPr/>
+        <p:nvPr/>
+      </p:nvGrpSpPr>
+      <p:grpSpPr>
+        <a:xfrm>
+          <a:off x="0" y="0"/>
+          <a:ext cx="0" cy="0"/>
+          <a:chOff x="0" y="0"/>
+          <a:chExt cx="0" cy="0"/>
+        </a:xfrm>
+      </p:grpSpPr>
+      <p:sp>
+        <p:nvSpPr>
+          <p:cNvPr id="305" name="Google Shape;305;p52"/>
+          <p:cNvSpPr txBox="1">
+            <a:spLocks noGrp="1"/>
+          </p:cNvSpPr>
+          <p:nvPr>
+            <p:ph type="title"/>
+          </p:nvPr>
+        </p:nvSpPr>
+        <p:spPr>
+          <a:xfrm>
+            <a:off x="510450" y="2057400"/>
+            <a:ext cx="8123100" cy="778800"/>
+          </a:xfrm>
+          <a:prstGeom prst="rect">
+            <a:avLst/>
+          </a:prstGeom>
+        </p:spPr>
+        <p:txBody>
+          <a:bodyPr spcFirstLastPara="1" wrap="square" lIns="91425" tIns="91425" rIns="91425" bIns="91425" anchor="b" anchorCtr="0">
+            <a:normAutofit/>
+          </a:bodyPr>
+          <a:lstStyle/>
+          <a:p>
+            <a:pPr marL="0" lvl="0" indent="0" algn="l" rtl="0">
+              <a:spcBef>
+                <a:spcPts val="0"/>
+              </a:spcBef>
+              <a:spcAft>
+                <a:spcPts val="0"/>
+              </a:spcAft>
+              <a:buNone/>
+            </a:pPr>
+            <a:r>
+              <a:rPr lang="en-GB"/>
+              <a:t>La semana que viene</a:t>
+            </a:r>
+            <a:endParaRPr/>
+          </a:p>
+        </p:txBody>
+      </p:sp>
+    </p:spTree>
+  </p:cSld>
+  <p:clrMapOvr>
+    <a:masterClrMapping/>
+  </p:clrMapOvr>
+</p:sld>
+</file>
+
+<file path=ppt/slides/slide51.xml><?xml version="1.0" encoding="utf-8"?>
+<p:sld xmlns:a="http://schemas.openxmlformats.org/drawingml/2006/main" xmlns:r="http://schemas.openxmlformats.org/officeDocument/2006/relationships" xmlns:p="http://schemas.openxmlformats.org/presentationml/2006/main">
+  <p:cSld>
+    <p:spTree>
+      <p:nvGrpSpPr>
+        <p:cNvPr id="1" name="Shape 309"/>
+        <p:cNvGrpSpPr/>
+        <p:nvPr/>
+      </p:nvGrpSpPr>
+      <p:grpSpPr>
+        <a:xfrm>
+          <a:off x="0" y="0"/>
+          <a:ext cx="0" cy="0"/>
+          <a:chOff x="0" y="0"/>
+          <a:chExt cx="0" cy="0"/>
+        </a:xfrm>
+      </p:grpSpPr>
+      <p:sp>
+        <p:nvSpPr>
+          <p:cNvPr id="310" name="Google Shape;310;p53"/>
+          <p:cNvSpPr txBox="1">
+            <a:spLocks noGrp="1"/>
+          </p:cNvSpPr>
+          <p:nvPr>
+            <p:ph type="title"/>
+          </p:nvPr>
+        </p:nvSpPr>
+        <p:spPr>
+          <a:xfrm>
+            <a:off x="311700" y="152851"/>
+            <a:ext cx="8520600" cy="572700"/>
+          </a:xfrm>
+          <a:prstGeom prst="rect">
+            <a:avLst/>
+          </a:prstGeom>
+        </p:spPr>
+        <p:txBody>
+          <a:bodyPr spcFirstLastPara="1" wrap="square" lIns="91425" tIns="91425" rIns="91425" bIns="91425" anchor="t" anchorCtr="0">
+            <a:normAutofit fontScale="90000"/>
+          </a:bodyPr>
+          <a:lstStyle/>
+          <a:p>
+            <a:pPr marL="0" lvl="0" indent="0" algn="l" rtl="0">
+              <a:spcBef>
+                <a:spcPts val="0"/>
+              </a:spcBef>
+              <a:spcAft>
+                <a:spcPts val="0"/>
+              </a:spcAft>
+              <a:buNone/>
+            </a:pPr>
+            <a:r>
+              <a:rPr lang="en-GB" dirty="0"/>
+              <a:t>La </a:t>
+            </a:r>
+            <a:r>
+              <a:rPr lang="en-GB" dirty="0" err="1"/>
+              <a:t>clase</a:t>
+            </a:r>
+            <a:r>
+              <a:rPr lang="en-GB" dirty="0"/>
+              <a:t> que </a:t>
+            </a:r>
+            <a:r>
+              <a:rPr lang="en-GB" dirty="0" err="1"/>
+              <a:t>viene</a:t>
+            </a:r>
+            <a:endParaRPr dirty="0"/>
+          </a:p>
+        </p:txBody>
+      </p:sp>
+      <p:sp>
+        <p:nvSpPr>
+          <p:cNvPr id="311" name="Google Shape;311;p53"/>
+          <p:cNvSpPr txBox="1">
+            <a:spLocks noGrp="1"/>
+          </p:cNvSpPr>
+          <p:nvPr>
+            <p:ph type="body" idx="1"/>
+          </p:nvPr>
+        </p:nvSpPr>
+        <p:spPr>
+          <a:xfrm>
+            <a:off x="311700" y="722195"/>
+            <a:ext cx="8520600" cy="3416400"/>
+          </a:xfrm>
+          <a:prstGeom prst="rect">
+            <a:avLst/>
+          </a:prstGeom>
+        </p:spPr>
+        <p:txBody>
+          <a:bodyPr spcFirstLastPara="1" wrap="square" lIns="91425" tIns="91425" rIns="91425" bIns="91425" anchor="t" anchorCtr="0">
+            <a:normAutofit/>
+          </a:bodyPr>
+          <a:lstStyle/>
+          <a:p>
+            <a:pPr lvl="0" algn="l" rtl="0">
+              <a:lnSpc>
+                <a:spcPct val="150000"/>
+              </a:lnSpc>
+              <a:spcBef>
+                <a:spcPts val="0"/>
+              </a:spcBef>
+              <a:spcAft>
+                <a:spcPts val="0"/>
+              </a:spcAft>
+              <a:buSzPts val="1800"/>
+              <a:buFont typeface="Wingdings" panose="05000000000000000000" pitchFamily="2" charset="2"/>
+              <a:buChar char="§"/>
+            </a:pPr>
+            <a:r>
+              <a:rPr lang="en-GB" b="1" dirty="0" err="1"/>
+              <a:t>Teórico</a:t>
+            </a:r>
+            <a:r>
+              <a:rPr lang="en-GB" dirty="0"/>
+              <a:t>: </a:t>
+            </a:r>
+            <a:r>
+              <a:rPr lang="es-AR" dirty="0"/>
+              <a:t>Explorando y transformando variables. </a:t>
+            </a:r>
+            <a:r>
+              <a:rPr lang="es-AR" dirty="0" err="1"/>
+              <a:t>Intro</a:t>
+            </a:r>
+            <a:r>
+              <a:rPr lang="es-AR" dirty="0"/>
+              <a:t> a regresión lineal simple</a:t>
+            </a:r>
+          </a:p>
+          <a:p>
+            <a:pPr lvl="0" algn="l" rtl="0">
+              <a:lnSpc>
+                <a:spcPct val="150000"/>
+              </a:lnSpc>
+              <a:spcBef>
+                <a:spcPts val="0"/>
+              </a:spcBef>
+              <a:spcAft>
+                <a:spcPts val="0"/>
+              </a:spcAft>
+              <a:buSzPts val="1800"/>
+              <a:buFont typeface="Wingdings" panose="05000000000000000000" pitchFamily="2" charset="2"/>
+              <a:buChar char="§"/>
+            </a:pPr>
+            <a:r>
+              <a:rPr lang="en-GB" b="1" dirty="0" err="1"/>
+              <a:t>Práctico</a:t>
+            </a:r>
+            <a:r>
+              <a:rPr lang="en-GB" dirty="0"/>
+              <a:t>: resolver </a:t>
+            </a:r>
+            <a:r>
+              <a:rPr lang="en-GB" dirty="0" err="1"/>
+              <a:t>guía</a:t>
+            </a:r>
+            <a:r>
+              <a:rPr lang="en-GB" dirty="0"/>
+              <a:t> </a:t>
+            </a:r>
+            <a:r>
+              <a:rPr lang="en-GB" dirty="0" err="1"/>
+              <a:t>domiciliaria</a:t>
+            </a:r>
+            <a:r>
+              <a:rPr lang="en-GB" dirty="0"/>
+              <a:t>. Traer </a:t>
+            </a:r>
+            <a:r>
+              <a:rPr lang="en-GB" dirty="0" err="1"/>
+              <a:t>dudas</a:t>
+            </a:r>
+            <a:r>
+              <a:rPr lang="en-GB" dirty="0"/>
+              <a:t> y/o </a:t>
+            </a:r>
+            <a:r>
+              <a:rPr lang="en-GB" dirty="0" err="1"/>
+              <a:t>comentarios</a:t>
+            </a:r>
+            <a:r>
+              <a:rPr lang="en-GB" dirty="0"/>
+              <a:t>.</a:t>
+            </a:r>
+            <a:endParaRPr dirty="0"/>
+          </a:p>
+        </p:txBody>
+      </p:sp>
+      <p:sp>
+        <p:nvSpPr>
+          <p:cNvPr id="5" name="Rectángulo: esquinas redondeadas 4">
+            <a:extLst>
+              <a:ext uri="{FF2B5EF4-FFF2-40B4-BE49-F238E27FC236}">
+                <a16:creationId xmlns:a16="http://schemas.microsoft.com/office/drawing/2014/main" id="{2C97B387-8A48-4390-AA25-823482016CA6}"/>
+              </a:ext>
+            </a:extLst>
+          </p:cNvPr>
+          <p:cNvSpPr/>
+          <p:nvPr/>
+        </p:nvSpPr>
+        <p:spPr>
+          <a:xfrm>
+            <a:off x="3290341" y="1723993"/>
+            <a:ext cx="1828800" cy="457200"/>
+          </a:xfrm>
+          <a:prstGeom prst="roundRect">
+            <a:avLst/>
+          </a:prstGeom>
+          <a:noFill/>
+          <a:ln w="12700">
+            <a:solidFill>
+              <a:schemeClr val="accent4"/>
+            </a:solidFill>
+          </a:ln>
+        </p:spPr>
+        <p:style>
+          <a:lnRef idx="2">
+            <a:schemeClr val="accent1">
+              <a:shade val="50000"/>
+            </a:schemeClr>
+          </a:lnRef>
+          <a:fillRef idx="1">
+            <a:schemeClr val="accent1"/>
+          </a:fillRef>
+          <a:effectRef idx="0">
+            <a:schemeClr val="accent1"/>
+          </a:effectRef>
+          <a:fontRef idx="minor">
+            <a:schemeClr val="lt1"/>
+          </a:fontRef>
+        </p:style>
+        <p:txBody>
+          <a:bodyPr rtlCol="0" anchor="ctr"/>
+          <a:lstStyle/>
+          <a:p>
+            <a:pPr algn="ctr"/>
+            <a:r>
+              <a:rPr lang="es-MX" dirty="0">
+                <a:solidFill>
+                  <a:schemeClr val="accent2"/>
+                </a:solidFill>
+                <a:latin typeface="Proxima Nova" panose="020B0604020202020204" charset="0"/>
+              </a:rPr>
+              <a:t>Aprendizaje supervisado</a:t>
+            </a:r>
+            <a:endParaRPr lang="es-AR" dirty="0">
+              <a:solidFill>
+                <a:schemeClr val="accent2"/>
+              </a:solidFill>
+              <a:latin typeface="Proxima Nova" panose="020B0604020202020204" charset="0"/>
+            </a:endParaRPr>
+          </a:p>
+        </p:txBody>
+      </p:sp>
+      <p:sp>
+        <p:nvSpPr>
+          <p:cNvPr id="7" name="Rectángulo: esquinas redondeadas 6">
+            <a:extLst>
+              <a:ext uri="{FF2B5EF4-FFF2-40B4-BE49-F238E27FC236}">
+                <a16:creationId xmlns:a16="http://schemas.microsoft.com/office/drawing/2014/main" id="{818F4EFD-C0E1-4EA3-8F7F-103910E94ED1}"/>
+              </a:ext>
+            </a:extLst>
+          </p:cNvPr>
+          <p:cNvSpPr/>
+          <p:nvPr/>
+        </p:nvSpPr>
+        <p:spPr>
+          <a:xfrm>
+            <a:off x="1176728" y="2438545"/>
+            <a:ext cx="1828800" cy="457200"/>
+          </a:xfrm>
+          <a:prstGeom prst="roundRect">
+            <a:avLst/>
+          </a:prstGeom>
+          <a:noFill/>
+          <a:ln w="12700">
+            <a:solidFill>
+              <a:schemeClr val="accent4"/>
+            </a:solidFill>
+          </a:ln>
+        </p:spPr>
+        <p:style>
+          <a:lnRef idx="2">
+            <a:schemeClr val="accent1">
+              <a:shade val="50000"/>
+            </a:schemeClr>
+          </a:lnRef>
+          <a:fillRef idx="1">
+            <a:schemeClr val="accent1"/>
+          </a:fillRef>
+          <a:effectRef idx="0">
+            <a:schemeClr val="accent1"/>
+          </a:effectRef>
+          <a:fontRef idx="minor">
+            <a:schemeClr val="lt1"/>
+          </a:fontRef>
+        </p:style>
+        <p:txBody>
+          <a:bodyPr rtlCol="0" anchor="ctr"/>
+          <a:lstStyle/>
+          <a:p>
+            <a:pPr algn="ctr"/>
+            <a:r>
+              <a:rPr lang="es-MX" dirty="0">
+                <a:solidFill>
+                  <a:schemeClr val="accent2"/>
+                </a:solidFill>
+                <a:latin typeface="Proxima Nova" panose="020B0604020202020204" charset="0"/>
+              </a:rPr>
+              <a:t>Regresión</a:t>
+            </a:r>
+            <a:endParaRPr lang="es-AR" dirty="0">
+              <a:solidFill>
+                <a:schemeClr val="accent2"/>
+              </a:solidFill>
+              <a:latin typeface="Proxima Nova" panose="020B0604020202020204" charset="0"/>
+            </a:endParaRPr>
+          </a:p>
+        </p:txBody>
+      </p:sp>
+      <p:sp>
+        <p:nvSpPr>
+          <p:cNvPr id="8" name="Rectángulo: esquinas redondeadas 7">
+            <a:extLst>
+              <a:ext uri="{FF2B5EF4-FFF2-40B4-BE49-F238E27FC236}">
+                <a16:creationId xmlns:a16="http://schemas.microsoft.com/office/drawing/2014/main" id="{A320B9FE-8EAC-407A-82D3-9AC544BF0EC6}"/>
+              </a:ext>
+            </a:extLst>
+          </p:cNvPr>
+          <p:cNvSpPr/>
+          <p:nvPr/>
+        </p:nvSpPr>
+        <p:spPr>
+          <a:xfrm>
+            <a:off x="4204741" y="2437608"/>
+            <a:ext cx="1828800" cy="457200"/>
+          </a:xfrm>
+          <a:prstGeom prst="roundRect">
+            <a:avLst/>
+          </a:prstGeom>
+          <a:noFill/>
+          <a:ln w="12700">
+            <a:solidFill>
+              <a:schemeClr val="accent4"/>
+            </a:solidFill>
+          </a:ln>
+        </p:spPr>
+        <p:style>
+          <a:lnRef idx="2">
+            <a:schemeClr val="accent1">
+              <a:shade val="50000"/>
+            </a:schemeClr>
+          </a:lnRef>
+          <a:fillRef idx="1">
+            <a:schemeClr val="accent1"/>
+          </a:fillRef>
+          <a:effectRef idx="0">
+            <a:schemeClr val="accent1"/>
+          </a:effectRef>
+          <a:fontRef idx="minor">
+            <a:schemeClr val="lt1"/>
+          </a:fontRef>
+        </p:style>
+        <p:txBody>
+          <a:bodyPr rtlCol="0" anchor="ctr"/>
+          <a:lstStyle/>
+          <a:p>
+            <a:pPr algn="ctr"/>
+            <a:r>
+              <a:rPr lang="es-MX" dirty="0">
+                <a:solidFill>
+                  <a:schemeClr val="accent2"/>
+                </a:solidFill>
+                <a:latin typeface="Proxima Nova" panose="020B0604020202020204" charset="0"/>
+              </a:rPr>
+              <a:t>Clasificación</a:t>
+            </a:r>
+            <a:endParaRPr lang="es-AR" dirty="0">
+              <a:solidFill>
+                <a:schemeClr val="accent2"/>
+              </a:solidFill>
+              <a:latin typeface="Proxima Nova" panose="020B0604020202020204" charset="0"/>
+            </a:endParaRPr>
+          </a:p>
+        </p:txBody>
+      </p:sp>
+      <p:sp>
+        <p:nvSpPr>
+          <p:cNvPr id="9" name="Hexágono 8">
+            <a:extLst>
+              <a:ext uri="{FF2B5EF4-FFF2-40B4-BE49-F238E27FC236}">
+                <a16:creationId xmlns:a16="http://schemas.microsoft.com/office/drawing/2014/main" id="{3EFD9B20-A8EC-44BB-8499-614DEFA7068F}"/>
+              </a:ext>
+            </a:extLst>
+          </p:cNvPr>
+          <p:cNvSpPr/>
+          <p:nvPr/>
+        </p:nvSpPr>
+        <p:spPr>
+          <a:xfrm>
+            <a:off x="1054011" y="3269424"/>
+            <a:ext cx="1008000" cy="720000"/>
+          </a:xfrm>
+          <a:prstGeom prst="hexagon">
+            <a:avLst/>
+          </a:prstGeom>
+          <a:noFill/>
+          <a:ln w="28575">
+            <a:solidFill>
+              <a:schemeClr val="tx2"/>
+            </a:solidFill>
+          </a:ln>
+        </p:spPr>
+        <p:style>
+          <a:lnRef idx="2">
+            <a:schemeClr val="accent1">
+              <a:shade val="50000"/>
+            </a:schemeClr>
+          </a:lnRef>
+          <a:fillRef idx="1">
+            <a:schemeClr val="accent1"/>
+          </a:fillRef>
+          <a:effectRef idx="0">
+            <a:schemeClr val="accent1"/>
+          </a:effectRef>
+          <a:fontRef idx="minor">
+            <a:schemeClr val="lt1"/>
+          </a:fontRef>
+        </p:style>
+        <p:txBody>
+          <a:bodyPr rtlCol="0" anchor="ctr"/>
+          <a:lstStyle/>
+          <a:p>
+            <a:pPr algn="ctr"/>
+            <a:r>
+              <a:rPr lang="es-MX" sz="1050" dirty="0">
+                <a:solidFill>
+                  <a:schemeClr val="accent2"/>
+                </a:solidFill>
+                <a:latin typeface="Proxima Nova" panose="020B0604020202020204" charset="0"/>
+              </a:rPr>
+              <a:t>Simple</a:t>
+            </a:r>
+            <a:endParaRPr lang="es-AR" sz="1050" dirty="0">
+              <a:solidFill>
+                <a:schemeClr val="accent2"/>
+              </a:solidFill>
+              <a:latin typeface="Proxima Nova" panose="020B0604020202020204" charset="0"/>
+            </a:endParaRPr>
+          </a:p>
+        </p:txBody>
+      </p:sp>
+      <p:sp>
+        <p:nvSpPr>
+          <p:cNvPr id="10" name="Hexágono 9">
+            <a:extLst>
+              <a:ext uri="{FF2B5EF4-FFF2-40B4-BE49-F238E27FC236}">
+                <a16:creationId xmlns:a16="http://schemas.microsoft.com/office/drawing/2014/main" id="{FDF92CF0-C5E8-426B-98DA-2A857D8C400A}"/>
+              </a:ext>
+            </a:extLst>
+          </p:cNvPr>
+          <p:cNvSpPr/>
+          <p:nvPr/>
+        </p:nvSpPr>
+        <p:spPr>
+          <a:xfrm>
+            <a:off x="2124945" y="3269424"/>
+            <a:ext cx="1008000" cy="720000"/>
+          </a:xfrm>
+          <a:prstGeom prst="hexagon">
+            <a:avLst/>
+          </a:prstGeom>
+          <a:noFill/>
+          <a:ln w="12700">
+            <a:solidFill>
+              <a:schemeClr val="accent4"/>
+            </a:solidFill>
+          </a:ln>
+        </p:spPr>
+        <p:style>
+          <a:lnRef idx="2">
+            <a:schemeClr val="accent1">
+              <a:shade val="50000"/>
+            </a:schemeClr>
+          </a:lnRef>
+          <a:fillRef idx="1">
+            <a:schemeClr val="accent1"/>
+          </a:fillRef>
+          <a:effectRef idx="0">
+            <a:schemeClr val="accent1"/>
+          </a:effectRef>
+          <a:fontRef idx="minor">
+            <a:schemeClr val="lt1"/>
+          </a:fontRef>
+        </p:style>
+        <p:txBody>
+          <a:bodyPr rtlCol="0" anchor="ctr"/>
+          <a:lstStyle/>
+          <a:p>
+            <a:pPr algn="ctr"/>
+            <a:r>
+              <a:rPr lang="es-MX" sz="1050" dirty="0">
+                <a:solidFill>
+                  <a:schemeClr val="accent2"/>
+                </a:solidFill>
+                <a:latin typeface="Proxima Nova" panose="020B0604020202020204" charset="0"/>
+              </a:rPr>
+              <a:t>Múltiple</a:t>
+            </a:r>
+            <a:endParaRPr lang="es-AR" sz="1050" dirty="0">
+              <a:solidFill>
+                <a:schemeClr val="accent2"/>
+              </a:solidFill>
+              <a:latin typeface="Proxima Nova" panose="020B0604020202020204" charset="0"/>
+            </a:endParaRPr>
+          </a:p>
+        </p:txBody>
+      </p:sp>
+      <p:sp>
+        <p:nvSpPr>
+          <p:cNvPr id="13" name="Hexágono 12">
+            <a:extLst>
+              <a:ext uri="{FF2B5EF4-FFF2-40B4-BE49-F238E27FC236}">
+                <a16:creationId xmlns:a16="http://schemas.microsoft.com/office/drawing/2014/main" id="{87055901-142D-43D4-B0B5-439E3B7DFE24}"/>
+              </a:ext>
+            </a:extLst>
+          </p:cNvPr>
+          <p:cNvSpPr/>
+          <p:nvPr/>
+        </p:nvSpPr>
+        <p:spPr>
+          <a:xfrm>
+            <a:off x="3813168" y="4258723"/>
+            <a:ext cx="1087946" cy="720000"/>
+          </a:xfrm>
+          <a:prstGeom prst="hexagon">
+            <a:avLst/>
+          </a:prstGeom>
+          <a:noFill/>
+          <a:ln w="12700">
+            <a:solidFill>
+              <a:schemeClr val="accent4"/>
+            </a:solidFill>
+          </a:ln>
+        </p:spPr>
+        <p:style>
+          <a:lnRef idx="2">
+            <a:schemeClr val="accent1">
+              <a:shade val="50000"/>
+            </a:schemeClr>
+          </a:lnRef>
+          <a:fillRef idx="1">
+            <a:schemeClr val="accent1"/>
+          </a:fillRef>
+          <a:effectRef idx="0">
+            <a:schemeClr val="accent1"/>
+          </a:effectRef>
+          <a:fontRef idx="minor">
+            <a:schemeClr val="lt1"/>
+          </a:fontRef>
+        </p:style>
+        <p:txBody>
+          <a:bodyPr rtlCol="0" anchor="ctr"/>
+          <a:lstStyle/>
+          <a:p>
+            <a:pPr algn="ctr"/>
+            <a:r>
+              <a:rPr lang="es-MX" sz="1050" dirty="0">
+                <a:solidFill>
+                  <a:schemeClr val="accent2"/>
+                </a:solidFill>
+                <a:latin typeface="Proxima Nova" panose="020B0604020202020204" charset="0"/>
+              </a:rPr>
+              <a:t>Regresión logística</a:t>
+            </a:r>
+            <a:endParaRPr lang="es-AR" sz="1050" dirty="0">
+              <a:solidFill>
+                <a:schemeClr val="accent2"/>
+              </a:solidFill>
+              <a:latin typeface="Proxima Nova" panose="020B0604020202020204" charset="0"/>
+            </a:endParaRPr>
+          </a:p>
+        </p:txBody>
+      </p:sp>
+      <p:sp>
+        <p:nvSpPr>
+          <p:cNvPr id="14" name="Hexágono 13">
+            <a:extLst>
+              <a:ext uri="{FF2B5EF4-FFF2-40B4-BE49-F238E27FC236}">
+                <a16:creationId xmlns:a16="http://schemas.microsoft.com/office/drawing/2014/main" id="{6A4D064D-467B-4E97-9812-6CD3BD98E5FE}"/>
+              </a:ext>
+            </a:extLst>
+          </p:cNvPr>
+          <p:cNvSpPr/>
+          <p:nvPr/>
+        </p:nvSpPr>
+        <p:spPr>
+          <a:xfrm>
+            <a:off x="5275378" y="4266840"/>
+            <a:ext cx="1087946" cy="720000"/>
+          </a:xfrm>
+          <a:prstGeom prst="hexagon">
+            <a:avLst/>
+          </a:prstGeom>
+          <a:noFill/>
+          <a:ln w="12700">
+            <a:solidFill>
+              <a:schemeClr val="accent4"/>
+            </a:solidFill>
+          </a:ln>
+        </p:spPr>
+        <p:style>
+          <a:lnRef idx="2">
+            <a:schemeClr val="accent1">
+              <a:shade val="50000"/>
+            </a:schemeClr>
+          </a:lnRef>
+          <a:fillRef idx="1">
+            <a:schemeClr val="accent1"/>
+          </a:fillRef>
+          <a:effectRef idx="0">
+            <a:schemeClr val="accent1"/>
+          </a:effectRef>
+          <a:fontRef idx="minor">
+            <a:schemeClr val="lt1"/>
+          </a:fontRef>
+        </p:style>
+        <p:txBody>
+          <a:bodyPr rtlCol="0" anchor="ctr"/>
+          <a:lstStyle/>
+          <a:p>
+            <a:pPr algn="ctr"/>
+            <a:r>
+              <a:rPr lang="es-MX" sz="1050" dirty="0">
+                <a:solidFill>
+                  <a:schemeClr val="accent2"/>
+                </a:solidFill>
+                <a:latin typeface="Proxima Nova" panose="020B0604020202020204" charset="0"/>
+              </a:rPr>
+              <a:t>KNN</a:t>
+            </a:r>
+            <a:endParaRPr lang="es-AR" sz="1050" dirty="0">
+              <a:solidFill>
+                <a:schemeClr val="accent2"/>
+              </a:solidFill>
+              <a:latin typeface="Proxima Nova" panose="020B0604020202020204" charset="0"/>
+            </a:endParaRPr>
+          </a:p>
+        </p:txBody>
+      </p:sp>
+      <p:sp>
+        <p:nvSpPr>
+          <p:cNvPr id="15" name="Hexágono 14">
+            <a:extLst>
+              <a:ext uri="{FF2B5EF4-FFF2-40B4-BE49-F238E27FC236}">
+                <a16:creationId xmlns:a16="http://schemas.microsoft.com/office/drawing/2014/main" id="{EB39AD5A-03F2-404C-95A9-4200975E0D00}"/>
+              </a:ext>
+            </a:extLst>
+          </p:cNvPr>
+          <p:cNvSpPr/>
+          <p:nvPr/>
+        </p:nvSpPr>
+        <p:spPr>
+          <a:xfrm>
+            <a:off x="6403968" y="4266840"/>
+            <a:ext cx="1087946" cy="720000"/>
+          </a:xfrm>
+          <a:prstGeom prst="hexagon">
+            <a:avLst/>
+          </a:prstGeom>
+          <a:noFill/>
+          <a:ln w="12700">
+            <a:solidFill>
+              <a:schemeClr val="accent4"/>
+            </a:solidFill>
+          </a:ln>
+        </p:spPr>
+        <p:style>
+          <a:lnRef idx="2">
+            <a:schemeClr val="accent1">
+              <a:shade val="50000"/>
+            </a:schemeClr>
+          </a:lnRef>
+          <a:fillRef idx="1">
+            <a:schemeClr val="accent1"/>
+          </a:fillRef>
+          <a:effectRef idx="0">
+            <a:schemeClr val="accent1"/>
+          </a:effectRef>
+          <a:fontRef idx="minor">
+            <a:schemeClr val="lt1"/>
+          </a:fontRef>
+        </p:style>
+        <p:txBody>
+          <a:bodyPr rtlCol="0" anchor="ctr"/>
+          <a:lstStyle/>
+          <a:p>
+            <a:pPr algn="ctr"/>
+            <a:r>
+              <a:rPr lang="es-MX" sz="1050" dirty="0">
+                <a:solidFill>
+                  <a:schemeClr val="accent2"/>
+                </a:solidFill>
+                <a:latin typeface="Proxima Nova" panose="020B0604020202020204" charset="0"/>
+              </a:rPr>
+              <a:t>LDA</a:t>
+            </a:r>
+            <a:endParaRPr lang="es-AR" sz="1050" dirty="0">
+              <a:solidFill>
+                <a:schemeClr val="accent2"/>
+              </a:solidFill>
+              <a:latin typeface="Proxima Nova" panose="020B0604020202020204" charset="0"/>
+            </a:endParaRPr>
+          </a:p>
+        </p:txBody>
+      </p:sp>
+      <p:sp>
+        <p:nvSpPr>
+          <p:cNvPr id="16" name="Rectángulo: esquinas redondeadas 15">
+            <a:extLst>
+              <a:ext uri="{FF2B5EF4-FFF2-40B4-BE49-F238E27FC236}">
+                <a16:creationId xmlns:a16="http://schemas.microsoft.com/office/drawing/2014/main" id="{4492E695-8AC9-48A3-A215-74027B306AE1}"/>
+              </a:ext>
+            </a:extLst>
+          </p:cNvPr>
+          <p:cNvSpPr/>
+          <p:nvPr/>
+        </p:nvSpPr>
+        <p:spPr>
+          <a:xfrm>
+            <a:off x="3442741" y="3534116"/>
+            <a:ext cx="1828800" cy="457200"/>
+          </a:xfrm>
+          <a:prstGeom prst="roundRect">
+            <a:avLst/>
+          </a:prstGeom>
+          <a:noFill/>
+          <a:ln w="12700">
+            <a:solidFill>
+              <a:schemeClr val="accent4"/>
+            </a:solidFill>
+          </a:ln>
+        </p:spPr>
+        <p:style>
+          <a:lnRef idx="2">
+            <a:schemeClr val="accent1">
+              <a:shade val="50000"/>
+            </a:schemeClr>
+          </a:lnRef>
+          <a:fillRef idx="1">
+            <a:schemeClr val="accent1"/>
+          </a:fillRef>
+          <a:effectRef idx="0">
+            <a:schemeClr val="accent1"/>
+          </a:effectRef>
+          <a:fontRef idx="minor">
+            <a:schemeClr val="lt1"/>
+          </a:fontRef>
+        </p:style>
+        <p:txBody>
+          <a:bodyPr rtlCol="0" anchor="ctr"/>
+          <a:lstStyle/>
+          <a:p>
+            <a:pPr algn="ctr"/>
+            <a:r>
+              <a:rPr lang="es-MX" dirty="0">
+                <a:solidFill>
+                  <a:schemeClr val="accent2"/>
+                </a:solidFill>
+                <a:latin typeface="Proxima Nova" panose="020B0604020202020204" charset="0"/>
+              </a:rPr>
+              <a:t>Paramétricos</a:t>
+            </a:r>
+            <a:endParaRPr lang="es-AR" dirty="0">
+              <a:solidFill>
+                <a:schemeClr val="accent2"/>
+              </a:solidFill>
+              <a:latin typeface="Proxima Nova" panose="020B0604020202020204" charset="0"/>
+            </a:endParaRPr>
+          </a:p>
+        </p:txBody>
+      </p:sp>
+      <p:sp>
+        <p:nvSpPr>
+          <p:cNvPr id="17" name="Rectángulo: esquinas redondeadas 16">
+            <a:extLst>
+              <a:ext uri="{FF2B5EF4-FFF2-40B4-BE49-F238E27FC236}">
+                <a16:creationId xmlns:a16="http://schemas.microsoft.com/office/drawing/2014/main" id="{A4E7B537-BF06-485B-9B49-9441794C8F53}"/>
+              </a:ext>
+            </a:extLst>
+          </p:cNvPr>
+          <p:cNvSpPr/>
+          <p:nvPr/>
+        </p:nvSpPr>
+        <p:spPr>
+          <a:xfrm>
+            <a:off x="5431437" y="3532224"/>
+            <a:ext cx="1828800" cy="457200"/>
+          </a:xfrm>
+          <a:prstGeom prst="roundRect">
+            <a:avLst/>
+          </a:prstGeom>
+          <a:noFill/>
+          <a:ln w="12700">
+            <a:solidFill>
+              <a:schemeClr val="accent4"/>
+            </a:solidFill>
+          </a:ln>
+        </p:spPr>
+        <p:style>
+          <a:lnRef idx="2">
+            <a:schemeClr val="accent1">
+              <a:shade val="50000"/>
+            </a:schemeClr>
+          </a:lnRef>
+          <a:fillRef idx="1">
+            <a:schemeClr val="accent1"/>
+          </a:fillRef>
+          <a:effectRef idx="0">
+            <a:schemeClr val="accent1"/>
+          </a:effectRef>
+          <a:fontRef idx="minor">
+            <a:schemeClr val="lt1"/>
+          </a:fontRef>
+        </p:style>
+        <p:txBody>
+          <a:bodyPr rtlCol="0" anchor="ctr"/>
+          <a:lstStyle/>
+          <a:p>
+            <a:pPr algn="ctr"/>
+            <a:r>
+              <a:rPr lang="es-MX" dirty="0">
+                <a:solidFill>
+                  <a:schemeClr val="accent2"/>
+                </a:solidFill>
+                <a:latin typeface="Proxima Nova" panose="020B0604020202020204" charset="0"/>
+              </a:rPr>
+              <a:t>No paramétricos</a:t>
+            </a:r>
+            <a:endParaRPr lang="es-AR" dirty="0">
+              <a:solidFill>
+                <a:schemeClr val="accent2"/>
+              </a:solidFill>
+              <a:latin typeface="Proxima Nova" panose="020B0604020202020204" charset="0"/>
+            </a:endParaRPr>
+          </a:p>
+        </p:txBody>
+      </p:sp>
+      <p:cxnSp>
+        <p:nvCxnSpPr>
+          <p:cNvPr id="20" name="Conector recto 19">
+            <a:extLst>
+              <a:ext uri="{FF2B5EF4-FFF2-40B4-BE49-F238E27FC236}">
+                <a16:creationId xmlns:a16="http://schemas.microsoft.com/office/drawing/2014/main" id="{3AC78311-A052-4A86-BDF2-B258511A48F9}"/>
+              </a:ext>
+            </a:extLst>
+          </p:cNvPr>
+          <p:cNvCxnSpPr>
+            <a:stCxn id="7" idx="2"/>
+          </p:cNvCxnSpPr>
+          <p:nvPr/>
+        </p:nvCxnSpPr>
+        <p:spPr>
+          <a:xfrm flipH="1">
+            <a:off x="1558011" y="2895745"/>
+            <a:ext cx="533117" cy="373679"/>
+          </a:xfrm>
+          <a:prstGeom prst="line">
+            <a:avLst/>
+          </a:prstGeom>
+          <a:ln>
+            <a:solidFill>
+              <a:schemeClr val="accent4"/>
+            </a:solidFill>
+          </a:ln>
+        </p:spPr>
+        <p:style>
+          <a:lnRef idx="1">
+            <a:schemeClr val="accent1"/>
+          </a:lnRef>
+          <a:fillRef idx="0">
+            <a:schemeClr val="accent1"/>
+          </a:fillRef>
+          <a:effectRef idx="0">
+            <a:schemeClr val="accent1"/>
+          </a:effectRef>
+          <a:fontRef idx="minor">
+            <a:schemeClr val="tx1"/>
+          </a:fontRef>
+        </p:style>
+      </p:cxnSp>
+      <p:cxnSp>
+        <p:nvCxnSpPr>
+          <p:cNvPr id="21" name="Conector recto 20">
+            <a:extLst>
+              <a:ext uri="{FF2B5EF4-FFF2-40B4-BE49-F238E27FC236}">
+                <a16:creationId xmlns:a16="http://schemas.microsoft.com/office/drawing/2014/main" id="{E3D77214-F3E2-45E8-8C61-6B5D7FCACDB5}"/>
+              </a:ext>
+            </a:extLst>
+          </p:cNvPr>
+          <p:cNvCxnSpPr>
+            <a:cxnSpLocks/>
+            <a:stCxn id="7" idx="2"/>
+          </p:cNvCxnSpPr>
+          <p:nvPr/>
+        </p:nvCxnSpPr>
+        <p:spPr>
+          <a:xfrm>
+            <a:off x="2091128" y="2895745"/>
+            <a:ext cx="547038" cy="373679"/>
+          </a:xfrm>
+          <a:prstGeom prst="line">
+            <a:avLst/>
+          </a:prstGeom>
+          <a:ln>
+            <a:solidFill>
+              <a:schemeClr val="accent4"/>
+            </a:solidFill>
+          </a:ln>
+        </p:spPr>
+        <p:style>
+          <a:lnRef idx="1">
+            <a:schemeClr val="accent1"/>
+          </a:lnRef>
+          <a:fillRef idx="0">
+            <a:schemeClr val="accent1"/>
+          </a:fillRef>
+          <a:effectRef idx="0">
+            <a:schemeClr val="accent1"/>
+          </a:effectRef>
+          <a:fontRef idx="minor">
+            <a:schemeClr val="tx1"/>
+          </a:fontRef>
+        </p:style>
+      </p:cxnSp>
+      <p:cxnSp>
+        <p:nvCxnSpPr>
+          <p:cNvPr id="22" name="Conector recto 21">
+            <a:extLst>
+              <a:ext uri="{FF2B5EF4-FFF2-40B4-BE49-F238E27FC236}">
+                <a16:creationId xmlns:a16="http://schemas.microsoft.com/office/drawing/2014/main" id="{D6760722-11A0-4F2D-8E72-EE52739D5BCC}"/>
+              </a:ext>
+            </a:extLst>
+          </p:cNvPr>
+          <p:cNvCxnSpPr>
+            <a:cxnSpLocks/>
+            <a:stCxn id="5" idx="2"/>
+            <a:endCxn id="7" idx="0"/>
+          </p:cNvCxnSpPr>
+          <p:nvPr/>
+        </p:nvCxnSpPr>
+        <p:spPr>
+          <a:xfrm flipH="1">
+            <a:off x="2091128" y="2181193"/>
+            <a:ext cx="2113613" cy="257352"/>
+          </a:xfrm>
+          <a:prstGeom prst="line">
+            <a:avLst/>
+          </a:prstGeom>
+          <a:ln>
+            <a:solidFill>
+              <a:schemeClr val="accent4"/>
+            </a:solidFill>
+          </a:ln>
+        </p:spPr>
+        <p:style>
+          <a:lnRef idx="1">
+            <a:schemeClr val="accent1"/>
+          </a:lnRef>
+          <a:fillRef idx="0">
+            <a:schemeClr val="accent1"/>
+          </a:fillRef>
+          <a:effectRef idx="0">
+            <a:schemeClr val="accent1"/>
+          </a:effectRef>
+          <a:fontRef idx="minor">
+            <a:schemeClr val="tx1"/>
+          </a:fontRef>
+        </p:style>
+      </p:cxnSp>
+      <p:cxnSp>
+        <p:nvCxnSpPr>
+          <p:cNvPr id="23" name="Conector recto 22">
+            <a:extLst>
+              <a:ext uri="{FF2B5EF4-FFF2-40B4-BE49-F238E27FC236}">
+                <a16:creationId xmlns:a16="http://schemas.microsoft.com/office/drawing/2014/main" id="{C9E93A23-5383-4BAF-A582-82F063CE7F5B}"/>
+              </a:ext>
+            </a:extLst>
+          </p:cNvPr>
+          <p:cNvCxnSpPr>
+            <a:cxnSpLocks/>
+            <a:stCxn id="5" idx="2"/>
+            <a:endCxn id="8" idx="0"/>
+          </p:cNvCxnSpPr>
+          <p:nvPr/>
+        </p:nvCxnSpPr>
+        <p:spPr>
+          <a:xfrm>
+            <a:off x="4204741" y="2181193"/>
+            <a:ext cx="914400" cy="256415"/>
+          </a:xfrm>
+          <a:prstGeom prst="line">
+            <a:avLst/>
+          </a:prstGeom>
+          <a:ln>
+            <a:solidFill>
+              <a:schemeClr val="accent4"/>
+            </a:solidFill>
+          </a:ln>
+        </p:spPr>
+        <p:style>
+          <a:lnRef idx="1">
+            <a:schemeClr val="accent1"/>
+          </a:lnRef>
+          <a:fillRef idx="0">
+            <a:schemeClr val="accent1"/>
+          </a:fillRef>
+          <a:effectRef idx="0">
+            <a:schemeClr val="accent1"/>
+          </a:effectRef>
+          <a:fontRef idx="minor">
+            <a:schemeClr val="tx1"/>
+          </a:fontRef>
+        </p:style>
+      </p:cxnSp>
+      <p:cxnSp>
+        <p:nvCxnSpPr>
+          <p:cNvPr id="26" name="Conector recto 25">
+            <a:extLst>
+              <a:ext uri="{FF2B5EF4-FFF2-40B4-BE49-F238E27FC236}">
+                <a16:creationId xmlns:a16="http://schemas.microsoft.com/office/drawing/2014/main" id="{FBE3A914-CC09-4CAD-B043-63191BE1538C}"/>
+              </a:ext>
+            </a:extLst>
+          </p:cNvPr>
+          <p:cNvCxnSpPr>
+            <a:cxnSpLocks/>
+            <a:stCxn id="8" idx="2"/>
+            <a:endCxn id="16" idx="0"/>
+          </p:cNvCxnSpPr>
+          <p:nvPr/>
+        </p:nvCxnSpPr>
+        <p:spPr>
+          <a:xfrm flipH="1">
+            <a:off x="4357141" y="2894808"/>
+            <a:ext cx="762000" cy="639308"/>
+          </a:xfrm>
+          <a:prstGeom prst="line">
+            <a:avLst/>
+          </a:prstGeom>
+          <a:ln>
+            <a:solidFill>
+              <a:schemeClr val="accent4"/>
+            </a:solidFill>
+          </a:ln>
+        </p:spPr>
+        <p:style>
+          <a:lnRef idx="1">
+            <a:schemeClr val="accent1"/>
+          </a:lnRef>
+          <a:fillRef idx="0">
+            <a:schemeClr val="accent1"/>
+          </a:fillRef>
+          <a:effectRef idx="0">
+            <a:schemeClr val="accent1"/>
+          </a:effectRef>
+          <a:fontRef idx="minor">
+            <a:schemeClr val="tx1"/>
+          </a:fontRef>
+        </p:style>
+      </p:cxnSp>
+      <p:cxnSp>
+        <p:nvCxnSpPr>
+          <p:cNvPr id="27" name="Conector recto 26">
+            <a:extLst>
+              <a:ext uri="{FF2B5EF4-FFF2-40B4-BE49-F238E27FC236}">
+                <a16:creationId xmlns:a16="http://schemas.microsoft.com/office/drawing/2014/main" id="{8F3DC5DD-5890-4AC7-884B-D143D4D682A9}"/>
+              </a:ext>
+            </a:extLst>
+          </p:cNvPr>
+          <p:cNvCxnSpPr>
+            <a:cxnSpLocks/>
+            <a:stCxn id="8" idx="2"/>
+            <a:endCxn id="17" idx="0"/>
+          </p:cNvCxnSpPr>
+          <p:nvPr/>
+        </p:nvCxnSpPr>
+        <p:spPr>
+          <a:xfrm>
+            <a:off x="5119141" y="2894808"/>
+            <a:ext cx="1226696" cy="637416"/>
+          </a:xfrm>
+          <a:prstGeom prst="line">
+            <a:avLst/>
+          </a:prstGeom>
+          <a:ln>
+            <a:solidFill>
+              <a:schemeClr val="accent4"/>
+            </a:solidFill>
+          </a:ln>
+        </p:spPr>
+        <p:style>
+          <a:lnRef idx="1">
+            <a:schemeClr val="accent1"/>
+          </a:lnRef>
+          <a:fillRef idx="0">
+            <a:schemeClr val="accent1"/>
+          </a:fillRef>
+          <a:effectRef idx="0">
+            <a:schemeClr val="accent1"/>
+          </a:effectRef>
+          <a:fontRef idx="minor">
+            <a:schemeClr val="tx1"/>
+          </a:fontRef>
+        </p:style>
+      </p:cxnSp>
+      <p:cxnSp>
+        <p:nvCxnSpPr>
+          <p:cNvPr id="28" name="Conector recto 27">
+            <a:extLst>
+              <a:ext uri="{FF2B5EF4-FFF2-40B4-BE49-F238E27FC236}">
+                <a16:creationId xmlns:a16="http://schemas.microsoft.com/office/drawing/2014/main" id="{610EB4CE-F79D-42A8-8EBA-0FE012C04690}"/>
+              </a:ext>
+            </a:extLst>
+          </p:cNvPr>
+          <p:cNvCxnSpPr>
+            <a:cxnSpLocks/>
+            <a:stCxn id="16" idx="2"/>
+          </p:cNvCxnSpPr>
+          <p:nvPr/>
+        </p:nvCxnSpPr>
+        <p:spPr>
+          <a:xfrm>
+            <a:off x="4357141" y="3991316"/>
+            <a:ext cx="0" cy="252000"/>
+          </a:xfrm>
+          <a:prstGeom prst="line">
+            <a:avLst/>
+          </a:prstGeom>
+          <a:ln>
+            <a:solidFill>
+              <a:schemeClr val="accent4"/>
+            </a:solidFill>
+          </a:ln>
+        </p:spPr>
+        <p:style>
+          <a:lnRef idx="1">
+            <a:schemeClr val="accent1"/>
+          </a:lnRef>
+          <a:fillRef idx="0">
+            <a:schemeClr val="accent1"/>
+          </a:fillRef>
+          <a:effectRef idx="0">
+            <a:schemeClr val="accent1"/>
+          </a:effectRef>
+          <a:fontRef idx="minor">
+            <a:schemeClr val="tx1"/>
+          </a:fontRef>
+        </p:style>
+      </p:cxnSp>
+      <p:cxnSp>
+        <p:nvCxnSpPr>
+          <p:cNvPr id="29" name="Conector recto 28">
+            <a:extLst>
+              <a:ext uri="{FF2B5EF4-FFF2-40B4-BE49-F238E27FC236}">
+                <a16:creationId xmlns:a16="http://schemas.microsoft.com/office/drawing/2014/main" id="{7CCBC5D3-5241-478B-AA82-4AF6A45F260E}"/>
+              </a:ext>
+            </a:extLst>
+          </p:cNvPr>
+          <p:cNvCxnSpPr>
+            <a:cxnSpLocks/>
+            <a:stCxn id="17" idx="2"/>
+          </p:cNvCxnSpPr>
+          <p:nvPr/>
+        </p:nvCxnSpPr>
+        <p:spPr>
+          <a:xfrm flipH="1">
+            <a:off x="5819351" y="3989424"/>
+            <a:ext cx="526486" cy="275524"/>
+          </a:xfrm>
+          <a:prstGeom prst="line">
+            <a:avLst/>
+          </a:prstGeom>
+          <a:ln>
+            <a:solidFill>
+              <a:schemeClr val="accent4"/>
+            </a:solidFill>
+          </a:ln>
+        </p:spPr>
+        <p:style>
+          <a:lnRef idx="1">
+            <a:schemeClr val="accent1"/>
+          </a:lnRef>
+          <a:fillRef idx="0">
+            <a:schemeClr val="accent1"/>
+          </a:fillRef>
+          <a:effectRef idx="0">
+            <a:schemeClr val="accent1"/>
+          </a:effectRef>
+          <a:fontRef idx="minor">
+            <a:schemeClr val="tx1"/>
+          </a:fontRef>
+        </p:style>
+      </p:cxnSp>
+      <p:cxnSp>
+        <p:nvCxnSpPr>
+          <p:cNvPr id="30" name="Conector recto 29">
+            <a:extLst>
+              <a:ext uri="{FF2B5EF4-FFF2-40B4-BE49-F238E27FC236}">
+                <a16:creationId xmlns:a16="http://schemas.microsoft.com/office/drawing/2014/main" id="{CF13F4FE-DE31-406D-BF99-274460C2FBE7}"/>
+              </a:ext>
+            </a:extLst>
+          </p:cNvPr>
+          <p:cNvCxnSpPr>
+            <a:cxnSpLocks/>
+            <a:stCxn id="17" idx="2"/>
+          </p:cNvCxnSpPr>
+          <p:nvPr/>
+        </p:nvCxnSpPr>
+        <p:spPr>
+          <a:xfrm>
+            <a:off x="6345837" y="3989424"/>
+            <a:ext cx="602104" cy="275524"/>
+          </a:xfrm>
+          <a:prstGeom prst="line">
+            <a:avLst/>
+          </a:prstGeom>
+          <a:ln>
+            <a:solidFill>
+              <a:schemeClr val="accent4"/>
+            </a:solidFill>
+          </a:ln>
+        </p:spPr>
+        <p:style>
+          <a:lnRef idx="1">
+            <a:schemeClr val="accent1"/>
+          </a:lnRef>
+          <a:fillRef idx="0">
+            <a:schemeClr val="accent1"/>
+          </a:fillRef>
+          <a:effectRef idx="0">
+            <a:schemeClr val="accent1"/>
+          </a:effectRef>
+          <a:fontRef idx="minor">
+            <a:schemeClr val="tx1"/>
+          </a:fontRef>
+        </p:style>
+      </p:cxnSp>
+    </p:spTree>
+  </p:cSld>
+  <p:clrMapOvr>
+    <a:masterClrMapping/>
+  </p:clrMapOvr>
+</p:sld>
+</file>
+
+<file path=ppt/slides/slide52.xml><?xml version="1.0" encoding="utf-8"?>
+<p:sld xmlns:a="http://schemas.openxmlformats.org/drawingml/2006/main" xmlns:r="http://schemas.openxmlformats.org/officeDocument/2006/relationships" xmlns:p="http://schemas.openxmlformats.org/presentationml/2006/main">
+  <p:cSld>
+    <p:spTree>
+      <p:nvGrpSpPr>
+        <p:cNvPr id="1" name="Shape 273"/>
+        <p:cNvGrpSpPr/>
+        <p:nvPr/>
+      </p:nvGrpSpPr>
+      <p:grpSpPr>
+        <a:xfrm>
+          <a:off x="0" y="0"/>
+          <a:ext cx="0" cy="0"/>
+          <a:chOff x="0" y="0"/>
+          <a:chExt cx="0" cy="0"/>
+        </a:xfrm>
+      </p:grpSpPr>
+      <p:sp>
+        <p:nvSpPr>
+          <p:cNvPr id="274" name="Google Shape;274;p47"/>
+          <p:cNvSpPr txBox="1">
+            <a:spLocks noGrp="1"/>
+          </p:cNvSpPr>
+          <p:nvPr>
+            <p:ph type="title"/>
+          </p:nvPr>
+        </p:nvSpPr>
+        <p:spPr>
+          <a:xfrm>
+            <a:off x="490250" y="526350"/>
+            <a:ext cx="5797500" cy="4090800"/>
+          </a:xfrm>
+          <a:prstGeom prst="rect">
+            <a:avLst/>
+          </a:prstGeom>
+        </p:spPr>
+        <p:txBody>
+          <a:bodyPr spcFirstLastPara="1" wrap="square" lIns="91425" tIns="91425" rIns="91425" bIns="91425" anchor="ctr" anchorCtr="0">
+            <a:normAutofit/>
+          </a:bodyPr>
+          <a:lstStyle/>
+          <a:p>
+            <a:pPr marL="0" lvl="0" indent="0" algn="l" rtl="0">
+              <a:spcBef>
+                <a:spcPts val="0"/>
+              </a:spcBef>
+              <a:spcAft>
+                <a:spcPts val="0"/>
+              </a:spcAft>
+              <a:buNone/>
+            </a:pPr>
+            <a:r>
+              <a:rPr lang="en-GB" dirty="0"/>
+              <a:t>Gracias!</a:t>
+            </a:r>
+            <a:endParaRPr dirty="0"/>
+          </a:p>
+        </p:txBody>
+      </p:sp>
+    </p:spTree>
+    <p:extLst>
+      <p:ext uri="{BB962C8B-B14F-4D97-AF65-F5344CB8AC3E}">
+        <p14:creationId xmlns:p14="http://schemas.microsoft.com/office/powerpoint/2010/main" val="832657643"/>
+      </p:ext>
+    </p:extLst>
   </p:cSld>
   <p:clrMapOvr>
     <a:masterClrMapping/>

--- a/clase1/teorica_1.pptx
+++ b/clase1/teorica_1.pptx
@@ -65,15 +65,19 @@
   <p:notesSz cx="6858000" cy="9144000"/>
   <p:embeddedFontLst>
     <p:embeddedFont>
-      <p:font typeface="Cambria Math" panose="02040503050406030204" pitchFamily="18" charset="0"/>
+      <p:font typeface="MS Mincho" panose="02020609040205080304" pitchFamily="49" charset="-128"/>
       <p:regular r:id="rId55"/>
     </p:embeddedFont>
     <p:embeddedFont>
+      <p:font typeface="Cambria Math" panose="02040503050406030204" pitchFamily="18" charset="0"/>
+      <p:regular r:id="rId56"/>
+    </p:embeddedFont>
+    <p:embeddedFont>
       <p:font typeface="Proxima Nova" panose="020B0604020202020204" charset="0"/>
-      <p:regular r:id="rId56"/>
-      <p:bold r:id="rId57"/>
-      <p:italic r:id="rId58"/>
-      <p:boldItalic r:id="rId59"/>
+      <p:regular r:id="rId57"/>
+      <p:bold r:id="rId58"/>
+      <p:italic r:id="rId59"/>
+      <p:boldItalic r:id="rId60"/>
     </p:embeddedFont>
   </p:embeddedFontLst>
   <p:defaultTextStyle>
@@ -12186,7 +12190,7 @@
         </p:spPr>
         <p:txBody>
           <a:bodyPr spcFirstLastPara="1" wrap="square" lIns="91425" tIns="91425" rIns="91425" bIns="91425" anchor="t" anchorCtr="0">
-            <a:normAutofit/>
+            <a:normAutofit lnSpcReduction="10000"/>
           </a:bodyPr>
           <a:lstStyle/>
           <a:p>
@@ -12195,7 +12199,7 @@
                 <a:spcPct val="150000"/>
               </a:lnSpc>
               <a:spcBef>
-                <a:spcPts val="0"/>
+                <a:spcPts val="1000"/>
               </a:spcBef>
               <a:spcAft>
                 <a:spcPts val="0"/>
@@ -12203,7 +12207,7 @@
               <a:buNone/>
             </a:pPr>
             <a:r>
-              <a:rPr lang="en-GB" sz="2400" b="1" dirty="0" err="1">
+              <a:rPr lang="en-GB" sz="2800" b="1" dirty="0" err="1">
                 <a:solidFill>
                   <a:schemeClr val="lt1"/>
                 </a:solidFill>
@@ -12419,7 +12423,7 @@
         </p:spPr>
         <p:txBody>
           <a:bodyPr spcFirstLastPara="1" wrap="square" lIns="91425" tIns="91425" rIns="91425" bIns="91425" anchor="t" anchorCtr="0">
-            <a:normAutofit lnSpcReduction="10000"/>
+            <a:normAutofit/>
           </a:bodyPr>
           <a:lstStyle/>
           <a:p>
@@ -12436,7 +12440,7 @@
               <a:buNone/>
             </a:pPr>
             <a:r>
-              <a:rPr lang="en-GB" sz="3400" b="1" dirty="0" err="1">
+              <a:rPr lang="en-GB" sz="2800" b="1" dirty="0" err="1">
                 <a:solidFill>
                   <a:schemeClr val="bg2"/>
                 </a:solidFill>
@@ -12598,7 +12602,7 @@
         <p:spPr>
           <a:xfrm>
             <a:off x="311699" y="1152475"/>
-            <a:ext cx="6871615" cy="3416400"/>
+            <a:ext cx="8045317" cy="3416400"/>
           </a:xfrm>
           <a:prstGeom prst="rect">
             <a:avLst/>
@@ -12615,7 +12619,7 @@
               <a:buChar char="§"/>
             </a:pPr>
             <a:r>
-              <a:rPr lang="es-AR" i="1" dirty="0">
+              <a:rPr lang="es-AR" sz="2000" i="1" dirty="0">
                 <a:solidFill>
                   <a:schemeClr val="bg2"/>
                 </a:solidFill>
@@ -12623,11 +12627,11 @@
               <a:t>f</a:t>
             </a:r>
             <a:r>
-              <a:rPr lang="es-AR" dirty="0"/>
+              <a:rPr lang="es-AR" sz="2000" dirty="0"/>
               <a:t> puede funcionar como una </a:t>
             </a:r>
             <a:r>
-              <a:rPr lang="es-AR" b="1" dirty="0"/>
+              <a:rPr lang="es-AR" sz="2000" b="1" dirty="0"/>
               <a:t>caja negra.</a:t>
             </a:r>
           </a:p>
@@ -12635,7 +12639,7 @@
             <a:pPr marL="0" indent="0">
               <a:buNone/>
             </a:pPr>
-            <a:endParaRPr lang="es-AR" b="1" dirty="0"/>
+            <a:endParaRPr lang="es-AR" sz="2000" b="1" dirty="0"/>
           </a:p>
           <a:p>
             <a:pPr marL="285750" indent="-285750">
@@ -12643,17 +12647,23 @@
               <a:buChar char="§"/>
             </a:pPr>
             <a:r>
-              <a:rPr lang="es-AR" dirty="0"/>
+              <a:rPr lang="es-AR" sz="2000" dirty="0"/>
               <a:t>El </a:t>
             </a:r>
             <a:r>
-              <a:rPr lang="es-AR" b="1" dirty="0"/>
+              <a:rPr lang="es-AR" sz="2000" b="1" dirty="0"/>
               <a:t>error</a:t>
             </a:r>
             <a:r>
-              <a:rPr lang="es-AR" dirty="0"/>
+              <a:rPr lang="es-AR" sz="2000" dirty="0"/>
               <a:t> de nuestras predicciones se puede descomponer en dos partes:</a:t>
             </a:r>
+          </a:p>
+          <a:p>
+            <a:pPr marL="0" indent="0">
+              <a:buNone/>
+            </a:pPr>
+            <a:endParaRPr lang="es-AR" sz="2000" dirty="0"/>
           </a:p>
           <a:p>
             <a:pPr marL="742950" lvl="1" indent="-285750">
@@ -12661,11 +12671,11 @@
               <a:buChar char="§"/>
             </a:pPr>
             <a:r>
-              <a:rPr lang="es-AR" dirty="0"/>
+              <a:rPr lang="es-AR" sz="2000" dirty="0"/>
               <a:t>Reducible: mejorar </a:t>
             </a:r>
             <a:r>
-              <a:rPr lang="es-AR" dirty="0">
+              <a:rPr lang="es-AR" sz="2000" dirty="0">
                 <a:solidFill>
                   <a:schemeClr val="bg2"/>
                 </a:solidFill>
@@ -12679,11 +12689,11 @@
               <a:buChar char="§"/>
             </a:pPr>
             <a:r>
-              <a:rPr lang="es-AR" dirty="0"/>
+              <a:rPr lang="es-AR" sz="2000" dirty="0"/>
               <a:t>Irreducible: </a:t>
             </a:r>
             <a:r>
-              <a:rPr lang="el-GR" dirty="0">
+              <a:rPr lang="el-GR" sz="2000" dirty="0">
                 <a:solidFill>
                   <a:schemeClr val="bg2"/>
                 </a:solidFill>
@@ -12691,7 +12701,7 @@
               <a:t>ϵ</a:t>
             </a:r>
             <a:r>
-              <a:rPr lang="es-AR" dirty="0">
+              <a:rPr lang="es-AR" sz="2000" dirty="0">
                 <a:solidFill>
                   <a:schemeClr val="bg2"/>
                 </a:solidFill>
@@ -12699,7 +12709,7 @@
               <a:t> </a:t>
             </a:r>
             <a:r>
-              <a:rPr lang="es-AR" dirty="0"/>
+              <a:rPr lang="es-AR" sz="2000" dirty="0"/>
               <a:t>(variables que no incluimos o no podemos medir)</a:t>
             </a:r>
           </a:p>
@@ -12708,7 +12718,7 @@
               <a:buFont typeface="Wingdings" panose="05000000000000000000" pitchFamily="2" charset="2"/>
               <a:buChar char="§"/>
             </a:pPr>
-            <a:endParaRPr b="1" dirty="0"/>
+            <a:endParaRPr sz="2000" b="1" dirty="0"/>
           </a:p>
         </p:txBody>
       </p:sp>
@@ -12858,7 +12868,7 @@
               <a:buChar char="§"/>
             </a:pPr>
             <a:r>
-              <a:rPr lang="es-AR" i="1" dirty="0">
+              <a:rPr lang="es-AR" sz="2000" i="1" dirty="0">
                 <a:solidFill>
                   <a:schemeClr val="bg2"/>
                 </a:solidFill>
@@ -12866,19 +12876,19 @@
               <a:t>f</a:t>
             </a:r>
             <a:r>
-              <a:rPr lang="es-AR" dirty="0"/>
+              <a:rPr lang="es-AR" sz="2000" dirty="0"/>
               <a:t> </a:t>
             </a:r>
             <a:r>
-              <a:rPr lang="es-AR" b="1" u="sng" dirty="0"/>
+              <a:rPr lang="es-AR" sz="2000" b="1" u="sng" dirty="0"/>
               <a:t>no</a:t>
             </a:r>
             <a:r>
-              <a:rPr lang="es-AR" dirty="0"/>
+              <a:rPr lang="es-AR" sz="2000" dirty="0"/>
               <a:t> puede funcionar como una </a:t>
             </a:r>
             <a:r>
-              <a:rPr lang="es-AR" b="1" dirty="0"/>
+              <a:rPr lang="es-AR" sz="2000" b="1" dirty="0"/>
               <a:t>caja negra.</a:t>
             </a:r>
           </a:p>
@@ -12886,7 +12896,7 @@
             <a:pPr marL="0" indent="0">
               <a:buNone/>
             </a:pPr>
-            <a:endParaRPr lang="es-AR" b="1" dirty="0"/>
+            <a:endParaRPr lang="es-AR" sz="2000" b="1" dirty="0"/>
           </a:p>
           <a:p>
             <a:pPr marL="285750" indent="-285750">
@@ -12894,31 +12904,23 @@
               <a:buChar char="§"/>
             </a:pPr>
             <a:r>
-              <a:rPr lang="es-AR" dirty="0"/>
+              <a:rPr lang="es-AR" sz="2000" dirty="0"/>
               <a:t>La </a:t>
             </a:r>
             <a:r>
-              <a:rPr lang="es-AR" b="1" dirty="0"/>
+              <a:rPr lang="es-AR" sz="2000" b="1" dirty="0"/>
               <a:t>calidad</a:t>
             </a:r>
             <a:r>
-              <a:rPr lang="es-AR" dirty="0"/>
-              <a:t> de nuestros </a:t>
-            </a:r>
-            <a:r>
-              <a:rPr lang="es-AR"/>
-              <a:t>resultados depende </a:t>
-            </a:r>
-            <a:r>
-              <a:rPr lang="es-AR" dirty="0"/>
-              <a:t>de una serie de </a:t>
-            </a:r>
-            <a:r>
-              <a:rPr lang="es-AR" b="1" dirty="0"/>
+              <a:rPr lang="es-AR" sz="2000" dirty="0"/>
+              <a:t> de nuestros resultados depende de una serie de </a:t>
+            </a:r>
+            <a:r>
+              <a:rPr lang="es-AR" sz="2000" b="1" dirty="0"/>
               <a:t>supuestos</a:t>
             </a:r>
             <a:r>
-              <a:rPr lang="es-AR" dirty="0"/>
+              <a:rPr lang="es-AR" sz="2000" dirty="0"/>
               <a:t> acerca de la distribución de los datos.</a:t>
             </a:r>
           </a:p>
@@ -12926,7 +12928,7 @@
             <a:pPr marL="0" indent="0">
               <a:buNone/>
             </a:pPr>
-            <a:endParaRPr lang="es-AR" dirty="0"/>
+            <a:endParaRPr lang="es-AR" sz="2000" dirty="0"/>
           </a:p>
           <a:p>
             <a:pPr marL="285750" indent="-285750">
@@ -12934,8 +12936,8 @@
               <a:buChar char="§"/>
             </a:pPr>
             <a:r>
-              <a:rPr lang="es-AR" dirty="0"/>
-              <a:t>Nuestro interés principal son preguntas cómo:</a:t>
+              <a:rPr lang="es-AR" sz="2000" dirty="0"/>
+              <a:t>Nuestro interés principal son preguntas como:</a:t>
             </a:r>
           </a:p>
           <a:p>
@@ -12944,7 +12946,7 @@
               <a:buChar char="§"/>
             </a:pPr>
             <a:r>
-              <a:rPr lang="es-AR" dirty="0"/>
+              <a:rPr lang="es-AR" sz="1600" dirty="0"/>
               <a:t>¿Qué variables X están relacionadas con Y?</a:t>
             </a:r>
           </a:p>
@@ -12954,7 +12956,7 @@
               <a:buChar char="§"/>
             </a:pPr>
             <a:r>
-              <a:rPr lang="es-AR" dirty="0"/>
+              <a:rPr lang="es-AR" sz="1600" dirty="0"/>
               <a:t>¿Qué dirección tienen estas relaciones?</a:t>
             </a:r>
           </a:p>
@@ -12964,7 +12966,7 @@
               <a:buChar char="§"/>
             </a:pPr>
             <a:r>
-              <a:rPr lang="es-AR" dirty="0"/>
+              <a:rPr lang="es-AR" sz="1600" dirty="0"/>
               <a:t>¿Qué efecto tiene cada variable X en la variable Y?</a:t>
             </a:r>
           </a:p>
@@ -12974,7 +12976,7 @@
               <a:buChar char="§"/>
             </a:pPr>
             <a:r>
-              <a:rPr lang="es-AR" dirty="0"/>
+              <a:rPr lang="es-AR" sz="1600" dirty="0"/>
               <a:t>¿Las relaciones son lineales o no lineales?</a:t>
             </a:r>
           </a:p>
@@ -12983,7 +12985,7 @@
               <a:buFont typeface="Wingdings" panose="05000000000000000000" pitchFamily="2" charset="2"/>
               <a:buChar char="§"/>
             </a:pPr>
-            <a:endParaRPr lang="es-AR" dirty="0"/>
+            <a:endParaRPr lang="es-AR" sz="2000" dirty="0"/>
           </a:p>
           <a:p>
             <a:pPr marL="0" lvl="0" indent="0" algn="l" rtl="0">
@@ -12995,7 +12997,7 @@
               </a:spcAft>
               <a:buNone/>
             </a:pPr>
-            <a:endParaRPr dirty="0"/>
+            <a:endParaRPr sz="2000" dirty="0"/>
           </a:p>
         </p:txBody>
       </p:sp>
@@ -13136,6 +13138,9 @@
               <a:rPr lang="es-AR" sz="3700" dirty="0"/>
               <a:t>¿qué pasa si nuestro modelo de inferencia no predice bien?</a:t>
             </a:r>
+            <a:br>
+              <a:rPr lang="es-AR" sz="3700" dirty="0"/>
+            </a:br>
             <a:br>
               <a:rPr lang="es-AR" sz="3700" dirty="0"/>
             </a:br>
@@ -13609,7 +13614,7 @@
                 <a:spcPct val="150000"/>
               </a:lnSpc>
               <a:spcBef>
-                <a:spcPts val="0"/>
+                <a:spcPts val="1000"/>
               </a:spcBef>
               <a:spcAft>
                 <a:spcPts val="0"/>
@@ -13617,14 +13622,38 @@
               <a:buNone/>
             </a:pPr>
             <a:r>
-              <a:rPr lang="en-GB" sz="2400" b="1">
+              <a:rPr lang="en-GB" sz="2600" b="1" dirty="0" err="1">
                 <a:solidFill>
                   <a:schemeClr val="lt1"/>
                 </a:solidFill>
               </a:rPr>
-              <a:t>Aprendizaje supervisado (supervised learning)</a:t>
-            </a:r>
-            <a:endParaRPr sz="2400" b="1">
+              <a:t>Aprendizaje</a:t>
+            </a:r>
+            <a:r>
+              <a:rPr lang="en-GB" sz="2600" b="1" dirty="0">
+                <a:solidFill>
+                  <a:schemeClr val="lt1"/>
+                </a:solidFill>
+              </a:rPr>
+              <a:t> </a:t>
+            </a:r>
+            <a:r>
+              <a:rPr lang="en-GB" sz="2600" b="1" dirty="0" err="1">
+                <a:solidFill>
+                  <a:schemeClr val="lt1"/>
+                </a:solidFill>
+              </a:rPr>
+              <a:t>supervisado</a:t>
+            </a:r>
+            <a:r>
+              <a:rPr lang="en-GB" sz="2600" b="1" dirty="0">
+                <a:solidFill>
+                  <a:schemeClr val="lt1"/>
+                </a:solidFill>
+              </a:rPr>
+              <a:t> (supervised learning)</a:t>
+            </a:r>
+            <a:endParaRPr sz="2600" b="1" dirty="0">
               <a:solidFill>
                 <a:schemeClr val="lt1"/>
               </a:solidFill>
@@ -13644,15 +13673,87 @@
               <a:buNone/>
             </a:pPr>
             <a:r>
-              <a:rPr lang="en-GB" sz="2000">
+              <a:rPr lang="en-GB" sz="2000" dirty="0" err="1">
                 <a:solidFill>
                   <a:schemeClr val="lt1"/>
                 </a:solidFill>
               </a:rPr>
-              <a:t>Conocemos los valores de Y para un set de casos y estimamos la función </a:t>
-            </a:r>
-            <a:r>
-              <a:rPr lang="en-GB" sz="2000" i="1">
+              <a:t>Conocemos</a:t>
+            </a:r>
+            <a:r>
+              <a:rPr lang="en-GB" sz="2000" dirty="0">
+                <a:solidFill>
+                  <a:schemeClr val="lt1"/>
+                </a:solidFill>
+              </a:rPr>
+              <a:t> los </a:t>
+            </a:r>
+            <a:r>
+              <a:rPr lang="en-GB" sz="2000" dirty="0" err="1">
+                <a:solidFill>
+                  <a:schemeClr val="lt1"/>
+                </a:solidFill>
+              </a:rPr>
+              <a:t>valores</a:t>
+            </a:r>
+            <a:r>
+              <a:rPr lang="en-GB" sz="2000" dirty="0">
+                <a:solidFill>
+                  <a:schemeClr val="lt1"/>
+                </a:solidFill>
+              </a:rPr>
+              <a:t> de Y para un set de </a:t>
+            </a:r>
+            <a:r>
+              <a:rPr lang="en-GB" sz="2000" dirty="0" err="1">
+                <a:solidFill>
+                  <a:schemeClr val="lt1"/>
+                </a:solidFill>
+              </a:rPr>
+              <a:t>casos</a:t>
+            </a:r>
+            <a:r>
+              <a:rPr lang="en-GB" sz="2000" dirty="0">
+                <a:solidFill>
+                  <a:schemeClr val="lt1"/>
+                </a:solidFill>
+              </a:rPr>
+              <a:t> y </a:t>
+            </a:r>
+            <a:r>
+              <a:rPr lang="en-GB" sz="2000" dirty="0" err="1">
+                <a:solidFill>
+                  <a:schemeClr val="lt1"/>
+                </a:solidFill>
+              </a:rPr>
+              <a:t>estimamos</a:t>
+            </a:r>
+            <a:r>
+              <a:rPr lang="en-GB" sz="2000" dirty="0">
+                <a:solidFill>
+                  <a:schemeClr val="lt1"/>
+                </a:solidFill>
+              </a:rPr>
+              <a:t> la </a:t>
+            </a:r>
+            <a:r>
+              <a:rPr lang="en-GB" sz="2000" dirty="0" err="1">
+                <a:solidFill>
+                  <a:schemeClr val="lt1"/>
+                </a:solidFill>
+              </a:rPr>
+              <a:t>función</a:t>
+            </a:r>
+            <a:r>
+              <a:rPr lang="en-GB" sz="2000" dirty="0">
+                <a:solidFill>
+                  <a:schemeClr val="lt1"/>
+                </a:solidFill>
+              </a:rPr>
+              <a:t> </a:t>
+            </a:r>
+            <a:r>
+              <a:rPr lang="en-GB" sz="2000" i="1" dirty="0">
                 <a:solidFill>
                   <a:schemeClr val="lt1"/>
                 </a:solidFill>
@@ -13660,14 +13761,126 @@
               <a:t>f</a:t>
             </a:r>
             <a:r>
-              <a:rPr lang="en-GB" sz="2000">
+              <a:rPr lang="en-GB" sz="2000" dirty="0">
                 <a:solidFill>
                   <a:schemeClr val="lt1"/>
                 </a:solidFill>
               </a:rPr>
-              <a:t> que relaciona X con Y para predecir Y futuros o inferir relaciones (regresiones, clasificaciones, etc.)</a:t>
-            </a:r>
-            <a:endParaRPr sz="2400" b="1">
+              <a:t> que </a:t>
+            </a:r>
+            <a:r>
+              <a:rPr lang="en-GB" sz="2000" dirty="0" err="1">
+                <a:solidFill>
+                  <a:schemeClr val="lt1"/>
+                </a:solidFill>
+              </a:rPr>
+              <a:t>relaciona</a:t>
+            </a:r>
+            <a:r>
+              <a:rPr lang="en-GB" sz="2000" dirty="0">
+                <a:solidFill>
+                  <a:schemeClr val="lt1"/>
+                </a:solidFill>
+              </a:rPr>
+              <a:t> X con Y para </a:t>
+            </a:r>
+            <a:r>
+              <a:rPr lang="en-GB" sz="2000" dirty="0" err="1">
+                <a:solidFill>
+                  <a:schemeClr val="lt1"/>
+                </a:solidFill>
+              </a:rPr>
+              <a:t>predecir</a:t>
+            </a:r>
+            <a:r>
+              <a:rPr lang="en-GB" sz="2000" dirty="0">
+                <a:solidFill>
+                  <a:schemeClr val="lt1"/>
+                </a:solidFill>
+              </a:rPr>
+              <a:t> Y </a:t>
+            </a:r>
+            <a:r>
+              <a:rPr lang="en-GB" sz="2000" dirty="0" err="1">
+                <a:solidFill>
+                  <a:schemeClr val="lt1"/>
+                </a:solidFill>
+              </a:rPr>
+              <a:t>futuros</a:t>
+            </a:r>
+            <a:r>
+              <a:rPr lang="en-GB" sz="2000" dirty="0">
+                <a:solidFill>
+                  <a:schemeClr val="lt1"/>
+                </a:solidFill>
+              </a:rPr>
+              <a:t> o </a:t>
+            </a:r>
+            <a:r>
+              <a:rPr lang="en-GB" sz="2000" dirty="0" err="1">
+                <a:solidFill>
+                  <a:schemeClr val="lt1"/>
+                </a:solidFill>
+              </a:rPr>
+              <a:t>inferir</a:t>
+            </a:r>
+            <a:r>
+              <a:rPr lang="en-GB" sz="2000" dirty="0">
+                <a:solidFill>
+                  <a:schemeClr val="lt1"/>
+                </a:solidFill>
+              </a:rPr>
+              <a:t> </a:t>
+            </a:r>
+            <a:r>
+              <a:rPr lang="en-GB" sz="2000" dirty="0" err="1">
+                <a:solidFill>
+                  <a:schemeClr val="lt1"/>
+                </a:solidFill>
+              </a:rPr>
+              <a:t>relaciones</a:t>
+            </a:r>
+            <a:r>
+              <a:rPr lang="en-GB" sz="2000" dirty="0">
+                <a:solidFill>
+                  <a:schemeClr val="lt1"/>
+                </a:solidFill>
+              </a:rPr>
+              <a:t> (</a:t>
+            </a:r>
+            <a:r>
+              <a:rPr lang="en-GB" sz="2000" dirty="0" err="1">
+                <a:solidFill>
+                  <a:schemeClr val="lt1"/>
+                </a:solidFill>
+              </a:rPr>
+              <a:t>regresiones</a:t>
+            </a:r>
+            <a:r>
+              <a:rPr lang="en-GB" sz="2000" dirty="0">
+                <a:solidFill>
+                  <a:schemeClr val="lt1"/>
+                </a:solidFill>
+              </a:rPr>
+              <a:t>, </a:t>
+            </a:r>
+            <a:r>
+              <a:rPr lang="en-GB" sz="2000" dirty="0" err="1">
+                <a:solidFill>
+                  <a:schemeClr val="lt1"/>
+                </a:solidFill>
+              </a:rPr>
+              <a:t>clasificaciones</a:t>
+            </a:r>
+            <a:r>
+              <a:rPr lang="en-GB" sz="2000" dirty="0">
+                <a:solidFill>
+                  <a:schemeClr val="lt1"/>
+                </a:solidFill>
+              </a:rPr>
+              <a:t>, etc.)</a:t>
+            </a:r>
+            <a:endParaRPr sz="2400" b="1" dirty="0">
               <a:solidFill>
                 <a:schemeClr val="lt1"/>
               </a:solidFill>
@@ -13722,10 +13935,22 @@
               <a:buNone/>
             </a:pPr>
             <a:r>
-              <a:rPr lang="en-GB" sz="2200" b="1"/>
-              <a:t>Aprendizaje no supervisado (unsupervised learning)</a:t>
-            </a:r>
-            <a:endParaRPr sz="2200" b="1"/>
+              <a:rPr lang="en-GB" sz="2200" b="1" dirty="0" err="1"/>
+              <a:t>Aprendizaje</a:t>
+            </a:r>
+            <a:r>
+              <a:rPr lang="en-GB" sz="2200" b="1" dirty="0"/>
+              <a:t> no </a:t>
+            </a:r>
+            <a:r>
+              <a:rPr lang="en-GB" sz="2200" b="1" dirty="0" err="1"/>
+              <a:t>supervisado</a:t>
+            </a:r>
+            <a:r>
+              <a:rPr lang="en-GB" sz="2200" b="1" dirty="0"/>
+              <a:t> (unsupervised learning)</a:t>
+            </a:r>
+            <a:endParaRPr sz="2200" b="1" dirty="0"/>
           </a:p>
           <a:p>
             <a:pPr marL="0" lvl="0" indent="0" algn="ctr" rtl="0">
@@ -13741,10 +13966,58 @@
               <a:buNone/>
             </a:pPr>
             <a:r>
-              <a:rPr lang="en-GB" sz="2000"/>
-              <a:t>No conocemos los posibles valores objetivo de Y que buscamos (por ejemplo, clustering).</a:t>
-            </a:r>
-            <a:endParaRPr sz="2000"/>
+              <a:rPr lang="en-GB" sz="1700" dirty="0"/>
+              <a:t>No </a:t>
+            </a:r>
+            <a:r>
+              <a:rPr lang="en-GB" sz="1700" dirty="0" err="1"/>
+              <a:t>conocemos</a:t>
+            </a:r>
+            <a:r>
+              <a:rPr lang="en-GB" sz="1700" dirty="0"/>
+              <a:t> los </a:t>
+            </a:r>
+            <a:r>
+              <a:rPr lang="en-GB" sz="1700" dirty="0" err="1"/>
+              <a:t>posibles</a:t>
+            </a:r>
+            <a:r>
+              <a:rPr lang="en-GB" sz="1700" dirty="0"/>
+              <a:t> </a:t>
+            </a:r>
+            <a:r>
+              <a:rPr lang="en-GB" sz="1700" dirty="0" err="1"/>
+              <a:t>valores</a:t>
+            </a:r>
+            <a:r>
+              <a:rPr lang="en-GB" sz="1700" dirty="0"/>
+              <a:t> </a:t>
+            </a:r>
+            <a:r>
+              <a:rPr lang="en-GB" sz="1700" dirty="0" err="1"/>
+              <a:t>objetivo</a:t>
+            </a:r>
+            <a:r>
+              <a:rPr lang="en-GB" sz="1700" dirty="0"/>
+              <a:t> de Y que </a:t>
+            </a:r>
+            <a:r>
+              <a:rPr lang="en-GB" sz="1700" dirty="0" err="1"/>
+              <a:t>buscamos</a:t>
+            </a:r>
+            <a:r>
+              <a:rPr lang="en-GB" sz="1700" dirty="0"/>
+              <a:t> (por </a:t>
+            </a:r>
+            <a:r>
+              <a:rPr lang="en-GB" sz="1700" dirty="0" err="1"/>
+              <a:t>ejemplo</a:t>
+            </a:r>
+            <a:r>
+              <a:rPr lang="en-GB" sz="1700" dirty="0"/>
+              <a:t>, clustering).</a:t>
+            </a:r>
+            <a:endParaRPr sz="1700" dirty="0"/>
           </a:p>
         </p:txBody>
       </p:sp>
@@ -13987,6 +14260,391 @@
               <a:buNone/>
             </a:pPr>
             <a:endParaRPr dirty="0"/>
+          </a:p>
+        </p:txBody>
+      </p:sp>
+      <p:sp>
+        <p:nvSpPr>
+          <p:cNvPr id="4" name="Google Shape;73;p15">
+            <a:extLst>
+              <a:ext uri="{FF2B5EF4-FFF2-40B4-BE49-F238E27FC236}">
+                <a16:creationId xmlns:a16="http://schemas.microsoft.com/office/drawing/2014/main" id="{2AA8CB28-E164-49C3-950B-D6A9DE0066A1}"/>
+              </a:ext>
+            </a:extLst>
+          </p:cNvPr>
+          <p:cNvSpPr txBox="1">
+            <a:spLocks/>
+          </p:cNvSpPr>
+          <p:nvPr/>
+        </p:nvSpPr>
+        <p:spPr>
+          <a:xfrm>
+            <a:off x="4771800" y="1152475"/>
+            <a:ext cx="4060500" cy="3416400"/>
+          </a:xfrm>
+          <a:prstGeom prst="rect">
+            <a:avLst/>
+          </a:prstGeom>
+          <a:noFill/>
+          <a:ln w="19050" cap="flat" cmpd="sng">
+            <a:solidFill>
+              <a:schemeClr val="dk2"/>
+            </a:solidFill>
+            <a:prstDash val="solid"/>
+            <a:round/>
+            <a:headEnd type="none" w="sm" len="sm"/>
+            <a:tailEnd type="none" w="sm" len="sm"/>
+          </a:ln>
+        </p:spPr>
+        <p:txBody>
+          <a:bodyPr spcFirstLastPara="1" wrap="square" lIns="91425" tIns="91425" rIns="91425" bIns="91425" anchor="t" anchorCtr="0">
+            <a:normAutofit/>
+          </a:bodyPr>
+          <a:lstStyle>
+            <a:defPPr marR="0" lvl="0" algn="l" rtl="0">
+              <a:lnSpc>
+                <a:spcPct val="100000"/>
+              </a:lnSpc>
+              <a:spcBef>
+                <a:spcPts val="0"/>
+              </a:spcBef>
+              <a:spcAft>
+                <a:spcPts val="0"/>
+              </a:spcAft>
+            </a:defPPr>
+            <a:lvl1pPr marL="457200" marR="0" lvl="0" indent="-342900" algn="l" rtl="0">
+              <a:lnSpc>
+                <a:spcPct val="115000"/>
+              </a:lnSpc>
+              <a:spcBef>
+                <a:spcPts val="0"/>
+              </a:spcBef>
+              <a:spcAft>
+                <a:spcPts val="0"/>
+              </a:spcAft>
+              <a:buClr>
+                <a:schemeClr val="accent3"/>
+              </a:buClr>
+              <a:buSzPts val="1800"/>
+              <a:buFont typeface="Proxima Nova"/>
+              <a:buChar char="●"/>
+              <a:defRPr sz="1800" b="0" i="0" u="none" strike="noStrike" cap="none">
+                <a:solidFill>
+                  <a:schemeClr val="accent3"/>
+                </a:solidFill>
+                <a:latin typeface="Proxima Nova"/>
+                <a:ea typeface="Proxima Nova"/>
+                <a:cs typeface="Proxima Nova"/>
+                <a:sym typeface="Proxima Nova"/>
+              </a:defRPr>
+            </a:lvl1pPr>
+            <a:lvl2pPr marL="914400" marR="0" lvl="1" indent="-317500" algn="l" rtl="0">
+              <a:lnSpc>
+                <a:spcPct val="115000"/>
+              </a:lnSpc>
+              <a:spcBef>
+                <a:spcPts val="0"/>
+              </a:spcBef>
+              <a:spcAft>
+                <a:spcPts val="0"/>
+              </a:spcAft>
+              <a:buClr>
+                <a:schemeClr val="accent3"/>
+              </a:buClr>
+              <a:buSzPts val="1400"/>
+              <a:buFont typeface="Proxima Nova"/>
+              <a:buChar char="○"/>
+              <a:defRPr sz="1400" b="0" i="0" u="none" strike="noStrike" cap="none">
+                <a:solidFill>
+                  <a:schemeClr val="accent3"/>
+                </a:solidFill>
+                <a:latin typeface="Proxima Nova"/>
+                <a:ea typeface="Proxima Nova"/>
+                <a:cs typeface="Proxima Nova"/>
+                <a:sym typeface="Proxima Nova"/>
+              </a:defRPr>
+            </a:lvl2pPr>
+            <a:lvl3pPr marL="1371600" marR="0" lvl="2" indent="-317500" algn="l" rtl="0">
+              <a:lnSpc>
+                <a:spcPct val="115000"/>
+              </a:lnSpc>
+              <a:spcBef>
+                <a:spcPts val="0"/>
+              </a:spcBef>
+              <a:spcAft>
+                <a:spcPts val="0"/>
+              </a:spcAft>
+              <a:buClr>
+                <a:schemeClr val="accent3"/>
+              </a:buClr>
+              <a:buSzPts val="1400"/>
+              <a:buFont typeface="Proxima Nova"/>
+              <a:buChar char="■"/>
+              <a:defRPr sz="1400" b="0" i="0" u="none" strike="noStrike" cap="none">
+                <a:solidFill>
+                  <a:schemeClr val="accent3"/>
+                </a:solidFill>
+                <a:latin typeface="Proxima Nova"/>
+                <a:ea typeface="Proxima Nova"/>
+                <a:cs typeface="Proxima Nova"/>
+                <a:sym typeface="Proxima Nova"/>
+              </a:defRPr>
+            </a:lvl3pPr>
+            <a:lvl4pPr marL="1828800" marR="0" lvl="3" indent="-317500" algn="l" rtl="0">
+              <a:lnSpc>
+                <a:spcPct val="115000"/>
+              </a:lnSpc>
+              <a:spcBef>
+                <a:spcPts val="0"/>
+              </a:spcBef>
+              <a:spcAft>
+                <a:spcPts val="0"/>
+              </a:spcAft>
+              <a:buClr>
+                <a:schemeClr val="accent3"/>
+              </a:buClr>
+              <a:buSzPts val="1400"/>
+              <a:buFont typeface="Proxima Nova"/>
+              <a:buChar char="●"/>
+              <a:defRPr sz="1400" b="0" i="0" u="none" strike="noStrike" cap="none">
+                <a:solidFill>
+                  <a:schemeClr val="accent3"/>
+                </a:solidFill>
+                <a:latin typeface="Proxima Nova"/>
+                <a:ea typeface="Proxima Nova"/>
+                <a:cs typeface="Proxima Nova"/>
+                <a:sym typeface="Proxima Nova"/>
+              </a:defRPr>
+            </a:lvl4pPr>
+            <a:lvl5pPr marL="2286000" marR="0" lvl="4" indent="-317500" algn="l" rtl="0">
+              <a:lnSpc>
+                <a:spcPct val="115000"/>
+              </a:lnSpc>
+              <a:spcBef>
+                <a:spcPts val="0"/>
+              </a:spcBef>
+              <a:spcAft>
+                <a:spcPts val="0"/>
+              </a:spcAft>
+              <a:buClr>
+                <a:schemeClr val="accent3"/>
+              </a:buClr>
+              <a:buSzPts val="1400"/>
+              <a:buFont typeface="Proxima Nova"/>
+              <a:buChar char="○"/>
+              <a:defRPr sz="1400" b="0" i="0" u="none" strike="noStrike" cap="none">
+                <a:solidFill>
+                  <a:schemeClr val="accent3"/>
+                </a:solidFill>
+                <a:latin typeface="Proxima Nova"/>
+                <a:ea typeface="Proxima Nova"/>
+                <a:cs typeface="Proxima Nova"/>
+                <a:sym typeface="Proxima Nova"/>
+              </a:defRPr>
+            </a:lvl5pPr>
+            <a:lvl6pPr marL="2743200" marR="0" lvl="5" indent="-317500" algn="l" rtl="0">
+              <a:lnSpc>
+                <a:spcPct val="115000"/>
+              </a:lnSpc>
+              <a:spcBef>
+                <a:spcPts val="0"/>
+              </a:spcBef>
+              <a:spcAft>
+                <a:spcPts val="0"/>
+              </a:spcAft>
+              <a:buClr>
+                <a:schemeClr val="accent3"/>
+              </a:buClr>
+              <a:buSzPts val="1400"/>
+              <a:buFont typeface="Proxima Nova"/>
+              <a:buChar char="■"/>
+              <a:defRPr sz="1400" b="0" i="0" u="none" strike="noStrike" cap="none">
+                <a:solidFill>
+                  <a:schemeClr val="accent3"/>
+                </a:solidFill>
+                <a:latin typeface="Proxima Nova"/>
+                <a:ea typeface="Proxima Nova"/>
+                <a:cs typeface="Proxima Nova"/>
+                <a:sym typeface="Proxima Nova"/>
+              </a:defRPr>
+            </a:lvl6pPr>
+            <a:lvl7pPr marL="3200400" marR="0" lvl="6" indent="-317500" algn="l" rtl="0">
+              <a:lnSpc>
+                <a:spcPct val="115000"/>
+              </a:lnSpc>
+              <a:spcBef>
+                <a:spcPts val="0"/>
+              </a:spcBef>
+              <a:spcAft>
+                <a:spcPts val="0"/>
+              </a:spcAft>
+              <a:buClr>
+                <a:schemeClr val="accent3"/>
+              </a:buClr>
+              <a:buSzPts val="1400"/>
+              <a:buFont typeface="Proxima Nova"/>
+              <a:buChar char="●"/>
+              <a:defRPr sz="1400" b="0" i="0" u="none" strike="noStrike" cap="none">
+                <a:solidFill>
+                  <a:schemeClr val="accent3"/>
+                </a:solidFill>
+                <a:latin typeface="Proxima Nova"/>
+                <a:ea typeface="Proxima Nova"/>
+                <a:cs typeface="Proxima Nova"/>
+                <a:sym typeface="Proxima Nova"/>
+              </a:defRPr>
+            </a:lvl7pPr>
+            <a:lvl8pPr marL="3657600" marR="0" lvl="7" indent="-317500" algn="l" rtl="0">
+              <a:lnSpc>
+                <a:spcPct val="115000"/>
+              </a:lnSpc>
+              <a:spcBef>
+                <a:spcPts val="0"/>
+              </a:spcBef>
+              <a:spcAft>
+                <a:spcPts val="0"/>
+              </a:spcAft>
+              <a:buClr>
+                <a:schemeClr val="accent3"/>
+              </a:buClr>
+              <a:buSzPts val="1400"/>
+              <a:buFont typeface="Proxima Nova"/>
+              <a:buChar char="○"/>
+              <a:defRPr sz="1400" b="0" i="0" u="none" strike="noStrike" cap="none">
+                <a:solidFill>
+                  <a:schemeClr val="accent3"/>
+                </a:solidFill>
+                <a:latin typeface="Proxima Nova"/>
+                <a:ea typeface="Proxima Nova"/>
+                <a:cs typeface="Proxima Nova"/>
+                <a:sym typeface="Proxima Nova"/>
+              </a:defRPr>
+            </a:lvl8pPr>
+            <a:lvl9pPr marL="4114800" marR="0" lvl="8" indent="-317500" algn="l" rtl="0">
+              <a:lnSpc>
+                <a:spcPct val="115000"/>
+              </a:lnSpc>
+              <a:spcBef>
+                <a:spcPts val="0"/>
+              </a:spcBef>
+              <a:spcAft>
+                <a:spcPts val="0"/>
+              </a:spcAft>
+              <a:buClr>
+                <a:schemeClr val="accent3"/>
+              </a:buClr>
+              <a:buSzPts val="1400"/>
+              <a:buFont typeface="Proxima Nova"/>
+              <a:buChar char="■"/>
+              <a:defRPr sz="1400" b="0" i="0" u="none" strike="noStrike" cap="none">
+                <a:solidFill>
+                  <a:schemeClr val="accent3"/>
+                </a:solidFill>
+                <a:latin typeface="Proxima Nova"/>
+                <a:ea typeface="Proxima Nova"/>
+                <a:cs typeface="Proxima Nova"/>
+                <a:sym typeface="Proxima Nova"/>
+              </a:defRPr>
+            </a:lvl9pPr>
+          </a:lstStyle>
+          <a:p>
+            <a:pPr marL="0" indent="0">
+              <a:buFont typeface="Proxima Nova"/>
+              <a:buNone/>
+            </a:pPr>
+            <a:r>
+              <a:rPr lang="es-MX" sz="2400" b="1" dirty="0">
+                <a:solidFill>
+                  <a:schemeClr val="bg2"/>
+                </a:solidFill>
+              </a:rPr>
+              <a:t>Santiago</a:t>
+            </a:r>
+          </a:p>
+          <a:p>
+            <a:pPr marL="0" indent="0">
+              <a:buFont typeface="Proxima Nova"/>
+              <a:buNone/>
+            </a:pPr>
+            <a:r>
+              <a:rPr lang="es-MX" sz="2400" b="1" dirty="0" err="1">
+                <a:solidFill>
+                  <a:schemeClr val="bg2"/>
+                </a:solidFill>
+              </a:rPr>
+              <a:t>Núnez</a:t>
+            </a:r>
+            <a:r>
+              <a:rPr lang="es-MX" sz="2400" b="1" dirty="0">
+                <a:solidFill>
+                  <a:schemeClr val="bg2"/>
+                </a:solidFill>
+              </a:rPr>
+              <a:t> </a:t>
+            </a:r>
+            <a:r>
+              <a:rPr lang="es-MX" sz="2400" b="1" dirty="0" err="1">
+                <a:solidFill>
+                  <a:schemeClr val="bg2"/>
+                </a:solidFill>
+              </a:rPr>
+              <a:t>Rimedio</a:t>
+            </a:r>
+            <a:endParaRPr lang="es-MX" sz="2400" b="1" dirty="0">
+              <a:solidFill>
+                <a:schemeClr val="bg2"/>
+              </a:solidFill>
+            </a:endParaRPr>
+          </a:p>
+          <a:p>
+            <a:pPr marL="114300" indent="0">
+              <a:buFont typeface="Proxima Nova"/>
+              <a:buNone/>
+            </a:pPr>
+            <a:endParaRPr lang="es-MX" sz="2400" dirty="0"/>
+          </a:p>
+          <a:p>
+            <a:pPr>
+              <a:buFont typeface="Wingdings" panose="05000000000000000000" pitchFamily="2" charset="2"/>
+              <a:buChar char="§"/>
+            </a:pPr>
+            <a:r>
+              <a:rPr lang="es-MX" dirty="0"/>
+              <a:t>Estudiante de Antropología Social UNSAM</a:t>
+            </a:r>
+          </a:p>
+          <a:p>
+            <a:pPr>
+              <a:buFont typeface="Wingdings" panose="05000000000000000000" pitchFamily="2" charset="2"/>
+              <a:buChar char="§"/>
+            </a:pPr>
+            <a:r>
+              <a:rPr lang="es-MX" dirty="0"/>
+              <a:t>Asistente de investigación </a:t>
+            </a:r>
+            <a:r>
+              <a:rPr lang="es-MX" dirty="0" err="1"/>
+              <a:t>factor</a:t>
+            </a:r>
+            <a:r>
+              <a:rPr lang="es-MX" sz="1200" dirty="0" err="1"/>
+              <a:t>~</a:t>
+            </a:r>
+            <a:r>
+              <a:rPr lang="es-MX" dirty="0" err="1"/>
+              <a:t>data</a:t>
+            </a:r>
+            <a:endParaRPr lang="es-MX" dirty="0"/>
+          </a:p>
+          <a:p>
+            <a:pPr marL="0" indent="0">
+              <a:spcAft>
+                <a:spcPts val="1200"/>
+              </a:spcAft>
+              <a:buFont typeface="Proxima Nova"/>
+              <a:buNone/>
+            </a:pPr>
+            <a:endParaRPr lang="es-MX" dirty="0"/>
           </a:p>
         </p:txBody>
       </p:sp>
@@ -14828,7 +15486,7 @@
         </p:blipFill>
         <p:spPr>
           <a:xfrm>
-            <a:off x="4862273" y="1878900"/>
+            <a:off x="4862273" y="1946355"/>
             <a:ext cx="3970025" cy="3084451"/>
           </a:xfrm>
           <a:prstGeom prst="rect">
@@ -14856,7 +15514,7 @@
         </p:blipFill>
         <p:spPr>
           <a:xfrm>
-            <a:off x="152400" y="1856224"/>
+            <a:off x="152400" y="1923679"/>
             <a:ext cx="3885219" cy="3084450"/>
           </a:xfrm>
           <a:prstGeom prst="rect">
@@ -14889,7 +15547,7 @@
         </p:spPr>
         <p:txBody>
           <a:bodyPr spcFirstLastPara="1" wrap="square" lIns="91425" tIns="91425" rIns="91425" bIns="91425" anchor="t" anchorCtr="0">
-            <a:normAutofit fontScale="92500"/>
+            <a:noAutofit/>
           </a:bodyPr>
           <a:lstStyle/>
           <a:p>
@@ -14906,35 +15564,35 @@
               <a:buNone/>
             </a:pPr>
             <a:r>
-              <a:rPr lang="en-GB" sz="1200" dirty="0"/>
+              <a:rPr lang="en-GB" dirty="0"/>
               <a:t>Los </a:t>
             </a:r>
             <a:r>
-              <a:rPr lang="en-GB" sz="1200" dirty="0" err="1"/>
+              <a:rPr lang="en-GB" dirty="0" err="1"/>
               <a:t>modelos</a:t>
             </a:r>
             <a:r>
-              <a:rPr lang="en-GB" sz="1200" dirty="0"/>
+              <a:rPr lang="en-GB" dirty="0"/>
               <a:t> </a:t>
             </a:r>
             <a:r>
-              <a:rPr lang="en-GB" sz="1200" b="1" dirty="0" err="1"/>
+              <a:rPr lang="en-GB" b="1" dirty="0" err="1"/>
               <a:t>paramétricos</a:t>
             </a:r>
             <a:r>
-              <a:rPr lang="en-GB" sz="1200" dirty="0"/>
+              <a:rPr lang="en-GB" dirty="0"/>
               <a:t> </a:t>
             </a:r>
             <a:r>
-              <a:rPr lang="en-GB" sz="1200" dirty="0" err="1"/>
+              <a:rPr lang="en-GB" dirty="0" err="1"/>
               <a:t>asumen</a:t>
             </a:r>
             <a:r>
-              <a:rPr lang="en-GB" sz="1200" dirty="0"/>
+              <a:rPr lang="en-GB" dirty="0"/>
               <a:t> la </a:t>
             </a:r>
             <a:r>
-              <a:rPr lang="en-GB" sz="1200" dirty="0">
+              <a:rPr lang="en-GB" dirty="0">
                 <a:highlight>
                   <a:schemeClr val="lt2"/>
                 </a:highlight>
@@ -14942,7 +15600,7 @@
               <a:t>forma de la </a:t>
             </a:r>
             <a:r>
-              <a:rPr lang="en-GB" sz="1200" dirty="0" err="1">
+              <a:rPr lang="en-GB" dirty="0" err="1">
                 <a:highlight>
                   <a:schemeClr val="lt2"/>
                 </a:highlight>
@@ -14950,31 +15608,31 @@
               <a:t>función</a:t>
             </a:r>
             <a:r>
-              <a:rPr lang="en-GB" sz="1200" dirty="0"/>
+              <a:rPr lang="en-GB" dirty="0"/>
               <a:t>. Los </a:t>
             </a:r>
             <a:r>
-              <a:rPr lang="en-GB" sz="1200" dirty="0" err="1"/>
+              <a:rPr lang="en-GB" dirty="0" err="1"/>
               <a:t>métodos</a:t>
             </a:r>
             <a:r>
-              <a:rPr lang="en-GB" sz="1200" dirty="0"/>
+              <a:rPr lang="en-GB" dirty="0"/>
               <a:t> </a:t>
             </a:r>
             <a:r>
-              <a:rPr lang="en-GB" sz="1200" b="1" dirty="0"/>
+              <a:rPr lang="en-GB" b="1" dirty="0"/>
               <a:t>no </a:t>
             </a:r>
             <a:r>
-              <a:rPr lang="en-GB" sz="1200" b="1" dirty="0" err="1"/>
+              <a:rPr lang="en-GB" b="1" dirty="0" err="1"/>
               <a:t>paramétricos</a:t>
             </a:r>
             <a:r>
-              <a:rPr lang="en-GB" sz="1200" dirty="0"/>
+              <a:rPr lang="en-GB" dirty="0"/>
               <a:t>, </a:t>
             </a:r>
             <a:r>
-              <a:rPr lang="en-GB" sz="1200" dirty="0">
+              <a:rPr lang="en-GB" dirty="0">
                 <a:highlight>
                   <a:schemeClr val="lt2"/>
                 </a:highlight>
@@ -14982,58 +15640,58 @@
               <a:t>no</a:t>
             </a:r>
             <a:r>
-              <a:rPr lang="en-GB" sz="1200" dirty="0"/>
+              <a:rPr lang="en-GB" dirty="0"/>
               <a:t>, y </a:t>
             </a:r>
             <a:r>
-              <a:rPr lang="en-GB" sz="1200" dirty="0" err="1"/>
+              <a:rPr lang="en-GB" dirty="0" err="1"/>
               <a:t>pueden</a:t>
             </a:r>
             <a:r>
-              <a:rPr lang="en-GB" sz="1200" dirty="0"/>
+              <a:rPr lang="en-GB" dirty="0"/>
               <a:t> </a:t>
             </a:r>
             <a:r>
-              <a:rPr lang="en-GB" sz="1200" dirty="0" err="1"/>
+              <a:rPr lang="en-GB" dirty="0" err="1"/>
               <a:t>tener</a:t>
             </a:r>
             <a:r>
-              <a:rPr lang="en-GB" sz="1200" dirty="0"/>
+              <a:rPr lang="en-GB" dirty="0"/>
               <a:t> </a:t>
             </a:r>
             <a:r>
-              <a:rPr lang="en-GB" sz="1200" dirty="0" err="1"/>
+              <a:rPr lang="en-GB" dirty="0" err="1"/>
               <a:t>diferentes</a:t>
             </a:r>
             <a:r>
-              <a:rPr lang="en-GB" sz="1200" dirty="0"/>
+              <a:rPr lang="en-GB" dirty="0"/>
               <a:t> </a:t>
             </a:r>
             <a:r>
-              <a:rPr lang="en-GB" sz="1200" dirty="0" err="1"/>
+              <a:rPr lang="en-GB" dirty="0" err="1"/>
               <a:t>formas</a:t>
             </a:r>
             <a:r>
-              <a:rPr lang="en-GB" sz="1200" dirty="0"/>
+              <a:rPr lang="en-GB" dirty="0"/>
               <a:t> para </a:t>
             </a:r>
             <a:r>
-              <a:rPr lang="en-GB" sz="1200" dirty="0" err="1"/>
+              <a:rPr lang="en-GB" dirty="0" err="1"/>
               <a:t>diferentes</a:t>
             </a:r>
             <a:r>
-              <a:rPr lang="en-GB" sz="1200" dirty="0"/>
+              <a:rPr lang="en-GB" dirty="0"/>
               <a:t> </a:t>
             </a:r>
             <a:r>
-              <a:rPr lang="en-GB" sz="1200" dirty="0" err="1"/>
+              <a:rPr lang="en-GB" dirty="0" err="1"/>
               <a:t>valores</a:t>
             </a:r>
             <a:r>
-              <a:rPr lang="en-GB" sz="1200" dirty="0"/>
+              <a:rPr lang="en-GB" dirty="0"/>
               <a:t> de X.</a:t>
             </a:r>
-            <a:endParaRPr sz="1200" dirty="0"/>
+            <a:endParaRPr dirty="0"/>
           </a:p>
         </p:txBody>
       </p:sp>
@@ -15141,7 +15799,7 @@
         <p:spPr>
           <a:xfrm>
             <a:off x="311699" y="1152475"/>
-            <a:ext cx="6871615" cy="3416400"/>
+            <a:ext cx="8607449" cy="3416400"/>
           </a:xfrm>
           <a:prstGeom prst="rect">
             <a:avLst/>
@@ -15149,7 +15807,7 @@
         </p:spPr>
         <p:txBody>
           <a:bodyPr spcFirstLastPara="1" wrap="square" lIns="91425" tIns="91425" rIns="91425" bIns="91425" anchor="t" anchorCtr="0">
-            <a:normAutofit/>
+            <a:noAutofit/>
           </a:bodyPr>
           <a:lstStyle/>
           <a:p>
@@ -15172,11 +15830,11 @@
               <a:buAutoNum type="arabicPeriod"/>
             </a:pPr>
             <a:r>
-              <a:rPr lang="es-AR" dirty="0"/>
-              <a:t>Asumimos la forma funcional de </a:t>
-            </a:r>
-            <a:r>
-              <a:rPr lang="es-AR" i="1" dirty="0">
+              <a:rPr lang="es-AR" sz="1800" dirty="0"/>
+              <a:t>Suponemos que </a:t>
+            </a:r>
+            <a:r>
+              <a:rPr lang="es-AR" sz="1800" i="1" dirty="0">
                 <a:solidFill>
                   <a:schemeClr val="bg2"/>
                 </a:solidFill>
@@ -15184,8 +15842,8 @@
               <a:t>f</a:t>
             </a:r>
             <a:r>
-              <a:rPr lang="es-AR" dirty="0"/>
-              <a:t>.</a:t>
+              <a:rPr lang="es-AR" sz="1800" dirty="0"/>
+              <a:t> tiene cierta forma funcional.</a:t>
             </a:r>
           </a:p>
           <a:p>
@@ -15194,7 +15852,7 @@
               <a:buAutoNum type="arabicPeriod"/>
             </a:pPr>
             <a:r>
-              <a:rPr lang="es-AR" dirty="0"/>
+              <a:rPr lang="es-AR" sz="1800" dirty="0"/>
               <a:t>Ajustamos el modelo.</a:t>
             </a:r>
           </a:p>
@@ -15221,20 +15879,8 @@
               <a:buChar char="§"/>
             </a:pPr>
             <a:r>
-              <a:rPr lang="es-AR" dirty="0"/>
-              <a:t>Asumir una forma funcional para </a:t>
-            </a:r>
-            <a:r>
-              <a:rPr lang="es-AR" i="1" dirty="0">
-                <a:solidFill>
-                  <a:schemeClr val="bg2"/>
-                </a:solidFill>
-              </a:rPr>
-              <a:t>f</a:t>
-            </a:r>
-            <a:r>
-              <a:rPr lang="es-AR" dirty="0"/>
-              <a:t> simplifica la estimación de los parámetros.</a:t>
+              <a:rPr lang="es-AR" sz="1800" dirty="0"/>
+              <a:t>Suponer una forma funcional simplifica la estimación de los parámetros.</a:t>
             </a:r>
           </a:p>
           <a:p>
@@ -15260,11 +15906,11 @@
               <a:buChar char="§"/>
             </a:pPr>
             <a:r>
-              <a:rPr lang="es-AR" dirty="0"/>
-              <a:t>La forma funcional que elegimos difícilmente se ajusta a la forma real de </a:t>
-            </a:r>
-            <a:r>
-              <a:rPr lang="es-AR" i="1" dirty="0">
+              <a:rPr lang="es-AR" sz="1800" dirty="0"/>
+              <a:t>La forma funcional que elegimos difícilmente coincida con la forma real de </a:t>
+            </a:r>
+            <a:r>
+              <a:rPr lang="es-AR" sz="1800" i="1" dirty="0">
                 <a:solidFill>
                   <a:schemeClr val="bg2"/>
                 </a:solidFill>
@@ -15272,10 +15918,10 @@
               <a:t>f</a:t>
             </a:r>
             <a:r>
-              <a:rPr lang="es-AR" dirty="0"/>
+              <a:rPr lang="es-AR" sz="1800" dirty="0"/>
               <a:t> .</a:t>
             </a:r>
-            <a:endParaRPr lang="es-AR" i="1" dirty="0">
+            <a:endParaRPr lang="es-AR" sz="1800" i="1" dirty="0">
               <a:solidFill>
                 <a:schemeClr val="bg2"/>
               </a:solidFill>
@@ -15457,7 +16103,7 @@
         <p:spPr>
           <a:xfrm>
             <a:off x="311699" y="1152475"/>
-            <a:ext cx="6871615" cy="3416400"/>
+            <a:ext cx="7955376" cy="3416400"/>
           </a:xfrm>
           <a:prstGeom prst="rect">
             <a:avLst/>
@@ -15484,19 +16130,19 @@
               <a:buChar char="§"/>
             </a:pPr>
             <a:r>
-              <a:rPr lang="es-AR" dirty="0"/>
-              <a:t>Al no asumir una forma funcional para f, tienen el potencial de ajustarse con </a:t>
-            </a:r>
-            <a:r>
-              <a:rPr lang="es-AR" b="1" dirty="0"/>
+              <a:rPr lang="es-AR" sz="1800" dirty="0"/>
+              <a:t>Al no suponer una forma funcional para f, tienen el potencial de ajustarse con </a:t>
+            </a:r>
+            <a:r>
+              <a:rPr lang="es-AR" sz="1800" b="1" dirty="0"/>
               <a:t>precisión</a:t>
             </a:r>
             <a:r>
-              <a:rPr lang="es-AR" dirty="0"/>
+              <a:rPr lang="es-AR" sz="1800" dirty="0"/>
               <a:t> a una gama más amplia de formas posibles para </a:t>
             </a:r>
             <a:r>
-              <a:rPr lang="es-AR" i="1" dirty="0">
+              <a:rPr lang="es-AR" sz="1800" i="1" dirty="0">
                 <a:solidFill>
                   <a:schemeClr val="bg2"/>
                 </a:solidFill>
@@ -15504,7 +16150,7 @@
               <a:t>f</a:t>
             </a:r>
             <a:r>
-              <a:rPr lang="es-AR" dirty="0"/>
+              <a:rPr lang="es-AR" sz="1800" dirty="0"/>
               <a:t>.</a:t>
             </a:r>
           </a:p>
@@ -15531,15 +16177,15 @@
               <a:buChar char="§"/>
             </a:pPr>
             <a:r>
-              <a:rPr lang="es-AR" dirty="0"/>
+              <a:rPr lang="es-AR" sz="1800" dirty="0"/>
               <a:t>Necesitamos una </a:t>
             </a:r>
             <a:r>
-              <a:rPr lang="es-AR" b="1" dirty="0"/>
+              <a:rPr lang="es-AR" sz="1800" b="1" dirty="0"/>
               <a:t>cantidad de observaciones </a:t>
             </a:r>
             <a:r>
-              <a:rPr lang="es-AR" dirty="0"/>
+              <a:rPr lang="es-AR" sz="1800" dirty="0"/>
               <a:t>mayor que en el caso de los modelos paramétricos.</a:t>
             </a:r>
           </a:p>
@@ -15549,15 +16195,15 @@
               <a:buChar char="§"/>
             </a:pPr>
             <a:r>
-              <a:rPr lang="es-AR" dirty="0"/>
+              <a:rPr lang="es-AR" sz="1800" dirty="0"/>
               <a:t>Peligro de </a:t>
             </a:r>
             <a:r>
-              <a:rPr lang="es-AR" b="1" dirty="0" err="1"/>
+              <a:rPr lang="es-AR" sz="1800" b="1" dirty="0" err="1"/>
               <a:t>overfitting</a:t>
             </a:r>
             <a:r>
-              <a:rPr lang="es-AR" dirty="0"/>
+              <a:rPr lang="es-AR" sz="1800" dirty="0"/>
               <a:t>.</a:t>
             </a:r>
           </a:p>
@@ -16083,7 +16729,7 @@
             <a:endParaRPr sz="2400" b="1" dirty="0"/>
           </a:p>
           <a:p>
-            <a:pPr marL="457200" lvl="0" indent="-381000" algn="ctr" rtl="0">
+            <a:pPr lvl="0" indent="-187325" algn="ctr" rtl="0">
               <a:lnSpc>
                 <a:spcPct val="150000"/>
               </a:lnSpc>
@@ -16093,7 +16739,7 @@
               <a:spcAft>
                 <a:spcPts val="0"/>
               </a:spcAft>
-              <a:buSzPts val="2400"/>
+              <a:buSzPct val="50000"/>
               <a:buChar char="●"/>
             </a:pPr>
             <a:r>
@@ -16139,7 +16785,7 @@
             <a:endParaRPr sz="2000" dirty="0"/>
           </a:p>
           <a:p>
-            <a:pPr marL="457200" lvl="0" indent="-355600" algn="ctr" rtl="0">
+            <a:pPr lvl="0" indent="-187325" algn="ctr" rtl="0">
               <a:lnSpc>
                 <a:spcPct val="150000"/>
               </a:lnSpc>
@@ -16149,7 +16795,7 @@
               <a:spcAft>
                 <a:spcPts val="0"/>
               </a:spcAft>
-              <a:buSzPts val="2000"/>
+              <a:buSzPct val="50000"/>
               <a:buChar char="●"/>
             </a:pPr>
             <a:r>
@@ -17672,8 +18318,8 @@
         </p:nvSpPr>
         <p:spPr>
           <a:xfrm>
-            <a:off x="2838893" y="2456121"/>
-            <a:ext cx="6015945" cy="2179673"/>
+            <a:off x="2838893" y="2305060"/>
+            <a:ext cx="6015945" cy="2732113"/>
           </a:xfrm>
           <a:prstGeom prst="rect">
             <a:avLst/>
@@ -17936,15 +18582,26 @@
           </a:lstStyle>
           <a:p>
             <a:pPr marL="285750" indent="-285750">
+              <a:spcBef>
+                <a:spcPts val="600"/>
+              </a:spcBef>
+              <a:buClr>
+                <a:schemeClr val="accent3"/>
+              </a:buClr>
+              <a:buSzPct val="100000"/>
               <a:buFont typeface="Arial" panose="020B0604020202020204" pitchFamily="34" charset="0"/>
               <a:buChar char="•"/>
             </a:pPr>
             <a:r>
-              <a:rPr lang="es-MX" sz="1600" dirty="0"/>
+              <a:rPr lang="es-MX" sz="1800" dirty="0">
+                <a:solidFill>
+                  <a:schemeClr val="accent3"/>
+                </a:solidFill>
+              </a:rPr>
               <a:t>El problema está centralmente ligado a la </a:t>
             </a:r>
             <a:r>
-              <a:rPr lang="es-MX" sz="1600" b="1" dirty="0">
+              <a:rPr lang="es-MX" sz="1800" b="1" dirty="0">
                 <a:solidFill>
                   <a:schemeClr val="accent3"/>
                 </a:solidFill>
@@ -17957,21 +18614,43 @@
           </a:p>
           <a:p>
             <a:pPr marL="285750" indent="-285750">
+              <a:spcBef>
+                <a:spcPts val="600"/>
+              </a:spcBef>
+              <a:buClr>
+                <a:schemeClr val="accent3"/>
+              </a:buClr>
+              <a:buSzPct val="100000"/>
               <a:buFont typeface="Arial" panose="020B0604020202020204" pitchFamily="34" charset="0"/>
               <a:buChar char="•"/>
             </a:pPr>
             <a:r>
-              <a:rPr lang="es-MX" sz="1600" dirty="0"/>
+              <a:rPr lang="es-MX" sz="1800" dirty="0">
+                <a:solidFill>
+                  <a:schemeClr val="accent3"/>
+                </a:solidFill>
+              </a:rPr>
               <a:t>Nuestro interés no es que el modelo tenga buenas métricas en los datos con los que se entrenó, sino que sea bueno para predecir datos nuevos</a:t>
             </a:r>
           </a:p>
           <a:p>
             <a:pPr marL="285750" indent="-285750">
+              <a:spcBef>
+                <a:spcPts val="600"/>
+              </a:spcBef>
+              <a:buClr>
+                <a:schemeClr val="accent3"/>
+              </a:buClr>
+              <a:buSzPct val="100000"/>
               <a:buFont typeface="Arial" panose="020B0604020202020204" pitchFamily="34" charset="0"/>
               <a:buChar char="•"/>
             </a:pPr>
             <a:r>
-              <a:rPr lang="es-MX" sz="1600" dirty="0"/>
+              <a:rPr lang="es-MX" sz="1800" dirty="0">
+                <a:solidFill>
+                  <a:schemeClr val="accent3"/>
+                </a:solidFill>
+              </a:rPr>
               <a:t>Overfitting se puede producir por varias causas. Ej: polinomios de muy alto grado, utilización de una gran cantidad de variables, valores de parámetros que otorgan mucha flexibilidad</a:t>
             </a:r>
           </a:p>
@@ -18433,8 +19112,8 @@
         </p:nvSpPr>
         <p:spPr>
           <a:xfrm>
-            <a:off x="5007330" y="825293"/>
-            <a:ext cx="3913386" cy="3874298"/>
+            <a:off x="5007329" y="679025"/>
+            <a:ext cx="3994263" cy="4357669"/>
           </a:xfrm>
           <a:prstGeom prst="rect">
             <a:avLst/>
@@ -18446,7 +19125,7 @@
         </p:spPr>
         <p:txBody>
           <a:bodyPr spcFirstLastPara="1" wrap="square" lIns="91425" tIns="91425" rIns="91425" bIns="91425" anchor="t" anchorCtr="0">
-            <a:normAutofit fontScale="90000" lnSpcReduction="20000"/>
+            <a:normAutofit fontScale="90000" lnSpcReduction="10000"/>
           </a:bodyPr>
           <a:lstStyle>
             <a:defPPr marR="0" lvl="0" algn="l" rtl="0">
@@ -18697,48 +19376,123 @@
           </a:lstStyle>
           <a:p>
             <a:pPr marL="285750" indent="-285750">
+              <a:buClr>
+                <a:schemeClr val="accent3"/>
+              </a:buClr>
+              <a:buSzPct val="100000"/>
               <a:buFont typeface="Arial" panose="020B0604020202020204" pitchFamily="34" charset="0"/>
               <a:buChar char="•"/>
             </a:pPr>
             <a:r>
-              <a:rPr lang="es-MX" sz="1600" dirty="0"/>
-              <a:t>Técnica para lidiar con el overfitting: Se evalua la calidad de las predicciones sobre datos no utilizados para entrenar el modelo. ¿En qué consiste?</a:t>
+              <a:rPr lang="es-MX" sz="1800" dirty="0">
+                <a:solidFill>
+                  <a:schemeClr val="accent3"/>
+                </a:solidFill>
+              </a:rPr>
+              <a:t>Técnica para lidiar con el overfitting: Se evalua la calidad de las predicciones sobre </a:t>
+            </a:r>
+            <a:r>
+              <a:rPr lang="es-MX" sz="1800" dirty="0">
+                <a:solidFill>
+                  <a:schemeClr val="accent3"/>
+                </a:solidFill>
+                <a:highlight>
+                  <a:schemeClr val="lt2"/>
+                </a:highlight>
+              </a:rPr>
+              <a:t>datos no utilizados para entrenar el modelo</a:t>
+            </a:r>
+            <a:r>
+              <a:rPr lang="es-MX" sz="1800" dirty="0">
+                <a:solidFill>
+                  <a:schemeClr val="accent3"/>
+                </a:solidFill>
+              </a:rPr>
+              <a:t> </a:t>
             </a:r>
           </a:p>
           <a:p>
             <a:pPr marL="285750" indent="-285750">
+              <a:buClr>
+                <a:schemeClr val="accent3"/>
+              </a:buClr>
+              <a:buSzPct val="100000"/>
               <a:buFont typeface="Arial" panose="020B0604020202020204" pitchFamily="34" charset="0"/>
               <a:buChar char="•"/>
             </a:pPr>
-            <a:endParaRPr lang="es-MX" sz="1600" dirty="0"/>
+            <a:endParaRPr lang="es-MX" sz="1800" dirty="0">
+              <a:solidFill>
+                <a:schemeClr val="accent3"/>
+              </a:solidFill>
+            </a:endParaRPr>
           </a:p>
           <a:p>
             <a:pPr marL="285750" indent="-285750">
+              <a:buClr>
+                <a:schemeClr val="accent3"/>
+              </a:buClr>
+              <a:buSzPct val="100000"/>
               <a:buFont typeface="Arial" panose="020B0604020202020204" pitchFamily="34" charset="0"/>
               <a:buChar char="•"/>
             </a:pPr>
             <a:r>
-              <a:rPr lang="es-MX" sz="1600" dirty="0"/>
-              <a:t>Se divide el dataset (usualmente 80% - 20%) utilizando una parte para entrenamiento del modelo y otra para testeo</a:t>
+              <a:rPr lang="es-MX" sz="1800" dirty="0">
+                <a:solidFill>
+                  <a:schemeClr val="accent3"/>
+                </a:solidFill>
+              </a:rPr>
+              <a:t>Se divide el </a:t>
+            </a:r>
+            <a:r>
+              <a:rPr lang="es-MX" sz="1800" dirty="0" err="1">
+                <a:solidFill>
+                  <a:schemeClr val="accent3"/>
+                </a:solidFill>
+              </a:rPr>
+              <a:t>dataset</a:t>
+            </a:r>
+            <a:r>
+              <a:rPr lang="es-MX" sz="1800" dirty="0">
+                <a:solidFill>
+                  <a:schemeClr val="accent3"/>
+                </a:solidFill>
+              </a:rPr>
+              <a:t> utilizando una parte para entrenamiento del modelo y otra para testeo</a:t>
             </a:r>
           </a:p>
           <a:p>
             <a:pPr marL="285750" indent="-285750">
+              <a:buClr>
+                <a:schemeClr val="accent3"/>
+              </a:buClr>
+              <a:buSzPct val="100000"/>
               <a:buFont typeface="Arial" panose="020B0604020202020204" pitchFamily="34" charset="0"/>
               <a:buChar char="•"/>
             </a:pPr>
-            <a:endParaRPr lang="es-MX" sz="1600" dirty="0"/>
+            <a:endParaRPr lang="es-MX" sz="1800" dirty="0">
+              <a:solidFill>
+                <a:schemeClr val="accent3"/>
+              </a:solidFill>
+            </a:endParaRPr>
           </a:p>
           <a:p>
             <a:pPr marL="285750" indent="-285750">
+              <a:buClr>
+                <a:schemeClr val="accent3"/>
+              </a:buClr>
+              <a:buSzPct val="100000"/>
               <a:buFont typeface="Arial" panose="020B0604020202020204" pitchFamily="34" charset="0"/>
               <a:buChar char="•"/>
             </a:pPr>
             <a:r>
-              <a:rPr lang="es-MX" sz="1600" dirty="0"/>
+              <a:rPr lang="es-MX" sz="1800" dirty="0">
+                <a:solidFill>
+                  <a:schemeClr val="accent3"/>
+                </a:solidFill>
+              </a:rPr>
               <a:t>Se estiman las métricas de calidad de las predicciones en la base de testeo (es decir sobre casos que no fueron utilizados para entrenar el modelo)</a:t>
             </a:r>
-            <a:endParaRPr lang="es-MX" sz="1600" b="1" dirty="0">
+            <a:endParaRPr lang="es-MX" sz="1800" b="1" dirty="0">
               <a:solidFill>
                 <a:schemeClr val="accent3"/>
               </a:solidFill>
@@ -18749,47 +19503,89 @@
           </a:p>
           <a:p>
             <a:pPr marL="285750" indent="-285750">
+              <a:buClr>
+                <a:schemeClr val="accent3"/>
+              </a:buClr>
+              <a:buSzPct val="100000"/>
               <a:buFont typeface="Arial" panose="020B0604020202020204" pitchFamily="34" charset="0"/>
               <a:buChar char="•"/>
             </a:pPr>
-            <a:endParaRPr lang="es-MX" sz="1600" dirty="0"/>
+            <a:endParaRPr lang="es-MX" sz="1800" dirty="0">
+              <a:solidFill>
+                <a:schemeClr val="accent3"/>
+              </a:solidFill>
+            </a:endParaRPr>
           </a:p>
           <a:p>
             <a:pPr marL="285750" indent="-285750">
+              <a:buClr>
+                <a:schemeClr val="accent3"/>
+              </a:buClr>
+              <a:buSzPct val="100000"/>
               <a:buFont typeface="Arial" panose="020B0604020202020204" pitchFamily="34" charset="0"/>
               <a:buChar char="•"/>
             </a:pPr>
             <a:r>
-              <a:rPr lang="es-MX" sz="1600" dirty="0"/>
-              <a:t>(Adelanto de temas a ver desde clase 5): En modelos que cuentan con </a:t>
-            </a:r>
-            <a:r>
-              <a:rPr lang="es-MX" sz="1600" b="1" i="1" dirty="0" err="1"/>
+              <a:rPr lang="es-MX" sz="1800" dirty="0">
+                <a:solidFill>
+                  <a:schemeClr val="accent3"/>
+                </a:solidFill>
+              </a:rPr>
+              <a:t>Para elegir modelos o </a:t>
+            </a:r>
+            <a:r>
+              <a:rPr lang="es-MX" sz="1800" b="1" dirty="0" err="1">
+                <a:solidFill>
+                  <a:schemeClr val="accent3"/>
+                </a:solidFill>
+                <a:highlight>
+                  <a:schemeClr val="lt2"/>
+                </a:highlight>
+              </a:rPr>
               <a:t>hiperparámetros</a:t>
             </a:r>
             <a:r>
-              <a:rPr lang="es-MX" sz="1600" b="1" i="1" dirty="0"/>
+              <a:rPr lang="es-MX" sz="1800" b="1" i="1" dirty="0">
+                <a:solidFill>
+                  <a:schemeClr val="accent3"/>
+                </a:solidFill>
+              </a:rPr>
               <a:t>,</a:t>
             </a:r>
             <a:r>
-              <a:rPr lang="es-MX" sz="1600" dirty="0"/>
-              <a:t> antes de pasar a evaluar en el </a:t>
-            </a:r>
-            <a:r>
-              <a:rPr lang="es-MX" sz="1600" i="1" dirty="0"/>
+              <a:rPr lang="es-MX" sz="1800" dirty="0">
+                <a:solidFill>
+                  <a:schemeClr val="accent3"/>
+                </a:solidFill>
+              </a:rPr>
+              <a:t> antes de evaluar en el </a:t>
+            </a:r>
+            <a:r>
+              <a:rPr lang="es-MX" sz="1800" i="1" dirty="0">
+                <a:solidFill>
+                  <a:schemeClr val="accent3"/>
+                </a:solidFill>
+              </a:rPr>
               <a:t>test </a:t>
             </a:r>
             <a:r>
-              <a:rPr lang="es-MX" sz="1600" dirty="0"/>
-              <a:t>set se utilizan técnicas de validación para encontrar los valores óptimos de los </a:t>
-            </a:r>
-            <a:r>
-              <a:rPr lang="es-MX" sz="1600" dirty="0" err="1"/>
-              <a:t>hiperparámetros</a:t>
-            </a:r>
-            <a:r>
-              <a:rPr lang="es-MX" sz="1600" dirty="0"/>
-              <a:t>.</a:t>
+              <a:rPr lang="es-MX" sz="1800" dirty="0">
+                <a:solidFill>
+                  <a:schemeClr val="accent3"/>
+                </a:solidFill>
+              </a:rPr>
+              <a:t>set se utilizan técnicas de </a:t>
+            </a:r>
+            <a:r>
+              <a:rPr lang="es-MX" sz="1800" dirty="0">
+                <a:solidFill>
+                  <a:schemeClr val="accent3"/>
+                </a:solidFill>
+                <a:highlight>
+                  <a:schemeClr val="lt2"/>
+                </a:highlight>
+              </a:rPr>
+              <a:t>validación</a:t>
             </a:r>
           </a:p>
         </p:txBody>
@@ -19009,8 +19805,8 @@
           </a:p>
         </p:txBody>
       </p:sp>
-      <mc:AlternateContent xmlns:mc="http://schemas.openxmlformats.org/markup-compatibility/2006" xmlns:a14="http://schemas.microsoft.com/office/drawing/2010/main">
-        <mc:Choice Requires="a14">
+      <mc:AlternateContent xmlns:mc="http://schemas.openxmlformats.org/markup-compatibility/2006">
+        <mc:Choice xmlns:a14="http://schemas.microsoft.com/office/drawing/2010/main" Requires="a14">
           <p:sp>
             <p:nvSpPr>
               <p:cNvPr id="3" name="Marcador de texto 2">
@@ -19034,18 +19830,20 @@
               </a:xfrm>
             </p:spPr>
             <p:txBody>
-              <a:bodyPr/>
+              <a:bodyPr>
+                <a:normAutofit/>
+              </a:bodyPr>
               <a:lstStyle/>
               <a:p>
-                <a:pPr marL="114300" indent="0" algn="ctr">
+                <a:pPr marL="114300" indent="0">
                   <a:buNone/>
                 </a:pPr>
                 <a:r>
-                  <a:rPr lang="es-AR" dirty="0"/>
+                  <a:rPr lang="es-AR" sz="2000" dirty="0"/>
                   <a:t>Una primera medida para </a:t>
                 </a:r>
                 <a:r>
-                  <a:rPr lang="es-AR" sz="1700" b="1" dirty="0">
+                  <a:rPr lang="es-AR" sz="2000" b="1" dirty="0">
                     <a:highlight>
                       <a:schemeClr val="lt2"/>
                     </a:highlight>
@@ -19053,7 +19851,7 @@
                   <a:t>evaluar nuestro modelo</a:t>
                 </a:r>
                 <a:r>
-                  <a:rPr lang="es-AR" dirty="0"/>
+                  <a:rPr lang="es-AR" sz="2000" dirty="0"/>
                   <a:t>:</a:t>
                 </a:r>
               </a:p>
@@ -19061,7 +19859,7 @@
                 <a:pPr marL="114300" indent="0" algn="ctr">
                   <a:buNone/>
                 </a:pPr>
-                <a:endParaRPr lang="es-AR" dirty="0"/>
+                <a:endParaRPr lang="es-AR" sz="2000" dirty="0"/>
               </a:p>
               <a:p>
                 <a:pPr marL="114300" indent="0" algn="ctr">
@@ -19074,13 +19872,13 @@
                     </m:oMathParaPr>
                     <m:oMath xmlns:m="http://schemas.openxmlformats.org/officeDocument/2006/math">
                       <m:r>
-                        <a:rPr lang="es-AR" b="0" i="1" smtClean="0">
+                        <a:rPr lang="es-AR" sz="2000" b="0" i="1" smtClean="0">
                           <a:latin typeface="Cambria Math" panose="02040503050406030204" pitchFamily="18" charset="0"/>
                         </a:rPr>
                         <m:t>𝑀𝑆𝐸</m:t>
                       </m:r>
                       <m:r>
-                        <a:rPr lang="es-AR" b="0" i="1" smtClean="0">
+                        <a:rPr lang="es-AR" sz="2000" b="0" i="1" smtClean="0">
                           <a:latin typeface="Cambria Math" panose="02040503050406030204" pitchFamily="18" charset="0"/>
                         </a:rPr>
                         <m:t>= </m:t>
@@ -19088,14 +19886,14 @@
                       <m:f>
                         <m:fPr>
                           <m:ctrlPr>
-                            <a:rPr lang="es-AR" b="0" i="1" smtClean="0">
+                            <a:rPr lang="es-AR" sz="2000" b="0" i="1" smtClean="0">
                               <a:latin typeface="Cambria Math" panose="02040503050406030204" pitchFamily="18" charset="0"/>
                             </a:rPr>
                           </m:ctrlPr>
                         </m:fPr>
                         <m:num>
                           <m:r>
-                            <a:rPr lang="es-AR" b="0" i="1" smtClean="0">
+                            <a:rPr lang="es-AR" sz="2000" b="0" i="1" smtClean="0">
                               <a:latin typeface="Cambria Math" panose="02040503050406030204" pitchFamily="18" charset="0"/>
                             </a:rPr>
                             <m:t>1</m:t>
@@ -19103,7 +19901,7 @@
                         </m:num>
                         <m:den>
                           <m:r>
-                            <a:rPr lang="es-AR" b="0" i="1" smtClean="0">
+                            <a:rPr lang="es-AR" sz="2000" b="0" i="1" smtClean="0">
                               <a:latin typeface="Cambria Math" panose="02040503050406030204" pitchFamily="18" charset="0"/>
                             </a:rPr>
                             <m:t>𝑛</m:t>
@@ -19114,7 +19912,7 @@
                         <m:naryPr>
                           <m:chr m:val="∑"/>
                           <m:ctrlPr>
-                            <a:rPr lang="es-AR" b="0" i="1" smtClean="0">
+                            <a:rPr lang="es-AR" sz="2000" b="0" i="1" smtClean="0">
                               <a:latin typeface="Cambria Math" panose="02040503050406030204" pitchFamily="18" charset="0"/>
                             </a:rPr>
                           </m:ctrlPr>
@@ -19124,13 +19922,13 @@
                             <m:rPr>
                               <m:brk m:alnAt="23"/>
                             </m:rPr>
-                            <a:rPr lang="es-AR" b="0" i="1" smtClean="0">
+                            <a:rPr lang="es-AR" sz="2000" b="0" i="1" smtClean="0">
                               <a:latin typeface="Cambria Math" panose="02040503050406030204" pitchFamily="18" charset="0"/>
                             </a:rPr>
                             <m:t>𝑖</m:t>
                           </m:r>
                           <m:r>
-                            <a:rPr lang="es-AR" b="0" i="1" smtClean="0">
+                            <a:rPr lang="es-AR" sz="2000" b="0" i="1" smtClean="0">
                               <a:latin typeface="Cambria Math" panose="02040503050406030204" pitchFamily="18" charset="0"/>
                             </a:rPr>
                             <m:t>=1</m:t>
@@ -19138,7 +19936,7 @@
                         </m:sub>
                         <m:sup>
                           <m:r>
-                            <a:rPr lang="es-AR" b="0" i="1" smtClean="0">
+                            <a:rPr lang="es-AR" sz="2000" b="0" i="1" smtClean="0">
                               <a:latin typeface="Cambria Math" panose="02040503050406030204" pitchFamily="18" charset="0"/>
                             </a:rPr>
                             <m:t>𝑛</m:t>
@@ -19146,7 +19944,7 @@
                         </m:sup>
                         <m:e>
                           <m:r>
-                            <a:rPr lang="es-AR" b="0" i="1" smtClean="0">
+                            <a:rPr lang="es-AR" sz="2000" b="0" i="1" smtClean="0">
                               <a:latin typeface="Cambria Math" panose="02040503050406030204" pitchFamily="18" charset="0"/>
                             </a:rPr>
                             <m:t>(</m:t>
@@ -19154,14 +19952,14 @@
                           <m:sSub>
                             <m:sSubPr>
                               <m:ctrlPr>
-                                <a:rPr lang="es-AR" b="0" i="1" smtClean="0">
+                                <a:rPr lang="es-AR" sz="2000" b="0" i="1" smtClean="0">
                                   <a:latin typeface="Cambria Math" panose="02040503050406030204" pitchFamily="18" charset="0"/>
                                 </a:rPr>
                               </m:ctrlPr>
                             </m:sSubPr>
                             <m:e>
                               <m:r>
-                                <a:rPr lang="es-AR" b="0" i="1" smtClean="0">
+                                <a:rPr lang="es-AR" sz="2000" b="0" i="1" smtClean="0">
                                   <a:latin typeface="Cambria Math" panose="02040503050406030204" pitchFamily="18" charset="0"/>
                                 </a:rPr>
                                 <m:t>𝑦</m:t>
@@ -19169,7 +19967,7 @@
                             </m:e>
                             <m:sub>
                               <m:r>
-                                <a:rPr lang="es-AR" b="0" i="1" smtClean="0">
+                                <a:rPr lang="es-AR" sz="2000" b="0" i="1" smtClean="0">
                                   <a:latin typeface="Cambria Math" panose="02040503050406030204" pitchFamily="18" charset="0"/>
                                 </a:rPr>
                                 <m:t>𝑖</m:t>
@@ -19177,7 +19975,7 @@
                             </m:sub>
                           </m:sSub>
                           <m:r>
-                            <a:rPr lang="es-AR" b="0" i="1" smtClean="0">
+                            <a:rPr lang="es-AR" sz="2000" b="0" i="1" smtClean="0">
                               <a:latin typeface="Cambria Math" panose="02040503050406030204" pitchFamily="18" charset="0"/>
                             </a:rPr>
                             <m:t> − </m:t>
@@ -19186,14 +19984,14 @@
                             <m:accPr>
                               <m:chr m:val="̂"/>
                               <m:ctrlPr>
-                                <a:rPr lang="es-AR" b="0" i="1" smtClean="0">
+                                <a:rPr lang="es-AR" sz="2000" b="0" i="1" smtClean="0">
                                   <a:latin typeface="Cambria Math" panose="02040503050406030204" pitchFamily="18" charset="0"/>
                                 </a:rPr>
                               </m:ctrlPr>
                             </m:accPr>
                             <m:e>
                               <m:r>
-                                <a:rPr lang="es-AR" b="0" i="1" smtClean="0">
+                                <a:rPr lang="es-AR" sz="2000" b="0" i="1" smtClean="0">
                                   <a:latin typeface="Cambria Math" panose="02040503050406030204" pitchFamily="18" charset="0"/>
                                 </a:rPr>
                                 <m:t>𝑓</m:t>
@@ -19203,7 +20001,7 @@
                           <m:d>
                             <m:dPr>
                               <m:ctrlPr>
-                                <a:rPr lang="es-AR" b="0" i="1" smtClean="0">
+                                <a:rPr lang="es-AR" sz="2000" b="0" i="1" smtClean="0">
                                   <a:latin typeface="Cambria Math" panose="02040503050406030204" pitchFamily="18" charset="0"/>
                                 </a:rPr>
                               </m:ctrlPr>
@@ -19212,14 +20010,14 @@
                               <m:sSub>
                                 <m:sSubPr>
                                   <m:ctrlPr>
-                                    <a:rPr lang="es-AR" b="0" i="1" smtClean="0">
+                                    <a:rPr lang="es-AR" sz="2000" b="0" i="1" smtClean="0">
                                       <a:latin typeface="Cambria Math" panose="02040503050406030204" pitchFamily="18" charset="0"/>
                                     </a:rPr>
                                   </m:ctrlPr>
                                 </m:sSubPr>
                                 <m:e>
                                   <m:r>
-                                    <a:rPr lang="es-AR" b="0" i="1" smtClean="0">
+                                    <a:rPr lang="es-AR" sz="2000" b="0" i="1" smtClean="0">
                                       <a:latin typeface="Cambria Math" panose="02040503050406030204" pitchFamily="18" charset="0"/>
                                     </a:rPr>
                                     <m:t>𝑥</m:t>
@@ -19227,7 +20025,7 @@
                                 </m:e>
                                 <m:sub>
                                   <m:r>
-                                    <a:rPr lang="es-AR" b="0" i="1" smtClean="0">
+                                    <a:rPr lang="es-AR" sz="2000" b="0" i="1" smtClean="0">
                                       <a:latin typeface="Cambria Math" panose="02040503050406030204" pitchFamily="18" charset="0"/>
                                     </a:rPr>
                                     <m:t>𝑖</m:t>
@@ -19239,14 +20037,14 @@
                           <m:sSup>
                             <m:sSupPr>
                               <m:ctrlPr>
-                                <a:rPr lang="es-AR" b="0" i="1" smtClean="0">
+                                <a:rPr lang="es-AR" sz="2000" b="0" i="1" smtClean="0">
                                   <a:latin typeface="Cambria Math" panose="02040503050406030204" pitchFamily="18" charset="0"/>
                                 </a:rPr>
                               </m:ctrlPr>
                             </m:sSupPr>
                             <m:e>
                               <m:r>
-                                <a:rPr lang="es-AR" b="0" i="1" smtClean="0">
+                                <a:rPr lang="es-AR" sz="2000" b="0" i="1" smtClean="0">
                                   <a:latin typeface="Cambria Math" panose="02040503050406030204" pitchFamily="18" charset="0"/>
                                 </a:rPr>
                                 <m:t>)</m:t>
@@ -19254,7 +20052,7 @@
                             </m:e>
                             <m:sup>
                               <m:r>
-                                <a:rPr lang="es-AR" b="0" i="1" smtClean="0">
+                                <a:rPr lang="es-AR" sz="2000" b="0" i="1" smtClean="0">
                                   <a:latin typeface="Cambria Math" panose="02040503050406030204" pitchFamily="18" charset="0"/>
                                 </a:rPr>
                                 <m:t>2</m:t>
@@ -19262,7 +20060,7 @@
                             </m:sup>
                           </m:sSup>
                           <m:r>
-                            <a:rPr lang="es-AR" b="0" i="1" smtClean="0">
+                            <a:rPr lang="es-AR" sz="2000" b="0" i="1" smtClean="0">
                               <a:latin typeface="Cambria Math" panose="02040503050406030204" pitchFamily="18" charset="0"/>
                             </a:rPr>
                             <m:t> </m:t>
@@ -19272,49 +20070,49 @@
                     </m:oMath>
                   </m:oMathPara>
                 </a14:m>
-                <a:endParaRPr lang="es-AR" dirty="0"/>
+                <a:endParaRPr lang="es-AR" sz="2000" dirty="0"/>
               </a:p>
               <a:p>
                 <a:pPr marL="114300" indent="0" algn="ctr">
                   <a:buNone/>
                 </a:pPr>
-                <a:endParaRPr lang="es-AR" dirty="0"/>
+                <a:endParaRPr lang="es-AR" sz="2000" dirty="0"/>
               </a:p>
               <a:p>
                 <a:pPr marL="114300" indent="0">
                   <a:buNone/>
                 </a:pPr>
-                <a:endParaRPr lang="es-AR" dirty="0"/>
+                <a:endParaRPr lang="es-AR" sz="2000" dirty="0"/>
               </a:p>
               <a:p>
                 <a:pPr marL="114300" indent="0">
                   <a:buNone/>
                 </a:pPr>
                 <a:r>
-                  <a:rPr lang="es-AR" dirty="0"/>
+                  <a:rPr lang="es-AR" sz="2000" dirty="0"/>
                   <a:t>El error cuadrático medio será </a:t>
                 </a:r>
                 <a:r>
-                  <a:rPr lang="es-AR" b="1" dirty="0"/>
+                  <a:rPr lang="es-AR" sz="2000" b="1" dirty="0"/>
                   <a:t>menor</a:t>
                 </a:r>
                 <a:r>
-                  <a:rPr lang="es-AR" dirty="0"/>
+                  <a:rPr lang="es-AR" sz="2000" dirty="0"/>
                   <a:t> cuanto más </a:t>
                 </a:r>
                 <a:r>
-                  <a:rPr lang="es-AR" b="1" dirty="0"/>
+                  <a:rPr lang="es-AR" sz="2000" b="1" dirty="0"/>
                   <a:t>cercanas</a:t>
                 </a:r>
                 <a:r>
-                  <a:rPr lang="es-AR" dirty="0"/>
+                  <a:rPr lang="es-AR" sz="2000" dirty="0"/>
                   <a:t> sean nuestras predicciones a los valores reales. </a:t>
                 </a:r>
               </a:p>
             </p:txBody>
           </p:sp>
         </mc:Choice>
-        <mc:Fallback xmlns="">
+        <mc:Fallback>
           <p:sp>
             <p:nvSpPr>
               <p:cNvPr id="3" name="Marcador de texto 2">
@@ -19339,7 +20137,7 @@
               <a:blipFill>
                 <a:blip r:embed="rId3"/>
                 <a:stretch>
-                  <a:fillRect/>
+                  <a:fillRect b="-933"/>
                 </a:stretch>
               </a:blipFill>
             </p:spPr>
@@ -19942,7 +20740,7 @@
         </p:nvSpPr>
         <p:spPr>
           <a:xfrm>
-            <a:off x="5425037" y="2827039"/>
+            <a:off x="5425037" y="1646313"/>
             <a:ext cx="3414300" cy="1434300"/>
           </a:xfrm>
           <a:prstGeom prst="rect">
@@ -22780,7 +23578,7 @@
           <p:nvPr>
             <p:extLst>
               <p:ext uri="{D42A27DB-BD31-4B8C-83A1-F6EECF244321}">
-                <p14:modId xmlns:p14="http://schemas.microsoft.com/office/powerpoint/2010/main" val="2174547603"/>
+                <p14:modId xmlns:p14="http://schemas.microsoft.com/office/powerpoint/2010/main" val="444140434"/>
               </p:ext>
             </p:extLst>
           </p:nvPr>
@@ -22838,6 +23636,9 @@
                       </a:pPr>
                       <a:r>
                         <a:rPr lang="es-MX" sz="1000" dirty="0">
+                          <a:solidFill>
+                            <a:schemeClr val="accent3"/>
+                          </a:solidFill>
                           <a:latin typeface="Proxima Nova" panose="020B0604020202020204" charset="0"/>
                         </a:rPr>
                         <a:t>Hay que importar los datos, unir las bases, convertir en numéricas</a:t>
@@ -22890,11 +23691,17 @@
                     <a:p>
                       <a:r>
                         <a:rPr lang="es-MX" sz="1000" dirty="0">
+                          <a:solidFill>
+                            <a:schemeClr val="accent3"/>
+                          </a:solidFill>
                           <a:latin typeface="Proxima Nova" panose="020B0604020202020204" charset="0"/>
                         </a:rPr>
                         <a:t>Limpieza</a:t>
                       </a:r>
                       <a:endParaRPr lang="es-AR" sz="1000" dirty="0">
+                        <a:solidFill>
+                          <a:schemeClr val="accent3"/>
+                        </a:solidFill>
                         <a:latin typeface="Proxima Nova" panose="020B0604020202020204" charset="0"/>
                       </a:endParaRPr>
                     </a:p>
@@ -22971,6 +23778,9 @@
                       </a:pPr>
                       <a:r>
                         <a:rPr lang="es-MX" sz="1000" dirty="0">
+                          <a:solidFill>
+                            <a:schemeClr val="accent3"/>
+                          </a:solidFill>
                           <a:latin typeface="Proxima Nova" panose="020B0604020202020204" charset="0"/>
                         </a:rPr>
                         <a:t>Codifiquemos las variables cualitativas</a:t>
@@ -23023,11 +23833,17 @@
                     <a:p>
                       <a:r>
                         <a:rPr lang="es-MX" sz="1000" dirty="0">
+                          <a:solidFill>
+                            <a:schemeClr val="accent3"/>
+                          </a:solidFill>
                           <a:latin typeface="Proxima Nova" panose="020B0604020202020204" charset="0"/>
                         </a:rPr>
                         <a:t>Limpieza</a:t>
                       </a:r>
                       <a:endParaRPr lang="es-AR" sz="1000" dirty="0">
+                        <a:solidFill>
+                          <a:schemeClr val="accent3"/>
+                        </a:solidFill>
                         <a:latin typeface="Proxima Nova" panose="020B0604020202020204" charset="0"/>
                       </a:endParaRPr>
                     </a:p>
@@ -23104,6 +23920,9 @@
                       </a:pPr>
                       <a:r>
                         <a:rPr lang="es-MX" sz="1000" dirty="0">
+                          <a:solidFill>
+                            <a:schemeClr val="accent3"/>
+                          </a:solidFill>
                           <a:latin typeface="Proxima Nova" panose="020B0604020202020204" charset="0"/>
                         </a:rPr>
                         <a:t>Hay una correlación alta entre X_1 y X_2</a:t>
@@ -23156,11 +23975,17 @@
                     <a:p>
                       <a:r>
                         <a:rPr lang="es-MX" sz="1000" dirty="0">
+                          <a:solidFill>
+                            <a:schemeClr val="accent3"/>
+                          </a:solidFill>
                           <a:latin typeface="Proxima Nova" panose="020B0604020202020204" charset="0"/>
                         </a:rPr>
                         <a:t>Exploración</a:t>
                       </a:r>
                       <a:endParaRPr lang="es-AR" sz="1000" dirty="0">
+                        <a:solidFill>
+                          <a:schemeClr val="accent3"/>
+                        </a:solidFill>
                         <a:latin typeface="Proxima Nova" panose="020B0604020202020204" charset="0"/>
                       </a:endParaRPr>
                     </a:p>
@@ -23237,6 +24062,9 @@
                       </a:pPr>
                       <a:r>
                         <a:rPr lang="es-MX" sz="1000" dirty="0">
+                          <a:solidFill>
+                            <a:schemeClr val="accent3"/>
+                          </a:solidFill>
                           <a:latin typeface="Proxima Nova" panose="020B0604020202020204" charset="0"/>
                         </a:rPr>
                         <a:t>Hay un valor de X_3 que es atípicamente alto</a:t>
@@ -23289,11 +24117,17 @@
                     <a:p>
                       <a:r>
                         <a:rPr lang="es-MX" sz="1000" dirty="0">
+                          <a:solidFill>
+                            <a:schemeClr val="accent3"/>
+                          </a:solidFill>
                           <a:latin typeface="Proxima Nova" panose="020B0604020202020204" charset="0"/>
                         </a:rPr>
                         <a:t>Exploración</a:t>
                       </a:r>
                       <a:endParaRPr lang="es-AR" sz="1000" dirty="0">
+                        <a:solidFill>
+                          <a:schemeClr val="accent3"/>
+                        </a:solidFill>
                         <a:latin typeface="Proxima Nova" panose="020B0604020202020204" charset="0"/>
                       </a:endParaRPr>
                     </a:p>
@@ -23370,6 +24204,9 @@
                       </a:pPr>
                       <a:r>
                         <a:rPr lang="es-MX" sz="1000" dirty="0">
+                          <a:solidFill>
+                            <a:schemeClr val="accent3"/>
+                          </a:solidFill>
                           <a:latin typeface="Proxima Nova" panose="020B0604020202020204" charset="0"/>
                         </a:rPr>
                         <a:t>¿Cómo se correlaciona Y con las X?</a:t>
@@ -23422,11 +24259,17 @@
                     <a:p>
                       <a:r>
                         <a:rPr lang="es-MX" sz="1000" dirty="0">
+                          <a:solidFill>
+                            <a:schemeClr val="accent3"/>
+                          </a:solidFill>
                           <a:latin typeface="Proxima Nova" panose="020B0604020202020204" charset="0"/>
                         </a:rPr>
                         <a:t>Exploración</a:t>
                       </a:r>
                       <a:endParaRPr lang="es-AR" sz="1000" dirty="0">
+                        <a:solidFill>
+                          <a:schemeClr val="accent3"/>
+                        </a:solidFill>
                         <a:latin typeface="Proxima Nova" panose="020B0604020202020204" charset="0"/>
                       </a:endParaRPr>
                     </a:p>
@@ -23503,6 +24346,9 @@
                       </a:pPr>
                       <a:r>
                         <a:rPr lang="es-MX" sz="1000" dirty="0">
+                          <a:solidFill>
+                            <a:schemeClr val="accent3"/>
+                          </a:solidFill>
                           <a:latin typeface="Proxima Nova" panose="020B0604020202020204" charset="0"/>
                         </a:rPr>
                         <a:t>Habría que estandarizar las X</a:t>
@@ -23555,11 +24401,17 @@
                     <a:p>
                       <a:r>
                         <a:rPr lang="es-MX" sz="1000" dirty="0">
+                          <a:solidFill>
+                            <a:schemeClr val="accent3"/>
+                          </a:solidFill>
                           <a:latin typeface="Proxima Nova" panose="020B0604020202020204" charset="0"/>
                         </a:rPr>
                         <a:t>Transformación</a:t>
                       </a:r>
                       <a:endParaRPr lang="es-AR" sz="1000" dirty="0">
+                        <a:solidFill>
+                          <a:schemeClr val="accent3"/>
+                        </a:solidFill>
                         <a:latin typeface="Proxima Nova" panose="020B0604020202020204" charset="0"/>
                       </a:endParaRPr>
                     </a:p>
@@ -23636,6 +24488,9 @@
                       </a:pPr>
                       <a:r>
                         <a:rPr lang="es-MX" sz="1000" dirty="0">
+                          <a:solidFill>
+                            <a:schemeClr val="accent3"/>
+                          </a:solidFill>
                           <a:latin typeface="Proxima Nova" panose="020B0604020202020204" charset="0"/>
                         </a:rPr>
                         <a:t>Agreguemos los datos diarios en mensuales</a:t>
@@ -23688,11 +24543,17 @@
                     <a:p>
                       <a:r>
                         <a:rPr lang="es-MX" sz="1000" dirty="0">
+                          <a:solidFill>
+                            <a:schemeClr val="accent3"/>
+                          </a:solidFill>
                           <a:latin typeface="Proxima Nova" panose="020B0604020202020204" charset="0"/>
                         </a:rPr>
                         <a:t>Transformación</a:t>
                       </a:r>
                       <a:endParaRPr lang="es-AR" sz="1000" dirty="0">
+                        <a:solidFill>
+                          <a:schemeClr val="accent3"/>
+                        </a:solidFill>
                         <a:latin typeface="Proxima Nova" panose="020B0604020202020204" charset="0"/>
                       </a:endParaRPr>
                     </a:p>
@@ -23769,18 +24630,27 @@
                       </a:pPr>
                       <a:r>
                         <a:rPr lang="es-MX" sz="1000" dirty="0">
+                          <a:solidFill>
+                            <a:schemeClr val="accent3"/>
+                          </a:solidFill>
                           <a:latin typeface="Proxima Nova" panose="020B0604020202020204" charset="0"/>
                         </a:rPr>
                         <a:t>Apliquemos log a Y </a:t>
                       </a:r>
                       <a:r>
                         <a:rPr lang="es-MX" sz="1000" dirty="0" err="1">
+                          <a:solidFill>
+                            <a:schemeClr val="accent3"/>
+                          </a:solidFill>
                           <a:latin typeface="Proxima Nova" panose="020B0604020202020204" charset="0"/>
                         </a:rPr>
                         <a:t>y</a:t>
                       </a:r>
                       <a:r>
                         <a:rPr lang="es-MX" sz="1000" dirty="0">
+                          <a:solidFill>
+                            <a:schemeClr val="accent3"/>
+                          </a:solidFill>
                           <a:latin typeface="Proxima Nova" panose="020B0604020202020204" charset="0"/>
                         </a:rPr>
                         <a:t> X</a:t>
@@ -23833,11 +24703,17 @@
                     <a:p>
                       <a:r>
                         <a:rPr lang="es-MX" sz="1000" dirty="0">
+                          <a:solidFill>
+                            <a:schemeClr val="accent3"/>
+                          </a:solidFill>
                           <a:latin typeface="Proxima Nova" panose="020B0604020202020204" charset="0"/>
                         </a:rPr>
                         <a:t>Transformación</a:t>
                       </a:r>
                       <a:endParaRPr lang="es-AR" sz="1000" dirty="0">
+                        <a:solidFill>
+                          <a:schemeClr val="accent3"/>
+                        </a:solidFill>
                         <a:latin typeface="Proxima Nova" panose="020B0604020202020204" charset="0"/>
                       </a:endParaRPr>
                     </a:p>
@@ -23914,6 +24790,9 @@
                       </a:pPr>
                       <a:r>
                         <a:rPr lang="es-MX" sz="1000" dirty="0">
+                          <a:solidFill>
+                            <a:schemeClr val="accent3"/>
+                          </a:solidFill>
                           <a:latin typeface="Proxima Nova" panose="020B0604020202020204" charset="0"/>
                         </a:rPr>
                         <a:t>Tal vez apliquemos PCA a las X</a:t>
@@ -23966,11 +24845,17 @@
                     <a:p>
                       <a:r>
                         <a:rPr lang="es-MX" sz="1000" dirty="0">
+                          <a:solidFill>
+                            <a:schemeClr val="accent3"/>
+                          </a:solidFill>
                           <a:latin typeface="Proxima Nova" panose="020B0604020202020204" charset="0"/>
                         </a:rPr>
                         <a:t>Transformación</a:t>
                       </a:r>
                       <a:endParaRPr lang="es-AR" sz="1000" dirty="0">
+                        <a:solidFill>
+                          <a:schemeClr val="accent3"/>
+                        </a:solidFill>
                         <a:latin typeface="Proxima Nova" panose="020B0604020202020204" charset="0"/>
                       </a:endParaRPr>
                     </a:p>
@@ -24047,6 +24932,9 @@
                       </a:pPr>
                       <a:r>
                         <a:rPr lang="es-MX" sz="1000" dirty="0">
+                          <a:solidFill>
+                            <a:schemeClr val="accent3"/>
+                          </a:solidFill>
                           <a:latin typeface="Proxima Nova" panose="020B0604020202020204" charset="0"/>
                         </a:rPr>
                         <a:t>Probemos una regresión lineal, KNN y un LDA</a:t>
@@ -24099,11 +24987,17 @@
                     <a:p>
                       <a:r>
                         <a:rPr lang="es-MX" sz="1000" dirty="0">
+                          <a:solidFill>
+                            <a:schemeClr val="accent3"/>
+                          </a:solidFill>
                           <a:latin typeface="Proxima Nova" panose="020B0604020202020204" charset="0"/>
                         </a:rPr>
                         <a:t>Estimación de modelos</a:t>
                       </a:r>
                       <a:endParaRPr lang="es-AR" sz="1000" dirty="0">
+                        <a:solidFill>
+                          <a:schemeClr val="accent3"/>
+                        </a:solidFill>
                         <a:latin typeface="Proxima Nova" panose="020B0604020202020204" charset="0"/>
                       </a:endParaRPr>
                     </a:p>
@@ -24180,6 +25074,9 @@
                       </a:pPr>
                       <a:r>
                         <a:rPr lang="es-MX" sz="1000" dirty="0">
+                          <a:solidFill>
+                            <a:schemeClr val="accent3"/>
+                          </a:solidFill>
                           <a:latin typeface="Proxima Nova" panose="020B0604020202020204" charset="0"/>
                         </a:rPr>
                         <a:t>¿Qué K elegimos para el KNN? Cuál parece óptimo según alguna métrica?</a:t>
@@ -24232,11 +25129,17 @@
                     <a:p>
                       <a:r>
                         <a:rPr lang="es-MX" sz="1000" dirty="0">
+                          <a:solidFill>
+                            <a:schemeClr val="accent3"/>
+                          </a:solidFill>
                           <a:latin typeface="Proxima Nova" panose="020B0604020202020204" charset="0"/>
                         </a:rPr>
                         <a:t>Pulir modelo</a:t>
                       </a:r>
                       <a:endParaRPr lang="es-AR" sz="1000" dirty="0">
+                        <a:solidFill>
+                          <a:schemeClr val="accent3"/>
+                        </a:solidFill>
                         <a:latin typeface="Proxima Nova" panose="020B0604020202020204" charset="0"/>
                       </a:endParaRPr>
                     </a:p>
@@ -24313,6 +25216,9 @@
                       </a:pPr>
                       <a:r>
                         <a:rPr lang="es-MX" sz="1000" dirty="0">
+                          <a:solidFill>
+                            <a:schemeClr val="accent3"/>
+                          </a:solidFill>
                           <a:latin typeface="Proxima Nova" panose="020B0604020202020204" charset="0"/>
                         </a:rPr>
                         <a:t>¿Incluimos términos cuadráticos en la regresión?</a:t>
@@ -24365,11 +25271,17 @@
                     <a:p>
                       <a:r>
                         <a:rPr lang="es-MX" sz="1000" dirty="0">
+                          <a:solidFill>
+                            <a:schemeClr val="accent3"/>
+                          </a:solidFill>
                           <a:latin typeface="Proxima Nova" panose="020B0604020202020204" charset="0"/>
                         </a:rPr>
                         <a:t>Pulir modelo</a:t>
                       </a:r>
                       <a:endParaRPr lang="es-AR" sz="1000" dirty="0">
+                        <a:solidFill>
+                          <a:schemeClr val="accent3"/>
+                        </a:solidFill>
                         <a:latin typeface="Proxima Nova" panose="020B0604020202020204" charset="0"/>
                       </a:endParaRPr>
                     </a:p>
@@ -24446,6 +25358,9 @@
                       </a:pPr>
                       <a:r>
                         <a:rPr lang="es-MX" sz="1000" dirty="0">
+                          <a:solidFill>
+                            <a:schemeClr val="accent3"/>
+                          </a:solidFill>
                           <a:latin typeface="Proxima Nova" panose="020B0604020202020204" charset="0"/>
                         </a:rPr>
                         <a:t>¿Qué modelo tiene el menor MSE?</a:t>
@@ -24498,11 +25413,17 @@
                     <a:p>
                       <a:r>
                         <a:rPr lang="es-MX" sz="1000" dirty="0">
+                          <a:solidFill>
+                            <a:schemeClr val="accent3"/>
+                          </a:solidFill>
                           <a:latin typeface="Proxima Nova" panose="020B0604020202020204" charset="0"/>
                         </a:rPr>
                         <a:t>Evaluación de modelos</a:t>
                       </a:r>
                       <a:endParaRPr lang="es-AR" sz="1000" dirty="0">
+                        <a:solidFill>
+                          <a:schemeClr val="accent3"/>
+                        </a:solidFill>
                         <a:latin typeface="Proxima Nova" panose="020B0604020202020204" charset="0"/>
                       </a:endParaRPr>
                     </a:p>
@@ -24579,6 +25500,9 @@
                       </a:pPr>
                       <a:r>
                         <a:rPr lang="es-MX" sz="1000" dirty="0">
+                          <a:solidFill>
+                            <a:schemeClr val="accent3"/>
+                          </a:solidFill>
                           <a:latin typeface="Proxima Nova" panose="020B0604020202020204" charset="0"/>
                         </a:rPr>
                         <a:t>¿Qué valores de Y tienen residuos de predicción más altos? </a:t>
@@ -24631,11 +25555,17 @@
                     <a:p>
                       <a:r>
                         <a:rPr lang="es-MX" sz="1000" dirty="0">
+                          <a:solidFill>
+                            <a:schemeClr val="accent3"/>
+                          </a:solidFill>
                           <a:latin typeface="Proxima Nova" panose="020B0604020202020204" charset="0"/>
                         </a:rPr>
                         <a:t>Exploración</a:t>
                       </a:r>
                       <a:endParaRPr lang="es-AR" sz="1000" dirty="0">
+                        <a:solidFill>
+                          <a:schemeClr val="accent3"/>
+                        </a:solidFill>
                         <a:latin typeface="Proxima Nova" panose="020B0604020202020204" charset="0"/>
                       </a:endParaRPr>
                     </a:p>
@@ -24712,6 +25642,9 @@
                       </a:pPr>
                       <a:r>
                         <a:rPr lang="es-MX" sz="1000" dirty="0">
+                          <a:solidFill>
+                            <a:schemeClr val="accent3"/>
+                          </a:solidFill>
                           <a:latin typeface="Proxima Nova" panose="020B0604020202020204" charset="0"/>
                         </a:rPr>
                         <a:t>Eliminemos X_2, que no está aportando</a:t>
@@ -24764,11 +25697,17 @@
                     <a:p>
                       <a:r>
                         <a:rPr lang="es-MX" sz="1000" dirty="0">
+                          <a:solidFill>
+                            <a:schemeClr val="accent3"/>
+                          </a:solidFill>
                           <a:latin typeface="Proxima Nova" panose="020B0604020202020204" charset="0"/>
                         </a:rPr>
                         <a:t>Evaluación de modelos</a:t>
                       </a:r>
                       <a:endParaRPr lang="es-AR" sz="1000" dirty="0">
+                        <a:solidFill>
+                          <a:schemeClr val="accent3"/>
+                        </a:solidFill>
                         <a:latin typeface="Proxima Nova" panose="020B0604020202020204" charset="0"/>
                       </a:endParaRPr>
                     </a:p>
@@ -24845,6 +25784,9 @@
                       </a:pPr>
                       <a:r>
                         <a:rPr lang="es-MX" sz="1000" dirty="0">
+                          <a:solidFill>
+                            <a:schemeClr val="accent3"/>
+                          </a:solidFill>
                           <a:latin typeface="Proxima Nova" panose="020B0604020202020204" charset="0"/>
                         </a:rPr>
                         <a:t>Las predicciones mejoran si transformamos X_3</a:t>
@@ -24897,11 +25839,17 @@
                     <a:p>
                       <a:r>
                         <a:rPr lang="es-MX" sz="1000" dirty="0">
+                          <a:solidFill>
+                            <a:schemeClr val="accent3"/>
+                          </a:solidFill>
                           <a:latin typeface="Proxima Nova" panose="020B0604020202020204" charset="0"/>
                         </a:rPr>
                         <a:t>Transformación</a:t>
                       </a:r>
                       <a:endParaRPr lang="es-AR" sz="1000" dirty="0">
+                        <a:solidFill>
+                          <a:schemeClr val="accent3"/>
+                        </a:solidFill>
                         <a:latin typeface="Proxima Nova" panose="020B0604020202020204" charset="0"/>
                       </a:endParaRPr>
                     </a:p>
@@ -24978,6 +25926,9 @@
                       </a:pPr>
                       <a:r>
                         <a:rPr lang="es-MX" sz="1000" dirty="0">
+                          <a:solidFill>
+                            <a:schemeClr val="accent3"/>
+                          </a:solidFill>
                           <a:latin typeface="Proxima Nova" panose="020B0604020202020204" charset="0"/>
                         </a:rPr>
                         <a:t>LDA no da buenos resultados, lo dejamos de lado</a:t>
@@ -25030,11 +25981,17 @@
                     <a:p>
                       <a:r>
                         <a:rPr lang="es-MX" sz="1000" dirty="0">
+                          <a:solidFill>
+                            <a:schemeClr val="accent3"/>
+                          </a:solidFill>
                           <a:latin typeface="Proxima Nova" panose="020B0604020202020204" charset="0"/>
                         </a:rPr>
                         <a:t>Evaluación de modelos</a:t>
                       </a:r>
                       <a:endParaRPr lang="es-AR" sz="1000" dirty="0">
+                        <a:solidFill>
+                          <a:schemeClr val="accent3"/>
+                        </a:solidFill>
                         <a:latin typeface="Proxima Nova" panose="020B0604020202020204" charset="0"/>
                       </a:endParaRPr>
                     </a:p>
@@ -25337,7 +26294,7 @@
         </p:spPr>
         <p:txBody>
           <a:bodyPr spcFirstLastPara="1" wrap="square" lIns="91425" tIns="91425" rIns="91425" bIns="91425" anchor="t" anchorCtr="0">
-            <a:normAutofit fontScale="92500"/>
+            <a:noAutofit/>
           </a:bodyPr>
           <a:lstStyle/>
           <a:p>
@@ -25352,15 +26309,15 @@
               <a:buChar char="§"/>
             </a:pPr>
             <a:r>
-              <a:rPr lang="es-AR" dirty="0"/>
+              <a:rPr lang="es-AR" sz="1600" dirty="0"/>
               <a:t>Fácil de </a:t>
             </a:r>
             <a:r>
-              <a:rPr lang="es-AR" b="1" dirty="0"/>
+              <a:rPr lang="es-AR" sz="1600" b="1" dirty="0"/>
               <a:t>entender</a:t>
             </a:r>
             <a:r>
-              <a:rPr lang="es-AR" dirty="0"/>
+              <a:rPr lang="es-AR" sz="1600" dirty="0"/>
               <a:t>: condición necesaria para trabajar en equipo.</a:t>
             </a:r>
           </a:p>
@@ -25376,19 +26333,19 @@
               <a:buChar char="§"/>
             </a:pPr>
             <a:r>
-              <a:rPr lang="es-AR" b="1" dirty="0"/>
+              <a:rPr lang="es-AR" sz="1600" b="1" dirty="0"/>
               <a:t>Continuidad</a:t>
             </a:r>
             <a:r>
-              <a:rPr lang="es-AR" dirty="0"/>
+              <a:rPr lang="es-AR" sz="1600" dirty="0"/>
               <a:t> con la sintaxis </a:t>
             </a:r>
             <a:r>
-              <a:rPr lang="es-AR" dirty="0" err="1"/>
+              <a:rPr lang="es-AR" sz="1600" dirty="0" err="1"/>
               <a:t>tidyverse</a:t>
             </a:r>
             <a:r>
-              <a:rPr lang="es-AR" dirty="0"/>
+              <a:rPr lang="es-AR" sz="1600" dirty="0"/>
               <a:t>.</a:t>
             </a:r>
           </a:p>
@@ -25404,23 +26361,23 @@
               <a:buChar char="§"/>
             </a:pPr>
             <a:r>
-              <a:rPr lang="es-AR" dirty="0"/>
+              <a:rPr lang="es-AR" sz="1600" dirty="0"/>
               <a:t>Mantener </a:t>
             </a:r>
             <a:r>
-              <a:rPr lang="es-AR" b="1" dirty="0"/>
+              <a:rPr lang="es-AR" sz="1600" b="1" dirty="0"/>
               <a:t>estructuras de datos </a:t>
             </a:r>
             <a:r>
-              <a:rPr lang="es-AR" dirty="0"/>
+              <a:rPr lang="es-AR" sz="1600" dirty="0"/>
               <a:t>(</a:t>
             </a:r>
             <a:r>
-              <a:rPr lang="es-AR" dirty="0" err="1"/>
+              <a:rPr lang="es-AR" sz="1600" dirty="0" err="1"/>
               <a:t>dataframe</a:t>
             </a:r>
             <a:r>
-              <a:rPr lang="es-AR" dirty="0"/>
+              <a:rPr lang="es-AR" sz="1600" dirty="0"/>
               <a:t>).</a:t>
             </a:r>
           </a:p>
@@ -25435,7 +26392,7 @@
               <a:buFont typeface="Wingdings" panose="05000000000000000000" pitchFamily="2" charset="2"/>
               <a:buChar char="§"/>
             </a:pPr>
-            <a:endParaRPr lang="es-AR" dirty="0"/>
+            <a:endParaRPr lang="es-AR" sz="1600" dirty="0"/>
           </a:p>
           <a:p>
             <a:pPr marL="285750" lvl="0" indent="-285750" algn="l" rtl="0">
@@ -25449,11 +26406,11 @@
               <a:buChar char="§"/>
             </a:pPr>
             <a:r>
-              <a:rPr lang="es-AR" dirty="0"/>
+              <a:rPr lang="es-AR" sz="1600" dirty="0"/>
               <a:t>Fundamental: </a:t>
             </a:r>
             <a:r>
-              <a:rPr lang="es-AR" b="1" dirty="0">
+              <a:rPr lang="es-AR" sz="1600" b="1" dirty="0">
                 <a:solidFill>
                   <a:schemeClr val="tx1"/>
                 </a:solidFill>
@@ -25464,7 +26421,7 @@
               <a:t>Pipes</a:t>
             </a:r>
             <a:r>
-              <a:rPr lang="es-AR" dirty="0"/>
+              <a:rPr lang="es-AR" sz="1600" dirty="0"/>
               <a:t> (%&gt;%) para encadenar secuencias complejas</a:t>
             </a:r>
           </a:p>
@@ -25478,10 +26435,10 @@
               </a:spcAft>
               <a:buNone/>
             </a:pPr>
-            <a:endParaRPr lang="es-AR" dirty="0"/>
+            <a:endParaRPr lang="es-AR" sz="1600" dirty="0"/>
           </a:p>
           <a:p>
-            <a:pPr marL="0" lvl="0" indent="0" algn="l" rtl="0">
+            <a:pPr marL="0" lvl="0" indent="0" rtl="0">
               <a:spcBef>
                 <a:spcPts val="0"/>
               </a:spcBef>
@@ -25491,15 +26448,15 @@
               <a:buNone/>
             </a:pPr>
             <a:r>
-              <a:rPr lang="es-AR" dirty="0">
+              <a:rPr lang="es-AR" sz="1600" b="1" dirty="0">
                 <a:solidFill>
                   <a:schemeClr val="bg2"/>
                 </a:solidFill>
               </a:rPr>
-              <a:t>	Ejemplo</a:t>
-            </a:r>
-            <a:r>
-              <a:rPr lang="es-AR" dirty="0"/>
+              <a:t>Ejemplo</a:t>
+            </a:r>
+            <a:r>
+              <a:rPr lang="es-AR" sz="1600" dirty="0"/>
               <a:t>. Dos formas de escribir:</a:t>
             </a:r>
           </a:p>
@@ -25514,23 +26471,35 @@
               <a:buNone/>
             </a:pPr>
             <a:r>
-              <a:rPr lang="en-US" sz="1200" dirty="0"/>
+              <a:rPr lang="en-US" sz="1600" dirty="0"/>
               <a:t>	</a:t>
             </a:r>
             <a:r>
-              <a:rPr lang="en-US" sz="1200" dirty="0" err="1"/>
+              <a:rPr lang="en-US" sz="1600" dirty="0" err="1">
+                <a:latin typeface="MS Mincho" panose="02020609040205080304" pitchFamily="49" charset="-128"/>
+                <a:ea typeface="MS Mincho" panose="02020609040205080304" pitchFamily="49" charset="-128"/>
+              </a:rPr>
               <a:t>small_mtcars</a:t>
             </a:r>
             <a:r>
-              <a:rPr lang="en-US" sz="1200" dirty="0"/>
+              <a:rPr lang="en-US" sz="1600" dirty="0">
+                <a:latin typeface="MS Mincho" panose="02020609040205080304" pitchFamily="49" charset="-128"/>
+                <a:ea typeface="MS Mincho" panose="02020609040205080304" pitchFamily="49" charset="-128"/>
+              </a:rPr>
               <a:t> &lt;- slice(arrange(</a:t>
             </a:r>
             <a:r>
-              <a:rPr lang="en-US" sz="1200" dirty="0" err="1"/>
+              <a:rPr lang="en-US" sz="1600" dirty="0" err="1">
+                <a:latin typeface="MS Mincho" panose="02020609040205080304" pitchFamily="49" charset="-128"/>
+                <a:ea typeface="MS Mincho" panose="02020609040205080304" pitchFamily="49" charset="-128"/>
+              </a:rPr>
               <a:t>mtcars</a:t>
             </a:r>
             <a:r>
-              <a:rPr lang="en-US" sz="1200" dirty="0"/>
+              <a:rPr lang="en-US" sz="1600" dirty="0">
+                <a:latin typeface="MS Mincho" panose="02020609040205080304" pitchFamily="49" charset="-128"/>
+                <a:ea typeface="MS Mincho" panose="02020609040205080304" pitchFamily="49" charset="-128"/>
+              </a:rPr>
               <a:t>, gear), 1:10)</a:t>
             </a:r>
           </a:p>
@@ -25544,7 +26513,10 @@
               </a:spcAft>
               <a:buNone/>
             </a:pPr>
-            <a:endParaRPr lang="en-US" sz="1200" dirty="0"/>
+            <a:endParaRPr lang="en-US" sz="1600" dirty="0">
+              <a:latin typeface="MS Mincho" panose="02020609040205080304" pitchFamily="49" charset="-128"/>
+              <a:ea typeface="MS Mincho" panose="02020609040205080304" pitchFamily="49" charset="-128"/>
+            </a:endParaRPr>
           </a:p>
           <a:p>
             <a:pPr marL="0" lvl="0" indent="0" algn="l" rtl="0">
@@ -25557,23 +26529,38 @@
               <a:buNone/>
             </a:pPr>
             <a:r>
-              <a:rPr lang="en-US" sz="1200" dirty="0"/>
+              <a:rPr lang="en-US" sz="1600" dirty="0">
+                <a:latin typeface="MS Mincho" panose="02020609040205080304" pitchFamily="49" charset="-128"/>
+                <a:ea typeface="MS Mincho" panose="02020609040205080304" pitchFamily="49" charset="-128"/>
+              </a:rPr>
               <a:t>	</a:t>
             </a:r>
             <a:r>
-              <a:rPr lang="en-US" sz="1200" dirty="0" err="1"/>
+              <a:rPr lang="en-US" sz="1600" dirty="0" err="1">
+                <a:latin typeface="MS Mincho" panose="02020609040205080304" pitchFamily="49" charset="-128"/>
+                <a:ea typeface="MS Mincho" panose="02020609040205080304" pitchFamily="49" charset="-128"/>
+              </a:rPr>
               <a:t>small_mtcars</a:t>
             </a:r>
             <a:r>
-              <a:rPr lang="en-US" sz="1200" dirty="0"/>
+              <a:rPr lang="en-US" sz="1600" dirty="0">
+                <a:latin typeface="MS Mincho" panose="02020609040205080304" pitchFamily="49" charset="-128"/>
+                <a:ea typeface="MS Mincho" panose="02020609040205080304" pitchFamily="49" charset="-128"/>
+              </a:rPr>
               <a:t> &lt;- </a:t>
             </a:r>
             <a:r>
-              <a:rPr lang="en-US" sz="1200" dirty="0" err="1"/>
+              <a:rPr lang="en-US" sz="1600" dirty="0" err="1">
+                <a:latin typeface="MS Mincho" panose="02020609040205080304" pitchFamily="49" charset="-128"/>
+                <a:ea typeface="MS Mincho" panose="02020609040205080304" pitchFamily="49" charset="-128"/>
+              </a:rPr>
               <a:t>mtcars</a:t>
             </a:r>
             <a:r>
-              <a:rPr lang="en-US" sz="1200" dirty="0"/>
+              <a:rPr lang="en-US" sz="1600" dirty="0">
+                <a:latin typeface="MS Mincho" panose="02020609040205080304" pitchFamily="49" charset="-128"/>
+                <a:ea typeface="MS Mincho" panose="02020609040205080304" pitchFamily="49" charset="-128"/>
+              </a:rPr>
               <a:t> %&gt;% </a:t>
             </a:r>
           </a:p>
@@ -25588,7 +26575,10 @@
               <a:buNone/>
             </a:pPr>
             <a:r>
-              <a:rPr lang="en-US" sz="1200" dirty="0"/>
+              <a:rPr lang="en-US" sz="1600" dirty="0">
+                <a:latin typeface="MS Mincho" panose="02020609040205080304" pitchFamily="49" charset="-128"/>
+                <a:ea typeface="MS Mincho" panose="02020609040205080304" pitchFamily="49" charset="-128"/>
+              </a:rPr>
               <a:t> 	     arrange(gear) %&gt;% </a:t>
             </a:r>
           </a:p>
@@ -25603,10 +26593,16 @@
               <a:buNone/>
             </a:pPr>
             <a:r>
-              <a:rPr lang="en-US" sz="1200" dirty="0"/>
+              <a:rPr lang="en-US" sz="1600" dirty="0">
+                <a:latin typeface="MS Mincho" panose="02020609040205080304" pitchFamily="49" charset="-128"/>
+                <a:ea typeface="MS Mincho" panose="02020609040205080304" pitchFamily="49" charset="-128"/>
+              </a:rPr>
               <a:t> 	     slice(1:10)</a:t>
             </a:r>
-            <a:endParaRPr lang="es-AR" sz="1200" dirty="0"/>
+            <a:endParaRPr lang="es-AR" sz="1600" dirty="0">
+              <a:latin typeface="MS Mincho" panose="02020609040205080304" pitchFamily="49" charset="-128"/>
+              <a:ea typeface="MS Mincho" panose="02020609040205080304" pitchFamily="49" charset="-128"/>
+            </a:endParaRPr>
           </a:p>
           <a:p>
             <a:pPr marL="285750" lvl="0" indent="-285750" algn="l" rtl="0">
@@ -25619,7 +26615,7 @@
               <a:buFont typeface="Wingdings" panose="05000000000000000000" pitchFamily="2" charset="2"/>
               <a:buChar char="§"/>
             </a:pPr>
-            <a:endParaRPr dirty="0"/>
+            <a:endParaRPr sz="1600" dirty="0"/>
           </a:p>
         </p:txBody>
       </p:sp>
@@ -26363,204 +27359,6 @@
                 <a:latin typeface="Proxima Nova" panose="020B0604020202020204" charset="0"/>
               </a:rPr>
               <a:t>PCA</a:t>
-            </a:r>
-            <a:endParaRPr lang="es-AR" sz="1050" dirty="0">
-              <a:solidFill>
-                <a:schemeClr val="accent2"/>
-              </a:solidFill>
-              <a:latin typeface="Proxima Nova" panose="020B0604020202020204" charset="0"/>
-            </a:endParaRPr>
-          </a:p>
-        </p:txBody>
-      </p:sp>
-      <p:sp>
-        <p:nvSpPr>
-          <p:cNvPr id="20" name="Hexágono 19">
-            <a:extLst>
-              <a:ext uri="{FF2B5EF4-FFF2-40B4-BE49-F238E27FC236}">
-                <a16:creationId xmlns:a16="http://schemas.microsoft.com/office/drawing/2014/main" id="{C213F2BA-31F1-48E9-92AE-02682E122CBA}"/>
-              </a:ext>
-            </a:extLst>
-          </p:cNvPr>
-          <p:cNvSpPr/>
-          <p:nvPr/>
-        </p:nvSpPr>
-        <p:spPr>
-          <a:xfrm>
-            <a:off x="3003699" y="3935665"/>
-            <a:ext cx="1087946" cy="720000"/>
-          </a:xfrm>
-          <a:prstGeom prst="hexagon">
-            <a:avLst/>
-          </a:prstGeom>
-          <a:noFill/>
-          <a:ln w="19050">
-            <a:solidFill>
-              <a:schemeClr val="tx2"/>
-            </a:solidFill>
-          </a:ln>
-        </p:spPr>
-        <p:style>
-          <a:lnRef idx="2">
-            <a:schemeClr val="accent1">
-              <a:shade val="50000"/>
-            </a:schemeClr>
-          </a:lnRef>
-          <a:fillRef idx="1">
-            <a:schemeClr val="accent1"/>
-          </a:fillRef>
-          <a:effectRef idx="0">
-            <a:schemeClr val="accent1"/>
-          </a:effectRef>
-          <a:fontRef idx="minor">
-            <a:schemeClr val="lt1"/>
-          </a:fontRef>
-        </p:style>
-        <p:txBody>
-          <a:bodyPr rtlCol="0" anchor="ctr"/>
-          <a:lstStyle/>
-          <a:p>
-            <a:pPr algn="ctr"/>
-            <a:r>
-              <a:rPr lang="es-MX" sz="1050" dirty="0">
-                <a:solidFill>
-                  <a:schemeClr val="accent2"/>
-                </a:solidFill>
-                <a:latin typeface="Proxima Nova" panose="020B0604020202020204" charset="0"/>
-              </a:rPr>
-              <a:t>KNN</a:t>
-            </a:r>
-            <a:endParaRPr lang="es-AR" sz="1050" dirty="0">
-              <a:solidFill>
-                <a:schemeClr val="accent2"/>
-              </a:solidFill>
-              <a:latin typeface="Proxima Nova" panose="020B0604020202020204" charset="0"/>
-            </a:endParaRPr>
-          </a:p>
-        </p:txBody>
-      </p:sp>
-      <p:sp>
-        <p:nvSpPr>
-          <p:cNvPr id="21" name="Hexágono 20">
-            <a:extLst>
-              <a:ext uri="{FF2B5EF4-FFF2-40B4-BE49-F238E27FC236}">
-                <a16:creationId xmlns:a16="http://schemas.microsoft.com/office/drawing/2014/main" id="{97216F1F-A4F2-4D04-B1C8-9E2FFD92A4E4}"/>
-              </a:ext>
-            </a:extLst>
-          </p:cNvPr>
-          <p:cNvSpPr/>
-          <p:nvPr/>
-        </p:nvSpPr>
-        <p:spPr>
-          <a:xfrm>
-            <a:off x="4465909" y="3943782"/>
-            <a:ext cx="1087946" cy="720000"/>
-          </a:xfrm>
-          <a:prstGeom prst="hexagon">
-            <a:avLst/>
-          </a:prstGeom>
-          <a:noFill/>
-          <a:ln w="19050">
-            <a:solidFill>
-              <a:schemeClr val="tx2"/>
-            </a:solidFill>
-          </a:ln>
-        </p:spPr>
-        <p:style>
-          <a:lnRef idx="2">
-            <a:schemeClr val="accent1">
-              <a:shade val="50000"/>
-            </a:schemeClr>
-          </a:lnRef>
-          <a:fillRef idx="1">
-            <a:schemeClr val="accent1"/>
-          </a:fillRef>
-          <a:effectRef idx="0">
-            <a:schemeClr val="accent1"/>
-          </a:effectRef>
-          <a:fontRef idx="minor">
-            <a:schemeClr val="lt1"/>
-          </a:fontRef>
-        </p:style>
-        <p:txBody>
-          <a:bodyPr rtlCol="0" anchor="ctr"/>
-          <a:lstStyle/>
-          <a:p>
-            <a:pPr algn="ctr"/>
-            <a:r>
-              <a:rPr lang="es-MX" sz="1050" dirty="0">
-                <a:solidFill>
-                  <a:schemeClr val="accent2"/>
-                </a:solidFill>
-                <a:latin typeface="Proxima Nova" panose="020B0604020202020204" charset="0"/>
-              </a:rPr>
-              <a:t>Regresión logística</a:t>
-            </a:r>
-            <a:endParaRPr lang="es-AR" sz="1050" dirty="0">
-              <a:solidFill>
-                <a:schemeClr val="accent2"/>
-              </a:solidFill>
-              <a:latin typeface="Proxima Nova" panose="020B0604020202020204" charset="0"/>
-            </a:endParaRPr>
-          </a:p>
-        </p:txBody>
-      </p:sp>
-      <p:sp>
-        <p:nvSpPr>
-          <p:cNvPr id="22" name="Hexágono 21">
-            <a:extLst>
-              <a:ext uri="{FF2B5EF4-FFF2-40B4-BE49-F238E27FC236}">
-                <a16:creationId xmlns:a16="http://schemas.microsoft.com/office/drawing/2014/main" id="{9448D5DB-40E2-440C-B311-7317E78E6ED1}"/>
-              </a:ext>
-            </a:extLst>
-          </p:cNvPr>
-          <p:cNvSpPr/>
-          <p:nvPr/>
-        </p:nvSpPr>
-        <p:spPr>
-          <a:xfrm>
-            <a:off x="5594499" y="3943782"/>
-            <a:ext cx="1087946" cy="720000"/>
-          </a:xfrm>
-          <a:prstGeom prst="hexagon">
-            <a:avLst/>
-          </a:prstGeom>
-          <a:noFill/>
-          <a:ln w="19050">
-            <a:solidFill>
-              <a:schemeClr val="tx2"/>
-            </a:solidFill>
-          </a:ln>
-        </p:spPr>
-        <p:style>
-          <a:lnRef idx="2">
-            <a:schemeClr val="accent1">
-              <a:shade val="50000"/>
-            </a:schemeClr>
-          </a:lnRef>
-          <a:fillRef idx="1">
-            <a:schemeClr val="accent1"/>
-          </a:fillRef>
-          <a:effectRef idx="0">
-            <a:schemeClr val="accent1"/>
-          </a:effectRef>
-          <a:fontRef idx="minor">
-            <a:schemeClr val="lt1"/>
-          </a:fontRef>
-        </p:style>
-        <p:txBody>
-          <a:bodyPr rtlCol="0" anchor="ctr"/>
-          <a:lstStyle/>
-          <a:p>
-            <a:pPr algn="ctr"/>
-            <a:r>
-              <a:rPr lang="es-MX" sz="1050" dirty="0">
-                <a:solidFill>
-                  <a:schemeClr val="accent2"/>
-                </a:solidFill>
-                <a:latin typeface="Proxima Nova" panose="020B0604020202020204" charset="0"/>
-              </a:rPr>
-              <a:t>LDA</a:t>
             </a:r>
             <a:endParaRPr lang="es-AR" sz="1050" dirty="0">
               <a:solidFill>
@@ -27162,50 +27960,6 @@
       </p:cxnSp>
       <p:cxnSp>
         <p:nvCxnSpPr>
-          <p:cNvPr id="52" name="Conector recto 51">
-            <a:extLst>
-              <a:ext uri="{FF2B5EF4-FFF2-40B4-BE49-F238E27FC236}">
-                <a16:creationId xmlns:a16="http://schemas.microsoft.com/office/drawing/2014/main" id="{D05382A2-D7D6-4418-91FA-F06975755EFA}"/>
-              </a:ext>
-            </a:extLst>
-          </p:cNvPr>
-          <p:cNvCxnSpPr>
-            <a:cxnSpLocks/>
-            <a:stCxn id="23" idx="2"/>
-          </p:cNvCxnSpPr>
-          <p:nvPr/>
-        </p:nvCxnSpPr>
-        <p:spPr>
-          <a:xfrm>
-            <a:off x="3547672" y="3668258"/>
-            <a:ext cx="0" cy="252000"/>
-          </a:xfrm>
-          <a:prstGeom prst="line">
-            <a:avLst/>
-          </a:prstGeom>
-          <a:ln w="19050">
-            <a:solidFill>
-              <a:schemeClr val="tx2"/>
-            </a:solidFill>
-          </a:ln>
-        </p:spPr>
-        <p:style>
-          <a:lnRef idx="1">
-            <a:schemeClr val="accent1"/>
-          </a:lnRef>
-          <a:fillRef idx="0">
-            <a:schemeClr val="accent1"/>
-          </a:fillRef>
-          <a:effectRef idx="0">
-            <a:schemeClr val="accent1"/>
-          </a:effectRef>
-          <a:fontRef idx="minor">
-            <a:schemeClr val="tx1"/>
-          </a:fontRef>
-        </p:style>
-      </p:cxnSp>
-      <p:cxnSp>
-        <p:nvCxnSpPr>
           <p:cNvPr id="55" name="Conector recto 54">
             <a:extLst>
               <a:ext uri="{FF2B5EF4-FFF2-40B4-BE49-F238E27FC236}">
@@ -27361,6 +28115,451 @@
           <a:ln w="19050">
             <a:solidFill>
               <a:schemeClr val="accent4"/>
+            </a:solidFill>
+          </a:ln>
+        </p:spPr>
+        <p:style>
+          <a:lnRef idx="1">
+            <a:schemeClr val="accent1"/>
+          </a:lnRef>
+          <a:fillRef idx="0">
+            <a:schemeClr val="accent1"/>
+          </a:fillRef>
+          <a:effectRef idx="0">
+            <a:schemeClr val="accent1"/>
+          </a:effectRef>
+          <a:fontRef idx="minor">
+            <a:schemeClr val="tx1"/>
+          </a:fontRef>
+        </p:style>
+      </p:cxnSp>
+      <p:sp>
+        <p:nvSpPr>
+          <p:cNvPr id="32" name="Hexágono 31">
+            <a:extLst>
+              <a:ext uri="{FF2B5EF4-FFF2-40B4-BE49-F238E27FC236}">
+                <a16:creationId xmlns:a16="http://schemas.microsoft.com/office/drawing/2014/main" id="{A78DF77B-EFC4-4CCD-B18D-08C8C8F8473D}"/>
+              </a:ext>
+            </a:extLst>
+          </p:cNvPr>
+          <p:cNvSpPr/>
+          <p:nvPr/>
+        </p:nvSpPr>
+        <p:spPr>
+          <a:xfrm>
+            <a:off x="2231068" y="3939723"/>
+            <a:ext cx="1087946" cy="720000"/>
+          </a:xfrm>
+          <a:prstGeom prst="hexagon">
+            <a:avLst/>
+          </a:prstGeom>
+          <a:noFill/>
+          <a:ln w="28575">
+            <a:solidFill>
+              <a:srgbClr val="63D297"/>
+            </a:solidFill>
+          </a:ln>
+        </p:spPr>
+        <p:style>
+          <a:lnRef idx="2">
+            <a:schemeClr val="accent1">
+              <a:shade val="50000"/>
+            </a:schemeClr>
+          </a:lnRef>
+          <a:fillRef idx="1">
+            <a:schemeClr val="accent1"/>
+          </a:fillRef>
+          <a:effectRef idx="0">
+            <a:schemeClr val="accent1"/>
+          </a:effectRef>
+          <a:fontRef idx="minor">
+            <a:schemeClr val="lt1"/>
+          </a:fontRef>
+        </p:style>
+        <p:txBody>
+          <a:bodyPr rtlCol="0" anchor="ctr"/>
+          <a:lstStyle/>
+          <a:p>
+            <a:pPr algn="ctr"/>
+            <a:r>
+              <a:rPr lang="es-MX" sz="1050">
+                <a:solidFill>
+                  <a:schemeClr val="accent2"/>
+                </a:solidFill>
+                <a:latin typeface="Proxima Nova" panose="020B0604020202020204" charset="0"/>
+              </a:rPr>
+              <a:t>KNN</a:t>
+            </a:r>
+            <a:endParaRPr lang="es-AR" sz="1050" dirty="0">
+              <a:solidFill>
+                <a:schemeClr val="accent2"/>
+              </a:solidFill>
+              <a:latin typeface="Proxima Nova" panose="020B0604020202020204" charset="0"/>
+            </a:endParaRPr>
+          </a:p>
+        </p:txBody>
+      </p:sp>
+      <p:sp>
+        <p:nvSpPr>
+          <p:cNvPr id="34" name="Hexágono 33">
+            <a:extLst>
+              <a:ext uri="{FF2B5EF4-FFF2-40B4-BE49-F238E27FC236}">
+                <a16:creationId xmlns:a16="http://schemas.microsoft.com/office/drawing/2014/main" id="{2FD35B72-9731-44C8-9702-7B02D2407CF5}"/>
+              </a:ext>
+            </a:extLst>
+          </p:cNvPr>
+          <p:cNvSpPr/>
+          <p:nvPr/>
+        </p:nvSpPr>
+        <p:spPr>
+          <a:xfrm>
+            <a:off x="4465909" y="3939723"/>
+            <a:ext cx="1087946" cy="720000"/>
+          </a:xfrm>
+          <a:prstGeom prst="hexagon">
+            <a:avLst/>
+          </a:prstGeom>
+          <a:noFill/>
+          <a:ln w="28575">
+            <a:solidFill>
+              <a:schemeClr val="tx2"/>
+            </a:solidFill>
+          </a:ln>
+        </p:spPr>
+        <p:style>
+          <a:lnRef idx="2">
+            <a:schemeClr val="accent1">
+              <a:shade val="50000"/>
+            </a:schemeClr>
+          </a:lnRef>
+          <a:fillRef idx="1">
+            <a:schemeClr val="accent1"/>
+          </a:fillRef>
+          <a:effectRef idx="0">
+            <a:schemeClr val="accent1"/>
+          </a:effectRef>
+          <a:fontRef idx="minor">
+            <a:schemeClr val="lt1"/>
+          </a:fontRef>
+        </p:style>
+        <p:txBody>
+          <a:bodyPr rtlCol="0" anchor="ctr"/>
+          <a:lstStyle/>
+          <a:p>
+            <a:pPr algn="ctr"/>
+            <a:r>
+              <a:rPr lang="es-MX" sz="1050" dirty="0">
+                <a:solidFill>
+                  <a:schemeClr val="accent2"/>
+                </a:solidFill>
+                <a:latin typeface="Proxima Nova" panose="020B0604020202020204" charset="0"/>
+              </a:rPr>
+              <a:t>Regresión logística</a:t>
+            </a:r>
+            <a:endParaRPr lang="es-AR" sz="1050" dirty="0">
+              <a:solidFill>
+                <a:schemeClr val="accent2"/>
+              </a:solidFill>
+              <a:latin typeface="Proxima Nova" panose="020B0604020202020204" charset="0"/>
+            </a:endParaRPr>
+          </a:p>
+        </p:txBody>
+      </p:sp>
+      <p:sp>
+        <p:nvSpPr>
+          <p:cNvPr id="35" name="Hexágono 34">
+            <a:extLst>
+              <a:ext uri="{FF2B5EF4-FFF2-40B4-BE49-F238E27FC236}">
+                <a16:creationId xmlns:a16="http://schemas.microsoft.com/office/drawing/2014/main" id="{E6DBC3B9-349D-44B6-A3CD-27783E182BBB}"/>
+              </a:ext>
+            </a:extLst>
+          </p:cNvPr>
+          <p:cNvSpPr/>
+          <p:nvPr/>
+        </p:nvSpPr>
+        <p:spPr>
+          <a:xfrm>
+            <a:off x="5594499" y="3939723"/>
+            <a:ext cx="1087946" cy="720000"/>
+          </a:xfrm>
+          <a:prstGeom prst="hexagon">
+            <a:avLst/>
+          </a:prstGeom>
+          <a:noFill/>
+          <a:ln w="28575">
+            <a:solidFill>
+              <a:srgbClr val="63D297"/>
+            </a:solidFill>
+          </a:ln>
+        </p:spPr>
+        <p:style>
+          <a:lnRef idx="2">
+            <a:schemeClr val="accent1">
+              <a:shade val="50000"/>
+            </a:schemeClr>
+          </a:lnRef>
+          <a:fillRef idx="1">
+            <a:schemeClr val="accent1"/>
+          </a:fillRef>
+          <a:effectRef idx="0">
+            <a:schemeClr val="accent1"/>
+          </a:effectRef>
+          <a:fontRef idx="minor">
+            <a:schemeClr val="lt1"/>
+          </a:fontRef>
+        </p:style>
+        <p:txBody>
+          <a:bodyPr rtlCol="0" anchor="ctr"/>
+          <a:lstStyle/>
+          <a:p>
+            <a:pPr algn="ctr"/>
+            <a:r>
+              <a:rPr lang="es-MX" sz="1050" dirty="0">
+                <a:solidFill>
+                  <a:schemeClr val="accent2"/>
+                </a:solidFill>
+                <a:latin typeface="Proxima Nova" panose="020B0604020202020204" charset="0"/>
+              </a:rPr>
+              <a:t>LDA/QDA</a:t>
+            </a:r>
+            <a:endParaRPr lang="es-AR" sz="1050" dirty="0">
+              <a:solidFill>
+                <a:schemeClr val="accent2"/>
+              </a:solidFill>
+              <a:latin typeface="Proxima Nova" panose="020B0604020202020204" charset="0"/>
+            </a:endParaRPr>
+          </a:p>
+        </p:txBody>
+      </p:sp>
+      <p:cxnSp>
+        <p:nvCxnSpPr>
+          <p:cNvPr id="37" name="Conector recto 36">
+            <a:extLst>
+              <a:ext uri="{FF2B5EF4-FFF2-40B4-BE49-F238E27FC236}">
+                <a16:creationId xmlns:a16="http://schemas.microsoft.com/office/drawing/2014/main" id="{B8981D67-8D8A-49B9-BD78-B0097DA717E4}"/>
+              </a:ext>
+            </a:extLst>
+          </p:cNvPr>
+          <p:cNvCxnSpPr>
+            <a:cxnSpLocks/>
+          </p:cNvCxnSpPr>
+          <p:nvPr/>
+        </p:nvCxnSpPr>
+        <p:spPr>
+          <a:xfrm flipH="1">
+            <a:off x="2785730" y="3668258"/>
+            <a:ext cx="761942" cy="258700"/>
+          </a:xfrm>
+          <a:prstGeom prst="line">
+            <a:avLst/>
+          </a:prstGeom>
+          <a:ln w="19050">
+            <a:solidFill>
+              <a:schemeClr val="tx2"/>
+            </a:solidFill>
+          </a:ln>
+        </p:spPr>
+        <p:style>
+          <a:lnRef idx="1">
+            <a:schemeClr val="accent1"/>
+          </a:lnRef>
+          <a:fillRef idx="0">
+            <a:schemeClr val="accent1"/>
+          </a:fillRef>
+          <a:effectRef idx="0">
+            <a:schemeClr val="accent1"/>
+          </a:effectRef>
+          <a:fontRef idx="minor">
+            <a:schemeClr val="tx1"/>
+          </a:fontRef>
+        </p:style>
+      </p:cxnSp>
+      <p:cxnSp>
+        <p:nvCxnSpPr>
+          <p:cNvPr id="38" name="Conector recto 37">
+            <a:extLst>
+              <a:ext uri="{FF2B5EF4-FFF2-40B4-BE49-F238E27FC236}">
+                <a16:creationId xmlns:a16="http://schemas.microsoft.com/office/drawing/2014/main" id="{8675A32A-54E3-49E2-B6EA-F57A43BAE636}"/>
+              </a:ext>
+            </a:extLst>
+          </p:cNvPr>
+          <p:cNvCxnSpPr>
+            <a:cxnSpLocks/>
+          </p:cNvCxnSpPr>
+          <p:nvPr/>
+        </p:nvCxnSpPr>
+        <p:spPr>
+          <a:xfrm flipH="1">
+            <a:off x="5009882" y="3666366"/>
+            <a:ext cx="526486" cy="275524"/>
+          </a:xfrm>
+          <a:prstGeom prst="line">
+            <a:avLst/>
+          </a:prstGeom>
+          <a:ln w="19050">
+            <a:solidFill>
+              <a:schemeClr val="tx2"/>
+            </a:solidFill>
+          </a:ln>
+        </p:spPr>
+        <p:style>
+          <a:lnRef idx="1">
+            <a:schemeClr val="accent1"/>
+          </a:lnRef>
+          <a:fillRef idx="0">
+            <a:schemeClr val="accent1"/>
+          </a:fillRef>
+          <a:effectRef idx="0">
+            <a:schemeClr val="accent1"/>
+          </a:effectRef>
+          <a:fontRef idx="minor">
+            <a:schemeClr val="tx1"/>
+          </a:fontRef>
+        </p:style>
+      </p:cxnSp>
+      <p:cxnSp>
+        <p:nvCxnSpPr>
+          <p:cNvPr id="40" name="Conector recto 39">
+            <a:extLst>
+              <a:ext uri="{FF2B5EF4-FFF2-40B4-BE49-F238E27FC236}">
+                <a16:creationId xmlns:a16="http://schemas.microsoft.com/office/drawing/2014/main" id="{9F9FEDC0-CDA9-4CE1-9A4B-598AD14A98F1}"/>
+              </a:ext>
+            </a:extLst>
+          </p:cNvPr>
+          <p:cNvCxnSpPr>
+            <a:cxnSpLocks/>
+          </p:cNvCxnSpPr>
+          <p:nvPr/>
+        </p:nvCxnSpPr>
+        <p:spPr>
+          <a:xfrm>
+            <a:off x="5536368" y="3666366"/>
+            <a:ext cx="602104" cy="275524"/>
+          </a:xfrm>
+          <a:prstGeom prst="line">
+            <a:avLst/>
+          </a:prstGeom>
+          <a:ln w="19050">
+            <a:solidFill>
+              <a:schemeClr val="tx2"/>
+            </a:solidFill>
+          </a:ln>
+        </p:spPr>
+        <p:style>
+          <a:lnRef idx="1">
+            <a:schemeClr val="accent1"/>
+          </a:lnRef>
+          <a:fillRef idx="0">
+            <a:schemeClr val="accent1"/>
+          </a:fillRef>
+          <a:effectRef idx="0">
+            <a:schemeClr val="accent1"/>
+          </a:effectRef>
+          <a:fontRef idx="minor">
+            <a:schemeClr val="tx1"/>
+          </a:fontRef>
+        </p:style>
+      </p:cxnSp>
+      <p:sp>
+        <p:nvSpPr>
+          <p:cNvPr id="41" name="Hexágono 40">
+            <a:extLst>
+              <a:ext uri="{FF2B5EF4-FFF2-40B4-BE49-F238E27FC236}">
+                <a16:creationId xmlns:a16="http://schemas.microsoft.com/office/drawing/2014/main" id="{600AE671-9102-4D07-9D99-A2B2F249718C}"/>
+              </a:ext>
+            </a:extLst>
+          </p:cNvPr>
+          <p:cNvSpPr/>
+          <p:nvPr/>
+        </p:nvSpPr>
+        <p:spPr>
+          <a:xfrm>
+            <a:off x="3348488" y="3939723"/>
+            <a:ext cx="1087946" cy="720000"/>
+          </a:xfrm>
+          <a:prstGeom prst="hexagon">
+            <a:avLst/>
+          </a:prstGeom>
+          <a:noFill/>
+          <a:ln w="28575">
+            <a:solidFill>
+              <a:srgbClr val="63D297"/>
+            </a:solidFill>
+          </a:ln>
+        </p:spPr>
+        <p:style>
+          <a:lnRef idx="2">
+            <a:schemeClr val="accent1">
+              <a:shade val="50000"/>
+            </a:schemeClr>
+          </a:lnRef>
+          <a:fillRef idx="1">
+            <a:schemeClr val="accent1"/>
+          </a:fillRef>
+          <a:effectRef idx="0">
+            <a:schemeClr val="accent1"/>
+          </a:effectRef>
+          <a:fontRef idx="minor">
+            <a:schemeClr val="lt1"/>
+          </a:fontRef>
+        </p:style>
+        <p:txBody>
+          <a:bodyPr rtlCol="0" anchor="ctr"/>
+          <a:lstStyle/>
+          <a:p>
+            <a:pPr algn="ctr"/>
+            <a:r>
+              <a:rPr lang="es-MX" sz="1050" dirty="0" err="1">
+                <a:solidFill>
+                  <a:schemeClr val="accent2"/>
+                </a:solidFill>
+                <a:latin typeface="Proxima Nova" panose="020B0604020202020204" charset="0"/>
+              </a:rPr>
+              <a:t>Naive</a:t>
+            </a:r>
+            <a:r>
+              <a:rPr lang="es-MX" sz="1050" dirty="0">
+                <a:solidFill>
+                  <a:schemeClr val="accent2"/>
+                </a:solidFill>
+                <a:latin typeface="Proxima Nova" panose="020B0604020202020204" charset="0"/>
+              </a:rPr>
+              <a:t> Bayes</a:t>
+            </a:r>
+            <a:endParaRPr lang="es-AR" sz="1050" dirty="0">
+              <a:solidFill>
+                <a:schemeClr val="accent2"/>
+              </a:solidFill>
+              <a:latin typeface="Proxima Nova" panose="020B0604020202020204" charset="0"/>
+            </a:endParaRPr>
+          </a:p>
+        </p:txBody>
+      </p:sp>
+      <p:cxnSp>
+        <p:nvCxnSpPr>
+          <p:cNvPr id="43" name="Conector recto 42">
+            <a:extLst>
+              <a:ext uri="{FF2B5EF4-FFF2-40B4-BE49-F238E27FC236}">
+                <a16:creationId xmlns:a16="http://schemas.microsoft.com/office/drawing/2014/main" id="{4347F2AA-0FB1-458F-B77F-5E9896EC7F19}"/>
+              </a:ext>
+            </a:extLst>
+          </p:cNvPr>
+          <p:cNvCxnSpPr>
+            <a:cxnSpLocks/>
+          </p:cNvCxnSpPr>
+          <p:nvPr/>
+        </p:nvCxnSpPr>
+        <p:spPr>
+          <a:xfrm>
+            <a:off x="3547672" y="3668258"/>
+            <a:ext cx="344789" cy="270528"/>
+          </a:xfrm>
+          <a:prstGeom prst="line">
+            <a:avLst/>
+          </a:prstGeom>
+          <a:ln w="19050">
+            <a:solidFill>
+              <a:schemeClr val="tx2"/>
             </a:solidFill>
           </a:ln>
         </p:spPr>
@@ -30709,204 +31908,6 @@
       </p:sp>
       <p:sp>
         <p:nvSpPr>
-          <p:cNvPr id="13" name="Hexágono 12">
-            <a:extLst>
-              <a:ext uri="{FF2B5EF4-FFF2-40B4-BE49-F238E27FC236}">
-                <a16:creationId xmlns:a16="http://schemas.microsoft.com/office/drawing/2014/main" id="{87055901-142D-43D4-B0B5-439E3B7DFE24}"/>
-              </a:ext>
-            </a:extLst>
-          </p:cNvPr>
-          <p:cNvSpPr/>
-          <p:nvPr/>
-        </p:nvSpPr>
-        <p:spPr>
-          <a:xfrm>
-            <a:off x="3813168" y="4258723"/>
-            <a:ext cx="1087946" cy="720000"/>
-          </a:xfrm>
-          <a:prstGeom prst="hexagon">
-            <a:avLst/>
-          </a:prstGeom>
-          <a:noFill/>
-          <a:ln w="12700">
-            <a:solidFill>
-              <a:schemeClr val="accent4"/>
-            </a:solidFill>
-          </a:ln>
-        </p:spPr>
-        <p:style>
-          <a:lnRef idx="2">
-            <a:schemeClr val="accent1">
-              <a:shade val="50000"/>
-            </a:schemeClr>
-          </a:lnRef>
-          <a:fillRef idx="1">
-            <a:schemeClr val="accent1"/>
-          </a:fillRef>
-          <a:effectRef idx="0">
-            <a:schemeClr val="accent1"/>
-          </a:effectRef>
-          <a:fontRef idx="minor">
-            <a:schemeClr val="lt1"/>
-          </a:fontRef>
-        </p:style>
-        <p:txBody>
-          <a:bodyPr rtlCol="0" anchor="ctr"/>
-          <a:lstStyle/>
-          <a:p>
-            <a:pPr algn="ctr"/>
-            <a:r>
-              <a:rPr lang="es-MX" sz="1050" dirty="0">
-                <a:solidFill>
-                  <a:schemeClr val="accent2"/>
-                </a:solidFill>
-                <a:latin typeface="Proxima Nova" panose="020B0604020202020204" charset="0"/>
-              </a:rPr>
-              <a:t>Regresión logística</a:t>
-            </a:r>
-            <a:endParaRPr lang="es-AR" sz="1050" dirty="0">
-              <a:solidFill>
-                <a:schemeClr val="accent2"/>
-              </a:solidFill>
-              <a:latin typeface="Proxima Nova" panose="020B0604020202020204" charset="0"/>
-            </a:endParaRPr>
-          </a:p>
-        </p:txBody>
-      </p:sp>
-      <p:sp>
-        <p:nvSpPr>
-          <p:cNvPr id="14" name="Hexágono 13">
-            <a:extLst>
-              <a:ext uri="{FF2B5EF4-FFF2-40B4-BE49-F238E27FC236}">
-                <a16:creationId xmlns:a16="http://schemas.microsoft.com/office/drawing/2014/main" id="{6A4D064D-467B-4E97-9812-6CD3BD98E5FE}"/>
-              </a:ext>
-            </a:extLst>
-          </p:cNvPr>
-          <p:cNvSpPr/>
-          <p:nvPr/>
-        </p:nvSpPr>
-        <p:spPr>
-          <a:xfrm>
-            <a:off x="5275378" y="4266840"/>
-            <a:ext cx="1087946" cy="720000"/>
-          </a:xfrm>
-          <a:prstGeom prst="hexagon">
-            <a:avLst/>
-          </a:prstGeom>
-          <a:noFill/>
-          <a:ln w="12700">
-            <a:solidFill>
-              <a:schemeClr val="accent4"/>
-            </a:solidFill>
-          </a:ln>
-        </p:spPr>
-        <p:style>
-          <a:lnRef idx="2">
-            <a:schemeClr val="accent1">
-              <a:shade val="50000"/>
-            </a:schemeClr>
-          </a:lnRef>
-          <a:fillRef idx="1">
-            <a:schemeClr val="accent1"/>
-          </a:fillRef>
-          <a:effectRef idx="0">
-            <a:schemeClr val="accent1"/>
-          </a:effectRef>
-          <a:fontRef idx="minor">
-            <a:schemeClr val="lt1"/>
-          </a:fontRef>
-        </p:style>
-        <p:txBody>
-          <a:bodyPr rtlCol="0" anchor="ctr"/>
-          <a:lstStyle/>
-          <a:p>
-            <a:pPr algn="ctr"/>
-            <a:r>
-              <a:rPr lang="es-MX" sz="1050" dirty="0">
-                <a:solidFill>
-                  <a:schemeClr val="accent2"/>
-                </a:solidFill>
-                <a:latin typeface="Proxima Nova" panose="020B0604020202020204" charset="0"/>
-              </a:rPr>
-              <a:t>KNN</a:t>
-            </a:r>
-            <a:endParaRPr lang="es-AR" sz="1050" dirty="0">
-              <a:solidFill>
-                <a:schemeClr val="accent2"/>
-              </a:solidFill>
-              <a:latin typeface="Proxima Nova" panose="020B0604020202020204" charset="0"/>
-            </a:endParaRPr>
-          </a:p>
-        </p:txBody>
-      </p:sp>
-      <p:sp>
-        <p:nvSpPr>
-          <p:cNvPr id="15" name="Hexágono 14">
-            <a:extLst>
-              <a:ext uri="{FF2B5EF4-FFF2-40B4-BE49-F238E27FC236}">
-                <a16:creationId xmlns:a16="http://schemas.microsoft.com/office/drawing/2014/main" id="{EB39AD5A-03F2-404C-95A9-4200975E0D00}"/>
-              </a:ext>
-            </a:extLst>
-          </p:cNvPr>
-          <p:cNvSpPr/>
-          <p:nvPr/>
-        </p:nvSpPr>
-        <p:spPr>
-          <a:xfrm>
-            <a:off x="6403968" y="4266840"/>
-            <a:ext cx="1087946" cy="720000"/>
-          </a:xfrm>
-          <a:prstGeom prst="hexagon">
-            <a:avLst/>
-          </a:prstGeom>
-          <a:noFill/>
-          <a:ln w="12700">
-            <a:solidFill>
-              <a:schemeClr val="accent4"/>
-            </a:solidFill>
-          </a:ln>
-        </p:spPr>
-        <p:style>
-          <a:lnRef idx="2">
-            <a:schemeClr val="accent1">
-              <a:shade val="50000"/>
-            </a:schemeClr>
-          </a:lnRef>
-          <a:fillRef idx="1">
-            <a:schemeClr val="accent1"/>
-          </a:fillRef>
-          <a:effectRef idx="0">
-            <a:schemeClr val="accent1"/>
-          </a:effectRef>
-          <a:fontRef idx="minor">
-            <a:schemeClr val="lt1"/>
-          </a:fontRef>
-        </p:style>
-        <p:txBody>
-          <a:bodyPr rtlCol="0" anchor="ctr"/>
-          <a:lstStyle/>
-          <a:p>
-            <a:pPr algn="ctr"/>
-            <a:r>
-              <a:rPr lang="es-MX" sz="1050" dirty="0">
-                <a:solidFill>
-                  <a:schemeClr val="accent2"/>
-                </a:solidFill>
-                <a:latin typeface="Proxima Nova" panose="020B0604020202020204" charset="0"/>
-              </a:rPr>
-              <a:t>LDA</a:t>
-            </a:r>
-            <a:endParaRPr lang="es-AR" sz="1050" dirty="0">
-              <a:solidFill>
-                <a:schemeClr val="accent2"/>
-              </a:solidFill>
-              <a:latin typeface="Proxima Nova" panose="020B0604020202020204" charset="0"/>
-            </a:endParaRPr>
-          </a:p>
-        </p:txBody>
-      </p:sp>
-      <p:sp>
-        <p:nvSpPr>
           <p:cNvPr id="16" name="Rectángulo: esquinas redondeadas 15">
             <a:extLst>
               <a:ext uri="{FF2B5EF4-FFF2-40B4-BE49-F238E27FC236}">
@@ -31304,30 +32305,227 @@
           </a:fontRef>
         </p:style>
       </p:cxnSp>
+      <p:sp>
+        <p:nvSpPr>
+          <p:cNvPr id="24" name="Hexágono 23">
+            <a:extLst>
+              <a:ext uri="{FF2B5EF4-FFF2-40B4-BE49-F238E27FC236}">
+                <a16:creationId xmlns:a16="http://schemas.microsoft.com/office/drawing/2014/main" id="{5455315B-4A23-4718-9123-97F5ED54EE89}"/>
+              </a:ext>
+            </a:extLst>
+          </p:cNvPr>
+          <p:cNvSpPr/>
+          <p:nvPr/>
+        </p:nvSpPr>
+        <p:spPr>
+          <a:xfrm>
+            <a:off x="3066175" y="4267866"/>
+            <a:ext cx="1087946" cy="720000"/>
+          </a:xfrm>
+          <a:prstGeom prst="hexagon">
+            <a:avLst/>
+          </a:prstGeom>
+          <a:noFill/>
+          <a:ln w="12700">
+            <a:solidFill>
+              <a:schemeClr val="accent4"/>
+            </a:solidFill>
+          </a:ln>
+        </p:spPr>
+        <p:style>
+          <a:lnRef idx="2">
+            <a:schemeClr val="accent1">
+              <a:shade val="50000"/>
+            </a:schemeClr>
+          </a:lnRef>
+          <a:fillRef idx="1">
+            <a:schemeClr val="accent1"/>
+          </a:fillRef>
+          <a:effectRef idx="0">
+            <a:schemeClr val="accent1"/>
+          </a:effectRef>
+          <a:fontRef idx="minor">
+            <a:schemeClr val="lt1"/>
+          </a:fontRef>
+        </p:style>
+        <p:txBody>
+          <a:bodyPr rtlCol="0" anchor="ctr"/>
+          <a:lstStyle/>
+          <a:p>
+            <a:pPr algn="ctr"/>
+            <a:r>
+              <a:rPr lang="es-MX" sz="1050">
+                <a:solidFill>
+                  <a:schemeClr val="accent2"/>
+                </a:solidFill>
+                <a:latin typeface="Proxima Nova" panose="020B0604020202020204" charset="0"/>
+              </a:rPr>
+              <a:t>KNN</a:t>
+            </a:r>
+            <a:endParaRPr lang="es-AR" sz="1050" dirty="0">
+              <a:solidFill>
+                <a:schemeClr val="accent2"/>
+              </a:solidFill>
+              <a:latin typeface="Proxima Nova" panose="020B0604020202020204" charset="0"/>
+            </a:endParaRPr>
+          </a:p>
+        </p:txBody>
+      </p:sp>
+      <p:sp>
+        <p:nvSpPr>
+          <p:cNvPr id="25" name="Hexágono 24">
+            <a:extLst>
+              <a:ext uri="{FF2B5EF4-FFF2-40B4-BE49-F238E27FC236}">
+                <a16:creationId xmlns:a16="http://schemas.microsoft.com/office/drawing/2014/main" id="{7C430AB4-E5A6-4EA1-9AE1-12E6F6E54DE7}"/>
+              </a:ext>
+            </a:extLst>
+          </p:cNvPr>
+          <p:cNvSpPr/>
+          <p:nvPr/>
+        </p:nvSpPr>
+        <p:spPr>
+          <a:xfrm>
+            <a:off x="5301016" y="4267866"/>
+            <a:ext cx="1087946" cy="720000"/>
+          </a:xfrm>
+          <a:prstGeom prst="hexagon">
+            <a:avLst/>
+          </a:prstGeom>
+          <a:noFill/>
+          <a:ln w="12700">
+            <a:solidFill>
+              <a:schemeClr val="accent4"/>
+            </a:solidFill>
+          </a:ln>
+        </p:spPr>
+        <p:style>
+          <a:lnRef idx="2">
+            <a:schemeClr val="accent1">
+              <a:shade val="50000"/>
+            </a:schemeClr>
+          </a:lnRef>
+          <a:fillRef idx="1">
+            <a:schemeClr val="accent1"/>
+          </a:fillRef>
+          <a:effectRef idx="0">
+            <a:schemeClr val="accent1"/>
+          </a:effectRef>
+          <a:fontRef idx="minor">
+            <a:schemeClr val="lt1"/>
+          </a:fontRef>
+        </p:style>
+        <p:txBody>
+          <a:bodyPr rtlCol="0" anchor="ctr"/>
+          <a:lstStyle/>
+          <a:p>
+            <a:pPr algn="ctr"/>
+            <a:r>
+              <a:rPr lang="es-MX" sz="1050" dirty="0">
+                <a:solidFill>
+                  <a:schemeClr val="accent2"/>
+                </a:solidFill>
+                <a:latin typeface="Proxima Nova" panose="020B0604020202020204" charset="0"/>
+              </a:rPr>
+              <a:t>Regresión logística</a:t>
+            </a:r>
+            <a:endParaRPr lang="es-AR" sz="1050" dirty="0">
+              <a:solidFill>
+                <a:schemeClr val="accent2"/>
+              </a:solidFill>
+              <a:latin typeface="Proxima Nova" panose="020B0604020202020204" charset="0"/>
+            </a:endParaRPr>
+          </a:p>
+        </p:txBody>
+      </p:sp>
+      <p:sp>
+        <p:nvSpPr>
+          <p:cNvPr id="31" name="Hexágono 30">
+            <a:extLst>
+              <a:ext uri="{FF2B5EF4-FFF2-40B4-BE49-F238E27FC236}">
+                <a16:creationId xmlns:a16="http://schemas.microsoft.com/office/drawing/2014/main" id="{C2F20E83-6A15-4642-8DD4-8FC50FB8E0E9}"/>
+              </a:ext>
+            </a:extLst>
+          </p:cNvPr>
+          <p:cNvSpPr/>
+          <p:nvPr/>
+        </p:nvSpPr>
+        <p:spPr>
+          <a:xfrm>
+            <a:off x="6429606" y="4267866"/>
+            <a:ext cx="1087946" cy="720000"/>
+          </a:xfrm>
+          <a:prstGeom prst="hexagon">
+            <a:avLst/>
+          </a:prstGeom>
+          <a:noFill/>
+          <a:ln w="12700">
+            <a:solidFill>
+              <a:schemeClr val="accent4"/>
+            </a:solidFill>
+          </a:ln>
+        </p:spPr>
+        <p:style>
+          <a:lnRef idx="2">
+            <a:schemeClr val="accent1">
+              <a:shade val="50000"/>
+            </a:schemeClr>
+          </a:lnRef>
+          <a:fillRef idx="1">
+            <a:schemeClr val="accent1"/>
+          </a:fillRef>
+          <a:effectRef idx="0">
+            <a:schemeClr val="accent1"/>
+          </a:effectRef>
+          <a:fontRef idx="minor">
+            <a:schemeClr val="lt1"/>
+          </a:fontRef>
+        </p:style>
+        <p:txBody>
+          <a:bodyPr rtlCol="0" anchor="ctr"/>
+          <a:lstStyle/>
+          <a:p>
+            <a:pPr algn="ctr"/>
+            <a:r>
+              <a:rPr lang="es-MX" sz="1050" dirty="0">
+                <a:solidFill>
+                  <a:schemeClr val="accent2"/>
+                </a:solidFill>
+                <a:latin typeface="Proxima Nova" panose="020B0604020202020204" charset="0"/>
+              </a:rPr>
+              <a:t>LDA/QDA</a:t>
+            </a:r>
+            <a:endParaRPr lang="es-AR" sz="1050" dirty="0">
+              <a:solidFill>
+                <a:schemeClr val="accent2"/>
+              </a:solidFill>
+              <a:latin typeface="Proxima Nova" panose="020B0604020202020204" charset="0"/>
+            </a:endParaRPr>
+          </a:p>
+        </p:txBody>
+      </p:sp>
       <p:cxnSp>
         <p:nvCxnSpPr>
-          <p:cNvPr id="28" name="Conector recto 27">
+          <p:cNvPr id="32" name="Conector recto 31">
             <a:extLst>
               <a:ext uri="{FF2B5EF4-FFF2-40B4-BE49-F238E27FC236}">
-                <a16:creationId xmlns:a16="http://schemas.microsoft.com/office/drawing/2014/main" id="{610EB4CE-F79D-42A8-8EBA-0FE012C04690}"/>
+                <a16:creationId xmlns:a16="http://schemas.microsoft.com/office/drawing/2014/main" id="{C3B00572-02A2-4E3D-82BC-B75D70701367}"/>
               </a:ext>
             </a:extLst>
           </p:cNvPr>
           <p:cNvCxnSpPr>
             <a:cxnSpLocks/>
-            <a:stCxn id="16" idx="2"/>
           </p:cNvCxnSpPr>
           <p:nvPr/>
         </p:nvCxnSpPr>
         <p:spPr>
-          <a:xfrm>
-            <a:off x="4357141" y="3991316"/>
-            <a:ext cx="0" cy="252000"/>
+          <a:xfrm flipH="1">
+            <a:off x="3620837" y="3996401"/>
+            <a:ext cx="761942" cy="258700"/>
           </a:xfrm>
           <a:prstGeom prst="line">
             <a:avLst/>
           </a:prstGeom>
-          <a:ln>
+          <a:ln w="12700">
             <a:solidFill>
               <a:schemeClr val="accent4"/>
             </a:solidFill>
@@ -31350,28 +32548,27 @@
       </p:cxnSp>
       <p:cxnSp>
         <p:nvCxnSpPr>
-          <p:cNvPr id="29" name="Conector recto 28">
+          <p:cNvPr id="33" name="Conector recto 32">
             <a:extLst>
               <a:ext uri="{FF2B5EF4-FFF2-40B4-BE49-F238E27FC236}">
-                <a16:creationId xmlns:a16="http://schemas.microsoft.com/office/drawing/2014/main" id="{7CCBC5D3-5241-478B-AA82-4AF6A45F260E}"/>
+                <a16:creationId xmlns:a16="http://schemas.microsoft.com/office/drawing/2014/main" id="{7B528CE7-A62C-4D23-91CA-A1E7496E1C13}"/>
               </a:ext>
             </a:extLst>
           </p:cNvPr>
           <p:cNvCxnSpPr>
             <a:cxnSpLocks/>
-            <a:stCxn id="17" idx="2"/>
           </p:cNvCxnSpPr>
           <p:nvPr/>
         </p:nvCxnSpPr>
         <p:spPr>
           <a:xfrm flipH="1">
-            <a:off x="5819351" y="3989424"/>
+            <a:off x="5844989" y="3994509"/>
             <a:ext cx="526486" cy="275524"/>
           </a:xfrm>
           <a:prstGeom prst="line">
             <a:avLst/>
           </a:prstGeom>
-          <a:ln>
+          <a:ln w="12700">
             <a:solidFill>
               <a:schemeClr val="accent4"/>
             </a:solidFill>
@@ -31394,28 +32591,145 @@
       </p:cxnSp>
       <p:cxnSp>
         <p:nvCxnSpPr>
-          <p:cNvPr id="30" name="Conector recto 29">
+          <p:cNvPr id="34" name="Conector recto 33">
             <a:extLst>
               <a:ext uri="{FF2B5EF4-FFF2-40B4-BE49-F238E27FC236}">
-                <a16:creationId xmlns:a16="http://schemas.microsoft.com/office/drawing/2014/main" id="{CF13F4FE-DE31-406D-BF99-274460C2FBE7}"/>
+                <a16:creationId xmlns:a16="http://schemas.microsoft.com/office/drawing/2014/main" id="{E1B8A249-27E5-4733-AD75-54A6F6E2E898}"/>
               </a:ext>
             </a:extLst>
           </p:cNvPr>
           <p:cNvCxnSpPr>
             <a:cxnSpLocks/>
-            <a:stCxn id="17" idx="2"/>
           </p:cNvCxnSpPr>
           <p:nvPr/>
         </p:nvCxnSpPr>
         <p:spPr>
           <a:xfrm>
-            <a:off x="6345837" y="3989424"/>
+            <a:off x="6371475" y="3994509"/>
             <a:ext cx="602104" cy="275524"/>
           </a:xfrm>
           <a:prstGeom prst="line">
             <a:avLst/>
           </a:prstGeom>
-          <a:ln>
+          <a:ln w="12700">
+            <a:solidFill>
+              <a:schemeClr val="accent4"/>
+            </a:solidFill>
+          </a:ln>
+        </p:spPr>
+        <p:style>
+          <a:lnRef idx="1">
+            <a:schemeClr val="accent1"/>
+          </a:lnRef>
+          <a:fillRef idx="0">
+            <a:schemeClr val="accent1"/>
+          </a:fillRef>
+          <a:effectRef idx="0">
+            <a:schemeClr val="accent1"/>
+          </a:effectRef>
+          <a:fontRef idx="minor">
+            <a:schemeClr val="tx1"/>
+          </a:fontRef>
+        </p:style>
+      </p:cxnSp>
+      <p:sp>
+        <p:nvSpPr>
+          <p:cNvPr id="35" name="Hexágono 34">
+            <a:extLst>
+              <a:ext uri="{FF2B5EF4-FFF2-40B4-BE49-F238E27FC236}">
+                <a16:creationId xmlns:a16="http://schemas.microsoft.com/office/drawing/2014/main" id="{4D52AD16-0151-4B2E-B95B-0789EDDB8DBB}"/>
+              </a:ext>
+            </a:extLst>
+          </p:cNvPr>
+          <p:cNvSpPr/>
+          <p:nvPr/>
+        </p:nvSpPr>
+        <p:spPr>
+          <a:xfrm>
+            <a:off x="4183595" y="4267866"/>
+            <a:ext cx="1087946" cy="720000"/>
+          </a:xfrm>
+          <a:prstGeom prst="hexagon">
+            <a:avLst/>
+          </a:prstGeom>
+          <a:noFill/>
+          <a:ln w="12700">
+            <a:solidFill>
+              <a:schemeClr val="accent4"/>
+            </a:solidFill>
+          </a:ln>
+        </p:spPr>
+        <p:style>
+          <a:lnRef idx="2">
+            <a:schemeClr val="accent1">
+              <a:shade val="50000"/>
+            </a:schemeClr>
+          </a:lnRef>
+          <a:fillRef idx="1">
+            <a:schemeClr val="accent1"/>
+          </a:fillRef>
+          <a:effectRef idx="0">
+            <a:schemeClr val="accent1"/>
+          </a:effectRef>
+          <a:fontRef idx="minor">
+            <a:schemeClr val="lt1"/>
+          </a:fontRef>
+        </p:style>
+        <p:txBody>
+          <a:bodyPr rtlCol="0" anchor="ctr"/>
+          <a:lstStyle/>
+          <a:p>
+            <a:pPr algn="ctr"/>
+            <a:r>
+              <a:rPr lang="es-MX" sz="1050" dirty="0" err="1">
+                <a:solidFill>
+                  <a:schemeClr val="accent2"/>
+                </a:solidFill>
+                <a:latin typeface="Proxima Nova" panose="020B0604020202020204" charset="0"/>
+              </a:rPr>
+              <a:t>Naive</a:t>
+            </a:r>
+            <a:r>
+              <a:rPr lang="es-MX" sz="1050" dirty="0">
+                <a:solidFill>
+                  <a:schemeClr val="accent2"/>
+                </a:solidFill>
+                <a:latin typeface="Proxima Nova" panose="020B0604020202020204" charset="0"/>
+              </a:rPr>
+              <a:t> Bayes</a:t>
+            </a:r>
+            <a:endParaRPr lang="es-AR" sz="1050" dirty="0">
+              <a:solidFill>
+                <a:schemeClr val="accent2"/>
+              </a:solidFill>
+              <a:latin typeface="Proxima Nova" panose="020B0604020202020204" charset="0"/>
+            </a:endParaRPr>
+          </a:p>
+        </p:txBody>
+      </p:sp>
+      <p:cxnSp>
+        <p:nvCxnSpPr>
+          <p:cNvPr id="36" name="Conector recto 35">
+            <a:extLst>
+              <a:ext uri="{FF2B5EF4-FFF2-40B4-BE49-F238E27FC236}">
+                <a16:creationId xmlns:a16="http://schemas.microsoft.com/office/drawing/2014/main" id="{DA36487B-70D6-4513-83E7-34771DF087AD}"/>
+              </a:ext>
+            </a:extLst>
+          </p:cNvPr>
+          <p:cNvCxnSpPr>
+            <a:cxnSpLocks/>
+          </p:cNvCxnSpPr>
+          <p:nvPr/>
+        </p:nvCxnSpPr>
+        <p:spPr>
+          <a:xfrm>
+            <a:off x="4382779" y="3996401"/>
+            <a:ext cx="344789" cy="270528"/>
+          </a:xfrm>
+          <a:prstGeom prst="line">
+            <a:avLst/>
+          </a:prstGeom>
+          <a:ln w="12700">
             <a:solidFill>
               <a:schemeClr val="accent4"/>
             </a:solidFill>
@@ -32338,10 +33652,18 @@
               <a:buNone/>
             </a:pPr>
             <a:r>
-              <a:rPr lang="en-GB"/>
-              <a:t>Variable(s) independiente(s)</a:t>
-            </a:r>
-            <a:endParaRPr/>
+              <a:rPr lang="en-GB" dirty="0"/>
+              <a:t>Variable(s) </a:t>
+            </a:r>
+            <a:r>
+              <a:rPr lang="en-GB" dirty="0" err="1"/>
+              <a:t>independiente</a:t>
+            </a:r>
+            <a:r>
+              <a:rPr lang="en-GB" dirty="0"/>
+              <a:t>(s)</a:t>
+            </a:r>
+            <a:endParaRPr dirty="0"/>
           </a:p>
           <a:p>
             <a:pPr marL="0" lvl="0" indent="0" algn="ctr" rtl="0">
@@ -32353,7 +33675,7 @@
               </a:spcAft>
               <a:buNone/>
             </a:pPr>
-            <a:endParaRPr/>
+            <a:endParaRPr dirty="0"/>
           </a:p>
           <a:p>
             <a:pPr marL="0" lvl="0" indent="0" algn="ctr" rtl="0">
@@ -32366,10 +33688,10 @@
               <a:buNone/>
             </a:pPr>
             <a:r>
-              <a:rPr lang="en-GB" b="1"/>
+              <a:rPr lang="en-GB" b="1" dirty="0"/>
               <a:t>X</a:t>
             </a:r>
-            <a:endParaRPr b="1"/>
+            <a:endParaRPr b="1" dirty="0"/>
           </a:p>
         </p:txBody>
       </p:sp>

--- a/clase1/teorica_1.pptx
+++ b/clase1/teorica_1.pptx
@@ -65,11 +65,11 @@
   <p:notesSz cx="6858000" cy="9144000"/>
   <p:embeddedFontLst>
     <p:embeddedFont>
-      <p:font typeface="MS Mincho" panose="02020609040205080304" pitchFamily="49" charset="-128"/>
+      <p:font typeface="Cambria Math" panose="02040503050406030204" pitchFamily="18" charset="0"/>
       <p:regular r:id="rId55"/>
     </p:embeddedFont>
     <p:embeddedFont>
-      <p:font typeface="Cambria Math" panose="02040503050406030204" pitchFamily="18" charset="0"/>
+      <p:font typeface="MS Mincho" panose="02020609040205080304" pitchFamily="49" charset="-128"/>
       <p:regular r:id="rId56"/>
     </p:embeddedFont>
     <p:embeddedFont>
@@ -13571,10 +13571,42 @@
               <a:buNone/>
             </a:pPr>
             <a:r>
-              <a:rPr lang="en-GB"/>
-              <a:t>En módulo 3 veremos sobre todo aprendizaje supervisado</a:t>
-            </a:r>
-            <a:endParaRPr/>
+              <a:rPr lang="en-GB" dirty="0" err="1"/>
+              <a:t>En</a:t>
+            </a:r>
+            <a:r>
+              <a:rPr lang="en-GB" dirty="0"/>
+              <a:t> </a:t>
+            </a:r>
+            <a:r>
+              <a:rPr lang="en-GB" dirty="0" err="1"/>
+              <a:t>módulo</a:t>
+            </a:r>
+            <a:r>
+              <a:rPr lang="en-GB" dirty="0"/>
+              <a:t> 3 </a:t>
+            </a:r>
+            <a:r>
+              <a:rPr lang="en-GB" dirty="0" err="1"/>
+              <a:t>veremos</a:t>
+            </a:r>
+            <a:r>
+              <a:rPr lang="en-GB" dirty="0"/>
+              <a:t> </a:t>
+            </a:r>
+            <a:r>
+              <a:rPr lang="en-GB" dirty="0" err="1"/>
+              <a:t>aprendizaje</a:t>
+            </a:r>
+            <a:r>
+              <a:rPr lang="en-GB" dirty="0"/>
+              <a:t> </a:t>
+            </a:r>
+            <a:r>
+              <a:rPr lang="en-GB" dirty="0" err="1"/>
+              <a:t>supervisado</a:t>
+            </a:r>
+            <a:endParaRPr dirty="0"/>
           </a:p>
         </p:txBody>
       </p:sp>
@@ -14567,20 +14599,12 @@
               <a:buNone/>
             </a:pPr>
             <a:r>
-              <a:rPr lang="es-MX" sz="2400" b="1" dirty="0" err="1">
-                <a:solidFill>
-                  <a:schemeClr val="bg2"/>
-                </a:solidFill>
-              </a:rPr>
-              <a:t>Núnez</a:t>
-            </a:r>
-            <a:r>
               <a:rPr lang="es-MX" sz="2400" b="1" dirty="0">
                 <a:solidFill>
                   <a:schemeClr val="bg2"/>
                 </a:solidFill>
               </a:rPr>
-              <a:t> </a:t>
+              <a:t>Núñez </a:t>
             </a:r>
             <a:r>
               <a:rPr lang="es-MX" sz="2400" b="1" dirty="0" err="1">
@@ -17118,7 +17142,7 @@
             </a:r>
             <a:r>
               <a:rPr lang="en-GB" dirty="0"/>
-              <a:t> marginal </a:t>
+              <a:t> </a:t>
             </a:r>
             <a:r>
               <a:rPr lang="en-GB" dirty="0" err="1"/>
@@ -19978,62 +20002,45 @@
                             <a:rPr lang="es-AR" sz="2000" b="0" i="1" smtClean="0">
                               <a:latin typeface="Cambria Math" panose="02040503050406030204" pitchFamily="18" charset="0"/>
                             </a:rPr>
-                            <m:t> − </m:t>
+                            <m:t> −</m:t>
                           </m:r>
-                          <m:acc>
-                            <m:accPr>
-                              <m:chr m:val="̂"/>
+                          <m:sSub>
+                            <m:sSubPr>
                               <m:ctrlPr>
-                                <a:rPr lang="es-AR" sz="2000" b="0" i="1" smtClean="0">
+                                <a:rPr lang="es-MX" sz="2000" b="0" i="1" smtClean="0">
                                   <a:latin typeface="Cambria Math" panose="02040503050406030204" pitchFamily="18" charset="0"/>
                                 </a:rPr>
                               </m:ctrlPr>
-                            </m:accPr>
+                            </m:sSubPr>
                             <m:e>
-                              <m:r>
-                                <a:rPr lang="es-AR" sz="2000" b="0" i="1" smtClean="0">
-                                  <a:latin typeface="Cambria Math" panose="02040503050406030204" pitchFamily="18" charset="0"/>
-                                </a:rPr>
-                                <m:t>𝑓</m:t>
-                              </m:r>
-                            </m:e>
-                          </m:acc>
-                          <m:d>
-                            <m:dPr>
-                              <m:ctrlPr>
-                                <a:rPr lang="es-AR" sz="2000" b="0" i="1" smtClean="0">
-                                  <a:latin typeface="Cambria Math" panose="02040503050406030204" pitchFamily="18" charset="0"/>
-                                </a:rPr>
-                              </m:ctrlPr>
-                            </m:dPr>
-                            <m:e>
-                              <m:sSub>
-                                <m:sSubPr>
+                              <m:acc>
+                                <m:accPr>
+                                  <m:chr m:val="̂"/>
                                   <m:ctrlPr>
-                                    <a:rPr lang="es-AR" sz="2000" b="0" i="1" smtClean="0">
+                                    <a:rPr lang="es-MX" sz="2000" b="0" i="1" smtClean="0">
                                       <a:latin typeface="Cambria Math" panose="02040503050406030204" pitchFamily="18" charset="0"/>
                                     </a:rPr>
                                   </m:ctrlPr>
-                                </m:sSubPr>
+                                </m:accPr>
                                 <m:e>
                                   <m:r>
-                                    <a:rPr lang="es-AR" sz="2000" b="0" i="1" smtClean="0">
+                                    <a:rPr lang="es-MX" sz="2000" b="0" i="1" smtClean="0">
                                       <a:latin typeface="Cambria Math" panose="02040503050406030204" pitchFamily="18" charset="0"/>
                                     </a:rPr>
-                                    <m:t>𝑥</m:t>
+                                    <m:t>𝑦</m:t>
                                   </m:r>
                                 </m:e>
-                                <m:sub>
-                                  <m:r>
-                                    <a:rPr lang="es-AR" sz="2000" b="0" i="1" smtClean="0">
-                                      <a:latin typeface="Cambria Math" panose="02040503050406030204" pitchFamily="18" charset="0"/>
-                                    </a:rPr>
-                                    <m:t>𝑖</m:t>
-                                  </m:r>
-                                </m:sub>
-                              </m:sSub>
+                              </m:acc>
                             </m:e>
-                          </m:d>
+                            <m:sub>
+                              <m:r>
+                                <a:rPr lang="es-MX" sz="2000" b="0" i="1" smtClean="0">
+                                  <a:latin typeface="Cambria Math" panose="02040503050406030204" pitchFamily="18" charset="0"/>
+                                </a:rPr>
+                                <m:t>𝑖</m:t>
+                              </m:r>
+                            </m:sub>
+                          </m:sSub>
                           <m:sSup>
                             <m:sSupPr>
                               <m:ctrlPr>
@@ -20067,6 +20074,119 @@
                           </m:r>
                         </m:e>
                       </m:nary>
+                      <m:r>
+                        <a:rPr lang="es-MX" sz="2000" b="0" i="1" smtClean="0">
+                          <a:latin typeface="Cambria Math" panose="02040503050406030204" pitchFamily="18" charset="0"/>
+                        </a:rPr>
+                        <m:t>=</m:t>
+                      </m:r>
+                      <m:r>
+                        <a:rPr lang="es-MX" sz="2000" b="0" i="1" smtClean="0">
+                          <a:latin typeface="Cambria Math" panose="02040503050406030204" pitchFamily="18" charset="0"/>
+                        </a:rPr>
+                        <m:t>𝑉𝑎𝑟𝑖𝑎𝑛𝑧𝑎</m:t>
+                      </m:r>
+                      <m:d>
+                        <m:dPr>
+                          <m:ctrlPr>
+                            <a:rPr lang="es-MX" sz="2000" b="0" i="1" smtClean="0">
+                              <a:latin typeface="Cambria Math" panose="02040503050406030204" pitchFamily="18" charset="0"/>
+                            </a:rPr>
+                          </m:ctrlPr>
+                        </m:dPr>
+                        <m:e>
+                          <m:acc>
+                            <m:accPr>
+                              <m:chr m:val="̂"/>
+                              <m:ctrlPr>
+                                <a:rPr lang="es-MX" sz="2000" b="0" i="1" smtClean="0">
+                                  <a:latin typeface="Cambria Math" panose="02040503050406030204" pitchFamily="18" charset="0"/>
+                                </a:rPr>
+                              </m:ctrlPr>
+                            </m:accPr>
+                            <m:e>
+                              <m:r>
+                                <a:rPr lang="es-MX" sz="2000" b="0" i="1" smtClean="0">
+                                  <a:latin typeface="Cambria Math" panose="02040503050406030204" pitchFamily="18" charset="0"/>
+                                </a:rPr>
+                                <m:t>𝑦</m:t>
+                              </m:r>
+                            </m:e>
+                          </m:acc>
+                        </m:e>
+                      </m:d>
+                      <m:r>
+                        <a:rPr lang="es-MX" sz="2000" b="0" i="1" smtClean="0">
+                          <a:latin typeface="Cambria Math" panose="02040503050406030204" pitchFamily="18" charset="0"/>
+                        </a:rPr>
+                        <m:t>−</m:t>
+                      </m:r>
+                      <m:r>
+                        <a:rPr lang="es-MX" sz="2000" b="0" i="1" smtClean="0">
+                          <a:latin typeface="Cambria Math" panose="02040503050406030204" pitchFamily="18" charset="0"/>
+                        </a:rPr>
+                        <m:t>𝑆𝑒𝑠𝑔𝑜</m:t>
+                      </m:r>
+                      <m:sSup>
+                        <m:sSupPr>
+                          <m:ctrlPr>
+                            <a:rPr lang="es-MX" sz="2000" b="0" i="1" smtClean="0">
+                              <a:latin typeface="Cambria Math" panose="02040503050406030204" pitchFamily="18" charset="0"/>
+                            </a:rPr>
+                          </m:ctrlPr>
+                        </m:sSupPr>
+                        <m:e>
+                          <m:d>
+                            <m:dPr>
+                              <m:ctrlPr>
+                                <a:rPr lang="es-MX" sz="2000" b="0" i="1" smtClean="0">
+                                  <a:latin typeface="Cambria Math" panose="02040503050406030204" pitchFamily="18" charset="0"/>
+                                </a:rPr>
+                              </m:ctrlPr>
+                            </m:dPr>
+                            <m:e>
+                              <m:acc>
+                                <m:accPr>
+                                  <m:chr m:val="̂"/>
+                                  <m:ctrlPr>
+                                    <a:rPr lang="es-MX" sz="2000" b="0" i="1" smtClean="0">
+                                      <a:latin typeface="Cambria Math" panose="02040503050406030204" pitchFamily="18" charset="0"/>
+                                    </a:rPr>
+                                  </m:ctrlPr>
+                                </m:accPr>
+                                <m:e>
+                                  <m:r>
+                                    <a:rPr lang="es-MX" sz="2000" b="0" i="1" smtClean="0">
+                                      <a:latin typeface="Cambria Math" panose="02040503050406030204" pitchFamily="18" charset="0"/>
+                                    </a:rPr>
+                                    <m:t>𝑦</m:t>
+                                  </m:r>
+                                </m:e>
+                              </m:acc>
+                              <m:r>
+                                <a:rPr lang="es-MX" sz="2000" b="0" i="1" smtClean="0">
+                                  <a:latin typeface="Cambria Math" panose="02040503050406030204" pitchFamily="18" charset="0"/>
+                                </a:rPr>
+                                <m:t>,</m:t>
+                              </m:r>
+                              <m:r>
+                                <a:rPr lang="es-MX" sz="2000" b="0" i="1" smtClean="0">
+                                  <a:latin typeface="Cambria Math" panose="02040503050406030204" pitchFamily="18" charset="0"/>
+                                </a:rPr>
+                                <m:t>𝑦</m:t>
+                              </m:r>
+                            </m:e>
+                          </m:d>
+                        </m:e>
+                        <m:sup>
+                          <m:r>
+                            <a:rPr lang="es-MX" sz="2000" b="0" i="1" smtClean="0">
+                              <a:latin typeface="Cambria Math" panose="02040503050406030204" pitchFamily="18" charset="0"/>
+                            </a:rPr>
+                            <m:t>2</m:t>
+                          </m:r>
+                        </m:sup>
+                      </m:sSup>
                     </m:oMath>
                   </m:oMathPara>
                 </a14:m>
@@ -26418,7 +26538,7 @@
                   <a:schemeClr val="lt2"/>
                 </a:highlight>
               </a:rPr>
-              <a:t>Pipes</a:t>
+              <a:t>pipes</a:t>
             </a:r>
             <a:r>
               <a:rPr lang="es-AR" sz="1600" dirty="0"/>

--- a/clase1/teorica_1.pptx
+++ b/clase1/teorica_1.pptx
@@ -11891,33 +11891,6 @@
           </a:p>
         </p:txBody>
       </p:sp>
-      <p:pic>
-        <p:nvPicPr>
-          <p:cNvPr id="61" name="Google Shape;61;p13"/>
-          <p:cNvPicPr preferRelativeResize="0"/>
-          <p:nvPr/>
-        </p:nvPicPr>
-        <p:blipFill rotWithShape="1">
-          <a:blip r:embed="rId3">
-            <a:alphaModFix/>
-          </a:blip>
-          <a:srcRect l="15544" t="36940" r="15948" b="37818"/>
-          <a:stretch/>
-        </p:blipFill>
-        <p:spPr>
-          <a:xfrm>
-            <a:off x="7195950" y="284375"/>
-            <a:ext cx="1684874" cy="465550"/>
-          </a:xfrm>
-          <a:prstGeom prst="rect">
-            <a:avLst/>
-          </a:prstGeom>
-          <a:noFill/>
-          <a:ln>
-            <a:noFill/>
-          </a:ln>
-        </p:spPr>
-      </p:pic>
     </p:spTree>
   </p:cSld>
   <p:clrMapOvr>
@@ -14145,8 +14118,8 @@
         </p:nvSpPr>
         <p:spPr>
           <a:xfrm>
-            <a:off x="311700" y="1152475"/>
-            <a:ext cx="4060500" cy="3416400"/>
+            <a:off x="311699" y="1152475"/>
+            <a:ext cx="4068000" cy="3416400"/>
           </a:xfrm>
           <a:prstGeom prst="rect">
             <a:avLst/>
@@ -14312,7 +14285,7 @@
         <p:spPr>
           <a:xfrm>
             <a:off x="4771800" y="1152475"/>
-            <a:ext cx="4060500" cy="3416400"/>
+            <a:ext cx="4068000" cy="3416400"/>
           </a:xfrm>
           <a:prstGeom prst="rect">
             <a:avLst/>
@@ -20119,7 +20092,7 @@
                         <a:rPr lang="es-MX" sz="2000" b="0" i="1" smtClean="0">
                           <a:latin typeface="Cambria Math" panose="02040503050406030204" pitchFamily="18" charset="0"/>
                         </a:rPr>
-                        <m:t>−</m:t>
+                        <m:t>+</m:t>
                       </m:r>
                       <m:r>
                         <a:rPr lang="es-MX" sz="2000" b="0" i="1" smtClean="0">

--- a/clase1/teorica_1.pptx
+++ b/clase1/teorica_1.pptx
@@ -69,15 +69,11 @@
       <p:regular r:id="rId55"/>
     </p:embeddedFont>
     <p:embeddedFont>
-      <p:font typeface="MS Mincho" panose="02020609040205080304" pitchFamily="49" charset="-128"/>
+      <p:font typeface="Proxima Nova" panose="020B0604020202020204" charset="0"/>
       <p:regular r:id="rId56"/>
-    </p:embeddedFont>
-    <p:embeddedFont>
-      <p:font typeface="Proxima Nova" panose="020B0604020202020204" charset="0"/>
-      <p:regular r:id="rId57"/>
-      <p:bold r:id="rId58"/>
-      <p:italic r:id="rId59"/>
-      <p:boldItalic r:id="rId60"/>
+      <p:bold r:id="rId57"/>
+      <p:italic r:id="rId58"/>
+      <p:boldItalic r:id="rId59"/>
     </p:embeddedFont>
   </p:embeddedFontLst>
   <p:defaultTextStyle>
@@ -14563,35 +14559,8 @@
                   <a:schemeClr val="bg2"/>
                 </a:solidFill>
               </a:rPr>
-              <a:t>Santiago</a:t>
-            </a:r>
-          </a:p>
-          <a:p>
-            <a:pPr marL="0" indent="0">
-              <a:buFont typeface="Proxima Nova"/>
-              <a:buNone/>
-            </a:pPr>
-            <a:r>
-              <a:rPr lang="es-MX" sz="2400" b="1" dirty="0">
-                <a:solidFill>
-                  <a:schemeClr val="bg2"/>
-                </a:solidFill>
-              </a:rPr>
-              <a:t>Núñez </a:t>
-            </a:r>
-            <a:r>
-              <a:rPr lang="es-MX" sz="2400" b="1" dirty="0" err="1">
-                <a:solidFill>
-                  <a:schemeClr val="bg2"/>
-                </a:solidFill>
-              </a:rPr>
-              <a:t>Rimedio</a:t>
-            </a:r>
-            <a:endParaRPr lang="es-MX" sz="2400" b="1" dirty="0">
-              <a:solidFill>
-                <a:schemeClr val="bg2"/>
-              </a:solidFill>
-            </a:endParaRPr>
+              <a:t>Nayla Sol Garcilazo</a:t>
+            </a:r>
           </a:p>
           <a:p>
             <a:pPr marL="114300" indent="0">
@@ -14607,7 +14576,7 @@
             </a:pPr>
             <a:r>
               <a:rPr lang="es-MX" dirty="0"/>
-              <a:t>Estudiante de Antropología Social UNSAM</a:t>
+              <a:t>Lic. en Sociología UBA</a:t>
             </a:r>
           </a:p>
           <a:p>
@@ -14617,11 +14586,21 @@
             </a:pPr>
             <a:r>
               <a:rPr lang="es-MX" dirty="0"/>
+              <a:t>Diploma en Análisis de Datos y Pol. Públicas UBA</a:t>
+            </a:r>
+          </a:p>
+          <a:p>
+            <a:pPr>
+              <a:buFont typeface="Wingdings" panose="05000000000000000000" pitchFamily="2" charset="2"/>
+              <a:buChar char="§"/>
+            </a:pPr>
+            <a:r>
+              <a:rPr lang="es-MX" dirty="0"/>
               <a:t>Asistente de investigación </a:t>
             </a:r>
             <a:r>
               <a:rPr lang="es-MX" dirty="0" err="1"/>
-              <a:t>factor</a:t>
+              <a:t>Factor</a:t>
             </a:r>
             <a:r>
               <a:rPr lang="es-MX" sz="1200" dirty="0" err="1"/>
@@ -14629,7 +14608,7 @@
             </a:r>
             <a:r>
               <a:rPr lang="es-MX" dirty="0" err="1"/>
-              <a:t>data</a:t>
+              <a:t>Data</a:t>
             </a:r>
             <a:endParaRPr lang="es-MX" dirty="0"/>
           </a:p>
@@ -19802,8 +19781,8 @@
           </a:p>
         </p:txBody>
       </p:sp>
-      <mc:AlternateContent xmlns:mc="http://schemas.openxmlformats.org/markup-compatibility/2006">
-        <mc:Choice xmlns:a14="http://schemas.microsoft.com/office/drawing/2010/main" Requires="a14">
+      <mc:AlternateContent xmlns:mc="http://schemas.openxmlformats.org/markup-compatibility/2006" xmlns:a14="http://schemas.microsoft.com/office/drawing/2010/main">
+        <mc:Choice Requires="a14">
           <p:sp>
             <p:nvSpPr>
               <p:cNvPr id="3" name="Marcador de texto 2">
@@ -20205,7 +20184,7 @@
             </p:txBody>
           </p:sp>
         </mc:Choice>
-        <mc:Fallback>
+        <mc:Fallback xmlns="">
           <p:sp>
             <p:nvSpPr>
               <p:cNvPr id="3" name="Marcador de texto 2">
